--- a/report/Timeline.Report.pptx
+++ b/report/Timeline.Report.pptx
@@ -11,34 +11,26 @@
     <p:sldId id="296" r:id="rId5"/>
     <p:sldId id="297" r:id="rId6"/>
     <p:sldId id="258" r:id="rId7"/>
-    <p:sldId id="259" r:id="rId8"/>
-    <p:sldId id="260" r:id="rId9"/>
-    <p:sldId id="286" r:id="rId10"/>
-    <p:sldId id="287" r:id="rId11"/>
-    <p:sldId id="288" r:id="rId12"/>
-    <p:sldId id="261" r:id="rId13"/>
-    <p:sldId id="262" r:id="rId14"/>
-    <p:sldId id="290" r:id="rId15"/>
-    <p:sldId id="291" r:id="rId16"/>
-    <p:sldId id="263" r:id="rId17"/>
-    <p:sldId id="264" r:id="rId18"/>
-    <p:sldId id="292" r:id="rId19"/>
-    <p:sldId id="265" r:id="rId20"/>
-    <p:sldId id="266" r:id="rId21"/>
-    <p:sldId id="269" r:id="rId22"/>
-    <p:sldId id="270" r:id="rId23"/>
-    <p:sldId id="294" r:id="rId24"/>
-    <p:sldId id="282" r:id="rId25"/>
-    <p:sldId id="283" r:id="rId26"/>
-    <p:sldId id="284" r:id="rId27"/>
-    <p:sldId id="285" r:id="rId28"/>
-    <p:sldId id="272" r:id="rId29"/>
-    <p:sldId id="273" r:id="rId30"/>
-    <p:sldId id="274" r:id="rId31"/>
-    <p:sldId id="293" r:id="rId32"/>
-    <p:sldId id="279" r:id="rId33"/>
-    <p:sldId id="280" r:id="rId34"/>
-    <p:sldId id="281" r:id="rId35"/>
+    <p:sldId id="303" r:id="rId8"/>
+    <p:sldId id="304" r:id="rId9"/>
+    <p:sldId id="259" r:id="rId10"/>
+    <p:sldId id="260" r:id="rId11"/>
+    <p:sldId id="286" r:id="rId12"/>
+    <p:sldId id="287" r:id="rId13"/>
+    <p:sldId id="288" r:id="rId14"/>
+    <p:sldId id="261" r:id="rId15"/>
+    <p:sldId id="262" r:id="rId16"/>
+    <p:sldId id="302" r:id="rId17"/>
+    <p:sldId id="291" r:id="rId18"/>
+    <p:sldId id="263" r:id="rId19"/>
+    <p:sldId id="264" r:id="rId20"/>
+    <p:sldId id="282" r:id="rId21"/>
+    <p:sldId id="301" r:id="rId22"/>
+    <p:sldId id="299" r:id="rId23"/>
+    <p:sldId id="293" r:id="rId24"/>
+    <p:sldId id="279" r:id="rId25"/>
+    <p:sldId id="280" r:id="rId26"/>
+    <p:sldId id="281" r:id="rId27"/>
   </p:sldIdLst>
   <p:sldSz cx="9144000" cy="6858000" type="screen4x3"/>
   <p:notesSz cx="6858000" cy="9144000"/>
@@ -322,7 +314,7 @@
             <a:fld id="{1D8BD707-D9CF-40AE-B4C6-C98DA3205C09}" type="datetimeFigureOut">
               <a:rPr lang="en-US" smtClean="0"/>
               <a:pPr/>
-              <a:t>5/6/2020</a:t>
+              <a:t>5/8/2020</a:t>
             </a:fld>
             <a:endParaRPr lang="en-US"/>
           </a:p>
@@ -489,7 +481,7 @@
             <a:fld id="{1D8BD707-D9CF-40AE-B4C6-C98DA3205C09}" type="datetimeFigureOut">
               <a:rPr lang="en-US" smtClean="0"/>
               <a:pPr/>
-              <a:t>5/6/2020</a:t>
+              <a:t>5/8/2020</a:t>
             </a:fld>
             <a:endParaRPr lang="en-US"/>
           </a:p>
@@ -666,7 +658,7 @@
             <a:fld id="{1D8BD707-D9CF-40AE-B4C6-C98DA3205C09}" type="datetimeFigureOut">
               <a:rPr lang="en-US" smtClean="0"/>
               <a:pPr/>
-              <a:t>5/6/2020</a:t>
+              <a:t>5/8/2020</a:t>
             </a:fld>
             <a:endParaRPr lang="en-US"/>
           </a:p>
@@ -833,7 +825,7 @@
             <a:fld id="{1D8BD707-D9CF-40AE-B4C6-C98DA3205C09}" type="datetimeFigureOut">
               <a:rPr lang="en-US" smtClean="0"/>
               <a:pPr/>
-              <a:t>5/6/2020</a:t>
+              <a:t>5/8/2020</a:t>
             </a:fld>
             <a:endParaRPr lang="en-US"/>
           </a:p>
@@ -1076,7 +1068,7 @@
             <a:fld id="{1D8BD707-D9CF-40AE-B4C6-C98DA3205C09}" type="datetimeFigureOut">
               <a:rPr lang="en-US" smtClean="0"/>
               <a:pPr/>
-              <a:t>5/6/2020</a:t>
+              <a:t>5/8/2020</a:t>
             </a:fld>
             <a:endParaRPr lang="en-US"/>
           </a:p>
@@ -1361,7 +1353,7 @@
             <a:fld id="{1D8BD707-D9CF-40AE-B4C6-C98DA3205C09}" type="datetimeFigureOut">
               <a:rPr lang="en-US" smtClean="0"/>
               <a:pPr/>
-              <a:t>5/6/2020</a:t>
+              <a:t>5/8/2020</a:t>
             </a:fld>
             <a:endParaRPr lang="en-US"/>
           </a:p>
@@ -1780,7 +1772,7 @@
             <a:fld id="{1D8BD707-D9CF-40AE-B4C6-C98DA3205C09}" type="datetimeFigureOut">
               <a:rPr lang="en-US" smtClean="0"/>
               <a:pPr/>
-              <a:t>5/6/2020</a:t>
+              <a:t>5/8/2020</a:t>
             </a:fld>
             <a:endParaRPr lang="en-US"/>
           </a:p>
@@ -1895,7 +1887,7 @@
             <a:fld id="{1D8BD707-D9CF-40AE-B4C6-C98DA3205C09}" type="datetimeFigureOut">
               <a:rPr lang="en-US" smtClean="0"/>
               <a:pPr/>
-              <a:t>5/6/2020</a:t>
+              <a:t>5/8/2020</a:t>
             </a:fld>
             <a:endParaRPr lang="en-US"/>
           </a:p>
@@ -1987,7 +1979,7 @@
             <a:fld id="{1D8BD707-D9CF-40AE-B4C6-C98DA3205C09}" type="datetimeFigureOut">
               <a:rPr lang="en-US" smtClean="0"/>
               <a:pPr/>
-              <a:t>5/6/2020</a:t>
+              <a:t>5/8/2020</a:t>
             </a:fld>
             <a:endParaRPr lang="en-US"/>
           </a:p>
@@ -2261,7 +2253,7 @@
             <a:fld id="{1D8BD707-D9CF-40AE-B4C6-C98DA3205C09}" type="datetimeFigureOut">
               <a:rPr lang="en-US" smtClean="0"/>
               <a:pPr/>
-              <a:t>5/6/2020</a:t>
+              <a:t>5/8/2020</a:t>
             </a:fld>
             <a:endParaRPr lang="en-US"/>
           </a:p>
@@ -2511,7 +2503,7 @@
             <a:fld id="{1D8BD707-D9CF-40AE-B4C6-C98DA3205C09}" type="datetimeFigureOut">
               <a:rPr lang="en-US" smtClean="0"/>
               <a:pPr/>
-              <a:t>5/6/2020</a:t>
+              <a:t>5/8/2020</a:t>
             </a:fld>
             <a:endParaRPr lang="en-US"/>
           </a:p>
@@ -2721,7 +2713,7 @@
             <a:fld id="{1D8BD707-D9CF-40AE-B4C6-C98DA3205C09}" type="datetimeFigureOut">
               <a:rPr lang="en-US" smtClean="0"/>
               <a:pPr/>
-              <a:t>5/6/2020</a:t>
+              <a:t>5/8/2020</a:t>
             </a:fld>
             <a:endParaRPr lang="en-US"/>
           </a:p>
@@ -3720,6 +3712,519 @@
           <a:p>
             <a:r>
               <a:rPr lang="en-US" dirty="0" smtClean="0"/>
+              <a:t>IMPROVE RSSI</a:t>
+            </a:r>
+            <a:endParaRPr lang="en-US" dirty="0"/>
+          </a:p>
+        </p:txBody>
+      </p:sp>
+      <p:pic>
+        <p:nvPicPr>
+          <p:cNvPr id="3074" name="Picture 2" descr="F:\thuc_tap\BLE\report\ppt\improve_rssi.jpg"/>
+          <p:cNvPicPr>
+            <a:picLocks noChangeAspect="1" noChangeArrowheads="1"/>
+          </p:cNvPicPr>
+          <p:nvPr/>
+        </p:nvPicPr>
+        <p:blipFill>
+          <a:blip r:embed="rId2">
+            <a:extLst>
+              <a:ext uri="{28A0092B-C50C-407E-A947-70E740481C1C}">
+                <a14:useLocalDpi xmlns:a14="http://schemas.microsoft.com/office/drawing/2010/main" val="0"/>
+              </a:ext>
+            </a:extLst>
+          </a:blip>
+          <a:srcRect/>
+          <a:stretch>
+            <a:fillRect/>
+          </a:stretch>
+        </p:blipFill>
+        <p:spPr bwMode="auto">
+          <a:xfrm>
+            <a:off x="0" y="1219200"/>
+            <a:ext cx="9144000" cy="4648200"/>
+          </a:xfrm>
+          <a:prstGeom prst="rect">
+            <a:avLst/>
+          </a:prstGeom>
+          <a:noFill/>
+          <a:extLst>
+            <a:ext uri="{909E8E84-426E-40DD-AFC4-6F175D3DCCD1}">
+              <a14:hiddenFill xmlns:a14="http://schemas.microsoft.com/office/drawing/2010/main">
+                <a:solidFill>
+                  <a:srgbClr val="FFFFFF"/>
+                </a:solidFill>
+              </a14:hiddenFill>
+            </a:ext>
+          </a:extLst>
+        </p:spPr>
+      </p:pic>
+      <p:sp>
+        <p:nvSpPr>
+          <p:cNvPr id="6" name="Title 1"/>
+          <p:cNvSpPr txBox="1">
+            <a:spLocks/>
+          </p:cNvSpPr>
+          <p:nvPr/>
+        </p:nvSpPr>
+        <p:spPr>
+          <a:xfrm>
+            <a:off x="304800" y="5486400"/>
+            <a:ext cx="8229600" cy="1143000"/>
+          </a:xfrm>
+          <a:prstGeom prst="rect">
+            <a:avLst/>
+          </a:prstGeom>
+        </p:spPr>
+        <p:txBody>
+          <a:bodyPr vert="horz" lIns="91440" tIns="45720" rIns="91440" bIns="45720" rtlCol="0" anchor="ctr">
+            <a:normAutofit/>
+          </a:bodyPr>
+          <a:lstStyle>
+            <a:lvl1pPr algn="ctr" defTabSz="914400" rtl="0" eaLnBrk="1" latinLnBrk="0" hangingPunct="1">
+              <a:spcBef>
+                <a:spcPct val="0"/>
+              </a:spcBef>
+              <a:buNone/>
+              <a:defRPr sz="4400" kern="1200">
+                <a:solidFill>
+                  <a:schemeClr val="tx1"/>
+                </a:solidFill>
+                <a:latin typeface="+mj-lt"/>
+                <a:ea typeface="+mj-ea"/>
+                <a:cs typeface="+mj-cs"/>
+              </a:defRPr>
+            </a:lvl1pPr>
+          </a:lstStyle>
+          <a:p>
+            <a:r>
+              <a:rPr lang="en-US" sz="2000" dirty="0" smtClean="0"/>
+              <a:t>=&gt; RSSI Tag </a:t>
+            </a:r>
+            <a:r>
+              <a:rPr lang="en-US" sz="2000" dirty="0" err="1" smtClean="0"/>
+              <a:t>và</a:t>
+            </a:r>
+            <a:r>
+              <a:rPr lang="en-US" sz="2000" dirty="0" smtClean="0"/>
+              <a:t> </a:t>
+            </a:r>
+            <a:r>
+              <a:rPr lang="en-US" sz="2000" dirty="0" err="1" smtClean="0"/>
+              <a:t>Pathloss</a:t>
+            </a:r>
+            <a:r>
+              <a:rPr lang="en-US" sz="2000" dirty="0" smtClean="0"/>
+              <a:t> </a:t>
+            </a:r>
+            <a:r>
+              <a:rPr lang="en-US" sz="2000" dirty="0" err="1" smtClean="0"/>
+              <a:t>có</a:t>
+            </a:r>
+            <a:r>
+              <a:rPr lang="en-US" sz="2000" dirty="0" smtClean="0"/>
+              <a:t> </a:t>
+            </a:r>
+            <a:r>
+              <a:rPr lang="en-US" sz="2000" dirty="0" err="1" smtClean="0"/>
+              <a:t>cùng</a:t>
+            </a:r>
+            <a:r>
+              <a:rPr lang="en-US" sz="2000" dirty="0" smtClean="0"/>
+              <a:t> </a:t>
+            </a:r>
+            <a:r>
+              <a:rPr lang="en-US" sz="2000" dirty="0" err="1" smtClean="0"/>
+              <a:t>bản</a:t>
+            </a:r>
+            <a:r>
+              <a:rPr lang="en-US" sz="2000" dirty="0" smtClean="0"/>
+              <a:t> </a:t>
+            </a:r>
+            <a:r>
+              <a:rPr lang="en-US" sz="2000" dirty="0" err="1" smtClean="0"/>
+              <a:t>chất</a:t>
+            </a:r>
+            <a:r>
+              <a:rPr lang="en-US" sz="2000" dirty="0" smtClean="0"/>
+              <a:t> </a:t>
+            </a:r>
+            <a:r>
+              <a:rPr lang="en-US" sz="2000" dirty="0" err="1" smtClean="0"/>
+              <a:t>với</a:t>
+            </a:r>
+            <a:r>
+              <a:rPr lang="en-US" sz="2000" dirty="0" smtClean="0"/>
+              <a:t> </a:t>
+            </a:r>
+            <a:r>
+              <a:rPr lang="en-US" sz="2000" dirty="0" err="1" smtClean="0"/>
+              <a:t>nhau</a:t>
+            </a:r>
+            <a:r>
+              <a:rPr lang="en-US" sz="2000" dirty="0"/>
+              <a:t> </a:t>
+            </a:r>
+            <a:r>
+              <a:rPr lang="en-US" sz="2000" dirty="0" smtClean="0"/>
+              <a:t>=&gt; </a:t>
+            </a:r>
+            <a:r>
+              <a:rPr lang="en-US" sz="2000" dirty="0" err="1" smtClean="0"/>
+              <a:t>cơ</a:t>
+            </a:r>
+            <a:r>
+              <a:rPr lang="en-US" sz="2000" dirty="0" smtClean="0"/>
+              <a:t> </a:t>
+            </a:r>
+            <a:r>
+              <a:rPr lang="en-US" sz="2000" dirty="0" err="1" smtClean="0"/>
+              <a:t>sở</a:t>
+            </a:r>
+            <a:r>
+              <a:rPr lang="en-US" sz="2000" dirty="0" smtClean="0"/>
+              <a:t> </a:t>
+            </a:r>
+            <a:r>
+              <a:rPr lang="en-US" sz="2000" dirty="0" err="1" smtClean="0"/>
+              <a:t>để</a:t>
+            </a:r>
+            <a:r>
+              <a:rPr lang="en-US" sz="2000" dirty="0" smtClean="0"/>
+              <a:t> </a:t>
+            </a:r>
+            <a:r>
+              <a:rPr lang="en-US" sz="2000" dirty="0" err="1" smtClean="0"/>
+              <a:t>xây</a:t>
+            </a:r>
+            <a:r>
+              <a:rPr lang="en-US" sz="2000" dirty="0" smtClean="0"/>
+              <a:t> </a:t>
+            </a:r>
+            <a:r>
+              <a:rPr lang="en-US" sz="2000" dirty="0" err="1" smtClean="0"/>
+              <a:t>dựng</a:t>
+            </a:r>
+            <a:r>
+              <a:rPr lang="en-US" sz="2000" dirty="0" smtClean="0"/>
+              <a:t> </a:t>
+            </a:r>
+            <a:r>
+              <a:rPr lang="en-US" sz="2000" b="1" dirty="0" smtClean="0"/>
+              <a:t>Improve </a:t>
+            </a:r>
+            <a:r>
+              <a:rPr lang="en-US" sz="2000" b="1" dirty="0" err="1" smtClean="0"/>
+              <a:t>Pathloss</a:t>
+            </a:r>
+            <a:r>
+              <a:rPr lang="en-US" sz="2000" b="1" dirty="0" smtClean="0"/>
+              <a:t> Exponent</a:t>
+            </a:r>
+            <a:endParaRPr lang="en-US" sz="2000" dirty="0"/>
+          </a:p>
+        </p:txBody>
+      </p:sp>
+    </p:spTree>
+    <p:extLst>
+      <p:ext uri="{BB962C8B-B14F-4D97-AF65-F5344CB8AC3E}">
+        <p14:creationId xmlns:p14="http://schemas.microsoft.com/office/powerpoint/2010/main" val="1354242580"/>
+      </p:ext>
+    </p:extLst>
+  </p:cSld>
+  <p:clrMapOvr>
+    <a:masterClrMapping/>
+  </p:clrMapOvr>
+</p:sld>
+</file>
+
+<file path=ppt/slides/slide11.xml><?xml version="1.0" encoding="utf-8"?>
+<p:sld xmlns:a="http://schemas.openxmlformats.org/drawingml/2006/main" xmlns:r="http://schemas.openxmlformats.org/officeDocument/2006/relationships" xmlns:p="http://schemas.openxmlformats.org/presentationml/2006/main">
+  <p:cSld>
+    <p:spTree>
+      <p:nvGrpSpPr>
+        <p:cNvPr id="1" name=""/>
+        <p:cNvGrpSpPr/>
+        <p:nvPr/>
+      </p:nvGrpSpPr>
+      <p:grpSpPr>
+        <a:xfrm>
+          <a:off x="0" y="0"/>
+          <a:ext cx="0" cy="0"/>
+          <a:chOff x="0" y="0"/>
+          <a:chExt cx="0" cy="0"/>
+        </a:xfrm>
+      </p:grpSpPr>
+      <p:sp>
+        <p:nvSpPr>
+          <p:cNvPr id="2" name="Title 1"/>
+          <p:cNvSpPr>
+            <a:spLocks noGrp="1"/>
+          </p:cNvSpPr>
+          <p:nvPr>
+            <p:ph type="title"/>
+          </p:nvPr>
+        </p:nvSpPr>
+        <p:spPr/>
+        <p:txBody>
+          <a:bodyPr/>
+          <a:lstStyle/>
+          <a:p>
+            <a:r>
+              <a:rPr lang="en-US" dirty="0" smtClean="0"/>
+              <a:t>DAY AND NIGHT</a:t>
+            </a:r>
+            <a:endParaRPr lang="en-US" dirty="0"/>
+          </a:p>
+        </p:txBody>
+      </p:sp>
+      <p:sp>
+        <p:nvSpPr>
+          <p:cNvPr id="3" name="Content Placeholder 2"/>
+          <p:cNvSpPr>
+            <a:spLocks noGrp="1"/>
+          </p:cNvSpPr>
+          <p:nvPr>
+            <p:ph idx="1"/>
+          </p:nvPr>
+        </p:nvSpPr>
+        <p:spPr/>
+        <p:txBody>
+          <a:bodyPr/>
+          <a:lstStyle/>
+          <a:p>
+            <a:pPr algn="just"/>
+            <a:r>
+              <a:rPr lang="en-US" dirty="0" smtClean="0"/>
+              <a:t>So </a:t>
+            </a:r>
+            <a:r>
+              <a:rPr lang="en-US" dirty="0" err="1" smtClean="0"/>
+              <a:t>sánh</a:t>
+            </a:r>
+            <a:r>
+              <a:rPr lang="en-US" dirty="0" smtClean="0"/>
+              <a:t> </a:t>
+            </a:r>
+            <a:r>
+              <a:rPr lang="en-US" dirty="0" err="1" smtClean="0"/>
+              <a:t>kết</a:t>
+            </a:r>
+            <a:r>
+              <a:rPr lang="en-US" dirty="0" smtClean="0"/>
+              <a:t> </a:t>
+            </a:r>
+            <a:r>
+              <a:rPr lang="en-US" dirty="0" err="1" smtClean="0"/>
+              <a:t>quả</a:t>
+            </a:r>
+            <a:r>
+              <a:rPr lang="en-US" dirty="0" smtClean="0"/>
+              <a:t> RSSI RAW </a:t>
+            </a:r>
+            <a:r>
+              <a:rPr lang="en-US" dirty="0" err="1" smtClean="0"/>
+              <a:t>và</a:t>
+            </a:r>
+            <a:r>
+              <a:rPr lang="en-US" dirty="0" smtClean="0"/>
+              <a:t> KALMAN </a:t>
+            </a:r>
+            <a:r>
+              <a:rPr lang="en-US" dirty="0" err="1" smtClean="0"/>
+              <a:t>thu</a:t>
+            </a:r>
+            <a:r>
+              <a:rPr lang="en-US" dirty="0" smtClean="0"/>
+              <a:t> </a:t>
+            </a:r>
+            <a:r>
+              <a:rPr lang="en-US" dirty="0" err="1" smtClean="0"/>
+              <a:t>được</a:t>
+            </a:r>
+            <a:r>
+              <a:rPr lang="en-US" dirty="0" smtClean="0"/>
+              <a:t> </a:t>
+            </a:r>
+            <a:r>
+              <a:rPr lang="en-US" dirty="0" err="1" smtClean="0"/>
+              <a:t>giữa</a:t>
+            </a:r>
+            <a:r>
+              <a:rPr lang="en-US" dirty="0" smtClean="0"/>
+              <a:t> ban </a:t>
+            </a:r>
+            <a:r>
+              <a:rPr lang="en-US" dirty="0" err="1" smtClean="0"/>
+              <a:t>ngày</a:t>
+            </a:r>
+            <a:r>
+              <a:rPr lang="en-US" dirty="0" smtClean="0"/>
+              <a:t> </a:t>
+            </a:r>
+            <a:r>
+              <a:rPr lang="en-US" dirty="0" err="1" smtClean="0"/>
+              <a:t>và</a:t>
+            </a:r>
+            <a:r>
+              <a:rPr lang="en-US" dirty="0" smtClean="0"/>
+              <a:t> ban </a:t>
+            </a:r>
+            <a:r>
+              <a:rPr lang="en-US" dirty="0" err="1" smtClean="0"/>
+              <a:t>đêm</a:t>
+            </a:r>
+            <a:r>
+              <a:rPr lang="en-US" dirty="0" smtClean="0"/>
+              <a:t> </a:t>
+            </a:r>
+            <a:r>
+              <a:rPr lang="en-US" dirty="0" err="1" smtClean="0"/>
+              <a:t>để</a:t>
+            </a:r>
+            <a:r>
+              <a:rPr lang="en-US" dirty="0" smtClean="0"/>
+              <a:t> </a:t>
+            </a:r>
+            <a:r>
+              <a:rPr lang="en-US" dirty="0" err="1" smtClean="0"/>
+              <a:t>có</a:t>
+            </a:r>
+            <a:r>
+              <a:rPr lang="en-US" dirty="0" smtClean="0"/>
+              <a:t> </a:t>
+            </a:r>
+            <a:r>
+              <a:rPr lang="en-US" dirty="0" err="1" smtClean="0"/>
+              <a:t>đánh</a:t>
+            </a:r>
+            <a:r>
+              <a:rPr lang="en-US" dirty="0" smtClean="0"/>
+              <a:t> </a:t>
+            </a:r>
+            <a:r>
+              <a:rPr lang="en-US" dirty="0" err="1" smtClean="0"/>
+              <a:t>giá</a:t>
+            </a:r>
+            <a:r>
+              <a:rPr lang="en-US" dirty="0" smtClean="0"/>
+              <a:t> </a:t>
+            </a:r>
+            <a:r>
+              <a:rPr lang="en-US" dirty="0" err="1" smtClean="0"/>
+              <a:t>tổng</a:t>
+            </a:r>
+            <a:r>
+              <a:rPr lang="en-US" dirty="0" smtClean="0"/>
+              <a:t> </a:t>
+            </a:r>
+            <a:r>
+              <a:rPr lang="en-US" dirty="0" err="1" smtClean="0"/>
+              <a:t>quan</a:t>
+            </a:r>
+            <a:r>
+              <a:rPr lang="en-US" dirty="0" smtClean="0"/>
+              <a:t> </a:t>
+            </a:r>
+            <a:r>
+              <a:rPr lang="en-US" dirty="0" err="1" smtClean="0"/>
+              <a:t>về</a:t>
+            </a:r>
+            <a:r>
+              <a:rPr lang="en-US" dirty="0" smtClean="0"/>
+              <a:t> </a:t>
+            </a:r>
+            <a:r>
+              <a:rPr lang="en-US" dirty="0" err="1" smtClean="0"/>
+              <a:t>yếu</a:t>
+            </a:r>
+            <a:r>
+              <a:rPr lang="en-US" dirty="0" smtClean="0"/>
+              <a:t> </a:t>
+            </a:r>
+            <a:r>
+              <a:rPr lang="en-US" dirty="0" err="1" smtClean="0"/>
+              <a:t>tố</a:t>
+            </a:r>
+            <a:r>
+              <a:rPr lang="en-US" dirty="0" smtClean="0"/>
+              <a:t> </a:t>
+            </a:r>
+            <a:r>
+              <a:rPr lang="en-US" dirty="0" err="1" smtClean="0"/>
+              <a:t>ảnh</a:t>
+            </a:r>
+            <a:r>
+              <a:rPr lang="en-US" dirty="0" smtClean="0"/>
+              <a:t> </a:t>
+            </a:r>
+            <a:r>
+              <a:rPr lang="en-US" dirty="0" err="1" smtClean="0"/>
+              <a:t>hưởng</a:t>
+            </a:r>
+            <a:r>
+              <a:rPr lang="en-US" dirty="0" smtClean="0"/>
+              <a:t> </a:t>
+            </a:r>
+            <a:r>
+              <a:rPr lang="en-US" dirty="0" err="1" smtClean="0"/>
+              <a:t>đến</a:t>
+            </a:r>
+            <a:r>
+              <a:rPr lang="en-US" dirty="0" smtClean="0"/>
+              <a:t> RSSI.</a:t>
+            </a:r>
+            <a:endParaRPr lang="en-US" dirty="0"/>
+          </a:p>
+        </p:txBody>
+      </p:sp>
+    </p:spTree>
+    <p:extLst>
+      <p:ext uri="{BB962C8B-B14F-4D97-AF65-F5344CB8AC3E}">
+        <p14:creationId xmlns:p14="http://schemas.microsoft.com/office/powerpoint/2010/main" val="2216855903"/>
+      </p:ext>
+    </p:extLst>
+  </p:cSld>
+  <p:clrMapOvr>
+    <a:masterClrMapping/>
+  </p:clrMapOvr>
+</p:sld>
+</file>
+
+<file path=ppt/slides/slide12.xml><?xml version="1.0" encoding="utf-8"?>
+<p:sld xmlns:a="http://schemas.openxmlformats.org/drawingml/2006/main" xmlns:r="http://schemas.openxmlformats.org/officeDocument/2006/relationships" xmlns:p="http://schemas.openxmlformats.org/presentationml/2006/main">
+  <p:cSld>
+    <p:spTree>
+      <p:nvGrpSpPr>
+        <p:cNvPr id="1" name=""/>
+        <p:cNvGrpSpPr/>
+        <p:nvPr/>
+      </p:nvGrpSpPr>
+      <p:grpSpPr>
+        <a:xfrm>
+          <a:off x="0" y="0"/>
+          <a:ext cx="0" cy="0"/>
+          <a:chOff x="0" y="0"/>
+          <a:chExt cx="0" cy="0"/>
+        </a:xfrm>
+      </p:grpSpPr>
+      <p:sp>
+        <p:nvSpPr>
+          <p:cNvPr id="2" name="Title 1"/>
+          <p:cNvSpPr>
+            <a:spLocks noGrp="1"/>
+          </p:cNvSpPr>
+          <p:nvPr>
+            <p:ph type="title"/>
+          </p:nvPr>
+        </p:nvSpPr>
+        <p:spPr/>
+        <p:txBody>
+          <a:bodyPr/>
+          <a:lstStyle/>
+          <a:p>
+            <a:r>
+              <a:rPr lang="en-US" dirty="0" smtClean="0"/>
               <a:t>DAY AND NIGHT</a:t>
             </a:r>
             <a:endParaRPr lang="en-US" dirty="0"/>
@@ -3838,7 +4343,7 @@
 </p:sld>
 </file>
 
-<file path=ppt/slides/slide11.xml><?xml version="1.0" encoding="utf-8"?>
+<file path=ppt/slides/slide13.xml><?xml version="1.0" encoding="utf-8"?>
 <p:sld xmlns:a="http://schemas.openxmlformats.org/drawingml/2006/main" xmlns:r="http://schemas.openxmlformats.org/officeDocument/2006/relationships" xmlns:p="http://schemas.openxmlformats.org/presentationml/2006/main">
   <p:cSld>
     <p:spTree>
@@ -4156,7 +4661,7 @@
 </p:sld>
 </file>
 
-<file path=ppt/slides/slide12.xml><?xml version="1.0" encoding="utf-8"?>
+<file path=ppt/slides/slide14.xml><?xml version="1.0" encoding="utf-8"?>
 <p:sld xmlns:a="http://schemas.openxmlformats.org/drawingml/2006/main" xmlns:r="http://schemas.openxmlformats.org/officeDocument/2006/relationships" xmlns:p="http://schemas.openxmlformats.org/presentationml/2006/main">
   <p:cSld>
     <p:spTree>
@@ -4316,71 +4821,31 @@
             <a:pPr algn="just"/>
             <a:r>
               <a:rPr lang="en-US" dirty="0" err="1" smtClean="0"/>
-              <a:t>Tương</a:t>
-            </a:r>
-            <a:r>
-              <a:rPr lang="en-US" dirty="0" smtClean="0"/>
-              <a:t> </a:t>
-            </a:r>
-            <a:r>
-              <a:rPr lang="en-US" dirty="0" err="1" smtClean="0"/>
-              <a:t>tự</a:t>
-            </a:r>
-            <a:r>
-              <a:rPr lang="en-US" dirty="0" smtClean="0"/>
-              <a:t> </a:t>
-            </a:r>
-            <a:r>
-              <a:rPr lang="en-US" dirty="0" err="1" smtClean="0"/>
-              <a:t>như</a:t>
-            </a:r>
-            <a:r>
-              <a:rPr lang="en-US" dirty="0" smtClean="0"/>
-              <a:t> Gateway, </a:t>
-            </a:r>
-            <a:r>
-              <a:rPr lang="en-US" dirty="0" err="1" smtClean="0"/>
-              <a:t>đặt</a:t>
-            </a:r>
-            <a:r>
-              <a:rPr lang="en-US" dirty="0" smtClean="0"/>
-              <a:t> </a:t>
-            </a:r>
-            <a:r>
-              <a:rPr lang="en-US" dirty="0" err="1" smtClean="0"/>
-              <a:t>thêm</a:t>
-            </a:r>
-            <a:r>
-              <a:rPr lang="en-US" dirty="0" smtClean="0"/>
-              <a:t> 1 </a:t>
-            </a:r>
-            <a:r>
-              <a:rPr lang="en-US" dirty="0" err="1" smtClean="0"/>
-              <a:t>thiết</a:t>
-            </a:r>
-            <a:r>
-              <a:rPr lang="en-US" dirty="0" smtClean="0"/>
-              <a:t> </a:t>
-            </a:r>
-            <a:r>
-              <a:rPr lang="en-US" dirty="0" err="1" smtClean="0"/>
-              <a:t>bị</a:t>
-            </a:r>
-            <a:r>
-              <a:rPr lang="en-US" dirty="0" smtClean="0"/>
-              <a:t> </a:t>
-            </a:r>
-            <a:r>
-              <a:rPr lang="en-US" dirty="0" err="1" smtClean="0"/>
-              <a:t>thu</a:t>
-            </a:r>
-            <a:r>
-              <a:rPr lang="en-US" dirty="0" smtClean="0"/>
-              <a:t> </a:t>
-            </a:r>
-            <a:r>
-              <a:rPr lang="en-US" dirty="0" err="1" smtClean="0"/>
-              <a:t>tên</a:t>
+              <a:t>Cố</a:t>
+            </a:r>
+            <a:r>
+              <a:rPr lang="en-US" dirty="0" smtClean="0"/>
+              <a:t> </a:t>
+            </a:r>
+            <a:r>
+              <a:rPr lang="en-US" dirty="0" err="1" smtClean="0"/>
+              <a:t>định</a:t>
+            </a:r>
+            <a:r>
+              <a:rPr lang="en-US" dirty="0" smtClean="0"/>
+              <a:t> </a:t>
+            </a:r>
+            <a:r>
+              <a:rPr lang="en-US" dirty="0" err="1" smtClean="0"/>
+              <a:t>vị</a:t>
+            </a:r>
+            <a:r>
+              <a:rPr lang="en-US" dirty="0" smtClean="0"/>
+              <a:t> </a:t>
+            </a:r>
+            <a:r>
+              <a:rPr lang="en-US" dirty="0" err="1" smtClean="0"/>
+              <a:t>trí</a:t>
             </a:r>
             <a:r>
               <a:rPr lang="en-US" dirty="0" smtClean="0"/>
@@ -4392,39 +4857,11 @@
             </a:r>
             <a:r>
               <a:rPr lang="en-US" dirty="0" smtClean="0"/>
-              <a:t> </a:t>
-            </a:r>
-            <a:r>
-              <a:rPr lang="en-US" dirty="0" err="1" smtClean="0"/>
-              <a:t>cố</a:t>
-            </a:r>
-            <a:r>
-              <a:rPr lang="en-US" dirty="0" smtClean="0"/>
-              <a:t> </a:t>
-            </a:r>
-            <a:r>
-              <a:rPr lang="en-US" dirty="0" err="1" smtClean="0"/>
-              <a:t>định</a:t>
-            </a:r>
-            <a:r>
-              <a:rPr lang="en-US" dirty="0" smtClean="0"/>
-              <a:t> </a:t>
-            </a:r>
-            <a:r>
-              <a:rPr lang="en-US" dirty="0" err="1" smtClean="0"/>
-              <a:t>vị</a:t>
-            </a:r>
-            <a:r>
-              <a:rPr lang="en-US" dirty="0" smtClean="0"/>
-              <a:t> </a:t>
-            </a:r>
-            <a:r>
-              <a:rPr lang="en-US" dirty="0" err="1" smtClean="0"/>
-              <a:t>trí</a:t>
-            </a:r>
-            <a:r>
-              <a:rPr lang="en-US" dirty="0" smtClean="0"/>
-              <a:t>. </a:t>
+              <a:t>.</a:t>
+            </a:r>
+            <a:r>
+              <a:rPr lang="en-US" dirty="0" smtClean="0"/>
+              <a:t> </a:t>
             </a:r>
             <a:r>
               <a:rPr lang="en-US" dirty="0" err="1" smtClean="0"/>
@@ -4506,13 +4943,21 @@
               <a:rPr lang="en-US" dirty="0" smtClean="0"/>
               <a:t> n. </a:t>
             </a:r>
+            <a:endParaRPr lang="en-US" dirty="0" smtClean="0"/>
+          </a:p>
+          <a:p>
+            <a:pPr algn="just"/>
             <a:r>
               <a:rPr lang="en-US" dirty="0" err="1" smtClean="0"/>
               <a:t>Thay</a:t>
             </a:r>
             <a:r>
               <a:rPr lang="en-US" dirty="0" smtClean="0"/>
-              <a:t> n </a:t>
+              <a:t> </a:t>
+            </a:r>
+            <a:r>
+              <a:rPr lang="en-US" dirty="0" smtClean="0"/>
+              <a:t>n </a:t>
             </a:r>
             <a:r>
               <a:rPr lang="en-US" dirty="0" err="1" smtClean="0"/>
@@ -4548,7 +4993,7 @@
             </a:r>
             <a:r>
               <a:rPr lang="en-US" dirty="0" err="1" smtClean="0"/>
-              <a:t>vkhoangr</a:t>
+              <a:t>khoảng</a:t>
             </a:r>
             <a:r>
               <a:rPr lang="en-US" dirty="0" smtClean="0"/>
@@ -4643,7 +5088,7 @@
 </p:sld>
 </file>
 
-<file path=ppt/slides/slide13.xml><?xml version="1.0" encoding="utf-8"?>
+<file path=ppt/slides/slide15.xml><?xml version="1.0" encoding="utf-8"?>
 <p:sld xmlns:a="http://schemas.openxmlformats.org/drawingml/2006/main" xmlns:r="http://schemas.openxmlformats.org/officeDocument/2006/relationships" xmlns:p="http://schemas.openxmlformats.org/presentationml/2006/main">
   <p:cSld>
     <p:spTree>
@@ -4660,66 +5105,6 @@
           <a:chExt cx="0" cy="0"/>
         </a:xfrm>
       </p:grpSpPr>
-      <p:sp>
-        <p:nvSpPr>
-          <p:cNvPr id="2" name="Title 1"/>
-          <p:cNvSpPr>
-            <a:spLocks noGrp="1"/>
-          </p:cNvSpPr>
-          <p:nvPr>
-            <p:ph type="title"/>
-          </p:nvPr>
-        </p:nvSpPr>
-        <p:spPr/>
-        <p:txBody>
-          <a:bodyPr/>
-          <a:lstStyle/>
-          <a:p>
-            <a:r>
-              <a:rPr lang="en-US" dirty="0" smtClean="0"/>
-              <a:t>IMPROVE PATHLOSS EXPONENT</a:t>
-            </a:r>
-            <a:endParaRPr lang="en-US" dirty="0"/>
-          </a:p>
-        </p:txBody>
-      </p:sp>
-      <p:pic>
-        <p:nvPicPr>
-          <p:cNvPr id="4" name="Content Placeholder 3" descr="F:\thuc_tap\BLE\report\daynight\2020.04.10_cal_dis_93.jpg"/>
-          <p:cNvPicPr>
-            <a:picLocks noGrp="1"/>
-          </p:cNvPicPr>
-          <p:nvPr>
-            <p:ph idx="1"/>
-          </p:nvPr>
-        </p:nvPicPr>
-        <p:blipFill>
-          <a:blip r:embed="rId2" cstate="print">
-            <a:extLst>
-              <a:ext uri="{28A0092B-C50C-407E-A947-70E740481C1C}">
-                <a14:useLocalDpi xmlns:a14="http://schemas.microsoft.com/office/drawing/2010/main" val="0"/>
-              </a:ext>
-            </a:extLst>
-          </a:blip>
-          <a:srcRect/>
-          <a:stretch>
-            <a:fillRect/>
-          </a:stretch>
-        </p:blipFill>
-        <p:spPr bwMode="auto">
-          <a:xfrm>
-            <a:off x="0" y="1219200"/>
-            <a:ext cx="9144000" cy="4572000"/>
-          </a:xfrm>
-          <a:prstGeom prst="rect">
-            <a:avLst/>
-          </a:prstGeom>
-          <a:noFill/>
-          <a:ln>
-            <a:noFill/>
-          </a:ln>
-        </p:spPr>
-      </p:pic>
       <p:sp>
         <p:nvSpPr>
           <p:cNvPr id="5" name="Title 1"/>
@@ -4758,123 +5143,21 @@
             </a:lvl1pPr>
           </a:lstStyle>
           <a:p>
-            <a:r>
-              <a:rPr lang="en-US" sz="2000" dirty="0" err="1" smtClean="0"/>
-              <a:t>Kết</a:t>
-            </a:r>
-            <a:r>
-              <a:rPr lang="en-US" sz="2000" dirty="0" smtClean="0"/>
-              <a:t> </a:t>
-            </a:r>
-            <a:r>
-              <a:rPr lang="en-US" sz="2000" dirty="0" err="1" smtClean="0"/>
-              <a:t>quả</a:t>
-            </a:r>
-            <a:r>
-              <a:rPr lang="en-US" sz="2000" dirty="0" smtClean="0"/>
-              <a:t> </a:t>
-            </a:r>
-            <a:r>
-              <a:rPr lang="en-US" sz="2000" dirty="0" err="1" smtClean="0"/>
-              <a:t>sử</a:t>
-            </a:r>
-            <a:r>
-              <a:rPr lang="en-US" sz="2000" dirty="0" smtClean="0"/>
-              <a:t> </a:t>
-            </a:r>
-            <a:r>
-              <a:rPr lang="en-US" sz="2000" dirty="0" err="1" smtClean="0"/>
-              <a:t>dụng</a:t>
-            </a:r>
-            <a:r>
-              <a:rPr lang="en-US" sz="2000" dirty="0" smtClean="0"/>
-              <a:t> Dynamic </a:t>
-            </a:r>
-            <a:r>
-              <a:rPr lang="en-US" sz="2000" dirty="0" err="1" smtClean="0"/>
-              <a:t>Pathloss</a:t>
-            </a:r>
-            <a:r>
-              <a:rPr lang="en-US" sz="2000" dirty="0" smtClean="0"/>
-              <a:t> </a:t>
-            </a:r>
-            <a:r>
-              <a:rPr lang="en-US" sz="2000" dirty="0"/>
-              <a:t>E</a:t>
-            </a:r>
-            <a:r>
-              <a:rPr lang="en-US" sz="2000" dirty="0" smtClean="0"/>
-              <a:t>xponent</a:t>
-            </a:r>
+            <a:pPr algn="just"/>
             <a:endParaRPr lang="en-US" sz="2000" dirty="0"/>
-          </a:p>
-        </p:txBody>
-      </p:sp>
-    </p:spTree>
-    <p:extLst>
-      <p:ext uri="{BB962C8B-B14F-4D97-AF65-F5344CB8AC3E}">
-        <p14:creationId xmlns:p14="http://schemas.microsoft.com/office/powerpoint/2010/main" val="251987010"/>
-      </p:ext>
-    </p:extLst>
-  </p:cSld>
-  <p:clrMapOvr>
-    <a:masterClrMapping/>
-  </p:clrMapOvr>
-</p:sld>
-</file>
-
-<file path=ppt/slides/slide14.xml><?xml version="1.0" encoding="utf-8"?>
-<p:sld xmlns:a="http://schemas.openxmlformats.org/drawingml/2006/main" xmlns:r="http://schemas.openxmlformats.org/officeDocument/2006/relationships" xmlns:p="http://schemas.openxmlformats.org/presentationml/2006/main">
-  <p:cSld>
-    <p:spTree>
-      <p:nvGrpSpPr>
-        <p:cNvPr id="1" name=""/>
-        <p:cNvGrpSpPr/>
-        <p:nvPr/>
-      </p:nvGrpSpPr>
-      <p:grpSpPr>
-        <a:xfrm>
-          <a:off x="0" y="0"/>
-          <a:ext cx="0" cy="0"/>
-          <a:chOff x="0" y="0"/>
-          <a:chExt cx="0" cy="0"/>
-        </a:xfrm>
-      </p:grpSpPr>
-      <p:sp>
-        <p:nvSpPr>
-          <p:cNvPr id="2" name="Title 1"/>
-          <p:cNvSpPr>
-            <a:spLocks noGrp="1"/>
-          </p:cNvSpPr>
-          <p:nvPr>
-            <p:ph type="title"/>
-          </p:nvPr>
-        </p:nvSpPr>
-        <p:spPr/>
-        <p:txBody>
-          <a:bodyPr/>
-          <a:lstStyle/>
-          <a:p>
-            <a:r>
-              <a:rPr lang="en-US" dirty="0" smtClean="0"/>
-              <a:t>IMPROVE PATHLOSS EXPONENT</a:t>
-            </a:r>
-            <a:endParaRPr lang="en-US" dirty="0"/>
           </a:p>
         </p:txBody>
       </p:sp>
       <p:pic>
         <p:nvPicPr>
-          <p:cNvPr id="4" name="Content Placeholder 3" descr="F:\thuc_tap\BLE\report\daynight\2020.04.10_cal_dis_93_pl1.5.jpg"/>
+          <p:cNvPr id="3074" name="Picture 2" descr="F:\thuc_tap\BLE_matlab\report\ppt\pathloss_Exponent.jpg"/>
           <p:cNvPicPr>
-            <a:picLocks noGrp="1"/>
+            <a:picLocks noChangeAspect="1" noChangeArrowheads="1"/>
           </p:cNvPicPr>
-          <p:nvPr>
-            <p:ph idx="1"/>
-          </p:nvPr>
+          <p:nvPr/>
         </p:nvPicPr>
         <p:blipFill>
-          <a:blip r:embed="rId2" cstate="print">
+          <a:blip r:embed="rId2">
             <a:extLst>
               <a:ext uri="{28A0092B-C50C-407E-A947-70E740481C1C}">
                 <a14:useLocalDpi xmlns:a14="http://schemas.microsoft.com/office/drawing/2010/main" val="0"/>
@@ -4888,21 +5171,50 @@
         </p:blipFill>
         <p:spPr bwMode="auto">
           <a:xfrm>
-            <a:off x="0" y="1143000"/>
-            <a:ext cx="9144000" cy="4876800"/>
+            <a:off x="0" y="914400"/>
+            <a:ext cx="9144000" cy="4343400"/>
           </a:xfrm>
           <a:prstGeom prst="rect">
             <a:avLst/>
           </a:prstGeom>
           <a:noFill/>
-          <a:ln>
-            <a:noFill/>
-          </a:ln>
+          <a:extLst>
+            <a:ext uri="{909E8E84-426E-40DD-AFC4-6F175D3DCCD1}">
+              <a14:hiddenFill xmlns:a14="http://schemas.microsoft.com/office/drawing/2010/main">
+                <a:solidFill>
+                  <a:srgbClr val="FFFFFF"/>
+                </a:solidFill>
+              </a14:hiddenFill>
+            </a:ext>
+          </a:extLst>
         </p:spPr>
       </p:pic>
       <p:sp>
         <p:nvSpPr>
-          <p:cNvPr id="6" name="Title 1"/>
+          <p:cNvPr id="2" name="Title 1"/>
+          <p:cNvSpPr>
+            <a:spLocks noGrp="1"/>
+          </p:cNvSpPr>
+          <p:nvPr>
+            <p:ph type="title"/>
+          </p:nvPr>
+        </p:nvSpPr>
+        <p:spPr/>
+        <p:txBody>
+          <a:bodyPr/>
+          <a:lstStyle/>
+          <a:p>
+            <a:r>
+              <a:rPr lang="en-US" dirty="0" smtClean="0"/>
+              <a:t>IMPROVE PATHLOSS EXPONENT</a:t>
+            </a:r>
+            <a:endParaRPr lang="en-US" dirty="0"/>
+          </a:p>
+        </p:txBody>
+      </p:sp>
+      <p:sp>
+        <p:nvSpPr>
+          <p:cNvPr id="7" name="Title 1"/>
           <p:cNvSpPr txBox="1">
             <a:spLocks/>
           </p:cNvSpPr>
@@ -4910,7 +5222,7 @@
         </p:nvSpPr>
         <p:spPr>
           <a:xfrm>
-            <a:off x="762000" y="5334000"/>
+            <a:off x="457200" y="5410200"/>
             <a:ext cx="8229600" cy="1143000"/>
           </a:xfrm>
           <a:prstGeom prst="rect">
@@ -4939,8 +5251,20 @@
           </a:lstStyle>
           <a:p>
             <a:r>
-              <a:rPr lang="en-US" sz="2000" dirty="0" err="1" smtClean="0"/>
-              <a:t>Kết</a:t>
+              <a:rPr lang="en-US" sz="2000" dirty="0" smtClean="0"/>
+              <a:t>So </a:t>
+            </a:r>
+            <a:r>
+              <a:rPr lang="en-US" sz="2000" dirty="0" err="1" smtClean="0"/>
+              <a:t>sánh</a:t>
+            </a:r>
+            <a:r>
+              <a:rPr lang="en-US" sz="2000" dirty="0" smtClean="0"/>
+              <a:t> </a:t>
+            </a:r>
+            <a:r>
+              <a:rPr lang="en-US" sz="2000" dirty="0" err="1" smtClean="0"/>
+              <a:t>kết</a:t>
             </a:r>
             <a:r>
               <a:rPr lang="en-US" sz="2000" dirty="0" smtClean="0"/>
@@ -4956,14 +5280,6 @@
             </a:r>
             <a:r>
               <a:rPr lang="en-US" sz="2000" dirty="0" err="1" smtClean="0"/>
-              <a:t>khi</a:t>
-            </a:r>
-            <a:r>
-              <a:rPr lang="en-US" sz="2000" dirty="0" smtClean="0"/>
-              <a:t> </a:t>
-            </a:r>
-            <a:r>
-              <a:rPr lang="en-US" sz="2000" dirty="0" err="1" smtClean="0"/>
               <a:t>sử</a:t>
             </a:r>
             <a:r>
@@ -4976,6 +5292,14 @@
             </a:r>
             <a:r>
               <a:rPr lang="en-US" sz="2000" dirty="0" smtClean="0"/>
+              <a:t> Dynamic </a:t>
+            </a:r>
+            <a:r>
+              <a:rPr lang="en-US" sz="2000" dirty="0" err="1" smtClean="0"/>
+              <a:t>và</a:t>
+            </a:r>
+            <a:r>
+              <a:rPr lang="en-US" sz="2000" dirty="0" smtClean="0"/>
               <a:t> Static </a:t>
             </a:r>
             <a:r>
@@ -4984,7 +5308,7 @@
             </a:r>
             <a:r>
               <a:rPr lang="en-US" sz="2000" dirty="0" smtClean="0"/>
-              <a:t> Exponent = 1.5</a:t>
+              <a:t> Exponent</a:t>
             </a:r>
             <a:endParaRPr lang="en-US" sz="2000" dirty="0"/>
           </a:p>
@@ -4993,7 +5317,7 @@
     </p:spTree>
     <p:extLst>
       <p:ext uri="{BB962C8B-B14F-4D97-AF65-F5344CB8AC3E}">
-        <p14:creationId xmlns:p14="http://schemas.microsoft.com/office/powerpoint/2010/main" val="246628466"/>
+        <p14:creationId xmlns:p14="http://schemas.microsoft.com/office/powerpoint/2010/main" val="251987010"/>
       </p:ext>
     </p:extLst>
   </p:cSld>
@@ -5003,7 +5327,7 @@
 </p:sld>
 </file>
 
-<file path=ppt/slides/slide15.xml><?xml version="1.0" encoding="utf-8"?>
+<file path=ppt/slides/slide16.xml><?xml version="1.0" encoding="utf-8"?>
 <p:sld xmlns:a="http://schemas.openxmlformats.org/drawingml/2006/main" xmlns:r="http://schemas.openxmlformats.org/officeDocument/2006/relationships" xmlns:p="http://schemas.openxmlformats.org/presentationml/2006/main">
   <p:cSld>
     <p:spTree>
@@ -5043,6 +5367,190 @@
           </a:p>
         </p:txBody>
       </p:sp>
+      <p:pic>
+        <p:nvPicPr>
+          <p:cNvPr id="4098" name="Picture 2" descr="F:\thuc_tap\BLE_matlab\report\ppt\dynamic_pathloss.jpg"/>
+          <p:cNvPicPr>
+            <a:picLocks noChangeAspect="1" noChangeArrowheads="1"/>
+          </p:cNvPicPr>
+          <p:nvPr/>
+        </p:nvPicPr>
+        <p:blipFill>
+          <a:blip r:embed="rId2">
+            <a:extLst>
+              <a:ext uri="{28A0092B-C50C-407E-A947-70E740481C1C}">
+                <a14:useLocalDpi xmlns:a14="http://schemas.microsoft.com/office/drawing/2010/main" val="0"/>
+              </a:ext>
+            </a:extLst>
+          </a:blip>
+          <a:srcRect/>
+          <a:stretch>
+            <a:fillRect/>
+          </a:stretch>
+        </p:blipFill>
+        <p:spPr bwMode="auto">
+          <a:xfrm>
+            <a:off x="-12700" y="1143000"/>
+            <a:ext cx="9156700" cy="4648200"/>
+          </a:xfrm>
+          <a:prstGeom prst="rect">
+            <a:avLst/>
+          </a:prstGeom>
+          <a:noFill/>
+          <a:extLst>
+            <a:ext uri="{909E8E84-426E-40DD-AFC4-6F175D3DCCD1}">
+              <a14:hiddenFill xmlns:a14="http://schemas.microsoft.com/office/drawing/2010/main">
+                <a:solidFill>
+                  <a:srgbClr val="FFFFFF"/>
+                </a:solidFill>
+              </a14:hiddenFill>
+            </a:ext>
+          </a:extLst>
+        </p:spPr>
+      </p:pic>
+      <p:sp>
+        <p:nvSpPr>
+          <p:cNvPr id="5" name="Title 1"/>
+          <p:cNvSpPr txBox="1">
+            <a:spLocks/>
+          </p:cNvSpPr>
+          <p:nvPr/>
+        </p:nvSpPr>
+        <p:spPr>
+          <a:xfrm>
+            <a:off x="304800" y="5486400"/>
+            <a:ext cx="8229600" cy="1143000"/>
+          </a:xfrm>
+          <a:prstGeom prst="rect">
+            <a:avLst/>
+          </a:prstGeom>
+        </p:spPr>
+        <p:txBody>
+          <a:bodyPr vert="horz" lIns="91440" tIns="45720" rIns="91440" bIns="45720" rtlCol="0" anchor="ctr">
+            <a:normAutofit/>
+          </a:bodyPr>
+          <a:lstStyle>
+            <a:lvl1pPr algn="ctr" defTabSz="914400" rtl="0" eaLnBrk="1" latinLnBrk="0" hangingPunct="1">
+              <a:spcBef>
+                <a:spcPct val="0"/>
+              </a:spcBef>
+              <a:buNone/>
+              <a:defRPr sz="4400" kern="1200">
+                <a:solidFill>
+                  <a:schemeClr val="tx1"/>
+                </a:solidFill>
+                <a:latin typeface="+mj-lt"/>
+                <a:ea typeface="+mj-ea"/>
+                <a:cs typeface="+mj-cs"/>
+              </a:defRPr>
+            </a:lvl1pPr>
+          </a:lstStyle>
+          <a:p>
+            <a:r>
+              <a:rPr lang="en-US" sz="2000" dirty="0" smtClean="0"/>
+              <a:t>Dynamic </a:t>
+            </a:r>
+            <a:r>
+              <a:rPr lang="en-US" sz="2000" dirty="0" err="1" smtClean="0"/>
+              <a:t>Pathloss</a:t>
+            </a:r>
+            <a:r>
+              <a:rPr lang="en-US" sz="2000" dirty="0" smtClean="0"/>
+              <a:t> Exponent </a:t>
+            </a:r>
+            <a:r>
+              <a:rPr lang="en-US" sz="2000" dirty="0" err="1" smtClean="0"/>
+              <a:t>biến</a:t>
+            </a:r>
+            <a:r>
+              <a:rPr lang="en-US" sz="2000" dirty="0" smtClean="0"/>
+              <a:t> </a:t>
+            </a:r>
+            <a:r>
+              <a:rPr lang="en-US" sz="2000" dirty="0" err="1" smtClean="0"/>
+              <a:t>động</a:t>
+            </a:r>
+            <a:r>
+              <a:rPr lang="en-US" sz="2000" dirty="0" smtClean="0"/>
+              <a:t> </a:t>
+            </a:r>
+            <a:r>
+              <a:rPr lang="en-US" sz="2000" dirty="0" err="1" smtClean="0"/>
+              <a:t>theo</a:t>
+            </a:r>
+            <a:r>
+              <a:rPr lang="en-US" sz="2000" dirty="0" smtClean="0"/>
+              <a:t> </a:t>
+            </a:r>
+            <a:r>
+              <a:rPr lang="en-US" sz="2000" dirty="0" err="1" smtClean="0"/>
+              <a:t>thời</a:t>
+            </a:r>
+            <a:r>
+              <a:rPr lang="en-US" sz="2000" dirty="0" smtClean="0"/>
+              <a:t> </a:t>
+            </a:r>
+            <a:r>
+              <a:rPr lang="en-US" sz="2000" dirty="0" err="1" smtClean="0"/>
+              <a:t>gian</a:t>
+            </a:r>
+            <a:endParaRPr lang="en-US" sz="2000" dirty="0"/>
+          </a:p>
+        </p:txBody>
+      </p:sp>
+    </p:spTree>
+    <p:extLst>
+      <p:ext uri="{BB962C8B-B14F-4D97-AF65-F5344CB8AC3E}">
+        <p14:creationId xmlns:p14="http://schemas.microsoft.com/office/powerpoint/2010/main" val="1886567699"/>
+      </p:ext>
+    </p:extLst>
+  </p:cSld>
+  <p:clrMapOvr>
+    <a:masterClrMapping/>
+  </p:clrMapOvr>
+</p:sld>
+</file>
+
+<file path=ppt/slides/slide17.xml><?xml version="1.0" encoding="utf-8"?>
+<p:sld xmlns:a="http://schemas.openxmlformats.org/drawingml/2006/main" xmlns:r="http://schemas.openxmlformats.org/officeDocument/2006/relationships" xmlns:p="http://schemas.openxmlformats.org/presentationml/2006/main">
+  <p:cSld>
+    <p:spTree>
+      <p:nvGrpSpPr>
+        <p:cNvPr id="1" name=""/>
+        <p:cNvGrpSpPr/>
+        <p:nvPr/>
+      </p:nvGrpSpPr>
+      <p:grpSpPr>
+        <a:xfrm>
+          <a:off x="0" y="0"/>
+          <a:ext cx="0" cy="0"/>
+          <a:chOff x="0" y="0"/>
+          <a:chExt cx="0" cy="0"/>
+        </a:xfrm>
+      </p:grpSpPr>
+      <p:sp>
+        <p:nvSpPr>
+          <p:cNvPr id="2" name="Title 1"/>
+          <p:cNvSpPr>
+            <a:spLocks noGrp="1"/>
+          </p:cNvSpPr>
+          <p:nvPr>
+            <p:ph type="title"/>
+          </p:nvPr>
+        </p:nvSpPr>
+        <p:spPr/>
+        <p:txBody>
+          <a:bodyPr/>
+          <a:lstStyle/>
+          <a:p>
+            <a:r>
+              <a:rPr lang="en-US" dirty="0" smtClean="0"/>
+              <a:t>IMPROVE PATHLOSS EXPONENT</a:t>
+            </a:r>
+            <a:endParaRPr lang="en-US" dirty="0"/>
+          </a:p>
+        </p:txBody>
+      </p:sp>
       <p:sp>
         <p:nvSpPr>
           <p:cNvPr id="3" name="Content Placeholder 2"/>
@@ -5056,7 +5564,7 @@
         <p:spPr/>
         <p:txBody>
           <a:bodyPr>
-            <a:normAutofit fontScale="92500" lnSpcReduction="20000"/>
+            <a:normAutofit/>
           </a:bodyPr>
           <a:lstStyle/>
           <a:p>
@@ -5114,84 +5622,16 @@
               <a:t> RSSI </a:t>
             </a:r>
             <a:r>
-              <a:rPr lang="en-US" dirty="0" err="1"/>
+              <a:rPr lang="en-US" dirty="0" err="1" smtClean="0"/>
               <a:t>thô</a:t>
             </a:r>
             <a:r>
+              <a:rPr lang="en-US" dirty="0" smtClean="0"/>
+              <a:t>. </a:t>
+            </a:r>
+            <a:r>
               <a:rPr lang="en-US" dirty="0"/>
-              <a:t> </a:t>
-            </a:r>
-            <a:r>
-              <a:rPr lang="en-US" dirty="0" err="1"/>
-              <a:t>đo</a:t>
-            </a:r>
-            <a:r>
-              <a:rPr lang="en-US" dirty="0"/>
-              <a:t> </a:t>
-            </a:r>
-            <a:r>
-              <a:rPr lang="en-US" dirty="0" err="1"/>
-              <a:t>được</a:t>
-            </a:r>
-            <a:r>
-              <a:rPr lang="en-US" dirty="0"/>
-              <a:t> </a:t>
-            </a:r>
-            <a:r>
-              <a:rPr lang="en-US" dirty="0" err="1"/>
-              <a:t>nên</a:t>
-            </a:r>
-            <a:r>
-              <a:rPr lang="en-US" dirty="0"/>
-              <a:t> </a:t>
-            </a:r>
-            <a:r>
-              <a:rPr lang="en-US" dirty="0" err="1"/>
-              <a:t>cũng</a:t>
-            </a:r>
-            <a:r>
-              <a:rPr lang="en-US" dirty="0"/>
-              <a:t> </a:t>
-            </a:r>
-            <a:r>
-              <a:rPr lang="en-US" dirty="0" err="1"/>
-              <a:t>mang</a:t>
-            </a:r>
-            <a:r>
-              <a:rPr lang="en-US" dirty="0"/>
-              <a:t> </a:t>
-            </a:r>
-            <a:r>
-              <a:rPr lang="en-US" dirty="0" err="1"/>
-              <a:t>tính</a:t>
-            </a:r>
-            <a:r>
-              <a:rPr lang="en-US" dirty="0"/>
-              <a:t> </a:t>
-            </a:r>
-            <a:r>
-              <a:rPr lang="en-US" dirty="0" err="1"/>
-              <a:t>chất</a:t>
-            </a:r>
-            <a:r>
-              <a:rPr lang="en-US" dirty="0"/>
-              <a:t> </a:t>
-            </a:r>
-            <a:r>
-              <a:rPr lang="en-US" dirty="0" err="1"/>
-              <a:t>của</a:t>
-            </a:r>
-            <a:r>
-              <a:rPr lang="en-US" dirty="0"/>
-              <a:t> RSSI </a:t>
-            </a:r>
-            <a:r>
-              <a:rPr lang="en-US" dirty="0" err="1"/>
-              <a:t>thô</a:t>
-            </a:r>
-            <a:r>
-              <a:rPr lang="en-US" dirty="0"/>
-              <a:t>. Ban </a:t>
+              <a:t>Ban </a:t>
             </a:r>
             <a:r>
               <a:rPr lang="en-US" dirty="0" err="1"/>
@@ -5269,457 +5709,137 @@
           <a:p>
             <a:pPr lvl="0" algn="just"/>
             <a:r>
-              <a:rPr lang="en-US" dirty="0" err="1"/>
-              <a:t>Khi</a:t>
-            </a:r>
-            <a:r>
-              <a:rPr lang="en-US" dirty="0"/>
-              <a:t> </a:t>
-            </a:r>
-            <a:r>
-              <a:rPr lang="en-US" dirty="0" err="1"/>
-              <a:t>sử</a:t>
-            </a:r>
-            <a:r>
-              <a:rPr lang="en-US" dirty="0"/>
-              <a:t> </a:t>
-            </a:r>
-            <a:r>
-              <a:rPr lang="en-US" dirty="0" err="1"/>
-              <a:t>dụng</a:t>
-            </a:r>
-            <a:r>
-              <a:rPr lang="en-US" dirty="0"/>
-              <a:t> </a:t>
-            </a:r>
-            <a:r>
-              <a:rPr lang="en-US" dirty="0" smtClean="0"/>
+              <a:rPr lang="en-US" b="1" dirty="0" smtClean="0"/>
               <a:t>Dynamic </a:t>
             </a:r>
             <a:r>
-              <a:rPr lang="en-US" dirty="0" err="1" smtClean="0"/>
+              <a:rPr lang="en-US" b="1" dirty="0" err="1" smtClean="0"/>
               <a:t>Pathloss</a:t>
             </a:r>
             <a:r>
-              <a:rPr lang="en-US" dirty="0" smtClean="0"/>
-              <a:t>, </a:t>
-            </a:r>
-            <a:r>
-              <a:rPr lang="en-US" dirty="0"/>
-              <a:t>ta </a:t>
-            </a:r>
-            <a:r>
-              <a:rPr lang="en-US" dirty="0" err="1"/>
-              <a:t>có</a:t>
-            </a:r>
-            <a:r>
-              <a:rPr lang="en-US" dirty="0"/>
-              <a:t> </a:t>
-            </a:r>
-            <a:r>
-              <a:rPr lang="en-US" dirty="0" err="1"/>
-              <a:t>thể</a:t>
-            </a:r>
-            <a:r>
-              <a:rPr lang="en-US" dirty="0"/>
-              <a:t> </a:t>
-            </a:r>
-            <a:r>
-              <a:rPr lang="en-US" dirty="0" err="1"/>
-              <a:t>thấy</a:t>
-            </a:r>
-            <a:r>
-              <a:rPr lang="en-US" dirty="0"/>
-              <a:t> </a:t>
-            </a:r>
-            <a:r>
-              <a:rPr lang="en-US" dirty="0" err="1"/>
+              <a:rPr lang="en-US" b="1" dirty="0" smtClean="0"/>
+              <a:t> Exponent </a:t>
+            </a:r>
+            <a:r>
+              <a:rPr lang="en-US" dirty="0" err="1" smtClean="0"/>
+              <a:t>cho</a:t>
+            </a:r>
+            <a:r>
+              <a:rPr lang="en-US" dirty="0" smtClean="0"/>
+              <a:t> </a:t>
+            </a:r>
+            <a:r>
+              <a:rPr lang="en-US" dirty="0" err="1" smtClean="0"/>
               <a:t>kết</a:t>
             </a:r>
             <a:r>
-              <a:rPr lang="en-US" dirty="0"/>
-              <a:t> </a:t>
-            </a:r>
-            <a:r>
-              <a:rPr lang="en-US" dirty="0" err="1"/>
+              <a:rPr lang="en-US" dirty="0" smtClean="0"/>
+              <a:t> </a:t>
+            </a:r>
+            <a:r>
+              <a:rPr lang="en-US" dirty="0" err="1" smtClean="0"/>
               <a:t>quả</a:t>
             </a:r>
             <a:r>
-              <a:rPr lang="en-US" dirty="0"/>
-              <a:t> </a:t>
-            </a:r>
-            <a:r>
-              <a:rPr lang="en-US" dirty="0" err="1"/>
-              <a:t>của</a:t>
-            </a:r>
-            <a:r>
-              <a:rPr lang="en-US" dirty="0"/>
-              <a:t> </a:t>
-            </a:r>
-            <a:r>
-              <a:rPr lang="en-US" dirty="0" err="1"/>
+              <a:rPr lang="en-US" dirty="0" smtClean="0"/>
+              <a:t> </a:t>
+            </a:r>
+            <a:r>
+              <a:rPr lang="en-US" dirty="0" err="1" smtClean="0"/>
               <a:t>đêm</a:t>
             </a:r>
             <a:r>
-              <a:rPr lang="en-US" dirty="0"/>
-              <a:t> </a:t>
-            </a:r>
-            <a:r>
-              <a:rPr lang="en-US" dirty="0" err="1"/>
+              <a:rPr lang="en-US" dirty="0" smtClean="0"/>
+              <a:t> </a:t>
+            </a:r>
+            <a:r>
+              <a:rPr lang="en-US" dirty="0" err="1" smtClean="0"/>
               <a:t>trước</a:t>
             </a:r>
             <a:r>
-              <a:rPr lang="en-US" dirty="0"/>
-              <a:t> </a:t>
-            </a:r>
-            <a:r>
-              <a:rPr lang="en-US" dirty="0" err="1"/>
-              <a:t>giống</a:t>
-            </a:r>
-            <a:r>
-              <a:rPr lang="en-US" dirty="0"/>
-              <a:t> </a:t>
-            </a:r>
-            <a:r>
-              <a:rPr lang="en-US" dirty="0" err="1"/>
-              <a:t>với</a:t>
-            </a:r>
-            <a:r>
-              <a:rPr lang="en-US" dirty="0"/>
-              <a:t> </a:t>
-            </a:r>
-            <a:r>
-              <a:rPr lang="en-US" dirty="0" err="1"/>
+              <a:rPr lang="en-US" dirty="0" smtClean="0"/>
+              <a:t> </a:t>
+            </a:r>
+            <a:r>
+              <a:rPr lang="en-US" dirty="0" err="1" smtClean="0"/>
+              <a:t>như</a:t>
+            </a:r>
+            <a:r>
+              <a:rPr lang="en-US" dirty="0" smtClean="0"/>
+              <a:t> </a:t>
+            </a:r>
+            <a:r>
+              <a:rPr lang="en-US" dirty="0" err="1" smtClean="0"/>
               <a:t>đêm</a:t>
             </a:r>
             <a:r>
-              <a:rPr lang="en-US" dirty="0"/>
-              <a:t> </a:t>
-            </a:r>
-            <a:r>
-              <a:rPr lang="en-US" dirty="0" err="1"/>
-              <a:t>hôm</a:t>
-            </a:r>
-            <a:r>
-              <a:rPr lang="en-US" dirty="0"/>
-              <a:t> </a:t>
-            </a:r>
-            <a:r>
-              <a:rPr lang="en-US" dirty="0" err="1"/>
+              <a:rPr lang="en-US" dirty="0" smtClean="0"/>
+              <a:t> </a:t>
+            </a:r>
+            <a:r>
+              <a:rPr lang="en-US" dirty="0" err="1" smtClean="0"/>
               <a:t>sau</a:t>
             </a:r>
             <a:r>
-              <a:rPr lang="en-US" dirty="0"/>
+              <a:rPr lang="en-US" dirty="0" smtClean="0"/>
               <a:t>. </a:t>
             </a:r>
             <a:r>
-              <a:rPr lang="en-US" dirty="0" err="1" smtClean="0"/>
-              <a:t>Khi</a:t>
-            </a:r>
-            <a:r>
-              <a:rPr lang="en-US" dirty="0" smtClean="0"/>
-              <a:t> </a:t>
-            </a:r>
-            <a:r>
-              <a:rPr lang="en-US" dirty="0" err="1"/>
-              <a:t>sử</a:t>
-            </a:r>
-            <a:r>
-              <a:rPr lang="en-US" dirty="0"/>
-              <a:t> </a:t>
-            </a:r>
-            <a:r>
-              <a:rPr lang="en-US" dirty="0" err="1"/>
-              <a:t>dụng</a:t>
-            </a:r>
-            <a:r>
-              <a:rPr lang="en-US" dirty="0"/>
-              <a:t> </a:t>
-            </a:r>
-            <a:r>
-              <a:rPr lang="en-US" dirty="0" smtClean="0"/>
+              <a:rPr lang="en-US" b="1" dirty="0" smtClean="0"/>
               <a:t>Static </a:t>
             </a:r>
             <a:r>
-              <a:rPr lang="en-US" dirty="0" err="1" smtClean="0"/>
+              <a:rPr lang="en-US" b="1" dirty="0" err="1" smtClean="0"/>
               <a:t>Pathloss</a:t>
             </a:r>
             <a:r>
-              <a:rPr lang="en-US" dirty="0"/>
-              <a:t>, </a:t>
-            </a:r>
-            <a:r>
-              <a:rPr lang="en-US" dirty="0" err="1"/>
-              <a:t>tham</a:t>
-            </a:r>
-            <a:r>
-              <a:rPr lang="en-US" dirty="0"/>
-              <a:t> </a:t>
-            </a:r>
-            <a:r>
-              <a:rPr lang="en-US" dirty="0" err="1"/>
-              <a:t>số</a:t>
-            </a:r>
-            <a:r>
-              <a:rPr lang="en-US" dirty="0"/>
-              <a:t> </a:t>
-            </a:r>
-            <a:r>
-              <a:rPr lang="en-US" dirty="0" err="1"/>
-              <a:t>pathloss</a:t>
-            </a:r>
-            <a:r>
-              <a:rPr lang="en-US" dirty="0"/>
-              <a:t> exponent </a:t>
-            </a:r>
-            <a:r>
-              <a:rPr lang="en-US" dirty="0" err="1"/>
-              <a:t>được</a:t>
-            </a:r>
-            <a:r>
-              <a:rPr lang="en-US" dirty="0"/>
-              <a:t> </a:t>
-            </a:r>
-            <a:r>
-              <a:rPr lang="en-US" dirty="0" err="1"/>
-              <a:t>cài</a:t>
-            </a:r>
-            <a:r>
-              <a:rPr lang="en-US" dirty="0"/>
-              <a:t> </a:t>
-            </a:r>
-            <a:r>
-              <a:rPr lang="en-US" dirty="0" err="1"/>
-              <a:t>đặt</a:t>
-            </a:r>
-            <a:r>
-              <a:rPr lang="en-US" dirty="0"/>
-              <a:t> </a:t>
-            </a:r>
-            <a:r>
-              <a:rPr lang="en-US" dirty="0" err="1"/>
-              <a:t>cứng</a:t>
-            </a:r>
-            <a:r>
-              <a:rPr lang="en-US" dirty="0"/>
-              <a:t>, </a:t>
-            </a:r>
-            <a:r>
-              <a:rPr lang="en-US" dirty="0" err="1"/>
-              <a:t>kết</a:t>
-            </a:r>
-            <a:r>
-              <a:rPr lang="en-US" dirty="0"/>
-              <a:t> </a:t>
-            </a:r>
-            <a:r>
-              <a:rPr lang="en-US" dirty="0" err="1"/>
-              <a:t>quả</a:t>
-            </a:r>
-            <a:r>
-              <a:rPr lang="en-US" dirty="0"/>
-              <a:t> </a:t>
-            </a:r>
-            <a:r>
-              <a:rPr lang="en-US" dirty="0" err="1"/>
-              <a:t>của</a:t>
-            </a:r>
-            <a:r>
-              <a:rPr lang="en-US" dirty="0"/>
-              <a:t> </a:t>
-            </a:r>
-            <a:r>
-              <a:rPr lang="en-US" dirty="0" err="1"/>
-              <a:t>đêm</a:t>
-            </a:r>
-            <a:r>
-              <a:rPr lang="en-US" dirty="0"/>
-              <a:t> </a:t>
-            </a:r>
-            <a:r>
-              <a:rPr lang="en-US" dirty="0" err="1"/>
-              <a:t>hôm</a:t>
-            </a:r>
-            <a:r>
-              <a:rPr lang="en-US" dirty="0"/>
-              <a:t> </a:t>
-            </a:r>
-            <a:r>
-              <a:rPr lang="en-US" dirty="0" err="1"/>
-              <a:t>trước</a:t>
-            </a:r>
-            <a:r>
-              <a:rPr lang="en-US" dirty="0"/>
-              <a:t> </a:t>
-            </a:r>
-            <a:r>
-              <a:rPr lang="en-US" dirty="0" err="1"/>
-              <a:t>khác</a:t>
-            </a:r>
-            <a:r>
-              <a:rPr lang="en-US" dirty="0"/>
-              <a:t> </a:t>
-            </a:r>
-            <a:r>
-              <a:rPr lang="en-US" dirty="0" err="1"/>
-              <a:t>hẳn</a:t>
-            </a:r>
-            <a:r>
-              <a:rPr lang="en-US" dirty="0"/>
-              <a:t> so </a:t>
-            </a:r>
-            <a:r>
-              <a:rPr lang="en-US" dirty="0" err="1"/>
-              <a:t>với</a:t>
-            </a:r>
-            <a:r>
-              <a:rPr lang="en-US" dirty="0"/>
-              <a:t> </a:t>
-            </a:r>
-            <a:r>
-              <a:rPr lang="en-US" dirty="0" err="1"/>
-              <a:t>đêm</a:t>
-            </a:r>
-            <a:r>
-              <a:rPr lang="en-US" dirty="0"/>
-              <a:t> </a:t>
-            </a:r>
-            <a:r>
-              <a:rPr lang="en-US" dirty="0" err="1"/>
-              <a:t>hôm</a:t>
-            </a:r>
-            <a:r>
-              <a:rPr lang="en-US" dirty="0"/>
-              <a:t> </a:t>
-            </a:r>
-            <a:r>
-              <a:rPr lang="en-US" dirty="0" err="1"/>
-              <a:t>sau</a:t>
-            </a:r>
-            <a:r>
-              <a:rPr lang="en-US" dirty="0"/>
-              <a:t>. </a:t>
-            </a:r>
-            <a:r>
-              <a:rPr lang="en-US" dirty="0" err="1"/>
-              <a:t>Từ</a:t>
-            </a:r>
-            <a:r>
-              <a:rPr lang="en-US" dirty="0"/>
-              <a:t> </a:t>
-            </a:r>
-            <a:r>
-              <a:rPr lang="en-US" dirty="0" err="1"/>
-              <a:t>đây</a:t>
-            </a:r>
-            <a:r>
-              <a:rPr lang="en-US" dirty="0"/>
-              <a:t> </a:t>
-            </a:r>
-            <a:r>
-              <a:rPr lang="en-US" dirty="0" err="1"/>
-              <a:t>cho</a:t>
-            </a:r>
-            <a:r>
-              <a:rPr lang="en-US" dirty="0"/>
-              <a:t> </a:t>
-            </a:r>
-            <a:r>
-              <a:rPr lang="en-US" dirty="0" err="1"/>
-              <a:t>thấy</a:t>
-            </a:r>
-            <a:r>
-              <a:rPr lang="en-US" dirty="0"/>
-              <a:t> </a:t>
-            </a:r>
-            <a:r>
-              <a:rPr lang="en-US" dirty="0" err="1"/>
-              <a:t>giải</a:t>
-            </a:r>
-            <a:r>
-              <a:rPr lang="en-US" dirty="0"/>
-              <a:t> </a:t>
-            </a:r>
-            <a:r>
-              <a:rPr lang="en-US" dirty="0" err="1"/>
-              <a:t>thuật</a:t>
-            </a:r>
-            <a:r>
-              <a:rPr lang="en-US" dirty="0"/>
-              <a:t> </a:t>
-            </a:r>
-            <a:r>
-              <a:rPr lang="en-US" dirty="0" err="1"/>
-              <a:t>sử</a:t>
-            </a:r>
-            <a:r>
-              <a:rPr lang="en-US" dirty="0"/>
-              <a:t> </a:t>
-            </a:r>
-            <a:r>
-              <a:rPr lang="en-US" dirty="0" err="1"/>
-              <a:t>dụng</a:t>
-            </a:r>
-            <a:r>
-              <a:rPr lang="en-US" dirty="0"/>
-              <a:t> </a:t>
-            </a:r>
-            <a:r>
-              <a:rPr lang="en-US" b="1" dirty="0"/>
-              <a:t>Dynamic </a:t>
-            </a:r>
-            <a:r>
-              <a:rPr lang="en-US" b="1" dirty="0" err="1"/>
+              <a:rPr lang="en-US" b="1" dirty="0" smtClean="0"/>
+              <a:t> Exponent</a:t>
+            </a:r>
+            <a:r>
+              <a:rPr lang="en-US" dirty="0" smtClean="0"/>
+              <a:t> </a:t>
+            </a:r>
+            <a:r>
+              <a:rPr lang="en-US" dirty="0" err="1" smtClean="0"/>
+              <a:t>thì</a:t>
+            </a:r>
+            <a:r>
+              <a:rPr lang="en-US" dirty="0" smtClean="0"/>
+              <a:t> </a:t>
+            </a:r>
+            <a:r>
+              <a:rPr lang="en-US" dirty="0" err="1" smtClean="0"/>
+              <a:t>không</a:t>
+            </a:r>
+            <a:r>
+              <a:rPr lang="en-US" dirty="0" smtClean="0"/>
+              <a:t>.</a:t>
+            </a:r>
+          </a:p>
+          <a:p>
+            <a:pPr lvl="0" algn="just"/>
+            <a:r>
+              <a:rPr lang="en-US" dirty="0" smtClean="0"/>
+              <a:t>=&gt; </a:t>
+            </a:r>
+            <a:r>
+              <a:rPr lang="en-US" dirty="0" err="1" smtClean="0"/>
+              <a:t>Dùng</a:t>
+            </a:r>
+            <a:r>
+              <a:rPr lang="en-US" dirty="0" smtClean="0"/>
+              <a:t> Dynamic </a:t>
+            </a:r>
+            <a:r>
+              <a:rPr lang="en-US" dirty="0" err="1" smtClean="0"/>
               <a:t>Pathloss</a:t>
             </a:r>
             <a:r>
-              <a:rPr lang="en-US" b="1" dirty="0"/>
-              <a:t> Exponent </a:t>
-            </a:r>
-            <a:r>
-              <a:rPr lang="en-US" dirty="0"/>
-              <a:t> </a:t>
-            </a:r>
-            <a:r>
-              <a:rPr lang="en-US" dirty="0" err="1"/>
-              <a:t>cho</a:t>
-            </a:r>
-            <a:r>
-              <a:rPr lang="en-US" dirty="0"/>
-              <a:t> </a:t>
-            </a:r>
-            <a:r>
-              <a:rPr lang="en-US" dirty="0" err="1"/>
-              <a:t>kết</a:t>
-            </a:r>
-            <a:r>
-              <a:rPr lang="en-US" dirty="0"/>
-              <a:t> </a:t>
-            </a:r>
-            <a:r>
-              <a:rPr lang="en-US" dirty="0" err="1"/>
-              <a:t>quả</a:t>
-            </a:r>
-            <a:r>
-              <a:rPr lang="en-US" dirty="0"/>
-              <a:t> </a:t>
-            </a:r>
-            <a:r>
-              <a:rPr lang="en-US" dirty="0" err="1"/>
-              <a:t>đúng</a:t>
-            </a:r>
-            <a:r>
-              <a:rPr lang="en-US" dirty="0"/>
-              <a:t> </a:t>
-            </a:r>
-            <a:r>
-              <a:rPr lang="en-US" dirty="0" err="1"/>
-              <a:t>hơn</a:t>
-            </a:r>
-            <a:r>
-              <a:rPr lang="en-US" dirty="0"/>
-              <a:t>.</a:t>
-            </a:r>
+              <a:rPr lang="en-US" dirty="0" smtClean="0"/>
+              <a:t> Exponent</a:t>
+            </a:r>
+            <a:endParaRPr lang="en-US" dirty="0"/>
           </a:p>
           <a:p>
             <a:endParaRPr lang="en-US" dirty="0"/>
@@ -5739,7 +5859,7 @@
 </p:sld>
 </file>
 
-<file path=ppt/slides/slide16.xml><?xml version="1.0" encoding="utf-8"?>
+<file path=ppt/slides/slide18.xml><?xml version="1.0" encoding="utf-8"?>
 <p:sld xmlns:a="http://schemas.openxmlformats.org/drawingml/2006/main" xmlns:r="http://schemas.openxmlformats.org/officeDocument/2006/relationships" xmlns:p="http://schemas.openxmlformats.org/presentationml/2006/main">
   <p:cSld>
     <p:spTree>
@@ -5920,7 +6040,7 @@
 </p:sld>
 </file>
 
-<file path=ppt/slides/slide17.xml><?xml version="1.0" encoding="utf-8"?>
+<file path=ppt/slides/slide19.xml><?xml version="1.0" encoding="utf-8"?>
 <p:sld xmlns:a="http://schemas.openxmlformats.org/drawingml/2006/main" xmlns:r="http://schemas.openxmlformats.org/officeDocument/2006/relationships" xmlns:p="http://schemas.openxmlformats.org/presentationml/2006/main">
   <p:cSld>
     <p:spTree>
@@ -5937,51 +6057,6 @@
           <a:chExt cx="0" cy="0"/>
         </a:xfrm>
       </p:grpSpPr>
-      <p:sp>
-        <p:nvSpPr>
-          <p:cNvPr id="2" name="Title 1"/>
-          <p:cNvSpPr>
-            <a:spLocks noGrp="1"/>
-          </p:cNvSpPr>
-          <p:nvPr>
-            <p:ph type="title"/>
-          </p:nvPr>
-        </p:nvSpPr>
-        <p:spPr/>
-        <p:txBody>
-          <a:bodyPr/>
-          <a:lstStyle/>
-          <a:p>
-            <a:r>
-              <a:rPr lang="en-US" dirty="0" smtClean="0"/>
-              <a:t>ANTENNA</a:t>
-            </a:r>
-            <a:endParaRPr lang="en-US" dirty="0"/>
-          </a:p>
-        </p:txBody>
-      </p:sp>
-      <p:sp>
-        <p:nvSpPr>
-          <p:cNvPr id="3" name="Content Placeholder 2"/>
-          <p:cNvSpPr>
-            <a:spLocks noGrp="1"/>
-          </p:cNvSpPr>
-          <p:nvPr>
-            <p:ph idx="1"/>
-          </p:nvPr>
-        </p:nvSpPr>
-        <p:spPr/>
-        <p:txBody>
-          <a:bodyPr/>
-          <a:lstStyle/>
-          <a:p>
-            <a:pPr marL="0" indent="0">
-              <a:buNone/>
-            </a:pPr>
-            <a:endParaRPr lang="en-US" dirty="0"/>
-          </a:p>
-        </p:txBody>
-      </p:sp>
       <p:pic>
         <p:nvPicPr>
           <p:cNvPr id="4" name="Picture 3" descr="F:\thuc_tap\BLE\report\pic\17_3_15_19\combine_raw.jpg"/>
@@ -6003,7 +6078,7 @@
         </p:blipFill>
         <p:spPr bwMode="auto">
           <a:xfrm>
-            <a:off x="-10886" y="1219200"/>
+            <a:off x="0" y="838200"/>
             <a:ext cx="9144000" cy="5029200"/>
           </a:xfrm>
           <a:prstGeom prst="rect">
@@ -6015,1414 +6090,183 @@
           </a:ln>
         </p:spPr>
       </p:pic>
+      <p:sp>
+        <p:nvSpPr>
+          <p:cNvPr id="2" name="Title 1"/>
+          <p:cNvSpPr>
+            <a:spLocks noGrp="1"/>
+          </p:cNvSpPr>
+          <p:nvPr>
+            <p:ph type="title"/>
+          </p:nvPr>
+        </p:nvSpPr>
+        <p:spPr/>
+        <p:txBody>
+          <a:bodyPr/>
+          <a:lstStyle/>
+          <a:p>
+            <a:r>
+              <a:rPr lang="en-US" dirty="0" smtClean="0"/>
+              <a:t>ANTENNA</a:t>
+            </a:r>
+            <a:endParaRPr lang="en-US" dirty="0"/>
+          </a:p>
+        </p:txBody>
+      </p:sp>
+      <p:sp>
+        <p:nvSpPr>
+          <p:cNvPr id="5" name="Title 1"/>
+          <p:cNvSpPr txBox="1">
+            <a:spLocks/>
+          </p:cNvSpPr>
+          <p:nvPr/>
+        </p:nvSpPr>
+        <p:spPr>
+          <a:xfrm>
+            <a:off x="635000" y="5486400"/>
+            <a:ext cx="8229600" cy="1143000"/>
+          </a:xfrm>
+          <a:prstGeom prst="rect">
+            <a:avLst/>
+          </a:prstGeom>
+        </p:spPr>
+        <p:txBody>
+          <a:bodyPr vert="horz" lIns="91440" tIns="45720" rIns="91440" bIns="45720" rtlCol="0" anchor="ctr">
+            <a:normAutofit/>
+          </a:bodyPr>
+          <a:lstStyle>
+            <a:lvl1pPr algn="ctr" defTabSz="914400" rtl="0" eaLnBrk="1" latinLnBrk="0" hangingPunct="1">
+              <a:spcBef>
+                <a:spcPct val="0"/>
+              </a:spcBef>
+              <a:buNone/>
+              <a:defRPr sz="4400" kern="1200">
+                <a:solidFill>
+                  <a:schemeClr val="tx1"/>
+                </a:solidFill>
+                <a:latin typeface="+mj-lt"/>
+                <a:ea typeface="+mj-ea"/>
+                <a:cs typeface="+mj-cs"/>
+              </a:defRPr>
+            </a:lvl1pPr>
+          </a:lstStyle>
+          <a:p>
+            <a:pPr algn="just"/>
+            <a:r>
+              <a:rPr lang="en-US" sz="2000" dirty="0" smtClean="0"/>
+              <a:t>ESP32 </a:t>
+            </a:r>
+            <a:r>
+              <a:rPr lang="en-US" sz="2000" dirty="0" err="1" smtClean="0"/>
+              <a:t>dùng</a:t>
+            </a:r>
+            <a:r>
+              <a:rPr lang="en-US" sz="2000" dirty="0" smtClean="0"/>
+              <a:t> IPEX </a:t>
+            </a:r>
+            <a:r>
+              <a:rPr lang="en-US" sz="2000" dirty="0" err="1" smtClean="0"/>
+              <a:t>bắt</a:t>
+            </a:r>
+            <a:r>
+              <a:rPr lang="en-US" sz="2000" dirty="0" smtClean="0"/>
+              <a:t> </a:t>
+            </a:r>
+            <a:r>
+              <a:rPr lang="en-US" sz="2000" dirty="0" err="1" smtClean="0"/>
+              <a:t>sóng</a:t>
+            </a:r>
+            <a:r>
+              <a:rPr lang="en-US" sz="2000" dirty="0" smtClean="0"/>
+              <a:t> </a:t>
+            </a:r>
+            <a:r>
+              <a:rPr lang="en-US" sz="2000" dirty="0" err="1" smtClean="0"/>
+              <a:t>mạnh</a:t>
+            </a:r>
+            <a:r>
+              <a:rPr lang="en-US" sz="2000" dirty="0" smtClean="0"/>
+              <a:t> </a:t>
+            </a:r>
+            <a:r>
+              <a:rPr lang="en-US" sz="2000" dirty="0" err="1" smtClean="0"/>
+              <a:t>nhất</a:t>
+            </a:r>
+            <a:r>
+              <a:rPr lang="en-US" sz="2000" dirty="0" smtClean="0"/>
+              <a:t>.  STM32WB PCB </a:t>
+            </a:r>
+            <a:r>
+              <a:rPr lang="en-US" sz="2000" dirty="0" err="1" smtClean="0"/>
+              <a:t>yếu</a:t>
+            </a:r>
+            <a:r>
+              <a:rPr lang="en-US" sz="2000" dirty="0" smtClean="0"/>
+              <a:t> </a:t>
+            </a:r>
+            <a:r>
+              <a:rPr lang="en-US" sz="2000" dirty="0" err="1" smtClean="0"/>
+              <a:t>nhất</a:t>
+            </a:r>
+            <a:r>
+              <a:rPr lang="en-US" sz="2000" dirty="0" smtClean="0"/>
+              <a:t> </a:t>
+            </a:r>
+            <a:r>
+              <a:rPr lang="en-US" sz="2000" dirty="0" err="1" smtClean="0"/>
+              <a:t>và</a:t>
+            </a:r>
+            <a:r>
+              <a:rPr lang="en-US" sz="2000" dirty="0" smtClean="0"/>
+              <a:t> </a:t>
+            </a:r>
+            <a:r>
+              <a:rPr lang="en-US" sz="2000" dirty="0" err="1" smtClean="0"/>
+              <a:t>nhiễu</a:t>
+            </a:r>
+            <a:r>
+              <a:rPr lang="en-US" sz="2000" dirty="0" smtClean="0"/>
+              <a:t> </a:t>
+            </a:r>
+            <a:r>
+              <a:rPr lang="en-US" sz="2000" dirty="0" err="1" smtClean="0"/>
+              <a:t>nhất</a:t>
+            </a:r>
+            <a:r>
+              <a:rPr lang="en-US" sz="2000" dirty="0" smtClean="0"/>
+              <a:t>.</a:t>
+            </a:r>
+          </a:p>
+          <a:p>
+            <a:pPr algn="just"/>
+            <a:r>
+              <a:rPr lang="en-US" sz="2000" dirty="0" smtClean="0"/>
+              <a:t>=&gt; </a:t>
+            </a:r>
+            <a:r>
+              <a:rPr lang="en-US" sz="2000" dirty="0" err="1" smtClean="0"/>
+              <a:t>Chọn</a:t>
+            </a:r>
+            <a:r>
+              <a:rPr lang="en-US" sz="2000" dirty="0" smtClean="0"/>
+              <a:t> ESP32 </a:t>
+            </a:r>
+            <a:r>
+              <a:rPr lang="en-US" sz="2000" dirty="0" err="1" smtClean="0"/>
+              <a:t>dùng</a:t>
+            </a:r>
+            <a:r>
+              <a:rPr lang="en-US" sz="2000" dirty="0" smtClean="0"/>
+              <a:t> IPEX ANTENNA</a:t>
+            </a:r>
+            <a:endParaRPr lang="en-US" sz="2000" dirty="0"/>
+          </a:p>
+        </p:txBody>
+      </p:sp>
     </p:spTree>
     <p:extLst>
       <p:ext uri="{BB962C8B-B14F-4D97-AF65-F5344CB8AC3E}">
         <p14:creationId xmlns:p14="http://schemas.microsoft.com/office/powerpoint/2010/main" val="1963138309"/>
-      </p:ext>
-    </p:extLst>
-  </p:cSld>
-  <p:clrMapOvr>
-    <a:masterClrMapping/>
-  </p:clrMapOvr>
-</p:sld>
-</file>
-
-<file path=ppt/slides/slide18.xml><?xml version="1.0" encoding="utf-8"?>
-<p:sld xmlns:a="http://schemas.openxmlformats.org/drawingml/2006/main" xmlns:r="http://schemas.openxmlformats.org/officeDocument/2006/relationships" xmlns:p="http://schemas.openxmlformats.org/presentationml/2006/main">
-  <p:cSld>
-    <p:spTree>
-      <p:nvGrpSpPr>
-        <p:cNvPr id="1" name=""/>
-        <p:cNvGrpSpPr/>
-        <p:nvPr/>
-      </p:nvGrpSpPr>
-      <p:grpSpPr>
-        <a:xfrm>
-          <a:off x="0" y="0"/>
-          <a:ext cx="0" cy="0"/>
-          <a:chOff x="0" y="0"/>
-          <a:chExt cx="0" cy="0"/>
-        </a:xfrm>
-      </p:grpSpPr>
-      <p:sp>
-        <p:nvSpPr>
-          <p:cNvPr id="2" name="Title 1"/>
-          <p:cNvSpPr>
-            <a:spLocks noGrp="1"/>
-          </p:cNvSpPr>
-          <p:nvPr>
-            <p:ph type="title"/>
-          </p:nvPr>
-        </p:nvSpPr>
-        <p:spPr/>
-        <p:txBody>
-          <a:bodyPr/>
-          <a:lstStyle/>
-          <a:p>
-            <a:r>
-              <a:rPr lang="en-US" dirty="0" smtClean="0"/>
-              <a:t>ANTENNA</a:t>
-            </a:r>
-            <a:endParaRPr lang="en-US" dirty="0"/>
-          </a:p>
-        </p:txBody>
-      </p:sp>
-      <p:sp>
-        <p:nvSpPr>
-          <p:cNvPr id="3" name="Content Placeholder 2"/>
-          <p:cNvSpPr>
-            <a:spLocks noGrp="1"/>
-          </p:cNvSpPr>
-          <p:nvPr>
-            <p:ph idx="1"/>
-          </p:nvPr>
-        </p:nvSpPr>
-        <p:spPr/>
-        <p:txBody>
-          <a:bodyPr>
-            <a:normAutofit fontScale="70000" lnSpcReduction="20000"/>
-          </a:bodyPr>
-          <a:lstStyle/>
-          <a:p>
-            <a:pPr lvl="0" algn="just"/>
-            <a:r>
-              <a:rPr lang="en-US" dirty="0"/>
-              <a:t>ESP32 </a:t>
-            </a:r>
-            <a:r>
-              <a:rPr lang="en-US" dirty="0" err="1"/>
-              <a:t>dùng</a:t>
-            </a:r>
-            <a:r>
-              <a:rPr lang="en-US" dirty="0"/>
-              <a:t> IPEX antenna </a:t>
-            </a:r>
-            <a:r>
-              <a:rPr lang="en-US" dirty="0" err="1"/>
-              <a:t>bắt</a:t>
-            </a:r>
-            <a:r>
-              <a:rPr lang="en-US" dirty="0"/>
-              <a:t> </a:t>
-            </a:r>
-            <a:r>
-              <a:rPr lang="en-US" dirty="0" err="1"/>
-              <a:t>sóng</a:t>
-            </a:r>
-            <a:r>
-              <a:rPr lang="en-US" dirty="0"/>
-              <a:t> </a:t>
-            </a:r>
-            <a:r>
-              <a:rPr lang="en-US" b="1" dirty="0" err="1"/>
-              <a:t>mạnh</a:t>
-            </a:r>
-            <a:r>
-              <a:rPr lang="en-US" b="1" dirty="0"/>
-              <a:t> </a:t>
-            </a:r>
-            <a:r>
-              <a:rPr lang="en-US" b="1" dirty="0" err="1"/>
-              <a:t>hơn</a:t>
-            </a:r>
-            <a:r>
-              <a:rPr lang="en-US" b="1" dirty="0"/>
-              <a:t> </a:t>
-            </a:r>
-            <a:r>
-              <a:rPr lang="en-US" dirty="0"/>
-              <a:t>STM32WB </a:t>
-            </a:r>
-            <a:r>
-              <a:rPr lang="en-US" dirty="0" err="1"/>
-              <a:t>dùng</a:t>
-            </a:r>
-            <a:r>
-              <a:rPr lang="en-US" dirty="0"/>
-              <a:t> IPEX antenna. </a:t>
-            </a:r>
-          </a:p>
-          <a:p>
-            <a:pPr lvl="0" algn="just"/>
-            <a:r>
-              <a:rPr lang="en-US" dirty="0"/>
-              <a:t>ESP32 </a:t>
-            </a:r>
-            <a:r>
-              <a:rPr lang="en-US" dirty="0" err="1"/>
-              <a:t>dùng</a:t>
-            </a:r>
-            <a:r>
-              <a:rPr lang="en-US" dirty="0"/>
-              <a:t> IPEX antenna </a:t>
-            </a:r>
-            <a:r>
-              <a:rPr lang="en-US" dirty="0" err="1"/>
-              <a:t>bắt</a:t>
-            </a:r>
-            <a:r>
-              <a:rPr lang="en-US" dirty="0"/>
-              <a:t> </a:t>
-            </a:r>
-            <a:r>
-              <a:rPr lang="en-US" dirty="0" err="1"/>
-              <a:t>sóng</a:t>
-            </a:r>
-            <a:r>
-              <a:rPr lang="en-US" dirty="0"/>
-              <a:t> </a:t>
-            </a:r>
-            <a:r>
-              <a:rPr lang="en-US" b="1" dirty="0" err="1"/>
-              <a:t>quá</a:t>
-            </a:r>
-            <a:r>
-              <a:rPr lang="en-US" b="1" dirty="0"/>
-              <a:t> </a:t>
-            </a:r>
-            <a:r>
-              <a:rPr lang="en-US" b="1" dirty="0" err="1"/>
-              <a:t>mạnh</a:t>
-            </a:r>
-            <a:r>
-              <a:rPr lang="en-US" dirty="0"/>
-              <a:t> </a:t>
-            </a:r>
-            <a:r>
-              <a:rPr lang="en-US" dirty="0" err="1"/>
-              <a:t>dẫn</a:t>
-            </a:r>
-            <a:r>
-              <a:rPr lang="en-US" dirty="0"/>
-              <a:t> </a:t>
-            </a:r>
-            <a:r>
-              <a:rPr lang="en-US" dirty="0" err="1"/>
-              <a:t>đến</a:t>
-            </a:r>
-            <a:r>
-              <a:rPr lang="en-US" dirty="0"/>
-              <a:t> </a:t>
-            </a:r>
-            <a:r>
-              <a:rPr lang="en-US" dirty="0" err="1"/>
-              <a:t>tham</a:t>
-            </a:r>
-            <a:r>
-              <a:rPr lang="en-US" dirty="0"/>
-              <a:t> </a:t>
-            </a:r>
-            <a:r>
-              <a:rPr lang="en-US" dirty="0" err="1"/>
-              <a:t>số</a:t>
-            </a:r>
-            <a:r>
-              <a:rPr lang="en-US" dirty="0"/>
-              <a:t> “</a:t>
-            </a:r>
-            <a:r>
-              <a:rPr lang="en-US" dirty="0" err="1"/>
-              <a:t>suy</a:t>
-            </a:r>
-            <a:r>
-              <a:rPr lang="en-US" dirty="0"/>
-              <a:t> </a:t>
-            </a:r>
-            <a:r>
-              <a:rPr lang="en-US" dirty="0" err="1"/>
-              <a:t>hao</a:t>
-            </a:r>
-            <a:r>
-              <a:rPr lang="en-US" dirty="0"/>
-              <a:t>” </a:t>
-            </a:r>
-            <a:r>
-              <a:rPr lang="en-US" b="1" dirty="0" err="1"/>
-              <a:t>nhỏ</a:t>
-            </a:r>
-            <a:r>
-              <a:rPr lang="en-US" dirty="0"/>
-              <a:t>. </a:t>
-            </a:r>
-            <a:r>
-              <a:rPr lang="en-US" dirty="0" err="1"/>
-              <a:t>Cộng</a:t>
-            </a:r>
-            <a:r>
-              <a:rPr lang="en-US" dirty="0"/>
-              <a:t> </a:t>
-            </a:r>
-            <a:r>
-              <a:rPr lang="en-US" dirty="0" err="1"/>
-              <a:t>với</a:t>
-            </a:r>
-            <a:r>
-              <a:rPr lang="en-US" dirty="0"/>
-              <a:t> </a:t>
-            </a:r>
-            <a:r>
-              <a:rPr lang="en-US" b="1" dirty="0" err="1"/>
-              <a:t>độ</a:t>
-            </a:r>
-            <a:r>
-              <a:rPr lang="en-US" b="1" dirty="0"/>
-              <a:t> chia </a:t>
-            </a:r>
-            <a:r>
-              <a:rPr lang="en-US" b="1" dirty="0" err="1"/>
-              <a:t>nhỏ</a:t>
-            </a:r>
-            <a:r>
-              <a:rPr lang="en-US" b="1" dirty="0"/>
-              <a:t> </a:t>
-            </a:r>
-            <a:r>
-              <a:rPr lang="en-US" b="1" dirty="0" err="1"/>
-              <a:t>nhất</a:t>
-            </a:r>
-            <a:r>
-              <a:rPr lang="en-US" b="1" dirty="0"/>
-              <a:t> </a:t>
-            </a:r>
-            <a:r>
-              <a:rPr lang="en-US" dirty="0" err="1"/>
-              <a:t>khi</a:t>
-            </a:r>
-            <a:r>
-              <a:rPr lang="en-US" dirty="0"/>
-              <a:t> </a:t>
-            </a:r>
-            <a:r>
-              <a:rPr lang="en-US" dirty="0" err="1"/>
-              <a:t>đo</a:t>
-            </a:r>
-            <a:r>
-              <a:rPr lang="en-US" dirty="0"/>
-              <a:t> RSSI </a:t>
-            </a:r>
-            <a:r>
-              <a:rPr lang="en-US" dirty="0" err="1"/>
-              <a:t>là</a:t>
-            </a:r>
-            <a:r>
-              <a:rPr lang="en-US" dirty="0"/>
-              <a:t> 1dBm, </a:t>
-            </a:r>
-            <a:r>
-              <a:rPr lang="en-US" dirty="0" err="1"/>
-              <a:t>tức</a:t>
-            </a:r>
-            <a:r>
-              <a:rPr lang="en-US" dirty="0"/>
-              <a:t> </a:t>
-            </a:r>
-            <a:r>
-              <a:rPr lang="en-US" b="1" dirty="0"/>
-              <a:t>delta = 0.5dBm</a:t>
-            </a:r>
-            <a:r>
-              <a:rPr lang="en-US" dirty="0"/>
-              <a:t>, </a:t>
-            </a:r>
-            <a:r>
-              <a:rPr lang="en-US" dirty="0" err="1"/>
-              <a:t>sẽ</a:t>
-            </a:r>
-            <a:r>
-              <a:rPr lang="en-US" dirty="0"/>
-              <a:t> </a:t>
-            </a:r>
-            <a:r>
-              <a:rPr lang="en-US" dirty="0" err="1"/>
-              <a:t>dẫn</a:t>
-            </a:r>
-            <a:r>
-              <a:rPr lang="en-US" dirty="0"/>
-              <a:t> </a:t>
-            </a:r>
-            <a:r>
-              <a:rPr lang="en-US" dirty="0" err="1"/>
-              <a:t>đến</a:t>
-            </a:r>
-            <a:r>
-              <a:rPr lang="en-US" dirty="0"/>
-              <a:t> </a:t>
-            </a:r>
-            <a:r>
-              <a:rPr lang="en-US" dirty="0" err="1"/>
-              <a:t>sai</a:t>
-            </a:r>
-            <a:r>
-              <a:rPr lang="en-US" dirty="0"/>
-              <a:t> </a:t>
-            </a:r>
-            <a:r>
-              <a:rPr lang="en-US" dirty="0" err="1"/>
-              <a:t>số</a:t>
-            </a:r>
-            <a:r>
-              <a:rPr lang="en-US" dirty="0"/>
-              <a:t> </a:t>
-            </a:r>
-            <a:r>
-              <a:rPr lang="en-US" dirty="0" err="1"/>
-              <a:t>khoảng</a:t>
-            </a:r>
-            <a:r>
-              <a:rPr lang="en-US" dirty="0"/>
-              <a:t> </a:t>
-            </a:r>
-            <a:r>
-              <a:rPr lang="en-US" dirty="0" err="1"/>
-              <a:t>cách</a:t>
-            </a:r>
-            <a:r>
-              <a:rPr lang="en-US" dirty="0"/>
-              <a:t> ở </a:t>
-            </a:r>
-            <a:r>
-              <a:rPr lang="en-US" dirty="0" err="1"/>
-              <a:t>mức</a:t>
-            </a:r>
-            <a:r>
-              <a:rPr lang="en-US" dirty="0"/>
-              <a:t> </a:t>
-            </a:r>
-            <a:r>
-              <a:rPr lang="en-US" b="1" dirty="0"/>
-              <a:t>25%.</a:t>
-            </a:r>
-            <a:r>
-              <a:rPr lang="en-US" dirty="0"/>
-              <a:t> </a:t>
-            </a:r>
-            <a:r>
-              <a:rPr lang="en-US" dirty="0" err="1"/>
-              <a:t>Tức</a:t>
-            </a:r>
-            <a:r>
-              <a:rPr lang="en-US" dirty="0"/>
-              <a:t> </a:t>
-            </a:r>
-            <a:r>
-              <a:rPr lang="en-US" dirty="0" err="1"/>
-              <a:t>là</a:t>
-            </a:r>
-            <a:r>
-              <a:rPr lang="en-US" dirty="0"/>
-              <a:t> ở 10m </a:t>
-            </a:r>
-            <a:r>
-              <a:rPr lang="en-US" dirty="0" err="1"/>
-              <a:t>nếu</a:t>
-            </a:r>
-            <a:r>
-              <a:rPr lang="en-US" dirty="0"/>
-              <a:t> </a:t>
-            </a:r>
-            <a:r>
-              <a:rPr lang="en-US" dirty="0" err="1"/>
-              <a:t>sai</a:t>
-            </a:r>
-            <a:r>
-              <a:rPr lang="en-US" dirty="0"/>
-              <a:t> </a:t>
-            </a:r>
-            <a:r>
-              <a:rPr lang="en-US" dirty="0" err="1"/>
-              <a:t>số</a:t>
-            </a:r>
-            <a:r>
-              <a:rPr lang="en-US" dirty="0"/>
-              <a:t> RSSI </a:t>
-            </a:r>
-            <a:r>
-              <a:rPr lang="en-US" dirty="0" err="1"/>
-              <a:t>khoảng</a:t>
-            </a:r>
-            <a:r>
-              <a:rPr lang="en-US" dirty="0"/>
-              <a:t> 0.5dBm </a:t>
-            </a:r>
-            <a:r>
-              <a:rPr lang="en-US" dirty="0" err="1"/>
-              <a:t>thì</a:t>
-            </a:r>
-            <a:r>
-              <a:rPr lang="en-US" dirty="0"/>
-              <a:t> </a:t>
-            </a:r>
-            <a:r>
-              <a:rPr lang="en-US" dirty="0" err="1"/>
-              <a:t>sẽ</a:t>
-            </a:r>
-            <a:r>
-              <a:rPr lang="en-US" dirty="0"/>
-              <a:t> </a:t>
-            </a:r>
-            <a:r>
-              <a:rPr lang="en-US" dirty="0" err="1"/>
-              <a:t>lệch</a:t>
-            </a:r>
-            <a:r>
-              <a:rPr lang="en-US" dirty="0"/>
-              <a:t> 2.5m. </a:t>
-            </a:r>
-            <a:r>
-              <a:rPr lang="en-US" dirty="0" err="1"/>
-              <a:t>Lúc</a:t>
-            </a:r>
-            <a:r>
-              <a:rPr lang="en-US" dirty="0"/>
-              <a:t> </a:t>
-            </a:r>
-            <a:r>
-              <a:rPr lang="en-US" dirty="0" err="1"/>
-              <a:t>này</a:t>
-            </a:r>
-            <a:r>
-              <a:rPr lang="en-US" dirty="0"/>
-              <a:t> </a:t>
-            </a:r>
-            <a:r>
-              <a:rPr lang="en-US" dirty="0" err="1"/>
-              <a:t>cần</a:t>
-            </a:r>
-            <a:r>
-              <a:rPr lang="en-US" dirty="0"/>
-              <a:t> </a:t>
-            </a:r>
-            <a:r>
-              <a:rPr lang="en-US" dirty="0" err="1"/>
-              <a:t>phải</a:t>
-            </a:r>
-            <a:r>
-              <a:rPr lang="en-US" dirty="0"/>
-              <a:t> </a:t>
-            </a:r>
-            <a:r>
-              <a:rPr lang="en-US" dirty="0" err="1"/>
-              <a:t>đo</a:t>
-            </a:r>
-            <a:r>
-              <a:rPr lang="en-US" dirty="0"/>
-              <a:t> </a:t>
-            </a:r>
-            <a:r>
-              <a:rPr lang="en-US" dirty="0" err="1"/>
-              <a:t>lại</a:t>
-            </a:r>
-            <a:r>
-              <a:rPr lang="en-US" dirty="0"/>
-              <a:t> RSSI 1m </a:t>
-            </a:r>
-            <a:r>
-              <a:rPr lang="en-US" dirty="0" err="1"/>
-              <a:t>dùng</a:t>
-            </a:r>
-            <a:r>
-              <a:rPr lang="en-US" dirty="0"/>
-              <a:t> ESP32 </a:t>
-            </a:r>
-            <a:r>
-              <a:rPr lang="en-US" dirty="0" err="1"/>
-              <a:t>để</a:t>
-            </a:r>
-            <a:r>
-              <a:rPr lang="en-US" dirty="0"/>
-              <a:t> </a:t>
-            </a:r>
-            <a:r>
-              <a:rPr lang="en-US" dirty="0" err="1"/>
-              <a:t>cải</a:t>
-            </a:r>
-            <a:r>
-              <a:rPr lang="en-US" dirty="0"/>
-              <a:t> </a:t>
-            </a:r>
-            <a:r>
-              <a:rPr lang="en-US" dirty="0" err="1"/>
-              <a:t>thiện</a:t>
-            </a:r>
-            <a:r>
-              <a:rPr lang="en-US" dirty="0"/>
-              <a:t> </a:t>
-            </a:r>
-            <a:r>
-              <a:rPr lang="en-US" dirty="0" err="1"/>
-              <a:t>độ</a:t>
-            </a:r>
-            <a:r>
-              <a:rPr lang="en-US" dirty="0"/>
-              <a:t> </a:t>
-            </a:r>
-            <a:r>
-              <a:rPr lang="en-US" dirty="0" err="1"/>
-              <a:t>chính</a:t>
-            </a:r>
-            <a:r>
-              <a:rPr lang="en-US" dirty="0"/>
-              <a:t> </a:t>
-            </a:r>
-            <a:r>
-              <a:rPr lang="en-US" dirty="0" err="1"/>
-              <a:t>xác</a:t>
-            </a:r>
-            <a:r>
-              <a:rPr lang="en-US" dirty="0"/>
-              <a:t> </a:t>
-            </a:r>
-            <a:r>
-              <a:rPr lang="en-US" dirty="0" err="1"/>
-              <a:t>của</a:t>
-            </a:r>
-            <a:r>
-              <a:rPr lang="en-US" dirty="0"/>
-              <a:t> </a:t>
-            </a:r>
-            <a:r>
-              <a:rPr lang="en-US" dirty="0" err="1"/>
-              <a:t>tham</a:t>
-            </a:r>
-            <a:r>
-              <a:rPr lang="en-US" dirty="0"/>
-              <a:t> </a:t>
-            </a:r>
-            <a:r>
-              <a:rPr lang="en-US" dirty="0" err="1"/>
-              <a:t>số</a:t>
-            </a:r>
-            <a:r>
-              <a:rPr lang="en-US" dirty="0"/>
-              <a:t> “</a:t>
-            </a:r>
-            <a:r>
-              <a:rPr lang="en-US" dirty="0" err="1"/>
-              <a:t>suy</a:t>
-            </a:r>
-            <a:r>
-              <a:rPr lang="en-US" dirty="0"/>
-              <a:t> </a:t>
-            </a:r>
-            <a:r>
-              <a:rPr lang="en-US" dirty="0" err="1"/>
-              <a:t>hao</a:t>
-            </a:r>
-            <a:r>
-              <a:rPr lang="en-US" dirty="0"/>
-              <a:t>”. (*)</a:t>
-            </a:r>
-          </a:p>
-          <a:p>
-            <a:pPr lvl="0" algn="just"/>
-            <a:r>
-              <a:rPr lang="en-US" dirty="0"/>
-              <a:t>STM32WB </a:t>
-            </a:r>
-            <a:r>
-              <a:rPr lang="en-US" dirty="0" err="1"/>
-              <a:t>dùng</a:t>
-            </a:r>
-            <a:r>
-              <a:rPr lang="en-US" dirty="0"/>
-              <a:t> IPEX antenna </a:t>
-            </a:r>
-            <a:r>
-              <a:rPr lang="en-US" dirty="0" err="1"/>
-              <a:t>bắt</a:t>
-            </a:r>
-            <a:r>
-              <a:rPr lang="en-US" dirty="0"/>
-              <a:t> </a:t>
-            </a:r>
-            <a:r>
-              <a:rPr lang="en-US" dirty="0" err="1"/>
-              <a:t>sóng</a:t>
-            </a:r>
-            <a:r>
-              <a:rPr lang="en-US" dirty="0"/>
-              <a:t> </a:t>
-            </a:r>
-            <a:r>
-              <a:rPr lang="en-US" dirty="0" err="1"/>
-              <a:t>có</a:t>
-            </a:r>
-            <a:r>
-              <a:rPr lang="en-US" dirty="0"/>
-              <a:t> </a:t>
-            </a:r>
-            <a:r>
-              <a:rPr lang="en-US" dirty="0" err="1"/>
-              <a:t>tham</a:t>
-            </a:r>
-            <a:r>
-              <a:rPr lang="en-US" dirty="0"/>
-              <a:t> </a:t>
-            </a:r>
-            <a:r>
-              <a:rPr lang="en-US" dirty="0" err="1"/>
-              <a:t>số</a:t>
-            </a:r>
-            <a:r>
-              <a:rPr lang="en-US" dirty="0"/>
-              <a:t> “</a:t>
-            </a:r>
-            <a:r>
-              <a:rPr lang="en-US" dirty="0" err="1"/>
-              <a:t>suy</a:t>
-            </a:r>
-            <a:r>
-              <a:rPr lang="en-US" dirty="0"/>
-              <a:t> </a:t>
-            </a:r>
-            <a:r>
-              <a:rPr lang="en-US" dirty="0" err="1"/>
-              <a:t>hao</a:t>
-            </a:r>
-            <a:r>
-              <a:rPr lang="en-US" dirty="0"/>
-              <a:t>” </a:t>
-            </a:r>
-            <a:r>
-              <a:rPr lang="en-US" dirty="0" err="1"/>
-              <a:t>tuy</a:t>
-            </a:r>
-            <a:r>
-              <a:rPr lang="en-US" dirty="0"/>
-              <a:t> </a:t>
-            </a:r>
-            <a:r>
-              <a:rPr lang="en-US" dirty="0" err="1"/>
-              <a:t>lớn</a:t>
-            </a:r>
-            <a:r>
-              <a:rPr lang="en-US" dirty="0"/>
-              <a:t> </a:t>
-            </a:r>
-            <a:r>
-              <a:rPr lang="en-US" dirty="0" err="1"/>
-              <a:t>hơn</a:t>
-            </a:r>
-            <a:r>
-              <a:rPr lang="en-US" dirty="0"/>
-              <a:t> </a:t>
-            </a:r>
-            <a:r>
-              <a:rPr lang="en-US" dirty="0" err="1"/>
-              <a:t>nhưng</a:t>
-            </a:r>
-            <a:r>
-              <a:rPr lang="en-US" dirty="0"/>
-              <a:t> </a:t>
-            </a:r>
-            <a:r>
-              <a:rPr lang="en-US" dirty="0" err="1"/>
-              <a:t>là</a:t>
-            </a:r>
-            <a:r>
-              <a:rPr lang="en-US" dirty="0"/>
-              <a:t> </a:t>
-            </a:r>
-            <a:r>
-              <a:rPr lang="en-US" dirty="0" err="1"/>
-              <a:t>cho</a:t>
-            </a:r>
-            <a:r>
-              <a:rPr lang="en-US" dirty="0"/>
-              <a:t> </a:t>
-            </a:r>
-            <a:r>
-              <a:rPr lang="en-US" dirty="0" err="1"/>
-              <a:t>sai</a:t>
-            </a:r>
-            <a:r>
-              <a:rPr lang="en-US" dirty="0"/>
-              <a:t> </a:t>
-            </a:r>
-            <a:r>
-              <a:rPr lang="en-US" dirty="0" err="1"/>
-              <a:t>số</a:t>
-            </a:r>
-            <a:r>
-              <a:rPr lang="en-US" dirty="0"/>
-              <a:t> ở </a:t>
-            </a:r>
-            <a:r>
-              <a:rPr lang="en-US" b="1" dirty="0"/>
-              <a:t>delta = 0.5dBm </a:t>
-            </a:r>
-            <a:r>
-              <a:rPr lang="en-US" dirty="0" err="1"/>
-              <a:t>vào</a:t>
-            </a:r>
-            <a:r>
-              <a:rPr lang="en-US" dirty="0"/>
-              <a:t> </a:t>
-            </a:r>
-            <a:r>
-              <a:rPr lang="en-US" dirty="0" err="1"/>
-              <a:t>khoảng</a:t>
-            </a:r>
-            <a:r>
-              <a:rPr lang="en-US" dirty="0"/>
-              <a:t> </a:t>
-            </a:r>
-            <a:r>
-              <a:rPr lang="en-US" b="1" dirty="0"/>
-              <a:t>5-15%</a:t>
-            </a:r>
-            <a:r>
-              <a:rPr lang="en-US" dirty="0"/>
-              <a:t> </a:t>
-            </a:r>
-            <a:r>
-              <a:rPr lang="en-US" dirty="0" err="1"/>
-              <a:t>tức</a:t>
-            </a:r>
-            <a:r>
-              <a:rPr lang="en-US" dirty="0"/>
-              <a:t> </a:t>
-            </a:r>
-            <a:r>
-              <a:rPr lang="en-US" dirty="0" err="1"/>
-              <a:t>là</a:t>
-            </a:r>
-            <a:r>
-              <a:rPr lang="en-US" dirty="0"/>
-              <a:t> ở 10m </a:t>
-            </a:r>
-            <a:r>
-              <a:rPr lang="en-US" dirty="0" err="1"/>
-              <a:t>nếu</a:t>
-            </a:r>
-            <a:r>
-              <a:rPr lang="en-US" dirty="0"/>
-              <a:t> </a:t>
-            </a:r>
-            <a:r>
-              <a:rPr lang="en-US" dirty="0" err="1"/>
-              <a:t>sai</a:t>
-            </a:r>
-            <a:r>
-              <a:rPr lang="en-US" dirty="0"/>
-              <a:t> </a:t>
-            </a:r>
-            <a:r>
-              <a:rPr lang="en-US" dirty="0" err="1"/>
-              <a:t>số</a:t>
-            </a:r>
-            <a:r>
-              <a:rPr lang="en-US" dirty="0"/>
-              <a:t> RSSI </a:t>
-            </a:r>
-            <a:r>
-              <a:rPr lang="en-US" dirty="0" err="1"/>
-              <a:t>khoảng</a:t>
-            </a:r>
-            <a:r>
-              <a:rPr lang="en-US" dirty="0"/>
-              <a:t> 0.5dBm </a:t>
-            </a:r>
-            <a:r>
-              <a:rPr lang="en-US" dirty="0" err="1"/>
-              <a:t>thì</a:t>
-            </a:r>
-            <a:r>
-              <a:rPr lang="en-US" dirty="0"/>
-              <a:t> </a:t>
-            </a:r>
-            <a:r>
-              <a:rPr lang="en-US" dirty="0" err="1"/>
-              <a:t>sẽ</a:t>
-            </a:r>
-            <a:r>
-              <a:rPr lang="en-US" dirty="0"/>
-              <a:t> </a:t>
-            </a:r>
-            <a:r>
-              <a:rPr lang="en-US" dirty="0" err="1"/>
-              <a:t>lệch</a:t>
-            </a:r>
-            <a:r>
-              <a:rPr lang="en-US" dirty="0"/>
-              <a:t> 0.5-1.5m</a:t>
-            </a:r>
-            <a:r>
-              <a:rPr lang="en-US" dirty="0" smtClean="0"/>
-              <a:t>.</a:t>
-            </a:r>
-            <a:endParaRPr lang="en-US" dirty="0"/>
-          </a:p>
-          <a:p>
-            <a:pPr lvl="0" algn="just"/>
-            <a:r>
-              <a:rPr lang="en-US" dirty="0" err="1"/>
-              <a:t>Thiết</a:t>
-            </a:r>
-            <a:r>
-              <a:rPr lang="en-US" dirty="0"/>
-              <a:t> </a:t>
-            </a:r>
-            <a:r>
-              <a:rPr lang="en-US" dirty="0" err="1"/>
-              <a:t>bị</a:t>
-            </a:r>
-            <a:r>
-              <a:rPr lang="en-US" dirty="0"/>
-              <a:t> </a:t>
-            </a:r>
-            <a:r>
-              <a:rPr lang="en-US" dirty="0" err="1"/>
-              <a:t>với</a:t>
-            </a:r>
-            <a:r>
-              <a:rPr lang="en-US" dirty="0"/>
-              <a:t> PCB antenna </a:t>
-            </a:r>
-            <a:r>
-              <a:rPr lang="en-US" dirty="0" err="1"/>
-              <a:t>bắt</a:t>
-            </a:r>
-            <a:r>
-              <a:rPr lang="en-US" dirty="0"/>
-              <a:t> </a:t>
-            </a:r>
-            <a:r>
-              <a:rPr lang="en-US" dirty="0" err="1"/>
-              <a:t>sóng</a:t>
-            </a:r>
-            <a:r>
-              <a:rPr lang="en-US" dirty="0"/>
-              <a:t> </a:t>
-            </a:r>
-            <a:r>
-              <a:rPr lang="en-US" dirty="0" err="1"/>
-              <a:t>yếu</a:t>
-            </a:r>
-            <a:r>
-              <a:rPr lang="en-US" dirty="0"/>
-              <a:t> </a:t>
-            </a:r>
-            <a:r>
-              <a:rPr lang="en-US" dirty="0" err="1"/>
-              <a:t>nhất</a:t>
-            </a:r>
-            <a:r>
-              <a:rPr lang="en-US" dirty="0"/>
-              <a:t>, </a:t>
-            </a:r>
-            <a:r>
-              <a:rPr lang="en-US" dirty="0" err="1"/>
-              <a:t>cho</a:t>
-            </a:r>
-            <a:r>
-              <a:rPr lang="en-US" dirty="0"/>
-              <a:t> </a:t>
-            </a:r>
-            <a:r>
-              <a:rPr lang="en-US" dirty="0" err="1"/>
-              <a:t>tham</a:t>
-            </a:r>
-            <a:r>
-              <a:rPr lang="en-US" dirty="0"/>
-              <a:t> </a:t>
-            </a:r>
-            <a:r>
-              <a:rPr lang="en-US" dirty="0" err="1"/>
-              <a:t>số</a:t>
-            </a:r>
-            <a:r>
-              <a:rPr lang="en-US" dirty="0"/>
-              <a:t> </a:t>
-            </a:r>
-            <a:r>
-              <a:rPr lang="en-US" dirty="0" err="1"/>
-              <a:t>suy</a:t>
-            </a:r>
-            <a:r>
-              <a:rPr lang="en-US" dirty="0"/>
-              <a:t> </a:t>
-            </a:r>
-            <a:r>
-              <a:rPr lang="en-US" dirty="0" err="1"/>
-              <a:t>hao</a:t>
-            </a:r>
-            <a:r>
-              <a:rPr lang="en-US" dirty="0"/>
-              <a:t> </a:t>
-            </a:r>
-            <a:r>
-              <a:rPr lang="en-US" dirty="0" err="1"/>
-              <a:t>lớn</a:t>
-            </a:r>
-            <a:r>
-              <a:rPr lang="en-US" dirty="0"/>
-              <a:t> </a:t>
-            </a:r>
-            <a:r>
-              <a:rPr lang="en-US" dirty="0" err="1"/>
-              <a:t>nhất</a:t>
-            </a:r>
-            <a:r>
-              <a:rPr lang="en-US" dirty="0"/>
-              <a:t>, </a:t>
-            </a:r>
-            <a:r>
-              <a:rPr lang="en-US" dirty="0" err="1"/>
-              <a:t>bị</a:t>
-            </a:r>
-            <a:r>
-              <a:rPr lang="en-US" dirty="0"/>
-              <a:t> </a:t>
-            </a:r>
-            <a:r>
-              <a:rPr lang="en-US" dirty="0" err="1"/>
-              <a:t>nhiễu</a:t>
-            </a:r>
-            <a:r>
-              <a:rPr lang="en-US" dirty="0"/>
-              <a:t> </a:t>
-            </a:r>
-            <a:r>
-              <a:rPr lang="en-US" dirty="0" err="1"/>
-              <a:t>nhiều</a:t>
-            </a:r>
-            <a:r>
-              <a:rPr lang="en-US" dirty="0"/>
-              <a:t> </a:t>
-            </a:r>
-            <a:r>
-              <a:rPr lang="en-US" dirty="0" err="1"/>
-              <a:t>nhất</a:t>
-            </a:r>
-            <a:r>
-              <a:rPr lang="en-US" dirty="0"/>
-              <a:t>, </a:t>
-            </a:r>
-            <a:r>
-              <a:rPr lang="en-US" dirty="0" err="1"/>
-              <a:t>dao</a:t>
-            </a:r>
-            <a:r>
-              <a:rPr lang="en-US" dirty="0"/>
-              <a:t> </a:t>
-            </a:r>
-            <a:r>
-              <a:rPr lang="en-US" dirty="0" err="1"/>
-              <a:t>động</a:t>
-            </a:r>
-            <a:r>
-              <a:rPr lang="en-US" dirty="0"/>
-              <a:t> </a:t>
-            </a:r>
-            <a:r>
-              <a:rPr lang="en-US" dirty="0" err="1"/>
-              <a:t>lớn</a:t>
-            </a:r>
-            <a:r>
-              <a:rPr lang="en-US" dirty="0"/>
-              <a:t> </a:t>
-            </a:r>
-            <a:r>
-              <a:rPr lang="en-US" dirty="0" err="1"/>
-              <a:t>nhất</a:t>
-            </a:r>
-            <a:r>
-              <a:rPr lang="en-US" dirty="0"/>
-              <a:t>. </a:t>
-            </a:r>
-            <a:r>
-              <a:rPr lang="en-US" dirty="0" err="1"/>
-              <a:t>Không</a:t>
-            </a:r>
-            <a:r>
-              <a:rPr lang="en-US" dirty="0"/>
-              <a:t> </a:t>
-            </a:r>
-            <a:r>
-              <a:rPr lang="en-US" dirty="0" err="1"/>
-              <a:t>nên</a:t>
-            </a:r>
-            <a:r>
-              <a:rPr lang="en-US" dirty="0"/>
-              <a:t> </a:t>
-            </a:r>
-            <a:r>
-              <a:rPr lang="en-US" dirty="0" err="1"/>
-              <a:t>sử</a:t>
-            </a:r>
-            <a:r>
-              <a:rPr lang="en-US" dirty="0"/>
-              <a:t> </a:t>
-            </a:r>
-            <a:r>
-              <a:rPr lang="en-US" dirty="0" err="1"/>
-              <a:t>dụng</a:t>
-            </a:r>
-            <a:r>
-              <a:rPr lang="en-US" dirty="0"/>
-              <a:t> PCB antenna</a:t>
-            </a:r>
-          </a:p>
-          <a:p>
-            <a:endParaRPr lang="en-US" dirty="0"/>
-          </a:p>
-        </p:txBody>
-      </p:sp>
-    </p:spTree>
-    <p:extLst>
-      <p:ext uri="{BB962C8B-B14F-4D97-AF65-F5344CB8AC3E}">
-        <p14:creationId xmlns:p14="http://schemas.microsoft.com/office/powerpoint/2010/main" val="2741145985"/>
-      </p:ext>
-    </p:extLst>
-  </p:cSld>
-  <p:clrMapOvr>
-    <a:masterClrMapping/>
-  </p:clrMapOvr>
-</p:sld>
-</file>
-
-<file path=ppt/slides/slide19.xml><?xml version="1.0" encoding="utf-8"?>
-<p:sld xmlns:a="http://schemas.openxmlformats.org/drawingml/2006/main" xmlns:r="http://schemas.openxmlformats.org/officeDocument/2006/relationships" xmlns:p="http://schemas.openxmlformats.org/presentationml/2006/main">
-  <p:cSld>
-    <p:spTree>
-      <p:nvGrpSpPr>
-        <p:cNvPr id="1" name=""/>
-        <p:cNvGrpSpPr/>
-        <p:nvPr/>
-      </p:nvGrpSpPr>
-      <p:grpSpPr>
-        <a:xfrm>
-          <a:off x="0" y="0"/>
-          <a:ext cx="0" cy="0"/>
-          <a:chOff x="0" y="0"/>
-          <a:chExt cx="0" cy="0"/>
-        </a:xfrm>
-      </p:grpSpPr>
-      <p:sp>
-        <p:nvSpPr>
-          <p:cNvPr id="2" name="Title 1"/>
-          <p:cNvSpPr>
-            <a:spLocks noGrp="1"/>
-          </p:cNvSpPr>
-          <p:nvPr>
-            <p:ph type="title"/>
-          </p:nvPr>
-        </p:nvSpPr>
-        <p:spPr/>
-        <p:txBody>
-          <a:bodyPr/>
-          <a:lstStyle/>
-          <a:p>
-            <a:r>
-              <a:rPr lang="en-US" dirty="0" smtClean="0"/>
-              <a:t>KALMAN PARAMETERS</a:t>
-            </a:r>
-            <a:endParaRPr lang="en-US" dirty="0"/>
-          </a:p>
-        </p:txBody>
-      </p:sp>
-      <p:sp>
-        <p:nvSpPr>
-          <p:cNvPr id="3" name="Content Placeholder 2"/>
-          <p:cNvSpPr>
-            <a:spLocks noGrp="1"/>
-          </p:cNvSpPr>
-          <p:nvPr>
-            <p:ph idx="1"/>
-          </p:nvPr>
-        </p:nvSpPr>
-        <p:spPr/>
-        <p:txBody>
-          <a:bodyPr/>
-          <a:lstStyle/>
-          <a:p>
-            <a:r>
-              <a:rPr lang="en-US" dirty="0" smtClean="0"/>
-              <a:t>So </a:t>
-            </a:r>
-            <a:r>
-              <a:rPr lang="en-US" dirty="0" err="1" smtClean="0"/>
-              <a:t>sánh</a:t>
-            </a:r>
-            <a:r>
-              <a:rPr lang="en-US" dirty="0" smtClean="0"/>
-              <a:t> </a:t>
-            </a:r>
-            <a:r>
-              <a:rPr lang="en-US" dirty="0" err="1" smtClean="0"/>
-              <a:t>các</a:t>
-            </a:r>
-            <a:r>
-              <a:rPr lang="en-US" dirty="0" smtClean="0"/>
-              <a:t> </a:t>
-            </a:r>
-            <a:r>
-              <a:rPr lang="en-US" dirty="0" err="1" smtClean="0"/>
-              <a:t>thông</a:t>
-            </a:r>
-            <a:r>
-              <a:rPr lang="en-US" dirty="0" smtClean="0"/>
-              <a:t> </a:t>
-            </a:r>
-            <a:r>
-              <a:rPr lang="en-US" dirty="0" err="1" smtClean="0"/>
-              <a:t>số</a:t>
-            </a:r>
-            <a:r>
-              <a:rPr lang="en-US" dirty="0" smtClean="0"/>
-              <a:t> </a:t>
-            </a:r>
-            <a:r>
-              <a:rPr lang="en-US" dirty="0" err="1" smtClean="0"/>
-              <a:t>trong</a:t>
-            </a:r>
-            <a:r>
-              <a:rPr lang="en-US" dirty="0" smtClean="0"/>
-              <a:t> </a:t>
-            </a:r>
-            <a:r>
-              <a:rPr lang="en-US" dirty="0" err="1" smtClean="0"/>
-              <a:t>bộ</a:t>
-            </a:r>
-            <a:r>
-              <a:rPr lang="en-US" dirty="0" smtClean="0"/>
-              <a:t> </a:t>
-            </a:r>
-            <a:r>
-              <a:rPr lang="en-US" dirty="0" err="1" smtClean="0"/>
-              <a:t>lọc</a:t>
-            </a:r>
-            <a:r>
-              <a:rPr lang="en-US" dirty="0" smtClean="0"/>
-              <a:t> KALMAN </a:t>
-            </a:r>
-            <a:r>
-              <a:rPr lang="en-US" dirty="0" err="1" smtClean="0"/>
-              <a:t>để</a:t>
-            </a:r>
-            <a:r>
-              <a:rPr lang="en-US" dirty="0" smtClean="0"/>
-              <a:t> </a:t>
-            </a:r>
-            <a:r>
-              <a:rPr lang="en-US" dirty="0" err="1" smtClean="0"/>
-              <a:t>chọn</a:t>
-            </a:r>
-            <a:r>
-              <a:rPr lang="en-US" dirty="0" smtClean="0"/>
-              <a:t> </a:t>
-            </a:r>
-            <a:r>
-              <a:rPr lang="en-US" dirty="0" err="1" smtClean="0"/>
-              <a:t>ra</a:t>
-            </a:r>
-            <a:r>
-              <a:rPr lang="en-US" dirty="0" smtClean="0"/>
-              <a:t> </a:t>
-            </a:r>
-            <a:r>
-              <a:rPr lang="en-US" dirty="0" err="1" smtClean="0"/>
-              <a:t>bộ</a:t>
-            </a:r>
-            <a:r>
-              <a:rPr lang="en-US" dirty="0" smtClean="0"/>
-              <a:t> </a:t>
-            </a:r>
-            <a:r>
-              <a:rPr lang="en-US" dirty="0" err="1" smtClean="0"/>
-              <a:t>thông</a:t>
-            </a:r>
-            <a:r>
-              <a:rPr lang="en-US" dirty="0" smtClean="0"/>
-              <a:t> </a:t>
-            </a:r>
-            <a:r>
-              <a:rPr lang="en-US" dirty="0" err="1" smtClean="0"/>
-              <a:t>số</a:t>
-            </a:r>
-            <a:r>
-              <a:rPr lang="en-US" dirty="0" smtClean="0"/>
-              <a:t> </a:t>
-            </a:r>
-            <a:r>
-              <a:rPr lang="en-US" dirty="0" err="1" smtClean="0"/>
-              <a:t>tối</a:t>
-            </a:r>
-            <a:r>
-              <a:rPr lang="en-US" dirty="0" smtClean="0"/>
-              <a:t> </a:t>
-            </a:r>
-            <a:r>
-              <a:rPr lang="en-US" dirty="0" err="1" smtClean="0"/>
-              <a:t>ưu</a:t>
-            </a:r>
-            <a:r>
-              <a:rPr lang="en-US" dirty="0" smtClean="0"/>
-              <a:t>. </a:t>
-            </a:r>
-            <a:r>
-              <a:rPr lang="en-US" dirty="0" err="1" smtClean="0"/>
-              <a:t>Dùng</a:t>
-            </a:r>
-            <a:r>
-              <a:rPr lang="en-US" dirty="0" smtClean="0"/>
-              <a:t> </a:t>
-            </a:r>
-            <a:r>
-              <a:rPr lang="en-US" dirty="0" err="1" smtClean="0"/>
-              <a:t>cho</a:t>
-            </a:r>
-            <a:r>
-              <a:rPr lang="en-US" dirty="0" smtClean="0"/>
-              <a:t> </a:t>
-            </a:r>
-            <a:r>
-              <a:rPr lang="en-US" dirty="0" err="1" smtClean="0"/>
-              <a:t>các</a:t>
-            </a:r>
-            <a:r>
-              <a:rPr lang="en-US" dirty="0" smtClean="0"/>
-              <a:t> </a:t>
-            </a:r>
-            <a:r>
-              <a:rPr lang="en-US" dirty="0" err="1" smtClean="0"/>
-              <a:t>thử</a:t>
-            </a:r>
-            <a:r>
-              <a:rPr lang="en-US" dirty="0" smtClean="0"/>
-              <a:t> </a:t>
-            </a:r>
-            <a:r>
-              <a:rPr lang="en-US" dirty="0" err="1" smtClean="0"/>
-              <a:t>nghiệm</a:t>
-            </a:r>
-            <a:r>
-              <a:rPr lang="en-US" dirty="0" smtClean="0"/>
-              <a:t> </a:t>
-            </a:r>
-            <a:r>
-              <a:rPr lang="en-US" dirty="0" err="1" smtClean="0"/>
-              <a:t>sau</a:t>
-            </a:r>
-            <a:r>
-              <a:rPr lang="en-US" dirty="0" smtClean="0"/>
-              <a:t> </a:t>
-            </a:r>
-            <a:r>
-              <a:rPr lang="en-US" dirty="0" err="1" smtClean="0"/>
-              <a:t>này</a:t>
-            </a:r>
-            <a:endParaRPr lang="en-US" dirty="0" smtClean="0"/>
-          </a:p>
-          <a:p>
-            <a:r>
-              <a:rPr lang="en-US" dirty="0" smtClean="0"/>
-              <a:t>3 </a:t>
-            </a:r>
-            <a:r>
-              <a:rPr lang="en-US" dirty="0" err="1" smtClean="0"/>
-              <a:t>bộ</a:t>
-            </a:r>
-            <a:r>
-              <a:rPr lang="en-US" dirty="0" smtClean="0"/>
-              <a:t> </a:t>
-            </a:r>
-            <a:r>
-              <a:rPr lang="en-US" dirty="0" err="1" smtClean="0"/>
-              <a:t>thông</a:t>
-            </a:r>
-            <a:r>
-              <a:rPr lang="en-US" dirty="0" smtClean="0"/>
-              <a:t> </a:t>
-            </a:r>
-            <a:r>
-              <a:rPr lang="en-US" dirty="0" err="1" smtClean="0"/>
-              <a:t>số</a:t>
-            </a:r>
-            <a:r>
-              <a:rPr lang="en-US" dirty="0" smtClean="0"/>
-              <a:t> </a:t>
-            </a:r>
-            <a:r>
-              <a:rPr lang="en-US" dirty="0" err="1" smtClean="0"/>
-              <a:t>được</a:t>
-            </a:r>
-            <a:r>
-              <a:rPr lang="en-US" dirty="0" smtClean="0"/>
-              <a:t> </a:t>
-            </a:r>
-            <a:r>
-              <a:rPr lang="en-US" dirty="0" err="1" smtClean="0"/>
-              <a:t>chọn</a:t>
-            </a:r>
-            <a:r>
-              <a:rPr lang="en-US" dirty="0" smtClean="0"/>
-              <a:t>:[P K Q R]</a:t>
-            </a:r>
-            <a:endParaRPr lang="en-US" dirty="0"/>
-          </a:p>
-        </p:txBody>
-      </p:sp>
-      <p:pic>
-        <p:nvPicPr>
-          <p:cNvPr id="2050" name="Picture 2"/>
-          <p:cNvPicPr>
-            <a:picLocks noChangeAspect="1" noChangeArrowheads="1"/>
-          </p:cNvPicPr>
-          <p:nvPr/>
-        </p:nvPicPr>
-        <p:blipFill>
-          <a:blip r:embed="rId2">
-            <a:extLst>
-              <a:ext uri="{28A0092B-C50C-407E-A947-70E740481C1C}">
-                <a14:useLocalDpi xmlns:a14="http://schemas.microsoft.com/office/drawing/2010/main" val="0"/>
-              </a:ext>
-            </a:extLst>
-          </a:blip>
-          <a:srcRect/>
-          <a:stretch>
-            <a:fillRect/>
-          </a:stretch>
-        </p:blipFill>
-        <p:spPr bwMode="auto">
-          <a:xfrm>
-            <a:off x="2514600" y="3810000"/>
-            <a:ext cx="3590925" cy="704850"/>
-          </a:xfrm>
-          <a:prstGeom prst="rect">
-            <a:avLst/>
-          </a:prstGeom>
-          <a:noFill/>
-          <a:ln>
-            <a:noFill/>
-          </a:ln>
-          <a:extLst>
-            <a:ext uri="{909E8E84-426E-40DD-AFC4-6F175D3DCCD1}">
-              <a14:hiddenFill xmlns:a14="http://schemas.microsoft.com/office/drawing/2010/main">
-                <a:solidFill>
-                  <a:schemeClr val="accent1"/>
-                </a:solidFill>
-              </a14:hiddenFill>
-            </a:ext>
-            <a:ext uri="{91240B29-F687-4F45-9708-019B960494DF}">
-              <a14:hiddenLine xmlns:a14="http://schemas.microsoft.com/office/drawing/2010/main" w="9525">
-                <a:solidFill>
-                  <a:schemeClr val="tx1"/>
-                </a:solidFill>
-                <a:miter lim="800000"/>
-                <a:headEnd/>
-                <a:tailEnd/>
-              </a14:hiddenLine>
-            </a:ext>
-          </a:extLst>
-        </p:spPr>
-      </p:pic>
-    </p:spTree>
-    <p:extLst>
-      <p:ext uri="{BB962C8B-B14F-4D97-AF65-F5344CB8AC3E}">
-        <p14:creationId xmlns:p14="http://schemas.microsoft.com/office/powerpoint/2010/main" val="3990476300"/>
       </p:ext>
     </p:extLst>
   </p:cSld>
@@ -7858,49 +6702,32 @@
           <a:p>
             <a:r>
               <a:rPr lang="en-US" dirty="0" smtClean="0"/>
-              <a:t>KALMAN PARAMETERS</a:t>
+              <a:t>2020.04.20: </a:t>
+            </a:r>
+            <a:r>
+              <a:rPr lang="en-US" dirty="0" err="1" smtClean="0"/>
+              <a:t>Tương</a:t>
+            </a:r>
+            <a:r>
+              <a:rPr lang="en-US" dirty="0" smtClean="0"/>
+              <a:t> </a:t>
+            </a:r>
+            <a:r>
+              <a:rPr lang="en-US" dirty="0" err="1" smtClean="0"/>
+              <a:t>Quan</a:t>
+            </a:r>
+            <a:r>
+              <a:rPr lang="en-US" dirty="0" smtClean="0"/>
+              <a:t> </a:t>
+            </a:r>
+            <a:r>
+              <a:rPr lang="en-US" dirty="0" err="1" smtClean="0"/>
+              <a:t>Góc&amp;RSSI</a:t>
             </a:r>
             <a:endParaRPr lang="en-US" dirty="0"/>
           </a:p>
         </p:txBody>
       </p:sp>
-      <p:pic>
-        <p:nvPicPr>
-          <p:cNvPr id="4" name="Content Placeholder 3" descr="F:\thuc_tap\BLE\report\pic\10_3_16_25\combine_gw_km.jpg"/>
-          <p:cNvPicPr>
-            <a:picLocks noGrp="1"/>
-          </p:cNvPicPr>
-          <p:nvPr>
-            <p:ph idx="1"/>
-          </p:nvPr>
-        </p:nvPicPr>
-        <p:blipFill>
-          <a:blip r:embed="rId2" cstate="print">
-            <a:extLst>
-              <a:ext uri="{28A0092B-C50C-407E-A947-70E740481C1C}">
-                <a14:useLocalDpi xmlns:a14="http://schemas.microsoft.com/office/drawing/2010/main" val="0"/>
-              </a:ext>
-            </a:extLst>
-          </a:blip>
-          <a:srcRect/>
-          <a:stretch>
-            <a:fillRect/>
-          </a:stretch>
-        </p:blipFill>
-        <p:spPr bwMode="auto">
-          <a:xfrm>
-            <a:off x="0" y="1066800"/>
-            <a:ext cx="9144000" cy="4648200"/>
-          </a:xfrm>
-          <a:prstGeom prst="rect">
-            <a:avLst/>
-          </a:prstGeom>
-          <a:noFill/>
-          <a:ln>
-            <a:noFill/>
-          </a:ln>
-        </p:spPr>
-      </p:pic>
       <p:sp>
         <p:nvSpPr>
           <p:cNvPr id="5" name="Title 1"/>
@@ -7911,7 +6738,7 @@
         </p:nvSpPr>
         <p:spPr>
           <a:xfrm>
-            <a:off x="381000" y="5181600"/>
+            <a:off x="609600" y="5355555"/>
             <a:ext cx="8229600" cy="1143000"/>
           </a:xfrm>
           <a:prstGeom prst="rect">
@@ -7939,18 +6766,267 @@
             </a:lvl1pPr>
           </a:lstStyle>
           <a:p>
-            <a:r>
-              <a:rPr lang="en-US" sz="2000" dirty="0" smtClean="0"/>
-              <a:t>=&gt; CHỌN BỘ THÔNG SỐ MÀU XANH</a:t>
-            </a:r>
-            <a:endParaRPr lang="en-US" sz="2000" dirty="0"/>
-          </a:p>
-        </p:txBody>
-      </p:sp>
+            <a:pPr algn="just"/>
+            <a:r>
+              <a:rPr lang="en-US" sz="2000" dirty="0" smtClean="0"/>
+              <a:t>4 </a:t>
+            </a:r>
+            <a:r>
+              <a:rPr lang="en-US" sz="2000" dirty="0" err="1" smtClean="0"/>
+              <a:t>lần</a:t>
+            </a:r>
+            <a:r>
+              <a:rPr lang="en-US" sz="2000" dirty="0" smtClean="0"/>
+              <a:t> </a:t>
+            </a:r>
+            <a:r>
+              <a:rPr lang="en-US" sz="2000" dirty="0" err="1" smtClean="0"/>
+              <a:t>đo</a:t>
+            </a:r>
+            <a:r>
+              <a:rPr lang="en-US" sz="2000" dirty="0" smtClean="0"/>
+              <a:t> </a:t>
+            </a:r>
+            <a:r>
+              <a:rPr lang="en-US" sz="2000" dirty="0" err="1" smtClean="0"/>
+              <a:t>đều</a:t>
+            </a:r>
+            <a:r>
+              <a:rPr lang="en-US" sz="2000" dirty="0" smtClean="0"/>
+              <a:t> </a:t>
+            </a:r>
+            <a:r>
+              <a:rPr lang="en-US" sz="2000" dirty="0" err="1" smtClean="0"/>
+              <a:t>cho</a:t>
+            </a:r>
+            <a:r>
+              <a:rPr lang="en-US" sz="2000" dirty="0" smtClean="0"/>
+              <a:t> </a:t>
+            </a:r>
+            <a:r>
+              <a:rPr lang="en-US" sz="2000" dirty="0" err="1" smtClean="0"/>
+              <a:t>kết</a:t>
+            </a:r>
+            <a:r>
+              <a:rPr lang="en-US" sz="2000" dirty="0" smtClean="0"/>
+              <a:t> </a:t>
+            </a:r>
+            <a:r>
+              <a:rPr lang="en-US" sz="2000" dirty="0" err="1" smtClean="0"/>
+              <a:t>quả</a:t>
+            </a:r>
+            <a:r>
+              <a:rPr lang="en-US" sz="2000" dirty="0" smtClean="0"/>
+              <a:t> </a:t>
+            </a:r>
+            <a:r>
+              <a:rPr lang="en-US" sz="2000" dirty="0" err="1" smtClean="0"/>
+              <a:t>khác</a:t>
+            </a:r>
+            <a:r>
+              <a:rPr lang="en-US" sz="2000" dirty="0" smtClean="0"/>
+              <a:t> </a:t>
+            </a:r>
+            <a:r>
+              <a:rPr lang="en-US" sz="2000" dirty="0" err="1" smtClean="0"/>
+              <a:t>nhau</a:t>
+            </a:r>
+            <a:r>
+              <a:rPr lang="en-US" sz="2000" dirty="0"/>
+              <a:t> </a:t>
+            </a:r>
+            <a:r>
+              <a:rPr lang="en-US" sz="2000" dirty="0" smtClean="0"/>
+              <a:t>do </a:t>
+            </a:r>
+            <a:r>
+              <a:rPr lang="en-US" sz="2000" dirty="0" err="1" smtClean="0"/>
+              <a:t>thời</a:t>
+            </a:r>
+            <a:r>
+              <a:rPr lang="en-US" sz="2000" dirty="0" smtClean="0"/>
+              <a:t> </a:t>
+            </a:r>
+            <a:r>
+              <a:rPr lang="en-US" sz="2000" dirty="0" err="1" smtClean="0"/>
+              <a:t>gian</a:t>
+            </a:r>
+            <a:r>
+              <a:rPr lang="en-US" sz="2000" dirty="0" smtClean="0"/>
+              <a:t> (</a:t>
+            </a:r>
+            <a:r>
+              <a:rPr lang="en-US" sz="2000" dirty="0" err="1" smtClean="0"/>
+              <a:t>môi</a:t>
+            </a:r>
+            <a:r>
+              <a:rPr lang="en-US" sz="2000" dirty="0" smtClean="0"/>
+              <a:t> </a:t>
+            </a:r>
+            <a:r>
+              <a:rPr lang="en-US" sz="2000" dirty="0" err="1" smtClean="0"/>
+              <a:t>trường</a:t>
+            </a:r>
+            <a:r>
+              <a:rPr lang="en-US" sz="2000" dirty="0" smtClean="0"/>
+              <a:t>) </a:t>
+            </a:r>
+            <a:r>
+              <a:rPr lang="en-US" sz="2000" dirty="0" err="1" smtClean="0"/>
+              <a:t>khác</a:t>
+            </a:r>
+            <a:r>
+              <a:rPr lang="en-US" sz="2000" dirty="0" smtClean="0"/>
+              <a:t> </a:t>
+            </a:r>
+            <a:r>
+              <a:rPr lang="en-US" sz="2000" dirty="0" err="1" smtClean="0"/>
+              <a:t>nhau</a:t>
+            </a:r>
+            <a:r>
+              <a:rPr lang="en-US" sz="2000" dirty="0" smtClean="0"/>
+              <a:t>.</a:t>
+            </a:r>
+          </a:p>
+          <a:p>
+            <a:pPr algn="just"/>
+            <a:r>
+              <a:rPr lang="en-US" sz="2000" dirty="0" smtClean="0"/>
+              <a:t>=&gt; </a:t>
+            </a:r>
+            <a:r>
+              <a:rPr lang="en-US" sz="2000" dirty="0" err="1" smtClean="0"/>
+              <a:t>Xác</a:t>
+            </a:r>
+            <a:r>
+              <a:rPr lang="en-US" sz="2000" dirty="0" smtClean="0"/>
+              <a:t> </a:t>
+            </a:r>
+            <a:r>
+              <a:rPr lang="en-US" sz="2000" dirty="0" err="1" smtClean="0"/>
+              <a:t>định</a:t>
+            </a:r>
+            <a:r>
+              <a:rPr lang="en-US" sz="2000" dirty="0" smtClean="0"/>
+              <a:t> </a:t>
+            </a:r>
+            <a:r>
+              <a:rPr lang="en-US" sz="2000" dirty="0" err="1" smtClean="0"/>
+              <a:t>biểu</a:t>
+            </a:r>
+            <a:r>
+              <a:rPr lang="en-US" sz="2000" dirty="0" smtClean="0"/>
+              <a:t> </a:t>
+            </a:r>
+            <a:r>
+              <a:rPr lang="en-US" sz="2000" dirty="0" err="1" smtClean="0"/>
+              <a:t>đồ</a:t>
+            </a:r>
+            <a:r>
+              <a:rPr lang="en-US" sz="2000" dirty="0" smtClean="0"/>
+              <a:t> </a:t>
+            </a:r>
+            <a:r>
+              <a:rPr lang="en-US" sz="2000" dirty="0" err="1" smtClean="0"/>
+              <a:t>dùng</a:t>
+            </a:r>
+            <a:r>
+              <a:rPr lang="en-US" sz="2000" dirty="0" smtClean="0"/>
+              <a:t> 36 </a:t>
+            </a:r>
+            <a:r>
+              <a:rPr lang="en-US" sz="2000" dirty="0" err="1" smtClean="0"/>
+              <a:t>thiết</a:t>
+            </a:r>
+            <a:r>
+              <a:rPr lang="en-US" sz="2000" dirty="0" smtClean="0"/>
+              <a:t> </a:t>
+            </a:r>
+            <a:r>
+              <a:rPr lang="en-US" sz="2000" dirty="0" err="1" smtClean="0"/>
+              <a:t>bị</a:t>
+            </a:r>
+            <a:r>
+              <a:rPr lang="en-US" sz="2000" dirty="0" smtClean="0"/>
+              <a:t> ở 36 </a:t>
+            </a:r>
+            <a:r>
+              <a:rPr lang="en-US" sz="2000" dirty="0" err="1" smtClean="0"/>
+              <a:t>góc</a:t>
+            </a:r>
+            <a:r>
+              <a:rPr lang="en-US" sz="2000" dirty="0" smtClean="0"/>
+              <a:t> </a:t>
+            </a:r>
+            <a:r>
+              <a:rPr lang="en-US" sz="2000" dirty="0" err="1" smtClean="0"/>
+              <a:t>cùng</a:t>
+            </a:r>
+            <a:r>
+              <a:rPr lang="en-US" sz="2000" dirty="0" smtClean="0"/>
+              <a:t> 1 </a:t>
+            </a:r>
+            <a:r>
+              <a:rPr lang="en-US" sz="2000" dirty="0" err="1" smtClean="0"/>
+              <a:t>thời</a:t>
+            </a:r>
+            <a:r>
+              <a:rPr lang="en-US" sz="2000" dirty="0" smtClean="0"/>
+              <a:t> </a:t>
+            </a:r>
+            <a:r>
+              <a:rPr lang="en-US" sz="2000" dirty="0" err="1" smtClean="0"/>
+              <a:t>điểm</a:t>
+            </a:r>
+            <a:endParaRPr lang="en-US" sz="2000" dirty="0" smtClean="0"/>
+          </a:p>
+        </p:txBody>
+      </p:sp>
+      <p:pic>
+        <p:nvPicPr>
+          <p:cNvPr id="3" name="Picture 2" descr="F:\thuc_tap\BLE_matlab\report\ppt\anglevsrssi.jpg"/>
+          <p:cNvPicPr>
+            <a:picLocks noChangeAspect="1" noChangeArrowheads="1"/>
+          </p:cNvPicPr>
+          <p:nvPr/>
+        </p:nvPicPr>
+        <p:blipFill>
+          <a:blip r:embed="rId2">
+            <a:extLst>
+              <a:ext uri="{28A0092B-C50C-407E-A947-70E740481C1C}">
+                <a14:useLocalDpi xmlns:a14="http://schemas.microsoft.com/office/drawing/2010/main" val="0"/>
+              </a:ext>
+            </a:extLst>
+          </a:blip>
+          <a:srcRect/>
+          <a:stretch>
+            <a:fillRect/>
+          </a:stretch>
+        </p:blipFill>
+        <p:spPr bwMode="auto">
+          <a:xfrm>
+            <a:off x="0" y="1295400"/>
+            <a:ext cx="9144000" cy="4191000"/>
+          </a:xfrm>
+          <a:prstGeom prst="rect">
+            <a:avLst/>
+          </a:prstGeom>
+          <a:noFill/>
+          <a:extLst>
+            <a:ext uri="{909E8E84-426E-40DD-AFC4-6F175D3DCCD1}">
+              <a14:hiddenFill xmlns:a14="http://schemas.microsoft.com/office/drawing/2010/main">
+                <a:solidFill>
+                  <a:srgbClr val="FFFFFF"/>
+                </a:solidFill>
+              </a14:hiddenFill>
+            </a:ext>
+          </a:extLst>
+        </p:spPr>
+      </p:pic>
     </p:spTree>
     <p:extLst>
       <p:ext uri="{BB962C8B-B14F-4D97-AF65-F5344CB8AC3E}">
-        <p14:creationId xmlns:p14="http://schemas.microsoft.com/office/powerpoint/2010/main" val="1838915255"/>
+        <p14:creationId xmlns:p14="http://schemas.microsoft.com/office/powerpoint/2010/main" val="1365081421"/>
       </p:ext>
     </p:extLst>
   </p:cSld>
@@ -8223,6 +7299,77 @@
               <a:rPr lang="en-US" dirty="0" err="1" smtClean="0"/>
               <a:t>thuật</a:t>
             </a:r>
+            <a:endParaRPr lang="en-US" dirty="0" smtClean="0"/>
+          </a:p>
+          <a:p>
+            <a:r>
+              <a:rPr lang="en-US" dirty="0" err="1" smtClean="0"/>
+              <a:t>Kết</a:t>
+            </a:r>
+            <a:r>
+              <a:rPr lang="en-US" dirty="0" smtClean="0"/>
+              <a:t> </a:t>
+            </a:r>
+            <a:r>
+              <a:rPr lang="en-US" dirty="0" err="1" smtClean="0"/>
+              <a:t>hợp</a:t>
+            </a:r>
+            <a:r>
+              <a:rPr lang="en-US" dirty="0" smtClean="0"/>
+              <a:t> </a:t>
+            </a:r>
+            <a:r>
+              <a:rPr lang="en-US" dirty="0" err="1" smtClean="0"/>
+              <a:t>biểu</a:t>
+            </a:r>
+            <a:r>
+              <a:rPr lang="en-US" dirty="0" smtClean="0"/>
+              <a:t> </a:t>
+            </a:r>
+            <a:r>
+              <a:rPr lang="en-US" dirty="0" err="1" smtClean="0"/>
+              <a:t>đồ</a:t>
+            </a:r>
+            <a:r>
+              <a:rPr lang="en-US" dirty="0" smtClean="0"/>
+              <a:t> ANGLE vs RSSI </a:t>
+            </a:r>
+            <a:r>
+              <a:rPr lang="en-US" dirty="0" err="1" smtClean="0"/>
+              <a:t>để</a:t>
+            </a:r>
+            <a:r>
+              <a:rPr lang="en-US" dirty="0" smtClean="0"/>
+              <a:t> </a:t>
+            </a:r>
+            <a:r>
+              <a:rPr lang="en-US" dirty="0" err="1" smtClean="0"/>
+              <a:t>tối</a:t>
+            </a:r>
+            <a:r>
+              <a:rPr lang="en-US" dirty="0" smtClean="0"/>
+              <a:t> </a:t>
+            </a:r>
+            <a:r>
+              <a:rPr lang="en-US" dirty="0" err="1" smtClean="0"/>
+              <a:t>ưu</a:t>
+            </a:r>
+            <a:r>
+              <a:rPr lang="en-US" dirty="0" smtClean="0"/>
+              <a:t> </a:t>
+            </a:r>
+            <a:r>
+              <a:rPr lang="en-US" dirty="0" err="1" smtClean="0"/>
+              <a:t>sai</a:t>
+            </a:r>
+            <a:r>
+              <a:rPr lang="en-US" dirty="0" smtClean="0"/>
+              <a:t> </a:t>
+            </a:r>
+            <a:r>
+              <a:rPr lang="en-US" dirty="0" err="1" smtClean="0"/>
+              <a:t>số</a:t>
+            </a:r>
             <a:endParaRPr lang="en-US" dirty="0"/>
           </a:p>
         </p:txBody>
@@ -8230,7 +7377,7 @@
     </p:spTree>
     <p:extLst>
       <p:ext uri="{BB962C8B-B14F-4D97-AF65-F5344CB8AC3E}">
-        <p14:creationId xmlns:p14="http://schemas.microsoft.com/office/powerpoint/2010/main" val="128740166"/>
+        <p14:creationId xmlns:p14="http://schemas.microsoft.com/office/powerpoint/2010/main" val="2310693759"/>
       </p:ext>
     </p:extLst>
   </p:cSld>
@@ -8269,7 +7416,7 @@
         </p:nvSpPr>
         <p:spPr>
           <a:xfrm>
-            <a:off x="482600" y="5486400"/>
+            <a:off x="482600" y="5257800"/>
             <a:ext cx="8229600" cy="1143000"/>
           </a:xfrm>
         </p:spPr>
@@ -8329,15 +7476,68 @@
             </a:r>
             <a:r>
               <a:rPr lang="en-US" sz="2000" dirty="0" smtClean="0"/>
-              <a:t> Particle Swarm Optimization</a:t>
-            </a:r>
+              <a:t> Particle Swarm </a:t>
+            </a:r>
+            <a:r>
+              <a:rPr lang="en-US" sz="2000" dirty="0" smtClean="0"/>
+              <a:t>Optimization</a:t>
+            </a:r>
+            <a:br>
+              <a:rPr lang="en-US" sz="2000" dirty="0" smtClean="0"/>
+            </a:br>
             <a:endParaRPr lang="en-US" sz="2000" dirty="0"/>
+          </a:p>
+        </p:txBody>
+      </p:sp>
+      <p:sp>
+        <p:nvSpPr>
+          <p:cNvPr id="5" name="Title 1"/>
+          <p:cNvSpPr txBox="1">
+            <a:spLocks/>
+          </p:cNvSpPr>
+          <p:nvPr/>
+        </p:nvSpPr>
+        <p:spPr>
+          <a:xfrm>
+            <a:off x="609600" y="381000"/>
+            <a:ext cx="8229600" cy="1143000"/>
+          </a:xfrm>
+          <a:prstGeom prst="rect">
+            <a:avLst/>
+          </a:prstGeom>
+        </p:spPr>
+        <p:txBody>
+          <a:bodyPr vert="horz" lIns="91440" tIns="45720" rIns="91440" bIns="45720" rtlCol="0" anchor="ctr">
+            <a:normAutofit/>
+          </a:bodyPr>
+          <a:lstStyle>
+            <a:lvl1pPr algn="ctr" defTabSz="914400" rtl="0" eaLnBrk="1" latinLnBrk="0" hangingPunct="1">
+              <a:spcBef>
+                <a:spcPct val="0"/>
+              </a:spcBef>
+              <a:buNone/>
+              <a:defRPr sz="4400" kern="1200">
+                <a:solidFill>
+                  <a:schemeClr val="tx1"/>
+                </a:solidFill>
+                <a:latin typeface="+mj-lt"/>
+                <a:ea typeface="+mj-ea"/>
+                <a:cs typeface="+mj-cs"/>
+              </a:defRPr>
+            </a:lvl1pPr>
+          </a:lstStyle>
+          <a:p>
+            <a:r>
+              <a:rPr lang="en-US" dirty="0" smtClean="0"/>
+              <a:t>PARTICLE SWARM OPTIMIZATION</a:t>
+            </a:r>
+            <a:endParaRPr lang="en-US" dirty="0"/>
           </a:p>
         </p:txBody>
       </p:sp>
       <p:pic>
         <p:nvPicPr>
-          <p:cNvPr id="2050" name="Picture 2" descr="F:\thuc_tap\BLE\report\ppt\pso.jpg"/>
+          <p:cNvPr id="3" name="Picture 2" descr="F:\thuc_tap\BLE_matlab\report\ppt\pso_adjust.jpg"/>
           <p:cNvPicPr>
             <a:picLocks noChangeAspect="1" noChangeArrowheads="1"/>
           </p:cNvPicPr>
@@ -8358,8 +7558,8 @@
         </p:blipFill>
         <p:spPr bwMode="auto">
           <a:xfrm>
-            <a:off x="50800" y="1219200"/>
-            <a:ext cx="9093200" cy="4648200"/>
+            <a:off x="0" y="1155700"/>
+            <a:ext cx="9144000" cy="4249738"/>
           </a:xfrm>
           <a:prstGeom prst="rect">
             <a:avLst/>
@@ -8378,7 +7578,7 @@
       </p:pic>
       <p:sp>
         <p:nvSpPr>
-          <p:cNvPr id="5" name="Title 1"/>
+          <p:cNvPr id="6" name="Title 1"/>
           <p:cNvSpPr txBox="1">
             <a:spLocks/>
           </p:cNvSpPr>
@@ -8386,7 +7586,7 @@
         </p:nvSpPr>
         <p:spPr>
           <a:xfrm>
-            <a:off x="609600" y="427038"/>
+            <a:off x="609600" y="5715000"/>
             <a:ext cx="8229600" cy="1143000"/>
           </a:xfrm>
           <a:prstGeom prst="rect">
@@ -8414,18 +7614,167 @@
             </a:lvl1pPr>
           </a:lstStyle>
           <a:p>
-            <a:r>
-              <a:rPr lang="en-US" smtClean="0"/>
-              <a:t>PARTICLE SWARM OPTIMIZATION</a:t>
-            </a:r>
-            <a:endParaRPr lang="en-US" dirty="0"/>
+            <a:pPr algn="just"/>
+            <a:r>
+              <a:rPr lang="en-US" sz="2000" dirty="0" smtClean="0"/>
+              <a:t>Sai </a:t>
+            </a:r>
+            <a:r>
+              <a:rPr lang="en-US" sz="2000" dirty="0" err="1" smtClean="0"/>
+              <a:t>số</a:t>
+            </a:r>
+            <a:r>
+              <a:rPr lang="en-US" sz="2000" dirty="0" smtClean="0"/>
+              <a:t> </a:t>
+            </a:r>
+            <a:r>
+              <a:rPr lang="en-US" sz="2000" dirty="0" err="1" smtClean="0"/>
+              <a:t>luôn</a:t>
+            </a:r>
+            <a:r>
+              <a:rPr lang="en-US" sz="2000" dirty="0" smtClean="0"/>
+              <a:t> &lt;3m. </a:t>
+            </a:r>
+            <a:r>
+              <a:rPr lang="en-US" sz="2000" dirty="0" err="1" smtClean="0"/>
+              <a:t>Đạt</a:t>
+            </a:r>
+            <a:r>
+              <a:rPr lang="en-US" sz="2000" dirty="0" smtClean="0"/>
+              <a:t> </a:t>
+            </a:r>
+            <a:r>
+              <a:rPr lang="en-US" sz="2000" dirty="0" err="1" smtClean="0"/>
+              <a:t>yêu</a:t>
+            </a:r>
+            <a:r>
+              <a:rPr lang="en-US" sz="2000" dirty="0" smtClean="0"/>
+              <a:t> </a:t>
+            </a:r>
+            <a:r>
+              <a:rPr lang="en-US" sz="2000" dirty="0" err="1" smtClean="0"/>
+              <a:t>cầu</a:t>
+            </a:r>
+            <a:r>
+              <a:rPr lang="en-US" sz="2000" dirty="0" smtClean="0"/>
+              <a:t> </a:t>
+            </a:r>
+            <a:r>
+              <a:rPr lang="en-US" sz="2000" dirty="0" err="1" smtClean="0"/>
+              <a:t>đề</a:t>
+            </a:r>
+            <a:r>
+              <a:rPr lang="en-US" sz="2000" dirty="0" smtClean="0"/>
+              <a:t> </a:t>
+            </a:r>
+            <a:r>
+              <a:rPr lang="en-US" sz="2000" dirty="0" err="1" smtClean="0"/>
+              <a:t>ra.</a:t>
+            </a:r>
+            <a:endParaRPr lang="en-US" sz="2000" dirty="0" smtClean="0"/>
+          </a:p>
+          <a:p>
+            <a:pPr algn="just"/>
+            <a:r>
+              <a:rPr lang="en-US" sz="2000" dirty="0" smtClean="0"/>
+              <a:t>Sai </a:t>
+            </a:r>
+            <a:r>
+              <a:rPr lang="en-US" sz="2000" dirty="0" err="1" smtClean="0"/>
+              <a:t>số</a:t>
+            </a:r>
+            <a:r>
+              <a:rPr lang="en-US" sz="2000" dirty="0" smtClean="0"/>
+              <a:t> </a:t>
+            </a:r>
+            <a:r>
+              <a:rPr lang="en-US" sz="2000" dirty="0" err="1" smtClean="0"/>
+              <a:t>hầu</a:t>
+            </a:r>
+            <a:r>
+              <a:rPr lang="en-US" sz="2000" dirty="0" smtClean="0"/>
+              <a:t> </a:t>
+            </a:r>
+            <a:r>
+              <a:rPr lang="en-US" sz="2000" dirty="0" err="1" smtClean="0"/>
+              <a:t>như</a:t>
+            </a:r>
+            <a:r>
+              <a:rPr lang="en-US" sz="2000" dirty="0" smtClean="0"/>
+              <a:t> </a:t>
+            </a:r>
+            <a:r>
+              <a:rPr lang="en-US" sz="2000" dirty="0" err="1" smtClean="0"/>
+              <a:t>rơi</a:t>
+            </a:r>
+            <a:r>
+              <a:rPr lang="en-US" sz="2000" dirty="0" smtClean="0"/>
+              <a:t> </a:t>
+            </a:r>
+            <a:r>
+              <a:rPr lang="en-US" sz="2000" dirty="0" err="1" smtClean="0"/>
+              <a:t>vào</a:t>
+            </a:r>
+            <a:r>
+              <a:rPr lang="en-US" sz="2000" dirty="0" smtClean="0"/>
+              <a:t> </a:t>
+            </a:r>
+            <a:r>
+              <a:rPr lang="en-US" sz="2000" dirty="0" err="1" smtClean="0"/>
+              <a:t>khoảng</a:t>
+            </a:r>
+            <a:r>
+              <a:rPr lang="en-US" sz="2000" dirty="0" smtClean="0"/>
+              <a:t> 0.5-1.5m. </a:t>
+            </a:r>
+            <a:r>
+              <a:rPr lang="en-US" sz="2000" dirty="0" err="1" smtClean="0"/>
+              <a:t>Thuật</a:t>
+            </a:r>
+            <a:r>
+              <a:rPr lang="en-US" sz="2000" dirty="0" smtClean="0"/>
+              <a:t> </a:t>
+            </a:r>
+            <a:r>
+              <a:rPr lang="en-US" sz="2000" dirty="0" err="1" smtClean="0"/>
+              <a:t>toán</a:t>
+            </a:r>
+            <a:r>
+              <a:rPr lang="en-US" sz="2000" dirty="0" smtClean="0"/>
+              <a:t> </a:t>
+            </a:r>
+            <a:r>
+              <a:rPr lang="en-US" sz="2000" dirty="0" err="1" smtClean="0"/>
+              <a:t>hoạt</a:t>
+            </a:r>
+            <a:r>
+              <a:rPr lang="en-US" sz="2000" dirty="0" smtClean="0"/>
+              <a:t> </a:t>
+            </a:r>
+            <a:r>
+              <a:rPr lang="en-US" sz="2000" dirty="0" err="1" smtClean="0"/>
+              <a:t>động</a:t>
+            </a:r>
+            <a:r>
+              <a:rPr lang="en-US" sz="2000" dirty="0" smtClean="0"/>
+              <a:t> </a:t>
+            </a:r>
+            <a:r>
+              <a:rPr lang="en-US" sz="2000" dirty="0" err="1" smtClean="0"/>
+              <a:t>tốt</a:t>
+            </a:r>
+            <a:r>
+              <a:rPr lang="en-US" sz="2000" dirty="0" smtClean="0"/>
+              <a:t>. </a:t>
+            </a:r>
+            <a:endParaRPr lang="en-US" sz="2000" dirty="0"/>
           </a:p>
         </p:txBody>
       </p:sp>
     </p:spTree>
     <p:extLst>
       <p:ext uri="{BB962C8B-B14F-4D97-AF65-F5344CB8AC3E}">
-        <p14:creationId xmlns:p14="http://schemas.microsoft.com/office/powerpoint/2010/main" val="2949990915"/>
+        <p14:creationId xmlns:p14="http://schemas.microsoft.com/office/powerpoint/2010/main" val="3692229096"/>
       </p:ext>
     </p:extLst>
   </p:cSld>
@@ -8469,7 +7818,144 @@
           <a:p>
             <a:r>
               <a:rPr lang="en-US" dirty="0" smtClean="0"/>
-              <a:t>PARTICLE SWARM OPTIMIZATION</a:t>
+              <a:t>2020.04.24: Antenna Compare</a:t>
+            </a:r>
+            <a:endParaRPr lang="en-US" dirty="0"/>
+          </a:p>
+        </p:txBody>
+      </p:sp>
+      <p:sp>
+        <p:nvSpPr>
+          <p:cNvPr id="3" name="Content Placeholder 2"/>
+          <p:cNvSpPr>
+            <a:spLocks noGrp="1"/>
+          </p:cNvSpPr>
+          <p:nvPr>
+            <p:ph idx="1"/>
+          </p:nvPr>
+        </p:nvSpPr>
+        <p:spPr>
+          <a:xfrm>
+            <a:off x="457200" y="1143000"/>
+            <a:ext cx="8229600" cy="4525963"/>
+          </a:xfrm>
+        </p:spPr>
+        <p:txBody>
+          <a:bodyPr/>
+          <a:lstStyle/>
+          <a:p>
+            <a:pPr algn="just"/>
+            <a:r>
+              <a:rPr lang="en-US" dirty="0" smtClean="0"/>
+              <a:t>So </a:t>
+            </a:r>
+            <a:r>
+              <a:rPr lang="en-US" dirty="0" err="1" smtClean="0"/>
+              <a:t>sánh</a:t>
+            </a:r>
+            <a:r>
+              <a:rPr lang="en-US" dirty="0" smtClean="0"/>
+              <a:t> </a:t>
+            </a:r>
+            <a:r>
+              <a:rPr lang="en-US" dirty="0" err="1" smtClean="0"/>
+              <a:t>sự</a:t>
+            </a:r>
+            <a:r>
+              <a:rPr lang="en-US" dirty="0" smtClean="0"/>
+              <a:t> </a:t>
+            </a:r>
+            <a:r>
+              <a:rPr lang="en-US" dirty="0" err="1" smtClean="0"/>
+              <a:t>khác</a:t>
+            </a:r>
+            <a:r>
+              <a:rPr lang="en-US" dirty="0" smtClean="0"/>
+              <a:t> </a:t>
+            </a:r>
+            <a:r>
+              <a:rPr lang="en-US" dirty="0" err="1" smtClean="0"/>
+              <a:t>nhau</a:t>
+            </a:r>
+            <a:r>
+              <a:rPr lang="en-US" dirty="0" smtClean="0"/>
+              <a:t> </a:t>
+            </a:r>
+            <a:r>
+              <a:rPr lang="en-US" dirty="0" err="1" smtClean="0"/>
+              <a:t>giữ</a:t>
+            </a:r>
+            <a:r>
+              <a:rPr lang="en-US" dirty="0" smtClean="0"/>
+              <a:t> </a:t>
+            </a:r>
+            <a:r>
+              <a:rPr lang="en-US" dirty="0" err="1" smtClean="0"/>
+              <a:t>các</a:t>
+            </a:r>
+            <a:r>
+              <a:rPr lang="en-US" dirty="0" smtClean="0"/>
+              <a:t> IPEX ANTENNA </a:t>
+            </a:r>
+            <a:r>
+              <a:rPr lang="en-US" dirty="0" err="1" smtClean="0"/>
+              <a:t>để</a:t>
+            </a:r>
+            <a:r>
+              <a:rPr lang="en-US" dirty="0" smtClean="0"/>
+              <a:t> </a:t>
+            </a:r>
+            <a:r>
+              <a:rPr lang="en-US" dirty="0" err="1" smtClean="0"/>
+              <a:t>chọn</a:t>
+            </a:r>
+            <a:r>
+              <a:rPr lang="en-US" dirty="0" smtClean="0"/>
+              <a:t> </a:t>
+            </a:r>
+            <a:r>
+              <a:rPr lang="en-US" dirty="0" err="1" smtClean="0"/>
+              <a:t>loại</a:t>
+            </a:r>
+            <a:r>
+              <a:rPr lang="en-US" dirty="0" smtClean="0"/>
+              <a:t> antenna </a:t>
+            </a:r>
+            <a:r>
+              <a:rPr lang="en-US" dirty="0" err="1" smtClean="0"/>
+              <a:t>phù</a:t>
+            </a:r>
+            <a:r>
+              <a:rPr lang="en-US" dirty="0" smtClean="0"/>
+              <a:t> </a:t>
+            </a:r>
+            <a:r>
+              <a:rPr lang="en-US" dirty="0" err="1" smtClean="0"/>
+              <a:t>hợp</a:t>
+            </a:r>
+            <a:r>
+              <a:rPr lang="en-US" dirty="0" smtClean="0"/>
+              <a:t> </a:t>
+            </a:r>
+            <a:r>
+              <a:rPr lang="en-US" dirty="0" err="1" smtClean="0"/>
+              <a:t>cho</a:t>
+            </a:r>
+            <a:r>
+              <a:rPr lang="en-US" dirty="0" smtClean="0"/>
+              <a:t> </a:t>
+            </a:r>
+            <a:r>
+              <a:rPr lang="en-US" dirty="0" err="1" smtClean="0"/>
+              <a:t>hệ</a:t>
+            </a:r>
+            <a:r>
+              <a:rPr lang="en-US" dirty="0" smtClean="0"/>
+              <a:t> </a:t>
+            </a:r>
+            <a:r>
+              <a:rPr lang="en-US" dirty="0" err="1" smtClean="0"/>
+              <a:t>thống</a:t>
             </a:r>
             <a:endParaRPr lang="en-US" dirty="0"/>
           </a:p>
@@ -8477,14 +7963,14 @@
       </p:sp>
       <p:pic>
         <p:nvPicPr>
-          <p:cNvPr id="3074" name="Picture 2" descr="F:\thuc_tap\BLE\report\ppt\pso_zoom.jpg"/>
+          <p:cNvPr id="1026" name="Picture 2" descr="C:\Users\Mr.Thanh\Desktop\1587708753906.JPEG"/>
           <p:cNvPicPr>
             <a:picLocks noChangeAspect="1" noChangeArrowheads="1"/>
           </p:cNvPicPr>
           <p:nvPr/>
         </p:nvPicPr>
         <p:blipFill>
-          <a:blip r:embed="rId2">
+          <a:blip r:embed="rId2" cstate="print">
             <a:extLst>
               <a:ext uri="{28A0092B-C50C-407E-A947-70E740481C1C}">
                 <a14:useLocalDpi xmlns:a14="http://schemas.microsoft.com/office/drawing/2010/main" val="0"/>
@@ -8498,8 +7984,8 @@
         </p:blipFill>
         <p:spPr bwMode="auto">
           <a:xfrm>
-            <a:off x="0" y="1244600"/>
-            <a:ext cx="9144000" cy="4622800"/>
+            <a:off x="2743200" y="2286000"/>
+            <a:ext cx="2971800" cy="3962400"/>
           </a:xfrm>
           <a:prstGeom prst="rect">
             <a:avLst/>
@@ -8516,128 +8002,10 @@
           </a:extLst>
         </p:spPr>
       </p:pic>
-      <p:sp>
-        <p:nvSpPr>
-          <p:cNvPr id="5" name="Title 1"/>
-          <p:cNvSpPr txBox="1">
-            <a:spLocks/>
-          </p:cNvSpPr>
-          <p:nvPr/>
-        </p:nvSpPr>
-        <p:spPr>
-          <a:xfrm>
-            <a:off x="457200" y="5181600"/>
-            <a:ext cx="8229600" cy="1143000"/>
-          </a:xfrm>
-          <a:prstGeom prst="rect">
-            <a:avLst/>
-          </a:prstGeom>
-        </p:spPr>
-        <p:txBody>
-          <a:bodyPr vert="horz" lIns="91440" tIns="45720" rIns="91440" bIns="45720" rtlCol="0" anchor="ctr">
-            <a:normAutofit/>
-          </a:bodyPr>
-          <a:lstStyle>
-            <a:lvl1pPr algn="ctr" defTabSz="914400" rtl="0" eaLnBrk="1" latinLnBrk="0" hangingPunct="1">
-              <a:spcBef>
-                <a:spcPct val="0"/>
-              </a:spcBef>
-              <a:buNone/>
-              <a:defRPr sz="4400" kern="1200">
-                <a:solidFill>
-                  <a:schemeClr val="tx1"/>
-                </a:solidFill>
-                <a:latin typeface="+mj-lt"/>
-                <a:ea typeface="+mj-ea"/>
-                <a:cs typeface="+mj-cs"/>
-              </a:defRPr>
-            </a:lvl1pPr>
-          </a:lstStyle>
-          <a:p>
-            <a:r>
-              <a:rPr lang="en-US" sz="2000" dirty="0" smtClean="0"/>
-              <a:t>Sai </a:t>
-            </a:r>
-            <a:r>
-              <a:rPr lang="en-US" sz="2000" dirty="0" err="1" smtClean="0"/>
-              <a:t>số</a:t>
-            </a:r>
-            <a:r>
-              <a:rPr lang="en-US" sz="2000" dirty="0" smtClean="0"/>
-              <a:t> </a:t>
-            </a:r>
-            <a:r>
-              <a:rPr lang="en-US" sz="2000" dirty="0" err="1" smtClean="0"/>
-              <a:t>khi</a:t>
-            </a:r>
-            <a:r>
-              <a:rPr lang="en-US" sz="2000" dirty="0" smtClean="0"/>
-              <a:t> </a:t>
-            </a:r>
-            <a:r>
-              <a:rPr lang="en-US" sz="2000" dirty="0" err="1" smtClean="0"/>
-              <a:t>sử</a:t>
-            </a:r>
-            <a:r>
-              <a:rPr lang="en-US" sz="2000" dirty="0" smtClean="0"/>
-              <a:t> </a:t>
-            </a:r>
-            <a:r>
-              <a:rPr lang="en-US" sz="2000" dirty="0" err="1" smtClean="0"/>
-              <a:t>dụng</a:t>
-            </a:r>
-            <a:r>
-              <a:rPr lang="en-US" sz="2000" dirty="0" smtClean="0"/>
-              <a:t> Particle Swarm Optimization (focus ban </a:t>
-            </a:r>
-            <a:r>
-              <a:rPr lang="en-US" sz="2000" dirty="0" err="1" smtClean="0"/>
-              <a:t>đêm</a:t>
-            </a:r>
-            <a:r>
-              <a:rPr lang="en-US" sz="2000" dirty="0" smtClean="0"/>
-              <a:t> - </a:t>
-            </a:r>
-            <a:r>
-              <a:rPr lang="en-US" sz="2000" dirty="0" err="1" smtClean="0"/>
-              <a:t>ổn</a:t>
-            </a:r>
-            <a:r>
-              <a:rPr lang="en-US" sz="2000" dirty="0" smtClean="0"/>
-              <a:t> </a:t>
-            </a:r>
-            <a:r>
-              <a:rPr lang="en-US" sz="2000" dirty="0" err="1" smtClean="0"/>
-              <a:t>định</a:t>
-            </a:r>
-            <a:r>
-              <a:rPr lang="en-US" sz="2000" dirty="0" smtClean="0"/>
-              <a:t> </a:t>
-            </a:r>
-            <a:r>
-              <a:rPr lang="en-US" sz="2000" dirty="0" err="1" smtClean="0"/>
-              <a:t>ít</a:t>
-            </a:r>
-            <a:r>
-              <a:rPr lang="en-US" sz="2000" dirty="0" smtClean="0"/>
-              <a:t> </a:t>
-            </a:r>
-            <a:r>
-              <a:rPr lang="en-US" sz="2000" dirty="0" err="1" smtClean="0"/>
-              <a:t>nhiễu</a:t>
-            </a:r>
-            <a:r>
-              <a:rPr lang="en-US" sz="2000" dirty="0" smtClean="0"/>
-              <a:t>)</a:t>
-            </a:r>
-            <a:endParaRPr lang="en-US" sz="2000" dirty="0"/>
-          </a:p>
-        </p:txBody>
-      </p:sp>
     </p:spTree>
     <p:extLst>
       <p:ext uri="{BB962C8B-B14F-4D97-AF65-F5344CB8AC3E}">
-        <p14:creationId xmlns:p14="http://schemas.microsoft.com/office/powerpoint/2010/main" val="1724482428"/>
+        <p14:creationId xmlns:p14="http://schemas.microsoft.com/office/powerpoint/2010/main" val="3301998451"/>
       </p:ext>
     </p:extLst>
   </p:cSld>
@@ -8681,27 +8049,7 @@
           <a:p>
             <a:r>
               <a:rPr lang="en-US" dirty="0" smtClean="0"/>
-              <a:t>2020.04.20: </a:t>
-            </a:r>
-            <a:r>
-              <a:rPr lang="en-US" dirty="0" err="1" smtClean="0"/>
-              <a:t>Tương</a:t>
-            </a:r>
-            <a:r>
-              <a:rPr lang="en-US" dirty="0" smtClean="0"/>
-              <a:t> </a:t>
-            </a:r>
-            <a:r>
-              <a:rPr lang="en-US" dirty="0" err="1" smtClean="0"/>
-              <a:t>Quan</a:t>
-            </a:r>
-            <a:r>
-              <a:rPr lang="en-US" dirty="0" smtClean="0"/>
-              <a:t> </a:t>
-            </a:r>
-            <a:r>
-              <a:rPr lang="en-US" dirty="0" err="1" smtClean="0"/>
-              <a:t>Góc&amp;RSSI</a:t>
+              <a:t>2020.04.24: Antenna Compare</a:t>
             </a:r>
             <a:endParaRPr lang="en-US" dirty="0"/>
           </a:p>
@@ -8709,7 +8057,7 @@
       </p:sp>
       <p:pic>
         <p:nvPicPr>
-          <p:cNvPr id="1026" name="Picture 2" descr="F:\thuc_tap\BLE\report\360rssi\ver1.jpg"/>
+          <p:cNvPr id="1026" name="Picture 2" descr="F:\thuc_tap\BLE\report\antenna\raw2020.04.23.jpg"/>
           <p:cNvPicPr>
             <a:picLocks noChangeAspect="1" noChangeArrowheads="1"/>
           </p:cNvPicPr>
@@ -8730,8 +8078,8 @@
         </p:blipFill>
         <p:spPr bwMode="auto">
           <a:xfrm>
-            <a:off x="0" y="1153886"/>
-            <a:ext cx="9144000" cy="4773169"/>
+            <a:off x="0" y="1142999"/>
+            <a:ext cx="9144000" cy="4495801"/>
           </a:xfrm>
           <a:prstGeom prst="rect">
             <a:avLst/>
@@ -8758,7 +8106,7 @@
         </p:nvSpPr>
         <p:spPr>
           <a:xfrm>
-            <a:off x="609600" y="5355555"/>
+            <a:off x="642257" y="5067300"/>
             <a:ext cx="8229600" cy="1143000"/>
           </a:xfrm>
           <a:prstGeom prst="rect">
@@ -8787,12 +8135,8 @@
           </a:lstStyle>
           <a:p>
             <a:r>
-              <a:rPr lang="en-US" dirty="0" err="1" smtClean="0"/>
-              <a:t>Lần</a:t>
-            </a:r>
-            <a:r>
-              <a:rPr lang="en-US" dirty="0" smtClean="0"/>
-              <a:t> 1</a:t>
+              <a:rPr lang="en-US" dirty="0" smtClean="0"/>
+              <a:t>Raw Data</a:t>
             </a:r>
             <a:endParaRPr lang="en-US" dirty="0"/>
           </a:p>
@@ -8801,7 +8145,7 @@
     </p:spTree>
     <p:extLst>
       <p:ext uri="{BB962C8B-B14F-4D97-AF65-F5344CB8AC3E}">
-        <p14:creationId xmlns:p14="http://schemas.microsoft.com/office/powerpoint/2010/main" val="1365081421"/>
+        <p14:creationId xmlns:p14="http://schemas.microsoft.com/office/powerpoint/2010/main" val="3651875209"/>
       </p:ext>
     </p:extLst>
   </p:cSld>
@@ -8845,27 +8189,7 @@
           <a:p>
             <a:r>
               <a:rPr lang="en-US" dirty="0" smtClean="0"/>
-              <a:t>2020.04.20: </a:t>
-            </a:r>
-            <a:r>
-              <a:rPr lang="en-US" dirty="0" err="1" smtClean="0"/>
-              <a:t>Tương</a:t>
-            </a:r>
-            <a:r>
-              <a:rPr lang="en-US" dirty="0" smtClean="0"/>
-              <a:t> </a:t>
-            </a:r>
-            <a:r>
-              <a:rPr lang="en-US" dirty="0" err="1" smtClean="0"/>
-              <a:t>Quan</a:t>
-            </a:r>
-            <a:r>
-              <a:rPr lang="en-US" dirty="0" smtClean="0"/>
-              <a:t> </a:t>
-            </a:r>
-            <a:r>
-              <a:rPr lang="en-US" dirty="0" err="1" smtClean="0"/>
-              <a:t>Góc&amp;RSSI</a:t>
+              <a:t>2020.04.24: Antenna Compare</a:t>
             </a:r>
             <a:endParaRPr lang="en-US" dirty="0"/>
           </a:p>
@@ -8881,7 +8205,7 @@
         </p:nvSpPr>
         <p:spPr>
           <a:xfrm>
-            <a:off x="609600" y="5355555"/>
+            <a:off x="642257" y="5067300"/>
             <a:ext cx="8229600" cy="1143000"/>
           </a:xfrm>
           <a:prstGeom prst="rect">
@@ -8911,18 +8235,19 @@
           <a:p>
             <a:r>
               <a:rPr lang="en-US" dirty="0" err="1" smtClean="0"/>
-              <a:t>Lần</a:t>
-            </a:r>
-            <a:r>
-              <a:rPr lang="en-US" dirty="0" smtClean="0"/>
-              <a:t> 2</a:t>
-            </a:r>
+              <a:t>Kalman</a:t>
+            </a:r>
+            <a:r>
+              <a:rPr lang="en-US" dirty="0" smtClean="0"/>
+              <a:t> Data</a:t>
+            </a:r>
+            <a:endParaRPr lang="en-US" dirty="0"/>
           </a:p>
         </p:txBody>
       </p:sp>
       <p:pic>
         <p:nvPicPr>
-          <p:cNvPr id="2050" name="Picture 2" descr="F:\thuc_tap\BLE\report\360rssi\ver2.jpg"/>
+          <p:cNvPr id="2050" name="Picture 2" descr="F:\thuc_tap\BLE\report\antenna\kal2020.04.23.jpg"/>
           <p:cNvPicPr>
             <a:picLocks noChangeAspect="1" noChangeArrowheads="1"/>
           </p:cNvPicPr>
@@ -8943,8 +8268,8 @@
         </p:blipFill>
         <p:spPr bwMode="auto">
           <a:xfrm>
-            <a:off x="0" y="1295400"/>
-            <a:ext cx="9144000" cy="4134831"/>
+            <a:off x="0" y="1393370"/>
+            <a:ext cx="9144000" cy="4016829"/>
           </a:xfrm>
           <a:prstGeom prst="rect">
             <a:avLst/>
@@ -8964,7 +8289,7 @@
     </p:spTree>
     <p:extLst>
       <p:ext uri="{BB962C8B-B14F-4D97-AF65-F5344CB8AC3E}">
-        <p14:creationId xmlns:p14="http://schemas.microsoft.com/office/powerpoint/2010/main" val="3522476110"/>
+        <p14:creationId xmlns:p14="http://schemas.microsoft.com/office/powerpoint/2010/main" val="95956669"/>
       </p:ext>
     </p:extLst>
   </p:cSld>
@@ -9007,1060 +8332,460 @@
           <a:lstStyle/>
           <a:p>
             <a:r>
-              <a:rPr lang="en-US" dirty="0" smtClean="0"/>
-              <a:t>2020.04.20: </a:t>
-            </a:r>
-            <a:r>
-              <a:rPr lang="en-US" dirty="0" err="1" smtClean="0"/>
-              <a:t>Tương</a:t>
-            </a:r>
-            <a:r>
-              <a:rPr lang="en-US" dirty="0" smtClean="0"/>
-              <a:t> </a:t>
-            </a:r>
-            <a:r>
-              <a:rPr lang="en-US" dirty="0" err="1" smtClean="0"/>
-              <a:t>Quan</a:t>
-            </a:r>
-            <a:r>
-              <a:rPr lang="en-US" dirty="0" smtClean="0"/>
-              <a:t> </a:t>
-            </a:r>
-            <a:r>
-              <a:rPr lang="en-US" dirty="0" err="1" smtClean="0"/>
-              <a:t>Góc&amp;RSSI</a:t>
-            </a:r>
-            <a:endParaRPr lang="en-US" dirty="0"/>
-          </a:p>
-        </p:txBody>
-      </p:sp>
-      <p:sp>
-        <p:nvSpPr>
-          <p:cNvPr id="5" name="Title 1"/>
-          <p:cNvSpPr txBox="1">
-            <a:spLocks/>
-          </p:cNvSpPr>
-          <p:nvPr/>
-        </p:nvSpPr>
-        <p:spPr>
-          <a:xfrm>
-            <a:off x="609600" y="5355555"/>
-            <a:ext cx="8229600" cy="1143000"/>
-          </a:xfrm>
-          <a:prstGeom prst="rect">
-            <a:avLst/>
-          </a:prstGeom>
-        </p:spPr>
-        <p:txBody>
-          <a:bodyPr vert="horz" lIns="91440" tIns="45720" rIns="91440" bIns="45720" rtlCol="0" anchor="ctr">
+              <a:rPr lang="en-US" dirty="0"/>
+              <a:t>2020.04.24: Antenna Compare</a:t>
+            </a:r>
+          </a:p>
+        </p:txBody>
+      </p:sp>
+      <p:sp>
+        <p:nvSpPr>
+          <p:cNvPr id="3" name="Content Placeholder 2"/>
+          <p:cNvSpPr>
+            <a:spLocks noGrp="1"/>
+          </p:cNvSpPr>
+          <p:nvPr>
+            <p:ph idx="1"/>
+          </p:nvPr>
+        </p:nvSpPr>
+        <p:spPr/>
+        <p:txBody>
+          <a:bodyPr>
             <a:normAutofit/>
           </a:bodyPr>
-          <a:lstStyle>
-            <a:lvl1pPr algn="ctr" defTabSz="914400" rtl="0" eaLnBrk="1" latinLnBrk="0" hangingPunct="1">
-              <a:spcBef>
-                <a:spcPct val="0"/>
-              </a:spcBef>
-              <a:buNone/>
-              <a:defRPr sz="4400" kern="1200">
-                <a:solidFill>
-                  <a:schemeClr val="tx1"/>
-                </a:solidFill>
-                <a:latin typeface="+mj-lt"/>
-                <a:ea typeface="+mj-ea"/>
-                <a:cs typeface="+mj-cs"/>
-              </a:defRPr>
-            </a:lvl1pPr>
-          </a:lstStyle>
-          <a:p>
-            <a:r>
-              <a:rPr lang="en-US" dirty="0" err="1" smtClean="0"/>
-              <a:t>Lần</a:t>
-            </a:r>
-            <a:r>
-              <a:rPr lang="en-US" dirty="0" smtClean="0"/>
-              <a:t> 3</a:t>
-            </a:r>
-          </a:p>
-        </p:txBody>
-      </p:sp>
-      <p:pic>
-        <p:nvPicPr>
-          <p:cNvPr id="3074" name="Picture 2" descr="F:\thuc_tap\BLE\report\360rssi\ver3.jpg"/>
-          <p:cNvPicPr>
-            <a:picLocks noChangeAspect="1" noChangeArrowheads="1"/>
-          </p:cNvPicPr>
-          <p:nvPr/>
-        </p:nvPicPr>
-        <p:blipFill>
-          <a:blip r:embed="rId2">
-            <a:extLst>
-              <a:ext uri="{28A0092B-C50C-407E-A947-70E740481C1C}">
-                <a14:useLocalDpi xmlns:a14="http://schemas.microsoft.com/office/drawing/2010/main" val="0"/>
-              </a:ext>
-            </a:extLst>
-          </a:blip>
-          <a:srcRect/>
-          <a:stretch>
-            <a:fillRect/>
-          </a:stretch>
-        </p:blipFill>
-        <p:spPr bwMode="auto">
-          <a:xfrm>
-            <a:off x="-1" y="1295400"/>
-            <a:ext cx="9144001" cy="4354286"/>
-          </a:xfrm>
-          <a:prstGeom prst="rect">
-            <a:avLst/>
-          </a:prstGeom>
-          <a:noFill/>
-          <a:extLst>
-            <a:ext uri="{909E8E84-426E-40DD-AFC4-6F175D3DCCD1}">
-              <a14:hiddenFill xmlns:a14="http://schemas.microsoft.com/office/drawing/2010/main">
-                <a:solidFill>
-                  <a:srgbClr val="FFFFFF"/>
-                </a:solidFill>
-              </a14:hiddenFill>
-            </a:ext>
-          </a:extLst>
-        </p:spPr>
-      </p:pic>
+          <a:lstStyle/>
+          <a:p>
+            <a:pPr algn="just"/>
+            <a:r>
+              <a:rPr lang="en-US" dirty="0" smtClean="0"/>
+              <a:t>Antenna </a:t>
+            </a:r>
+            <a:r>
+              <a:rPr lang="en-US" dirty="0" err="1" smtClean="0"/>
+              <a:t>ngắn</a:t>
+            </a:r>
+            <a:r>
+              <a:rPr lang="en-US" dirty="0" smtClean="0"/>
+              <a:t> </a:t>
+            </a:r>
+            <a:r>
+              <a:rPr lang="en-US" dirty="0" err="1" smtClean="0"/>
+              <a:t>đọc</a:t>
+            </a:r>
+            <a:r>
+              <a:rPr lang="en-US" dirty="0" smtClean="0"/>
+              <a:t> </a:t>
+            </a:r>
+            <a:r>
+              <a:rPr lang="en-US" dirty="0" err="1" smtClean="0"/>
+              <a:t>yếu</a:t>
+            </a:r>
+            <a:r>
+              <a:rPr lang="en-US" dirty="0" smtClean="0"/>
+              <a:t> </a:t>
+            </a:r>
+            <a:r>
+              <a:rPr lang="en-US" dirty="0" err="1" smtClean="0"/>
+              <a:t>nhất</a:t>
+            </a:r>
+            <a:r>
+              <a:rPr lang="en-US" dirty="0" smtClean="0"/>
+              <a:t>, antenna </a:t>
+            </a:r>
+            <a:r>
+              <a:rPr lang="en-US" dirty="0" err="1" smtClean="0"/>
+              <a:t>dài</a:t>
+            </a:r>
+            <a:r>
+              <a:rPr lang="en-US" dirty="0" smtClean="0"/>
+              <a:t> </a:t>
+            </a:r>
+            <a:r>
+              <a:rPr lang="en-US" dirty="0" err="1" smtClean="0"/>
+              <a:t>đọc</a:t>
+            </a:r>
+            <a:r>
+              <a:rPr lang="en-US" dirty="0" smtClean="0"/>
+              <a:t> </a:t>
+            </a:r>
+            <a:r>
+              <a:rPr lang="en-US" dirty="0" err="1" smtClean="0"/>
+              <a:t>mạnh</a:t>
+            </a:r>
+            <a:r>
+              <a:rPr lang="en-US" dirty="0" smtClean="0"/>
+              <a:t> </a:t>
+            </a:r>
+            <a:r>
+              <a:rPr lang="en-US" dirty="0" err="1" smtClean="0"/>
+              <a:t>nhất</a:t>
+            </a:r>
+            <a:r>
+              <a:rPr lang="en-US" dirty="0" smtClean="0"/>
+              <a:t>.</a:t>
+            </a:r>
+          </a:p>
+          <a:p>
+            <a:pPr algn="just"/>
+            <a:r>
+              <a:rPr lang="en-US" dirty="0" smtClean="0"/>
+              <a:t>Antenna </a:t>
+            </a:r>
+            <a:r>
+              <a:rPr lang="en-US" dirty="0" err="1" smtClean="0"/>
+              <a:t>dài</a:t>
+            </a:r>
+            <a:r>
+              <a:rPr lang="en-US" dirty="0" smtClean="0"/>
+              <a:t> </a:t>
+            </a:r>
+            <a:r>
+              <a:rPr lang="en-US" dirty="0" err="1" smtClean="0"/>
+              <a:t>có</a:t>
+            </a:r>
+            <a:r>
+              <a:rPr lang="en-US" dirty="0" smtClean="0"/>
+              <a:t> </a:t>
+            </a:r>
+            <a:r>
+              <a:rPr lang="en-US" dirty="0" err="1" smtClean="0"/>
+              <a:t>phổ</a:t>
+            </a:r>
+            <a:r>
+              <a:rPr lang="en-US" dirty="0" smtClean="0"/>
+              <a:t> </a:t>
+            </a:r>
+            <a:r>
+              <a:rPr lang="en-US" dirty="0" err="1" smtClean="0"/>
+              <a:t>nhỏ</a:t>
+            </a:r>
+            <a:r>
+              <a:rPr lang="en-US" dirty="0" smtClean="0"/>
+              <a:t> </a:t>
+            </a:r>
+            <a:r>
+              <a:rPr lang="en-US" dirty="0" err="1" smtClean="0"/>
+              <a:t>hơn</a:t>
+            </a:r>
+            <a:r>
+              <a:rPr lang="en-US" dirty="0" smtClean="0"/>
+              <a:t> =&gt; </a:t>
+            </a:r>
+            <a:r>
+              <a:rPr lang="en-US" dirty="0" err="1" smtClean="0"/>
+              <a:t>ổn</a:t>
+            </a:r>
+            <a:r>
+              <a:rPr lang="en-US" dirty="0" smtClean="0"/>
+              <a:t> </a:t>
+            </a:r>
+            <a:r>
+              <a:rPr lang="en-US" dirty="0" err="1" smtClean="0"/>
+              <a:t>định</a:t>
+            </a:r>
+            <a:r>
+              <a:rPr lang="en-US" dirty="0" smtClean="0"/>
+              <a:t> </a:t>
+            </a:r>
+            <a:r>
+              <a:rPr lang="en-US" dirty="0" err="1" smtClean="0"/>
+              <a:t>hơn</a:t>
+            </a:r>
+            <a:endParaRPr lang="en-US" dirty="0" smtClean="0"/>
+          </a:p>
+          <a:p>
+            <a:pPr algn="just"/>
+            <a:r>
+              <a:rPr lang="en-US" dirty="0" err="1" smtClean="0"/>
+              <a:t>Khi</a:t>
+            </a:r>
+            <a:r>
+              <a:rPr lang="en-US" dirty="0" smtClean="0"/>
+              <a:t> </a:t>
+            </a:r>
+            <a:r>
+              <a:rPr lang="en-US" dirty="0" err="1" smtClean="0"/>
+              <a:t>áp</a:t>
+            </a:r>
+            <a:r>
+              <a:rPr lang="en-US" dirty="0" smtClean="0"/>
+              <a:t> </a:t>
+            </a:r>
+            <a:r>
+              <a:rPr lang="en-US" dirty="0" err="1" smtClean="0"/>
+              <a:t>dụng</a:t>
+            </a:r>
+            <a:r>
+              <a:rPr lang="en-US" dirty="0" smtClean="0"/>
+              <a:t> </a:t>
+            </a:r>
+            <a:r>
+              <a:rPr lang="en-US" dirty="0" err="1" smtClean="0"/>
+              <a:t>Kalman</a:t>
+            </a:r>
+            <a:r>
+              <a:rPr lang="en-US" dirty="0" smtClean="0"/>
+              <a:t>, Antenna </a:t>
+            </a:r>
+            <a:r>
+              <a:rPr lang="en-US" dirty="0" err="1" smtClean="0"/>
+              <a:t>dài</a:t>
+            </a:r>
+            <a:r>
+              <a:rPr lang="en-US" dirty="0" smtClean="0"/>
+              <a:t> </a:t>
+            </a:r>
+            <a:r>
+              <a:rPr lang="en-US" dirty="0" err="1" smtClean="0"/>
+              <a:t>thích</a:t>
+            </a:r>
+            <a:r>
+              <a:rPr lang="en-US" dirty="0" smtClean="0"/>
+              <a:t> </a:t>
+            </a:r>
+            <a:r>
+              <a:rPr lang="en-US" dirty="0" err="1" smtClean="0"/>
+              <a:t>hợp</a:t>
+            </a:r>
+            <a:r>
+              <a:rPr lang="en-US" dirty="0" smtClean="0"/>
+              <a:t> </a:t>
+            </a:r>
+            <a:r>
+              <a:rPr lang="en-US" dirty="0" err="1" smtClean="0"/>
+              <a:t>cho</a:t>
+            </a:r>
+            <a:r>
+              <a:rPr lang="en-US" dirty="0" smtClean="0"/>
+              <a:t> </a:t>
+            </a:r>
+            <a:r>
+              <a:rPr lang="en-US" dirty="0" err="1" smtClean="0"/>
+              <a:t>việc</a:t>
+            </a:r>
+            <a:r>
+              <a:rPr lang="en-US" dirty="0" smtClean="0"/>
+              <a:t> </a:t>
+            </a:r>
+            <a:r>
+              <a:rPr lang="en-US" dirty="0" err="1" smtClean="0"/>
+              <a:t>tăng</a:t>
+            </a:r>
+            <a:r>
+              <a:rPr lang="en-US" dirty="0" smtClean="0"/>
+              <a:t> </a:t>
+            </a:r>
+            <a:r>
+              <a:rPr lang="en-US" dirty="0" err="1" smtClean="0"/>
+              <a:t>độ</a:t>
+            </a:r>
+            <a:r>
+              <a:rPr lang="en-US" dirty="0" smtClean="0"/>
+              <a:t> </a:t>
+            </a:r>
+            <a:r>
+              <a:rPr lang="en-US" dirty="0" err="1" smtClean="0"/>
+              <a:t>ổn</a:t>
+            </a:r>
+            <a:r>
+              <a:rPr lang="en-US" dirty="0" smtClean="0"/>
+              <a:t> </a:t>
+            </a:r>
+            <a:r>
+              <a:rPr lang="en-US" dirty="0" err="1" smtClean="0"/>
+              <a:t>định</a:t>
+            </a:r>
+            <a:r>
+              <a:rPr lang="en-US" dirty="0" smtClean="0"/>
+              <a:t>.</a:t>
+            </a:r>
+            <a:endParaRPr lang="en-US" dirty="0" smtClean="0"/>
+          </a:p>
+          <a:p>
+            <a:pPr algn="just"/>
+            <a:r>
+              <a:rPr lang="en-US" dirty="0" smtClean="0"/>
+              <a:t>Antenna </a:t>
+            </a:r>
+            <a:r>
+              <a:rPr lang="en-US" dirty="0" err="1" smtClean="0"/>
+              <a:t>dài</a:t>
+            </a:r>
+            <a:r>
+              <a:rPr lang="en-US" dirty="0" smtClean="0"/>
+              <a:t> </a:t>
+            </a:r>
+            <a:r>
+              <a:rPr lang="en-US" dirty="0" err="1" smtClean="0"/>
+              <a:t>nặng</a:t>
+            </a:r>
+            <a:r>
+              <a:rPr lang="en-US" dirty="0" smtClean="0"/>
+              <a:t> </a:t>
+            </a:r>
+            <a:r>
+              <a:rPr lang="en-US" dirty="0" err="1" smtClean="0"/>
+              <a:t>và</a:t>
+            </a:r>
+            <a:r>
+              <a:rPr lang="en-US" dirty="0" smtClean="0"/>
+              <a:t> </a:t>
+            </a:r>
+            <a:r>
+              <a:rPr lang="en-US" dirty="0" err="1" smtClean="0"/>
+              <a:t>lớn</a:t>
+            </a:r>
+            <a:r>
+              <a:rPr lang="en-US" dirty="0" smtClean="0"/>
+              <a:t>, </a:t>
+            </a:r>
+            <a:r>
+              <a:rPr lang="en-US" dirty="0" err="1" smtClean="0"/>
+              <a:t>khó</a:t>
+            </a:r>
+            <a:r>
+              <a:rPr lang="en-US" dirty="0" smtClean="0"/>
+              <a:t> </a:t>
+            </a:r>
+            <a:r>
+              <a:rPr lang="en-US" dirty="0" err="1" smtClean="0"/>
+              <a:t>lắp</a:t>
+            </a:r>
+            <a:r>
+              <a:rPr lang="en-US" dirty="0" smtClean="0"/>
+              <a:t> </a:t>
+            </a:r>
+            <a:r>
+              <a:rPr lang="en-US" dirty="0" err="1" smtClean="0"/>
+              <a:t>đặt</a:t>
+            </a:r>
+            <a:r>
+              <a:rPr lang="en-US" dirty="0" smtClean="0"/>
+              <a:t>.</a:t>
+            </a:r>
+          </a:p>
+          <a:p>
+            <a:pPr algn="just"/>
+            <a:r>
+              <a:rPr lang="en-US" dirty="0" smtClean="0"/>
+              <a:t>=&gt; </a:t>
+            </a:r>
+            <a:r>
+              <a:rPr lang="en-US" dirty="0" err="1" smtClean="0"/>
+              <a:t>sử</a:t>
+            </a:r>
+            <a:r>
+              <a:rPr lang="en-US" dirty="0" smtClean="0"/>
+              <a:t> </a:t>
+            </a:r>
+            <a:r>
+              <a:rPr lang="en-US" dirty="0" err="1" smtClean="0"/>
+              <a:t>dụng</a:t>
+            </a:r>
+            <a:r>
+              <a:rPr lang="en-US" dirty="0" smtClean="0"/>
+              <a:t> antenna </a:t>
+            </a:r>
+            <a:r>
+              <a:rPr lang="en-US" dirty="0" err="1" smtClean="0"/>
+              <a:t>trung</a:t>
+            </a:r>
+            <a:r>
+              <a:rPr lang="en-US" dirty="0" smtClean="0"/>
+              <a:t> </a:t>
+            </a:r>
+            <a:r>
+              <a:rPr lang="en-US" dirty="0" err="1" smtClean="0"/>
+              <a:t>bình</a:t>
+            </a:r>
+            <a:r>
+              <a:rPr lang="en-US" dirty="0" smtClean="0"/>
+              <a:t> </a:t>
+            </a:r>
+            <a:r>
+              <a:rPr lang="en-US" dirty="0" err="1" smtClean="0"/>
+              <a:t>hoặc</a:t>
+            </a:r>
+            <a:r>
+              <a:rPr lang="en-US" dirty="0" smtClean="0"/>
+              <a:t> antenna </a:t>
+            </a:r>
+            <a:r>
+              <a:rPr lang="en-US" dirty="0" err="1" smtClean="0"/>
+              <a:t>dài</a:t>
+            </a:r>
+            <a:r>
+              <a:rPr lang="en-US" dirty="0" smtClean="0"/>
+              <a:t> </a:t>
+            </a:r>
+            <a:r>
+              <a:rPr lang="en-US" dirty="0" err="1" smtClean="0"/>
+              <a:t>nếu</a:t>
+            </a:r>
+            <a:r>
+              <a:rPr lang="en-US" dirty="0" smtClean="0"/>
+              <a:t> </a:t>
+            </a:r>
+            <a:r>
+              <a:rPr lang="en-US" dirty="0" err="1" smtClean="0"/>
+              <a:t>có</a:t>
+            </a:r>
+            <a:r>
+              <a:rPr lang="en-US" dirty="0" smtClean="0"/>
+              <a:t> </a:t>
+            </a:r>
+            <a:r>
+              <a:rPr lang="en-US" dirty="0" err="1" smtClean="0"/>
+              <a:t>phương</a:t>
+            </a:r>
+            <a:r>
+              <a:rPr lang="en-US" dirty="0" smtClean="0"/>
+              <a:t> </a:t>
+            </a:r>
+            <a:r>
+              <a:rPr lang="en-US" dirty="0" err="1" smtClean="0"/>
+              <a:t>pháp</a:t>
+            </a:r>
+            <a:r>
+              <a:rPr lang="en-US" dirty="0" smtClean="0"/>
+              <a:t> </a:t>
+            </a:r>
+            <a:r>
+              <a:rPr lang="en-US" dirty="0" err="1" smtClean="0"/>
+              <a:t>lắp</a:t>
+            </a:r>
+            <a:r>
+              <a:rPr lang="en-US" dirty="0" smtClean="0"/>
+              <a:t> </a:t>
+            </a:r>
+            <a:r>
+              <a:rPr lang="en-US" dirty="0" err="1" smtClean="0"/>
+              <a:t>đặt</a:t>
+            </a:r>
+            <a:r>
+              <a:rPr lang="en-US" dirty="0" smtClean="0"/>
+              <a:t> </a:t>
+            </a:r>
+            <a:r>
+              <a:rPr lang="en-US" dirty="0" err="1" smtClean="0"/>
+              <a:t>hợp</a:t>
+            </a:r>
+            <a:r>
+              <a:rPr lang="en-US" dirty="0" smtClean="0"/>
+              <a:t> </a:t>
+            </a:r>
+            <a:r>
+              <a:rPr lang="en-US" dirty="0" err="1" smtClean="0"/>
+              <a:t>lý</a:t>
+            </a:r>
+            <a:endParaRPr lang="en-US" dirty="0"/>
+          </a:p>
+        </p:txBody>
+      </p:sp>
     </p:spTree>
     <p:extLst>
       <p:ext uri="{BB962C8B-B14F-4D97-AF65-F5344CB8AC3E}">
-        <p14:creationId xmlns:p14="http://schemas.microsoft.com/office/powerpoint/2010/main" val="1407708059"/>
-      </p:ext>
-    </p:extLst>
-  </p:cSld>
-  <p:clrMapOvr>
-    <a:masterClrMapping/>
-  </p:clrMapOvr>
-</p:sld>
-</file>
-
-<file path=ppt/slides/slide27.xml><?xml version="1.0" encoding="utf-8"?>
-<p:sld xmlns:a="http://schemas.openxmlformats.org/drawingml/2006/main" xmlns:r="http://schemas.openxmlformats.org/officeDocument/2006/relationships" xmlns:p="http://schemas.openxmlformats.org/presentationml/2006/main">
-  <p:cSld>
-    <p:spTree>
-      <p:nvGrpSpPr>
-        <p:cNvPr id="1" name=""/>
-        <p:cNvGrpSpPr/>
-        <p:nvPr/>
-      </p:nvGrpSpPr>
-      <p:grpSpPr>
-        <a:xfrm>
-          <a:off x="0" y="0"/>
-          <a:ext cx="0" cy="0"/>
-          <a:chOff x="0" y="0"/>
-          <a:chExt cx="0" cy="0"/>
-        </a:xfrm>
-      </p:grpSpPr>
-      <p:sp>
-        <p:nvSpPr>
-          <p:cNvPr id="2" name="Title 1"/>
-          <p:cNvSpPr>
-            <a:spLocks noGrp="1"/>
-          </p:cNvSpPr>
-          <p:nvPr>
-            <p:ph type="title"/>
-          </p:nvPr>
-        </p:nvSpPr>
-        <p:spPr/>
-        <p:txBody>
-          <a:bodyPr/>
-          <a:lstStyle/>
-          <a:p>
-            <a:r>
-              <a:rPr lang="en-US" dirty="0"/>
-              <a:t>2020.04.20: </a:t>
-            </a:r>
-            <a:r>
-              <a:rPr lang="en-US" dirty="0" err="1"/>
-              <a:t>Tương</a:t>
-            </a:r>
-            <a:r>
-              <a:rPr lang="en-US" dirty="0"/>
-              <a:t> </a:t>
-            </a:r>
-            <a:r>
-              <a:rPr lang="en-US" dirty="0" err="1"/>
-              <a:t>Quan</a:t>
-            </a:r>
-            <a:r>
-              <a:rPr lang="en-US" dirty="0"/>
-              <a:t> </a:t>
-            </a:r>
-            <a:r>
-              <a:rPr lang="en-US" dirty="0" err="1"/>
-              <a:t>Góc&amp;RSSI</a:t>
-            </a:r>
-            <a:endParaRPr lang="en-US" dirty="0"/>
-          </a:p>
-        </p:txBody>
-      </p:sp>
-      <p:sp>
-        <p:nvSpPr>
-          <p:cNvPr id="3" name="Content Placeholder 2"/>
-          <p:cNvSpPr>
-            <a:spLocks noGrp="1"/>
-          </p:cNvSpPr>
-          <p:nvPr>
-            <p:ph idx="1"/>
-          </p:nvPr>
-        </p:nvSpPr>
-        <p:spPr/>
-        <p:txBody>
-          <a:bodyPr/>
-          <a:lstStyle/>
-          <a:p>
-            <a:pPr algn="just"/>
-            <a:r>
-              <a:rPr lang="en-US" dirty="0" smtClean="0"/>
-              <a:t>3 </a:t>
-            </a:r>
-            <a:r>
-              <a:rPr lang="en-US" dirty="0" err="1" smtClean="0"/>
-              <a:t>lần</a:t>
-            </a:r>
-            <a:r>
-              <a:rPr lang="en-US" dirty="0" smtClean="0"/>
-              <a:t> </a:t>
-            </a:r>
-            <a:r>
-              <a:rPr lang="en-US" dirty="0" err="1" smtClean="0"/>
-              <a:t>đo</a:t>
-            </a:r>
-            <a:r>
-              <a:rPr lang="en-US" dirty="0" smtClean="0"/>
-              <a:t> </a:t>
-            </a:r>
-            <a:r>
-              <a:rPr lang="en-US" dirty="0" err="1" smtClean="0"/>
-              <a:t>đều</a:t>
-            </a:r>
-            <a:r>
-              <a:rPr lang="en-US" dirty="0" smtClean="0"/>
-              <a:t> </a:t>
-            </a:r>
-            <a:r>
-              <a:rPr lang="en-US" dirty="0" err="1" smtClean="0"/>
-              <a:t>khác</a:t>
-            </a:r>
-            <a:r>
-              <a:rPr lang="en-US" dirty="0" smtClean="0"/>
-              <a:t> </a:t>
-            </a:r>
-            <a:r>
-              <a:rPr lang="en-US" dirty="0" err="1" smtClean="0"/>
-              <a:t>nhau</a:t>
-            </a:r>
-            <a:r>
-              <a:rPr lang="en-US" dirty="0"/>
-              <a:t> </a:t>
-            </a:r>
-            <a:r>
-              <a:rPr lang="en-US" dirty="0" smtClean="0"/>
-              <a:t>ở </a:t>
-            </a:r>
-            <a:r>
-              <a:rPr lang="en-US" dirty="0" err="1" smtClean="0"/>
-              <a:t>phần</a:t>
-            </a:r>
-            <a:r>
-              <a:rPr lang="en-US" dirty="0" smtClean="0"/>
-              <a:t> </a:t>
-            </a:r>
-            <a:r>
-              <a:rPr lang="en-US" dirty="0" err="1" smtClean="0"/>
-              <a:t>góc</a:t>
-            </a:r>
-            <a:r>
-              <a:rPr lang="en-US" dirty="0" smtClean="0"/>
-              <a:t> 0-180. </a:t>
-            </a:r>
-            <a:r>
-              <a:rPr lang="en-US" dirty="0" err="1" smtClean="0"/>
-              <a:t>góc</a:t>
-            </a:r>
-            <a:r>
-              <a:rPr lang="en-US" dirty="0" smtClean="0"/>
-              <a:t> 190-350 </a:t>
-            </a:r>
-            <a:r>
-              <a:rPr lang="en-US" dirty="0" err="1" smtClean="0"/>
-              <a:t>không</a:t>
-            </a:r>
-            <a:r>
-              <a:rPr lang="en-US" dirty="0" smtClean="0"/>
-              <a:t> </a:t>
-            </a:r>
-            <a:r>
-              <a:rPr lang="en-US" dirty="0" err="1" smtClean="0"/>
-              <a:t>đo</a:t>
-            </a:r>
-            <a:r>
-              <a:rPr lang="en-US" dirty="0" smtClean="0"/>
-              <a:t> </a:t>
-            </a:r>
-            <a:r>
-              <a:rPr lang="en-US" dirty="0" err="1" smtClean="0"/>
-              <a:t>lại</a:t>
-            </a:r>
-            <a:r>
-              <a:rPr lang="en-US" dirty="0" smtClean="0"/>
-              <a:t>. </a:t>
-            </a:r>
-            <a:r>
-              <a:rPr lang="en-US" dirty="0" err="1" smtClean="0"/>
-              <a:t>Sự</a:t>
-            </a:r>
-            <a:r>
-              <a:rPr lang="en-US" dirty="0" smtClean="0"/>
-              <a:t> </a:t>
-            </a:r>
-            <a:r>
-              <a:rPr lang="en-US" dirty="0" err="1" smtClean="0"/>
-              <a:t>khác</a:t>
-            </a:r>
-            <a:r>
-              <a:rPr lang="en-US" dirty="0" smtClean="0"/>
-              <a:t> </a:t>
-            </a:r>
-            <a:r>
-              <a:rPr lang="en-US" dirty="0" err="1" smtClean="0"/>
-              <a:t>nhau</a:t>
-            </a:r>
-            <a:r>
-              <a:rPr lang="en-US" dirty="0" smtClean="0"/>
-              <a:t> </a:t>
-            </a:r>
-            <a:r>
-              <a:rPr lang="en-US" dirty="0" err="1" smtClean="0"/>
-              <a:t>này</a:t>
-            </a:r>
-            <a:r>
-              <a:rPr lang="en-US" dirty="0" smtClean="0"/>
-              <a:t> </a:t>
-            </a:r>
-            <a:r>
-              <a:rPr lang="en-US" dirty="0" err="1" smtClean="0"/>
-              <a:t>có</a:t>
-            </a:r>
-            <a:r>
-              <a:rPr lang="en-US" dirty="0" smtClean="0"/>
-              <a:t> </a:t>
-            </a:r>
-            <a:r>
-              <a:rPr lang="en-US" dirty="0" err="1" smtClean="0"/>
-              <a:t>thể</a:t>
-            </a:r>
-            <a:r>
-              <a:rPr lang="en-US" dirty="0" smtClean="0"/>
-              <a:t> </a:t>
-            </a:r>
-            <a:r>
-              <a:rPr lang="en-US" dirty="0" err="1" smtClean="0"/>
-              <a:t>là</a:t>
-            </a:r>
-            <a:r>
-              <a:rPr lang="en-US" dirty="0" smtClean="0"/>
-              <a:t> do </a:t>
-            </a:r>
-            <a:r>
-              <a:rPr lang="en-US" dirty="0" err="1" smtClean="0"/>
-              <a:t>thời</a:t>
-            </a:r>
-            <a:r>
-              <a:rPr lang="en-US" dirty="0" smtClean="0"/>
-              <a:t> </a:t>
-            </a:r>
-            <a:r>
-              <a:rPr lang="en-US" dirty="0" err="1" smtClean="0"/>
-              <a:t>gian</a:t>
-            </a:r>
-            <a:r>
-              <a:rPr lang="en-US" dirty="0" smtClean="0"/>
-              <a:t> </a:t>
-            </a:r>
-            <a:r>
-              <a:rPr lang="en-US" dirty="0" err="1" smtClean="0"/>
-              <a:t>đo</a:t>
-            </a:r>
-            <a:r>
-              <a:rPr lang="en-US" dirty="0" smtClean="0"/>
-              <a:t> </a:t>
-            </a:r>
-            <a:r>
-              <a:rPr lang="en-US" dirty="0" err="1" smtClean="0"/>
-              <a:t>khác</a:t>
-            </a:r>
-            <a:r>
-              <a:rPr lang="en-US" dirty="0" smtClean="0"/>
-              <a:t> </a:t>
-            </a:r>
-            <a:r>
-              <a:rPr lang="en-US" dirty="0" err="1" smtClean="0"/>
-              <a:t>nhau</a:t>
-            </a:r>
-            <a:r>
-              <a:rPr lang="en-US" dirty="0" smtClean="0"/>
-              <a:t> </a:t>
-            </a:r>
-            <a:r>
-              <a:rPr lang="en-US" dirty="0" err="1" smtClean="0"/>
-              <a:t>nên</a:t>
-            </a:r>
-            <a:r>
-              <a:rPr lang="en-US" dirty="0" smtClean="0"/>
-              <a:t> </a:t>
-            </a:r>
-            <a:r>
-              <a:rPr lang="en-US" dirty="0" err="1" smtClean="0"/>
-              <a:t>môi</a:t>
-            </a:r>
-            <a:r>
-              <a:rPr lang="en-US" dirty="0" smtClean="0"/>
-              <a:t> </a:t>
-            </a:r>
-            <a:r>
-              <a:rPr lang="en-US" dirty="0" err="1" smtClean="0"/>
-              <a:t>trường</a:t>
-            </a:r>
-            <a:r>
-              <a:rPr lang="en-US" dirty="0" smtClean="0"/>
-              <a:t> </a:t>
-            </a:r>
-            <a:r>
-              <a:rPr lang="en-US" dirty="0" err="1" smtClean="0"/>
-              <a:t>khác</a:t>
-            </a:r>
-            <a:r>
-              <a:rPr lang="en-US" dirty="0" smtClean="0"/>
-              <a:t> </a:t>
-            </a:r>
-            <a:r>
-              <a:rPr lang="en-US" dirty="0" err="1" smtClean="0"/>
-              <a:t>nhau</a:t>
-            </a:r>
-            <a:endParaRPr lang="en-US" dirty="0" smtClean="0"/>
-          </a:p>
-          <a:p>
-            <a:pPr algn="just"/>
-            <a:r>
-              <a:rPr lang="en-US" dirty="0" err="1" smtClean="0"/>
-              <a:t>Cần</a:t>
-            </a:r>
-            <a:r>
-              <a:rPr lang="en-US" dirty="0" smtClean="0"/>
-              <a:t> </a:t>
-            </a:r>
-            <a:r>
-              <a:rPr lang="en-US" dirty="0" err="1" smtClean="0"/>
-              <a:t>áp</a:t>
-            </a:r>
-            <a:r>
-              <a:rPr lang="en-US" dirty="0" smtClean="0"/>
-              <a:t> </a:t>
-            </a:r>
-            <a:r>
-              <a:rPr lang="en-US" dirty="0" err="1" smtClean="0"/>
-              <a:t>dụng</a:t>
-            </a:r>
-            <a:r>
-              <a:rPr lang="en-US" dirty="0" smtClean="0"/>
-              <a:t> </a:t>
-            </a:r>
-            <a:r>
-              <a:rPr lang="en-US" dirty="0" err="1" smtClean="0"/>
-              <a:t>bộ</a:t>
-            </a:r>
-            <a:r>
-              <a:rPr lang="en-US" dirty="0" smtClean="0"/>
-              <a:t> </a:t>
-            </a:r>
-            <a:r>
-              <a:rPr lang="en-US" dirty="0" err="1" smtClean="0"/>
-              <a:t>lọc</a:t>
-            </a:r>
-            <a:r>
-              <a:rPr lang="en-US" dirty="0" smtClean="0"/>
-              <a:t> 2 </a:t>
-            </a:r>
-            <a:r>
-              <a:rPr lang="en-US" dirty="0" err="1" smtClean="0"/>
-              <a:t>tầng</a:t>
-            </a:r>
-            <a:r>
-              <a:rPr lang="en-US" dirty="0" smtClean="0"/>
-              <a:t> </a:t>
-            </a:r>
-            <a:r>
-              <a:rPr lang="en-US" dirty="0" err="1" smtClean="0"/>
-              <a:t>trong</a:t>
-            </a:r>
-            <a:r>
-              <a:rPr lang="en-US" dirty="0" smtClean="0"/>
-              <a:t> </a:t>
-            </a:r>
-            <a:r>
-              <a:rPr lang="en-US" dirty="0" err="1" smtClean="0"/>
-              <a:t>khi</a:t>
-            </a:r>
-            <a:r>
-              <a:rPr lang="en-US" dirty="0" smtClean="0"/>
-              <a:t> </a:t>
-            </a:r>
-            <a:r>
-              <a:rPr lang="en-US" dirty="0" err="1" smtClean="0"/>
-              <a:t>đo</a:t>
-            </a:r>
-            <a:r>
-              <a:rPr lang="en-US" dirty="0" smtClean="0"/>
-              <a:t> </a:t>
-            </a:r>
-            <a:r>
-              <a:rPr lang="en-US" dirty="0" err="1" smtClean="0"/>
-              <a:t>để</a:t>
-            </a:r>
-            <a:r>
-              <a:rPr lang="en-US" dirty="0" smtClean="0"/>
-              <a:t> </a:t>
-            </a:r>
-            <a:r>
-              <a:rPr lang="en-US" dirty="0" err="1" smtClean="0"/>
-              <a:t>tăng</a:t>
-            </a:r>
-            <a:r>
-              <a:rPr lang="en-US" dirty="0" smtClean="0"/>
-              <a:t> </a:t>
-            </a:r>
-            <a:r>
-              <a:rPr lang="en-US" dirty="0" err="1" smtClean="0"/>
-              <a:t>tính</a:t>
-            </a:r>
-            <a:r>
-              <a:rPr lang="en-US" dirty="0" smtClean="0"/>
-              <a:t> </a:t>
-            </a:r>
-            <a:r>
-              <a:rPr lang="en-US" dirty="0" err="1" smtClean="0"/>
-              <a:t>ổn</a:t>
-            </a:r>
-            <a:r>
-              <a:rPr lang="en-US" dirty="0" smtClean="0"/>
-              <a:t> </a:t>
-            </a:r>
-            <a:r>
-              <a:rPr lang="en-US" dirty="0" err="1" smtClean="0"/>
-              <a:t>định</a:t>
-            </a:r>
-            <a:r>
-              <a:rPr lang="en-US" dirty="0" smtClean="0"/>
-              <a:t>.</a:t>
-            </a:r>
-          </a:p>
-          <a:p>
-            <a:pPr algn="just"/>
-            <a:r>
-              <a:rPr lang="en-US" dirty="0" err="1" smtClean="0"/>
-              <a:t>Phướng</a:t>
-            </a:r>
-            <a:r>
-              <a:rPr lang="en-US" dirty="0" smtClean="0"/>
-              <a:t> </a:t>
-            </a:r>
-            <a:r>
-              <a:rPr lang="en-US" dirty="0" err="1" smtClean="0"/>
-              <a:t>pháp</a:t>
-            </a:r>
-            <a:r>
-              <a:rPr lang="en-US" dirty="0" smtClean="0"/>
-              <a:t> </a:t>
-            </a:r>
-            <a:r>
-              <a:rPr lang="en-US" dirty="0" err="1" smtClean="0"/>
-              <a:t>tốt</a:t>
-            </a:r>
-            <a:r>
-              <a:rPr lang="en-US" dirty="0" smtClean="0"/>
-              <a:t> </a:t>
-            </a:r>
-            <a:r>
-              <a:rPr lang="en-US" dirty="0" err="1" smtClean="0"/>
-              <a:t>nhất</a:t>
-            </a:r>
-            <a:r>
-              <a:rPr lang="en-US" dirty="0" smtClean="0"/>
-              <a:t> </a:t>
-            </a:r>
-            <a:r>
-              <a:rPr lang="en-US" dirty="0" err="1" smtClean="0"/>
-              <a:t>để</a:t>
-            </a:r>
-            <a:r>
-              <a:rPr lang="en-US" dirty="0" smtClean="0"/>
-              <a:t> </a:t>
-            </a:r>
-            <a:r>
-              <a:rPr lang="en-US" dirty="0" err="1" smtClean="0"/>
-              <a:t>xác</a:t>
-            </a:r>
-            <a:r>
-              <a:rPr lang="en-US" dirty="0" smtClean="0"/>
-              <a:t> </a:t>
-            </a:r>
-            <a:r>
-              <a:rPr lang="en-US" dirty="0" err="1" smtClean="0"/>
-              <a:t>định</a:t>
-            </a:r>
-            <a:r>
-              <a:rPr lang="en-US" dirty="0" smtClean="0"/>
-              <a:t> </a:t>
-            </a:r>
-            <a:r>
-              <a:rPr lang="en-US" dirty="0" err="1" smtClean="0"/>
-              <a:t>biểu</a:t>
-            </a:r>
-            <a:r>
-              <a:rPr lang="en-US" dirty="0" smtClean="0"/>
-              <a:t> </a:t>
-            </a:r>
-            <a:r>
-              <a:rPr lang="en-US" dirty="0" err="1" smtClean="0"/>
-              <a:t>đồ</a:t>
-            </a:r>
-            <a:r>
-              <a:rPr lang="en-US" dirty="0" smtClean="0"/>
-              <a:t> </a:t>
-            </a:r>
-            <a:r>
-              <a:rPr lang="en-US" dirty="0" err="1" smtClean="0"/>
-              <a:t>là</a:t>
-            </a:r>
-            <a:r>
-              <a:rPr lang="en-US" dirty="0" smtClean="0"/>
-              <a:t> </a:t>
-            </a:r>
-            <a:r>
-              <a:rPr lang="en-US" dirty="0" err="1" smtClean="0"/>
-              <a:t>dùng</a:t>
-            </a:r>
-            <a:r>
-              <a:rPr lang="en-US" dirty="0" smtClean="0"/>
-              <a:t> 36 </a:t>
-            </a:r>
-            <a:r>
-              <a:rPr lang="en-US" dirty="0" err="1" smtClean="0"/>
-              <a:t>thiết</a:t>
-            </a:r>
-            <a:r>
-              <a:rPr lang="en-US" dirty="0" smtClean="0"/>
-              <a:t> </a:t>
-            </a:r>
-            <a:r>
-              <a:rPr lang="en-US" dirty="0" err="1" smtClean="0"/>
-              <a:t>bị</a:t>
-            </a:r>
-            <a:r>
-              <a:rPr lang="en-US" dirty="0" smtClean="0"/>
-              <a:t> </a:t>
-            </a:r>
-            <a:r>
-              <a:rPr lang="en-US" dirty="0" err="1" smtClean="0"/>
-              <a:t>đo</a:t>
-            </a:r>
-            <a:r>
-              <a:rPr lang="en-US" dirty="0" smtClean="0"/>
-              <a:t> ở 36 </a:t>
-            </a:r>
-            <a:r>
-              <a:rPr lang="en-US" dirty="0" err="1" smtClean="0"/>
-              <a:t>góc</a:t>
-            </a:r>
-            <a:r>
-              <a:rPr lang="en-US" dirty="0" smtClean="0"/>
-              <a:t> </a:t>
-            </a:r>
-            <a:r>
-              <a:rPr lang="en-US" dirty="0" err="1" smtClean="0"/>
-              <a:t>cùng</a:t>
-            </a:r>
-            <a:r>
-              <a:rPr lang="en-US" dirty="0" smtClean="0"/>
-              <a:t> 1 </a:t>
-            </a:r>
-            <a:r>
-              <a:rPr lang="en-US" dirty="0" err="1" smtClean="0"/>
-              <a:t>thời</a:t>
-            </a:r>
-            <a:r>
-              <a:rPr lang="en-US" dirty="0" smtClean="0"/>
-              <a:t> </a:t>
-            </a:r>
-            <a:r>
-              <a:rPr lang="en-US" dirty="0" err="1" smtClean="0"/>
-              <a:t>điểm</a:t>
-            </a:r>
-            <a:r>
-              <a:rPr lang="en-US" dirty="0" smtClean="0"/>
-              <a:t>.</a:t>
-            </a:r>
-            <a:endParaRPr lang="en-US" dirty="0"/>
-          </a:p>
-        </p:txBody>
-      </p:sp>
-    </p:spTree>
-    <p:extLst>
-      <p:ext uri="{BB962C8B-B14F-4D97-AF65-F5344CB8AC3E}">
-        <p14:creationId xmlns:p14="http://schemas.microsoft.com/office/powerpoint/2010/main" val="2752376836"/>
-      </p:ext>
-    </p:extLst>
-  </p:cSld>
-  <p:clrMapOvr>
-    <a:masterClrMapping/>
-  </p:clrMapOvr>
-</p:sld>
-</file>
-
-<file path=ppt/slides/slide28.xml><?xml version="1.0" encoding="utf-8"?>
-<p:sld xmlns:a="http://schemas.openxmlformats.org/drawingml/2006/main" xmlns:r="http://schemas.openxmlformats.org/officeDocument/2006/relationships" xmlns:p="http://schemas.openxmlformats.org/presentationml/2006/main">
-  <p:cSld>
-    <p:spTree>
-      <p:nvGrpSpPr>
-        <p:cNvPr id="1" name=""/>
-        <p:cNvGrpSpPr/>
-        <p:nvPr/>
-      </p:nvGrpSpPr>
-      <p:grpSpPr>
-        <a:xfrm>
-          <a:off x="0" y="0"/>
-          <a:ext cx="0" cy="0"/>
-          <a:chOff x="0" y="0"/>
-          <a:chExt cx="0" cy="0"/>
-        </a:xfrm>
-      </p:grpSpPr>
-      <p:pic>
-        <p:nvPicPr>
-          <p:cNvPr id="1026" name="Picture 2" descr="F:\thuc_tap\BLE\report\adjust_pic\2020.04.16\ERR_LOC.jpg"/>
-          <p:cNvPicPr>
-            <a:picLocks noChangeAspect="1" noChangeArrowheads="1"/>
-          </p:cNvPicPr>
-          <p:nvPr/>
-        </p:nvPicPr>
-        <p:blipFill>
-          <a:blip r:embed="rId2">
-            <a:extLst>
-              <a:ext uri="{28A0092B-C50C-407E-A947-70E740481C1C}">
-                <a14:useLocalDpi xmlns:a14="http://schemas.microsoft.com/office/drawing/2010/main" val="0"/>
-              </a:ext>
-            </a:extLst>
-          </a:blip>
-          <a:srcRect/>
-          <a:stretch>
-            <a:fillRect/>
-          </a:stretch>
-        </p:blipFill>
-        <p:spPr bwMode="auto">
-          <a:xfrm>
-            <a:off x="-2" y="381000"/>
-            <a:ext cx="9144001" cy="5486400"/>
-          </a:xfrm>
-          <a:prstGeom prst="rect">
-            <a:avLst/>
-          </a:prstGeom>
-          <a:noFill/>
-          <a:extLst>
-            <a:ext uri="{909E8E84-426E-40DD-AFC4-6F175D3DCCD1}">
-              <a14:hiddenFill xmlns:a14="http://schemas.microsoft.com/office/drawing/2010/main">
-                <a:solidFill>
-                  <a:srgbClr val="FFFFFF"/>
-                </a:solidFill>
-              </a14:hiddenFill>
-            </a:ext>
-          </a:extLst>
-        </p:spPr>
-      </p:pic>
-      <p:sp>
-        <p:nvSpPr>
-          <p:cNvPr id="2" name="Title 1"/>
-          <p:cNvSpPr>
-            <a:spLocks noGrp="1"/>
-          </p:cNvSpPr>
-          <p:nvPr>
-            <p:ph type="ctrTitle"/>
-          </p:nvPr>
-        </p:nvSpPr>
-        <p:spPr>
-          <a:xfrm>
-            <a:off x="838200" y="-304800"/>
-            <a:ext cx="7772400" cy="1470025"/>
-          </a:xfrm>
-        </p:spPr>
-        <p:txBody>
-          <a:bodyPr/>
-          <a:lstStyle/>
-          <a:p>
-            <a:r>
-              <a:rPr lang="en-US" dirty="0" smtClean="0"/>
-              <a:t>2020.04.16: </a:t>
-            </a:r>
-            <a:r>
-              <a:rPr lang="en-US" dirty="0" err="1" smtClean="0"/>
-              <a:t>Kết</a:t>
-            </a:r>
-            <a:r>
-              <a:rPr lang="en-US" dirty="0" smtClean="0"/>
-              <a:t> </a:t>
-            </a:r>
-            <a:r>
-              <a:rPr lang="en-US" dirty="0" err="1" smtClean="0"/>
-              <a:t>quả</a:t>
-            </a:r>
-            <a:r>
-              <a:rPr lang="en-US" dirty="0" smtClean="0"/>
-              <a:t> adjust RSSI</a:t>
-            </a:r>
-            <a:endParaRPr lang="en-US" dirty="0"/>
-          </a:p>
-        </p:txBody>
-      </p:sp>
-      <p:sp>
-        <p:nvSpPr>
-          <p:cNvPr id="5" name="Title 1"/>
-          <p:cNvSpPr txBox="1">
-            <a:spLocks/>
-          </p:cNvSpPr>
-          <p:nvPr/>
-        </p:nvSpPr>
-        <p:spPr>
-          <a:xfrm>
-            <a:off x="990600" y="5127170"/>
-            <a:ext cx="7772400" cy="1470025"/>
-          </a:xfrm>
-          <a:prstGeom prst="rect">
-            <a:avLst/>
-          </a:prstGeom>
-        </p:spPr>
-        <p:txBody>
-          <a:bodyPr vert="horz" lIns="91440" tIns="45720" rIns="91440" bIns="45720" rtlCol="0" anchor="ctr">
-            <a:normAutofit/>
-          </a:bodyPr>
-          <a:lstStyle>
-            <a:lvl1pPr algn="ctr" defTabSz="914400" rtl="0" eaLnBrk="1" latinLnBrk="0" hangingPunct="1">
-              <a:spcBef>
-                <a:spcPct val="0"/>
-              </a:spcBef>
-              <a:buNone/>
-              <a:defRPr sz="4400" kern="1200">
-                <a:solidFill>
-                  <a:schemeClr val="tx1"/>
-                </a:solidFill>
-                <a:latin typeface="+mj-lt"/>
-                <a:ea typeface="+mj-ea"/>
-                <a:cs typeface="+mj-cs"/>
-              </a:defRPr>
-            </a:lvl1pPr>
-          </a:lstStyle>
-          <a:p>
-            <a:r>
-              <a:rPr lang="en-US" dirty="0" smtClean="0"/>
-              <a:t>Sai </a:t>
-            </a:r>
-            <a:r>
-              <a:rPr lang="en-US" dirty="0" err="1" smtClean="0"/>
-              <a:t>số</a:t>
-            </a:r>
-            <a:r>
-              <a:rPr lang="en-US" dirty="0" smtClean="0"/>
-              <a:t> </a:t>
-            </a:r>
-            <a:r>
-              <a:rPr lang="en-US" dirty="0" err="1" smtClean="0"/>
-              <a:t>Locaion</a:t>
-            </a:r>
-            <a:endParaRPr lang="en-US" dirty="0"/>
-          </a:p>
-        </p:txBody>
-      </p:sp>
-    </p:spTree>
-    <p:extLst>
-      <p:ext uri="{BB962C8B-B14F-4D97-AF65-F5344CB8AC3E}">
-        <p14:creationId xmlns:p14="http://schemas.microsoft.com/office/powerpoint/2010/main" val="2038523038"/>
-      </p:ext>
-    </p:extLst>
-  </p:cSld>
-  <p:clrMapOvr>
-    <a:masterClrMapping/>
-  </p:clrMapOvr>
-</p:sld>
-</file>
-
-<file path=ppt/slides/slide29.xml><?xml version="1.0" encoding="utf-8"?>
-<p:sld xmlns:a="http://schemas.openxmlformats.org/drawingml/2006/main" xmlns:r="http://schemas.openxmlformats.org/officeDocument/2006/relationships" xmlns:p="http://schemas.openxmlformats.org/presentationml/2006/main">
-  <p:cSld>
-    <p:spTree>
-      <p:nvGrpSpPr>
-        <p:cNvPr id="1" name=""/>
-        <p:cNvGrpSpPr/>
-        <p:nvPr/>
-      </p:nvGrpSpPr>
-      <p:grpSpPr>
-        <a:xfrm>
-          <a:off x="0" y="0"/>
-          <a:ext cx="0" cy="0"/>
-          <a:chOff x="0" y="0"/>
-          <a:chExt cx="0" cy="0"/>
-        </a:xfrm>
-      </p:grpSpPr>
-      <p:pic>
-        <p:nvPicPr>
-          <p:cNvPr id="2050" name="Picture 2" descr="F:\thuc_tap\BLE\report\adjust_pic\2020.04.16\ERR_DIS93.jpg"/>
-          <p:cNvPicPr>
-            <a:picLocks noChangeAspect="1" noChangeArrowheads="1"/>
-          </p:cNvPicPr>
-          <p:nvPr/>
-        </p:nvPicPr>
-        <p:blipFill>
-          <a:blip r:embed="rId2">
-            <a:extLst>
-              <a:ext uri="{28A0092B-C50C-407E-A947-70E740481C1C}">
-                <a14:useLocalDpi xmlns:a14="http://schemas.microsoft.com/office/drawing/2010/main" val="0"/>
-              </a:ext>
-            </a:extLst>
-          </a:blip>
-          <a:srcRect/>
-          <a:stretch>
-            <a:fillRect/>
-          </a:stretch>
-        </p:blipFill>
-        <p:spPr bwMode="auto">
-          <a:xfrm>
-            <a:off x="0" y="838200"/>
-            <a:ext cx="8915400" cy="4362975"/>
-          </a:xfrm>
-          <a:prstGeom prst="rect">
-            <a:avLst/>
-          </a:prstGeom>
-          <a:noFill/>
-          <a:extLst>
-            <a:ext uri="{909E8E84-426E-40DD-AFC4-6F175D3DCCD1}">
-              <a14:hiddenFill xmlns:a14="http://schemas.microsoft.com/office/drawing/2010/main">
-                <a:solidFill>
-                  <a:srgbClr val="FFFFFF"/>
-                </a:solidFill>
-              </a14:hiddenFill>
-            </a:ext>
-          </a:extLst>
-        </p:spPr>
-      </p:pic>
-      <p:sp>
-        <p:nvSpPr>
-          <p:cNvPr id="2" name="Title 1"/>
-          <p:cNvSpPr>
-            <a:spLocks noGrp="1"/>
-          </p:cNvSpPr>
-          <p:nvPr>
-            <p:ph type="title"/>
-          </p:nvPr>
-        </p:nvSpPr>
-        <p:spPr>
-          <a:xfrm>
-            <a:off x="381000" y="-228600"/>
-            <a:ext cx="8229600" cy="1143000"/>
-          </a:xfrm>
-        </p:spPr>
-        <p:txBody>
-          <a:bodyPr/>
-          <a:lstStyle/>
-          <a:p>
-            <a:r>
-              <a:rPr lang="en-US" dirty="0"/>
-              <a:t>2020.04.16: </a:t>
-            </a:r>
-            <a:r>
-              <a:rPr lang="en-US" dirty="0" err="1"/>
-              <a:t>Kết</a:t>
-            </a:r>
-            <a:r>
-              <a:rPr lang="en-US" dirty="0"/>
-              <a:t> </a:t>
-            </a:r>
-            <a:r>
-              <a:rPr lang="en-US" dirty="0" err="1"/>
-              <a:t>quả</a:t>
-            </a:r>
-            <a:r>
-              <a:rPr lang="en-US" dirty="0"/>
-              <a:t> adjust RSSI</a:t>
-            </a:r>
-          </a:p>
-        </p:txBody>
-      </p:sp>
-      <p:sp>
-        <p:nvSpPr>
-          <p:cNvPr id="5" name="Title 1"/>
-          <p:cNvSpPr txBox="1">
-            <a:spLocks/>
-          </p:cNvSpPr>
-          <p:nvPr/>
-        </p:nvSpPr>
-        <p:spPr>
-          <a:xfrm>
-            <a:off x="762000" y="4953000"/>
-            <a:ext cx="7772400" cy="1470025"/>
-          </a:xfrm>
-          <a:prstGeom prst="rect">
-            <a:avLst/>
-          </a:prstGeom>
-        </p:spPr>
-        <p:txBody>
-          <a:bodyPr vert="horz" lIns="91440" tIns="45720" rIns="91440" bIns="45720" rtlCol="0" anchor="ctr">
-            <a:normAutofit/>
-          </a:bodyPr>
-          <a:lstStyle>
-            <a:lvl1pPr algn="ctr" defTabSz="914400" rtl="0" eaLnBrk="1" latinLnBrk="0" hangingPunct="1">
-              <a:spcBef>
-                <a:spcPct val="0"/>
-              </a:spcBef>
-              <a:buNone/>
-              <a:defRPr sz="4400" kern="1200">
-                <a:solidFill>
-                  <a:schemeClr val="tx1"/>
-                </a:solidFill>
-                <a:latin typeface="+mj-lt"/>
-                <a:ea typeface="+mj-ea"/>
-                <a:cs typeface="+mj-cs"/>
-              </a:defRPr>
-            </a:lvl1pPr>
-          </a:lstStyle>
-          <a:p>
-            <a:r>
-              <a:rPr lang="en-US" dirty="0" smtClean="0"/>
-              <a:t>Sai </a:t>
-            </a:r>
-            <a:r>
-              <a:rPr lang="en-US" dirty="0" err="1" smtClean="0"/>
-              <a:t>số</a:t>
-            </a:r>
-            <a:r>
-              <a:rPr lang="en-US" dirty="0" smtClean="0"/>
-              <a:t> Distance </a:t>
-            </a:r>
-            <a:r>
-              <a:rPr lang="en-US" dirty="0" err="1" smtClean="0"/>
-              <a:t>của</a:t>
-            </a:r>
-            <a:r>
-              <a:rPr lang="en-US" dirty="0" smtClean="0"/>
-              <a:t> Beacon 93</a:t>
-            </a:r>
-            <a:endParaRPr lang="en-US" dirty="0"/>
-          </a:p>
-        </p:txBody>
-      </p:sp>
-    </p:spTree>
-    <p:extLst>
-      <p:ext uri="{BB962C8B-B14F-4D97-AF65-F5344CB8AC3E}">
-        <p14:creationId xmlns:p14="http://schemas.microsoft.com/office/powerpoint/2010/main" val="2139716963"/>
+        <p14:creationId xmlns:p14="http://schemas.microsoft.com/office/powerpoint/2010/main" val="1949196504"/>
       </p:ext>
     </p:extLst>
   </p:cSld>
@@ -10322,1754 +9047,6 @@
 </p:sld>
 </file>
 
-<file path=ppt/slides/slide30.xml><?xml version="1.0" encoding="utf-8"?>
-<p:sld xmlns:a="http://schemas.openxmlformats.org/drawingml/2006/main" xmlns:r="http://schemas.openxmlformats.org/officeDocument/2006/relationships" xmlns:p="http://schemas.openxmlformats.org/presentationml/2006/main">
-  <p:cSld>
-    <p:spTree>
-      <p:nvGrpSpPr>
-        <p:cNvPr id="1" name=""/>
-        <p:cNvGrpSpPr/>
-        <p:nvPr/>
-      </p:nvGrpSpPr>
-      <p:grpSpPr>
-        <a:xfrm>
-          <a:off x="0" y="0"/>
-          <a:ext cx="0" cy="0"/>
-          <a:chOff x="0" y="0"/>
-          <a:chExt cx="0" cy="0"/>
-        </a:xfrm>
-      </p:grpSpPr>
-      <p:pic>
-        <p:nvPicPr>
-          <p:cNvPr id="3074" name="Picture 2" descr="F:\thuc_tap\BLE\report\adjust_pic\2020.04.16\ERR_DISC0.jpg"/>
-          <p:cNvPicPr>
-            <a:picLocks noChangeAspect="1" noChangeArrowheads="1"/>
-          </p:cNvPicPr>
-          <p:nvPr/>
-        </p:nvPicPr>
-        <p:blipFill>
-          <a:blip r:embed="rId2">
-            <a:extLst>
-              <a:ext uri="{28A0092B-C50C-407E-A947-70E740481C1C}">
-                <a14:useLocalDpi xmlns:a14="http://schemas.microsoft.com/office/drawing/2010/main" val="0"/>
-              </a:ext>
-            </a:extLst>
-          </a:blip>
-          <a:srcRect/>
-          <a:stretch>
-            <a:fillRect/>
-          </a:stretch>
-        </p:blipFill>
-        <p:spPr bwMode="auto">
-          <a:xfrm>
-            <a:off x="152400" y="457200"/>
-            <a:ext cx="8991600" cy="4586717"/>
-          </a:xfrm>
-          <a:prstGeom prst="rect">
-            <a:avLst/>
-          </a:prstGeom>
-          <a:noFill/>
-          <a:extLst>
-            <a:ext uri="{909E8E84-426E-40DD-AFC4-6F175D3DCCD1}">
-              <a14:hiddenFill xmlns:a14="http://schemas.microsoft.com/office/drawing/2010/main">
-                <a:solidFill>
-                  <a:srgbClr val="FFFFFF"/>
-                </a:solidFill>
-              </a14:hiddenFill>
-            </a:ext>
-          </a:extLst>
-        </p:spPr>
-      </p:pic>
-      <p:sp>
-        <p:nvSpPr>
-          <p:cNvPr id="2" name="Title 1"/>
-          <p:cNvSpPr>
-            <a:spLocks noGrp="1"/>
-          </p:cNvSpPr>
-          <p:nvPr>
-            <p:ph type="title"/>
-          </p:nvPr>
-        </p:nvSpPr>
-        <p:spPr>
-          <a:xfrm>
-            <a:off x="381000" y="-228600"/>
-            <a:ext cx="8229600" cy="1143000"/>
-          </a:xfrm>
-        </p:spPr>
-        <p:txBody>
-          <a:bodyPr/>
-          <a:lstStyle/>
-          <a:p>
-            <a:r>
-              <a:rPr lang="en-US" dirty="0"/>
-              <a:t>2020.04.16: </a:t>
-            </a:r>
-            <a:r>
-              <a:rPr lang="en-US" dirty="0" err="1"/>
-              <a:t>Kết</a:t>
-            </a:r>
-            <a:r>
-              <a:rPr lang="en-US" dirty="0"/>
-              <a:t> </a:t>
-            </a:r>
-            <a:r>
-              <a:rPr lang="en-US" dirty="0" err="1"/>
-              <a:t>quả</a:t>
-            </a:r>
-            <a:r>
-              <a:rPr lang="en-US" dirty="0"/>
-              <a:t> adjust RSSI</a:t>
-            </a:r>
-          </a:p>
-        </p:txBody>
-      </p:sp>
-      <p:sp>
-        <p:nvSpPr>
-          <p:cNvPr id="5" name="Title 1"/>
-          <p:cNvSpPr txBox="1">
-            <a:spLocks/>
-          </p:cNvSpPr>
-          <p:nvPr/>
-        </p:nvSpPr>
-        <p:spPr>
-          <a:xfrm>
-            <a:off x="740229" y="4191000"/>
-            <a:ext cx="7772400" cy="1470025"/>
-          </a:xfrm>
-          <a:prstGeom prst="rect">
-            <a:avLst/>
-          </a:prstGeom>
-        </p:spPr>
-        <p:txBody>
-          <a:bodyPr vert="horz" lIns="91440" tIns="45720" rIns="91440" bIns="45720" rtlCol="0" anchor="ctr">
-            <a:normAutofit/>
-          </a:bodyPr>
-          <a:lstStyle>
-            <a:lvl1pPr algn="ctr" defTabSz="914400" rtl="0" eaLnBrk="1" latinLnBrk="0" hangingPunct="1">
-              <a:spcBef>
-                <a:spcPct val="0"/>
-              </a:spcBef>
-              <a:buNone/>
-              <a:defRPr sz="4400" kern="1200">
-                <a:solidFill>
-                  <a:schemeClr val="tx1"/>
-                </a:solidFill>
-                <a:latin typeface="+mj-lt"/>
-                <a:ea typeface="+mj-ea"/>
-                <a:cs typeface="+mj-cs"/>
-              </a:defRPr>
-            </a:lvl1pPr>
-          </a:lstStyle>
-          <a:p>
-            <a:r>
-              <a:rPr lang="en-US" dirty="0" smtClean="0"/>
-              <a:t>Sai </a:t>
-            </a:r>
-            <a:r>
-              <a:rPr lang="en-US" dirty="0" err="1" smtClean="0"/>
-              <a:t>số</a:t>
-            </a:r>
-            <a:r>
-              <a:rPr lang="en-US" dirty="0" smtClean="0"/>
-              <a:t> Distance </a:t>
-            </a:r>
-            <a:r>
-              <a:rPr lang="en-US" dirty="0" err="1" smtClean="0"/>
-              <a:t>của</a:t>
-            </a:r>
-            <a:r>
-              <a:rPr lang="en-US" dirty="0" smtClean="0"/>
-              <a:t> Beacon C0</a:t>
-            </a:r>
-            <a:endParaRPr lang="en-US" dirty="0"/>
-          </a:p>
-        </p:txBody>
-      </p:sp>
-      <p:sp>
-        <p:nvSpPr>
-          <p:cNvPr id="6" name="Title 1"/>
-          <p:cNvSpPr txBox="1">
-            <a:spLocks/>
-          </p:cNvSpPr>
-          <p:nvPr/>
-        </p:nvSpPr>
-        <p:spPr>
-          <a:xfrm>
-            <a:off x="609600" y="5083629"/>
-            <a:ext cx="7772400" cy="1752600"/>
-          </a:xfrm>
-          <a:prstGeom prst="rect">
-            <a:avLst/>
-          </a:prstGeom>
-        </p:spPr>
-        <p:txBody>
-          <a:bodyPr vert="horz" lIns="91440" tIns="45720" rIns="91440" bIns="45720" rtlCol="0" anchor="ctr">
-            <a:normAutofit/>
-          </a:bodyPr>
-          <a:lstStyle>
-            <a:lvl1pPr algn="ctr" defTabSz="914400" rtl="0" eaLnBrk="1" latinLnBrk="0" hangingPunct="1">
-              <a:spcBef>
-                <a:spcPct val="0"/>
-              </a:spcBef>
-              <a:buNone/>
-              <a:defRPr sz="4400" kern="1200">
-                <a:solidFill>
-                  <a:schemeClr val="tx1"/>
-                </a:solidFill>
-                <a:latin typeface="+mj-lt"/>
-                <a:ea typeface="+mj-ea"/>
-                <a:cs typeface="+mj-cs"/>
-              </a:defRPr>
-            </a:lvl1pPr>
-          </a:lstStyle>
-          <a:p>
-            <a:pPr algn="just"/>
-            <a:r>
-              <a:rPr lang="en-US" sz="1800" dirty="0" err="1" smtClean="0"/>
-              <a:t>Độ</a:t>
-            </a:r>
-            <a:r>
-              <a:rPr lang="en-US" sz="1800" dirty="0" smtClean="0"/>
-              <a:t> </a:t>
-            </a:r>
-            <a:r>
-              <a:rPr lang="en-US" sz="1800" dirty="0" err="1" smtClean="0"/>
-              <a:t>ổn</a:t>
-            </a:r>
-            <a:r>
-              <a:rPr lang="en-US" sz="1800" dirty="0" smtClean="0"/>
-              <a:t> </a:t>
-            </a:r>
-            <a:r>
-              <a:rPr lang="en-US" sz="1800" dirty="0" err="1" smtClean="0"/>
-              <a:t>định</a:t>
-            </a:r>
-            <a:r>
-              <a:rPr lang="en-US" sz="1800" dirty="0" smtClean="0"/>
-              <a:t> </a:t>
-            </a:r>
-            <a:r>
-              <a:rPr lang="en-US" sz="1800" dirty="0" err="1" smtClean="0"/>
-              <a:t>sai</a:t>
-            </a:r>
-            <a:r>
-              <a:rPr lang="en-US" sz="1800" dirty="0" smtClean="0"/>
-              <a:t> </a:t>
-            </a:r>
-            <a:r>
-              <a:rPr lang="en-US" sz="1800" dirty="0" err="1" smtClean="0"/>
-              <a:t>số</a:t>
-            </a:r>
-            <a:r>
-              <a:rPr lang="en-US" sz="1800" dirty="0" smtClean="0"/>
-              <a:t> Location </a:t>
-            </a:r>
-            <a:r>
-              <a:rPr lang="en-US" sz="1800" dirty="0" err="1" smtClean="0"/>
-              <a:t>phụ</a:t>
-            </a:r>
-            <a:r>
-              <a:rPr lang="en-US" sz="1800" dirty="0" smtClean="0"/>
-              <a:t> </a:t>
-            </a:r>
-            <a:r>
-              <a:rPr lang="en-US" sz="1800" dirty="0" err="1" smtClean="0"/>
-              <a:t>thuộc</a:t>
-            </a:r>
-            <a:r>
-              <a:rPr lang="en-US" sz="1800" dirty="0" smtClean="0"/>
-              <a:t> </a:t>
-            </a:r>
-            <a:r>
-              <a:rPr lang="en-US" sz="1800" dirty="0" err="1" smtClean="0"/>
-              <a:t>vào</a:t>
-            </a:r>
-            <a:r>
-              <a:rPr lang="en-US" sz="1800" dirty="0" smtClean="0"/>
-              <a:t> </a:t>
-            </a:r>
-            <a:r>
-              <a:rPr lang="en-US" sz="1800" dirty="0" err="1" smtClean="0"/>
-              <a:t>độ</a:t>
-            </a:r>
-            <a:r>
-              <a:rPr lang="en-US" sz="1800" dirty="0" smtClean="0"/>
-              <a:t> </a:t>
-            </a:r>
-            <a:r>
-              <a:rPr lang="en-US" sz="1800" dirty="0" err="1" smtClean="0"/>
-              <a:t>ổn</a:t>
-            </a:r>
-            <a:r>
-              <a:rPr lang="en-US" sz="1800" dirty="0" smtClean="0"/>
-              <a:t> </a:t>
-            </a:r>
-            <a:r>
-              <a:rPr lang="en-US" sz="1800" dirty="0" err="1" smtClean="0"/>
-              <a:t>định</a:t>
-            </a:r>
-            <a:r>
-              <a:rPr lang="en-US" sz="1800" dirty="0" smtClean="0"/>
-              <a:t> </a:t>
-            </a:r>
-            <a:r>
-              <a:rPr lang="en-US" sz="1800" dirty="0" err="1" smtClean="0"/>
-              <a:t>sai</a:t>
-            </a:r>
-            <a:r>
-              <a:rPr lang="en-US" sz="1800" dirty="0" smtClean="0"/>
-              <a:t> </a:t>
-            </a:r>
-            <a:r>
-              <a:rPr lang="en-US" sz="1800" dirty="0" err="1" smtClean="0"/>
-              <a:t>số</a:t>
-            </a:r>
-            <a:r>
-              <a:rPr lang="en-US" sz="1800" dirty="0" smtClean="0"/>
-              <a:t> Distance </a:t>
-            </a:r>
-            <a:r>
-              <a:rPr lang="en-US" sz="1800" dirty="0" err="1" smtClean="0"/>
-              <a:t>của</a:t>
-            </a:r>
-            <a:r>
-              <a:rPr lang="en-US" sz="1800" dirty="0" smtClean="0"/>
-              <a:t> </a:t>
-            </a:r>
-            <a:r>
-              <a:rPr lang="en-US" sz="1800" dirty="0" err="1" smtClean="0"/>
-              <a:t>các</a:t>
-            </a:r>
-            <a:r>
-              <a:rPr lang="en-US" sz="1800" dirty="0" smtClean="0"/>
-              <a:t> beacon </a:t>
-            </a:r>
-            <a:r>
-              <a:rPr lang="en-US" sz="1800" dirty="0" err="1" smtClean="0"/>
-              <a:t>tham</a:t>
-            </a:r>
-            <a:r>
-              <a:rPr lang="en-US" sz="1800" dirty="0" smtClean="0"/>
-              <a:t> </a:t>
-            </a:r>
-            <a:r>
-              <a:rPr lang="en-US" sz="1800" dirty="0" err="1" smtClean="0"/>
-              <a:t>gia</a:t>
-            </a:r>
-            <a:r>
-              <a:rPr lang="en-US" sz="1800" dirty="0" smtClean="0"/>
-              <a:t> </a:t>
-            </a:r>
-            <a:r>
-              <a:rPr lang="en-US" sz="1800" dirty="0" err="1" smtClean="0"/>
-              <a:t>tính</a:t>
-            </a:r>
-            <a:r>
-              <a:rPr lang="en-US" sz="1800" dirty="0" smtClean="0"/>
-              <a:t> </a:t>
-            </a:r>
-            <a:r>
-              <a:rPr lang="en-US" sz="1800" dirty="0" err="1" smtClean="0"/>
-              <a:t>Locaion</a:t>
-            </a:r>
-            <a:r>
-              <a:rPr lang="en-US" sz="1800" dirty="0" smtClean="0"/>
-              <a:t>. </a:t>
-            </a:r>
-          </a:p>
-          <a:p>
-            <a:pPr algn="just"/>
-            <a:r>
-              <a:rPr lang="en-US" sz="1800" dirty="0" smtClean="0"/>
-              <a:t>Beacon 93 </a:t>
-            </a:r>
-            <a:r>
-              <a:rPr lang="en-US" sz="1800" dirty="0" err="1" smtClean="0"/>
-              <a:t>dường</a:t>
-            </a:r>
-            <a:r>
-              <a:rPr lang="en-US" sz="1800" dirty="0" smtClean="0"/>
-              <a:t> </a:t>
-            </a:r>
-            <a:r>
-              <a:rPr lang="en-US" sz="1800" dirty="0" err="1" smtClean="0"/>
-              <a:t>như</a:t>
-            </a:r>
-            <a:r>
-              <a:rPr lang="en-US" sz="1800" dirty="0" smtClean="0"/>
-              <a:t> </a:t>
-            </a:r>
-            <a:r>
-              <a:rPr lang="en-US" sz="1800" dirty="0" err="1" smtClean="0"/>
-              <a:t>đạt</a:t>
-            </a:r>
-            <a:r>
-              <a:rPr lang="en-US" sz="1800" dirty="0" smtClean="0"/>
-              <a:t> </a:t>
-            </a:r>
-            <a:r>
-              <a:rPr lang="en-US" sz="1800" dirty="0" err="1" smtClean="0"/>
-              <a:t>được</a:t>
-            </a:r>
-            <a:r>
-              <a:rPr lang="en-US" sz="1800" dirty="0" smtClean="0"/>
-              <a:t> </a:t>
-            </a:r>
-            <a:r>
-              <a:rPr lang="en-US" sz="1800" dirty="0" err="1" smtClean="0"/>
-              <a:t>kết</a:t>
-            </a:r>
-            <a:r>
-              <a:rPr lang="en-US" sz="1800" dirty="0" smtClean="0"/>
-              <a:t> </a:t>
-            </a:r>
-            <a:r>
-              <a:rPr lang="en-US" sz="1800" dirty="0" err="1" smtClean="0"/>
-              <a:t>quả</a:t>
-            </a:r>
-            <a:r>
-              <a:rPr lang="en-US" sz="1800" dirty="0" smtClean="0"/>
-              <a:t> </a:t>
-            </a:r>
-            <a:r>
-              <a:rPr lang="en-US" sz="1800" dirty="0" err="1" smtClean="0"/>
-              <a:t>sai</a:t>
-            </a:r>
-            <a:r>
-              <a:rPr lang="en-US" sz="1800" dirty="0" smtClean="0"/>
-              <a:t> </a:t>
-            </a:r>
-            <a:r>
-              <a:rPr lang="en-US" sz="1800" dirty="0" err="1" smtClean="0"/>
-              <a:t>số</a:t>
-            </a:r>
-            <a:r>
-              <a:rPr lang="en-US" sz="1800" dirty="0" smtClean="0"/>
-              <a:t> </a:t>
-            </a:r>
-            <a:r>
-              <a:rPr lang="en-US" sz="1800" dirty="0" err="1" smtClean="0"/>
-              <a:t>tốt</a:t>
-            </a:r>
-            <a:r>
-              <a:rPr lang="en-US" sz="1800" dirty="0" smtClean="0"/>
-              <a:t> </a:t>
-            </a:r>
-            <a:r>
-              <a:rPr lang="en-US" sz="1800" dirty="0" err="1" smtClean="0"/>
-              <a:t>hơn</a:t>
-            </a:r>
-            <a:r>
-              <a:rPr lang="en-US" sz="1800" dirty="0" smtClean="0"/>
-              <a:t> Beacon C0. </a:t>
-            </a:r>
-            <a:r>
-              <a:rPr lang="en-US" sz="1800" dirty="0" err="1" smtClean="0"/>
-              <a:t>Dự</a:t>
-            </a:r>
-            <a:r>
-              <a:rPr lang="en-US" sz="1800" dirty="0" smtClean="0"/>
-              <a:t> </a:t>
-            </a:r>
-            <a:r>
-              <a:rPr lang="en-US" sz="1800" dirty="0" err="1" smtClean="0"/>
-              <a:t>đoán</a:t>
-            </a:r>
-            <a:r>
-              <a:rPr lang="en-US" sz="1800" dirty="0" smtClean="0"/>
-              <a:t>: Beacon 93 </a:t>
-            </a:r>
-            <a:r>
-              <a:rPr lang="en-US" sz="1800" dirty="0" err="1" smtClean="0"/>
-              <a:t>có</a:t>
-            </a:r>
-            <a:r>
-              <a:rPr lang="en-US" sz="1800" dirty="0" smtClean="0"/>
-              <a:t> </a:t>
-            </a:r>
-            <a:r>
-              <a:rPr lang="en-US" sz="1800" dirty="0" err="1" smtClean="0"/>
-              <a:t>vị</a:t>
-            </a:r>
-            <a:r>
-              <a:rPr lang="en-US" sz="1800" dirty="0" smtClean="0"/>
-              <a:t> </a:t>
-            </a:r>
-            <a:r>
-              <a:rPr lang="en-US" sz="1800" dirty="0" err="1" smtClean="0"/>
-              <a:t>trí</a:t>
-            </a:r>
-            <a:r>
-              <a:rPr lang="en-US" sz="1800" dirty="0" smtClean="0"/>
-              <a:t> </a:t>
-            </a:r>
-            <a:r>
-              <a:rPr lang="en-US" sz="1800" dirty="0" err="1" smtClean="0"/>
-              <a:t>đặt</a:t>
-            </a:r>
-            <a:r>
-              <a:rPr lang="en-US" sz="1800" dirty="0" smtClean="0"/>
-              <a:t> antenna </a:t>
-            </a:r>
-            <a:r>
-              <a:rPr lang="en-US" sz="1800" dirty="0" err="1" smtClean="0"/>
-              <a:t>gần</a:t>
-            </a:r>
-            <a:r>
-              <a:rPr lang="en-US" sz="1800" dirty="0" smtClean="0"/>
-              <a:t> </a:t>
-            </a:r>
-            <a:r>
-              <a:rPr lang="en-US" sz="1800" dirty="0" err="1" smtClean="0"/>
-              <a:t>giống</a:t>
-            </a:r>
-            <a:r>
-              <a:rPr lang="en-US" sz="1800" dirty="0" smtClean="0"/>
-              <a:t> </a:t>
-            </a:r>
-            <a:r>
-              <a:rPr lang="en-US" sz="1800" dirty="0" err="1" smtClean="0"/>
-              <a:t>với</a:t>
-            </a:r>
-            <a:r>
-              <a:rPr lang="en-US" sz="1800" dirty="0" smtClean="0"/>
-              <a:t> </a:t>
-            </a:r>
-            <a:r>
-              <a:rPr lang="en-US" sz="1800" dirty="0" err="1" smtClean="0"/>
-              <a:t>biểu</a:t>
-            </a:r>
-            <a:r>
-              <a:rPr lang="en-US" sz="1800" dirty="0" smtClean="0"/>
-              <a:t> </a:t>
-            </a:r>
-            <a:r>
-              <a:rPr lang="en-US" sz="1800" dirty="0" err="1" smtClean="0"/>
-              <a:t>đồ</a:t>
-            </a:r>
-            <a:r>
-              <a:rPr lang="en-US" sz="1800" dirty="0" smtClean="0"/>
-              <a:t> </a:t>
-            </a:r>
-            <a:r>
-              <a:rPr lang="en-US" sz="1800" dirty="0" err="1" smtClean="0"/>
-              <a:t>tương</a:t>
-            </a:r>
-            <a:r>
-              <a:rPr lang="en-US" sz="1800" dirty="0" smtClean="0"/>
-              <a:t> </a:t>
-            </a:r>
-            <a:r>
-              <a:rPr lang="en-US" sz="1800" dirty="0" err="1" smtClean="0"/>
-              <a:t>quan</a:t>
-            </a:r>
-            <a:r>
-              <a:rPr lang="en-US" sz="1800" dirty="0" smtClean="0"/>
-              <a:t> RSSI </a:t>
-            </a:r>
-            <a:r>
-              <a:rPr lang="en-US" sz="1800" dirty="0" err="1" smtClean="0"/>
-              <a:t>và</a:t>
-            </a:r>
-            <a:r>
-              <a:rPr lang="en-US" sz="1800" dirty="0" smtClean="0"/>
-              <a:t> </a:t>
-            </a:r>
-            <a:r>
-              <a:rPr lang="en-US" sz="1800" dirty="0" err="1" smtClean="0"/>
-              <a:t>góc</a:t>
-            </a:r>
-            <a:r>
-              <a:rPr lang="en-US" sz="1800" dirty="0" smtClean="0"/>
-              <a:t>. </a:t>
-            </a:r>
-            <a:r>
-              <a:rPr lang="en-US" sz="1800" dirty="0" err="1" smtClean="0"/>
-              <a:t>Còn</a:t>
-            </a:r>
-            <a:r>
-              <a:rPr lang="en-US" sz="1800" dirty="0" smtClean="0"/>
-              <a:t> beacon C0 </a:t>
-            </a:r>
-            <a:r>
-              <a:rPr lang="en-US" sz="1800" dirty="0" err="1" smtClean="0"/>
-              <a:t>thì</a:t>
-            </a:r>
-            <a:r>
-              <a:rPr lang="en-US" sz="1800" dirty="0" smtClean="0"/>
-              <a:t> </a:t>
-            </a:r>
-            <a:r>
-              <a:rPr lang="en-US" sz="1800" dirty="0" err="1" smtClean="0"/>
-              <a:t>không</a:t>
-            </a:r>
-            <a:r>
-              <a:rPr lang="en-US" sz="1800" dirty="0" smtClean="0"/>
-              <a:t> </a:t>
-            </a:r>
-            <a:r>
-              <a:rPr lang="en-US" sz="1800" dirty="0" err="1" smtClean="0"/>
-              <a:t>giống</a:t>
-            </a:r>
-            <a:r>
-              <a:rPr lang="en-US" sz="1800" dirty="0" smtClean="0"/>
-              <a:t>. =&gt; </a:t>
-            </a:r>
-            <a:r>
-              <a:rPr lang="en-US" sz="1800" dirty="0" err="1" smtClean="0"/>
-              <a:t>Cách</a:t>
-            </a:r>
-            <a:r>
-              <a:rPr lang="en-US" sz="1800" dirty="0" smtClean="0"/>
-              <a:t> </a:t>
-            </a:r>
-            <a:r>
-              <a:rPr lang="en-US" sz="1800" dirty="0" err="1" smtClean="0"/>
-              <a:t>giải</a:t>
-            </a:r>
-            <a:r>
-              <a:rPr lang="en-US" sz="1800" dirty="0" smtClean="0"/>
-              <a:t> </a:t>
-            </a:r>
-            <a:r>
-              <a:rPr lang="en-US" sz="1800" dirty="0" err="1" smtClean="0"/>
-              <a:t>quyết</a:t>
-            </a:r>
-            <a:r>
-              <a:rPr lang="en-US" sz="1800" dirty="0" smtClean="0"/>
-              <a:t>: </a:t>
-            </a:r>
-            <a:r>
-              <a:rPr lang="en-US" sz="1800" dirty="0" err="1" smtClean="0"/>
-              <a:t>đặt</a:t>
-            </a:r>
-            <a:r>
-              <a:rPr lang="en-US" sz="1800" dirty="0" smtClean="0"/>
-              <a:t> </a:t>
-            </a:r>
-            <a:r>
-              <a:rPr lang="en-US" sz="1800" dirty="0" err="1" smtClean="0"/>
-              <a:t>lại</a:t>
-            </a:r>
-            <a:r>
-              <a:rPr lang="en-US" sz="1800" dirty="0" smtClean="0"/>
-              <a:t> </a:t>
-            </a:r>
-            <a:r>
-              <a:rPr lang="en-US" sz="1800" dirty="0" err="1" smtClean="0"/>
-              <a:t>vị</a:t>
-            </a:r>
-            <a:r>
-              <a:rPr lang="en-US" sz="1800" dirty="0" smtClean="0"/>
-              <a:t> </a:t>
-            </a:r>
-            <a:r>
-              <a:rPr lang="en-US" sz="1800" dirty="0" err="1" smtClean="0"/>
-              <a:t>trí</a:t>
-            </a:r>
-            <a:r>
-              <a:rPr lang="en-US" sz="1800" dirty="0" smtClean="0"/>
-              <a:t> antenna</a:t>
-            </a:r>
-            <a:endParaRPr lang="en-US" sz="1800" dirty="0"/>
-          </a:p>
-        </p:txBody>
-      </p:sp>
-    </p:spTree>
-    <p:extLst>
-      <p:ext uri="{BB962C8B-B14F-4D97-AF65-F5344CB8AC3E}">
-        <p14:creationId xmlns:p14="http://schemas.microsoft.com/office/powerpoint/2010/main" val="3322130155"/>
-      </p:ext>
-    </p:extLst>
-  </p:cSld>
-  <p:clrMapOvr>
-    <a:masterClrMapping/>
-  </p:clrMapOvr>
-</p:sld>
-</file>
-
-<file path=ppt/slides/slide31.xml><?xml version="1.0" encoding="utf-8"?>
-<p:sld xmlns:a="http://schemas.openxmlformats.org/drawingml/2006/main" xmlns:r="http://schemas.openxmlformats.org/officeDocument/2006/relationships" xmlns:p="http://schemas.openxmlformats.org/presentationml/2006/main">
-  <p:cSld>
-    <p:spTree>
-      <p:nvGrpSpPr>
-        <p:cNvPr id="1" name=""/>
-        <p:cNvGrpSpPr/>
-        <p:nvPr/>
-      </p:nvGrpSpPr>
-      <p:grpSpPr>
-        <a:xfrm>
-          <a:off x="0" y="0"/>
-          <a:ext cx="0" cy="0"/>
-          <a:chOff x="0" y="0"/>
-          <a:chExt cx="0" cy="0"/>
-        </a:xfrm>
-      </p:grpSpPr>
-      <p:sp>
-        <p:nvSpPr>
-          <p:cNvPr id="2" name="Title 1"/>
-          <p:cNvSpPr>
-            <a:spLocks noGrp="1"/>
-          </p:cNvSpPr>
-          <p:nvPr>
-            <p:ph type="title"/>
-          </p:nvPr>
-        </p:nvSpPr>
-        <p:spPr/>
-        <p:txBody>
-          <a:bodyPr/>
-          <a:lstStyle/>
-          <a:p>
-            <a:r>
-              <a:rPr lang="en-US" dirty="0" smtClean="0"/>
-              <a:t>2020.04.24: Antenna Compare</a:t>
-            </a:r>
-            <a:endParaRPr lang="en-US" dirty="0"/>
-          </a:p>
-        </p:txBody>
-      </p:sp>
-      <p:sp>
-        <p:nvSpPr>
-          <p:cNvPr id="3" name="Content Placeholder 2"/>
-          <p:cNvSpPr>
-            <a:spLocks noGrp="1"/>
-          </p:cNvSpPr>
-          <p:nvPr>
-            <p:ph idx="1"/>
-          </p:nvPr>
-        </p:nvSpPr>
-        <p:spPr>
-          <a:xfrm>
-            <a:off x="457200" y="1143000"/>
-            <a:ext cx="8229600" cy="4525963"/>
-          </a:xfrm>
-        </p:spPr>
-        <p:txBody>
-          <a:bodyPr/>
-          <a:lstStyle/>
-          <a:p>
-            <a:pPr algn="just"/>
-            <a:r>
-              <a:rPr lang="en-US" dirty="0" smtClean="0"/>
-              <a:t>So </a:t>
-            </a:r>
-            <a:r>
-              <a:rPr lang="en-US" dirty="0" err="1" smtClean="0"/>
-              <a:t>sánh</a:t>
-            </a:r>
-            <a:r>
-              <a:rPr lang="en-US" dirty="0" smtClean="0"/>
-              <a:t> </a:t>
-            </a:r>
-            <a:r>
-              <a:rPr lang="en-US" dirty="0" err="1" smtClean="0"/>
-              <a:t>sự</a:t>
-            </a:r>
-            <a:r>
-              <a:rPr lang="en-US" dirty="0" smtClean="0"/>
-              <a:t> </a:t>
-            </a:r>
-            <a:r>
-              <a:rPr lang="en-US" dirty="0" err="1" smtClean="0"/>
-              <a:t>khác</a:t>
-            </a:r>
-            <a:r>
-              <a:rPr lang="en-US" dirty="0" smtClean="0"/>
-              <a:t> </a:t>
-            </a:r>
-            <a:r>
-              <a:rPr lang="en-US" dirty="0" err="1" smtClean="0"/>
-              <a:t>nhau</a:t>
-            </a:r>
-            <a:r>
-              <a:rPr lang="en-US" dirty="0" smtClean="0"/>
-              <a:t> </a:t>
-            </a:r>
-            <a:r>
-              <a:rPr lang="en-US" dirty="0" err="1" smtClean="0"/>
-              <a:t>giữ</a:t>
-            </a:r>
-            <a:r>
-              <a:rPr lang="en-US" dirty="0" smtClean="0"/>
-              <a:t> </a:t>
-            </a:r>
-            <a:r>
-              <a:rPr lang="en-US" dirty="0" err="1" smtClean="0"/>
-              <a:t>các</a:t>
-            </a:r>
-            <a:r>
-              <a:rPr lang="en-US" dirty="0" smtClean="0"/>
-              <a:t> IPEX ANTENNA </a:t>
-            </a:r>
-            <a:r>
-              <a:rPr lang="en-US" dirty="0" err="1" smtClean="0"/>
-              <a:t>để</a:t>
-            </a:r>
-            <a:r>
-              <a:rPr lang="en-US" dirty="0" smtClean="0"/>
-              <a:t> </a:t>
-            </a:r>
-            <a:r>
-              <a:rPr lang="en-US" dirty="0" err="1" smtClean="0"/>
-              <a:t>chọn</a:t>
-            </a:r>
-            <a:r>
-              <a:rPr lang="en-US" dirty="0" smtClean="0"/>
-              <a:t> </a:t>
-            </a:r>
-            <a:r>
-              <a:rPr lang="en-US" dirty="0" err="1" smtClean="0"/>
-              <a:t>loại</a:t>
-            </a:r>
-            <a:r>
-              <a:rPr lang="en-US" dirty="0" smtClean="0"/>
-              <a:t> antenna </a:t>
-            </a:r>
-            <a:r>
-              <a:rPr lang="en-US" dirty="0" err="1" smtClean="0"/>
-              <a:t>phù</a:t>
-            </a:r>
-            <a:r>
-              <a:rPr lang="en-US" dirty="0" smtClean="0"/>
-              <a:t> </a:t>
-            </a:r>
-            <a:r>
-              <a:rPr lang="en-US" dirty="0" err="1" smtClean="0"/>
-              <a:t>hợp</a:t>
-            </a:r>
-            <a:r>
-              <a:rPr lang="en-US" dirty="0" smtClean="0"/>
-              <a:t> </a:t>
-            </a:r>
-            <a:r>
-              <a:rPr lang="en-US" dirty="0" err="1" smtClean="0"/>
-              <a:t>cho</a:t>
-            </a:r>
-            <a:r>
-              <a:rPr lang="en-US" dirty="0" smtClean="0"/>
-              <a:t> </a:t>
-            </a:r>
-            <a:r>
-              <a:rPr lang="en-US" dirty="0" err="1" smtClean="0"/>
-              <a:t>hệ</a:t>
-            </a:r>
-            <a:r>
-              <a:rPr lang="en-US" dirty="0" smtClean="0"/>
-              <a:t> </a:t>
-            </a:r>
-            <a:r>
-              <a:rPr lang="en-US" dirty="0" err="1" smtClean="0"/>
-              <a:t>thống</a:t>
-            </a:r>
-            <a:endParaRPr lang="en-US" dirty="0"/>
-          </a:p>
-        </p:txBody>
-      </p:sp>
-      <p:pic>
-        <p:nvPicPr>
-          <p:cNvPr id="1026" name="Picture 2" descr="C:\Users\Mr.Thanh\Desktop\1587708753906.JPEG"/>
-          <p:cNvPicPr>
-            <a:picLocks noChangeAspect="1" noChangeArrowheads="1"/>
-          </p:cNvPicPr>
-          <p:nvPr/>
-        </p:nvPicPr>
-        <p:blipFill>
-          <a:blip r:embed="rId2" cstate="print">
-            <a:extLst>
-              <a:ext uri="{28A0092B-C50C-407E-A947-70E740481C1C}">
-                <a14:useLocalDpi xmlns:a14="http://schemas.microsoft.com/office/drawing/2010/main" val="0"/>
-              </a:ext>
-            </a:extLst>
-          </a:blip>
-          <a:srcRect/>
-          <a:stretch>
-            <a:fillRect/>
-          </a:stretch>
-        </p:blipFill>
-        <p:spPr bwMode="auto">
-          <a:xfrm>
-            <a:off x="2743200" y="2286000"/>
-            <a:ext cx="2971800" cy="3962400"/>
-          </a:xfrm>
-          <a:prstGeom prst="rect">
-            <a:avLst/>
-          </a:prstGeom>
-          <a:noFill/>
-          <a:extLst>
-            <a:ext uri="{909E8E84-426E-40DD-AFC4-6F175D3DCCD1}">
-              <a14:hiddenFill xmlns:a14="http://schemas.microsoft.com/office/drawing/2010/main">
-                <a:solidFill>
-                  <a:srgbClr val="FFFFFF"/>
-                </a:solidFill>
-              </a14:hiddenFill>
-            </a:ext>
-          </a:extLst>
-        </p:spPr>
-      </p:pic>
-    </p:spTree>
-    <p:extLst>
-      <p:ext uri="{BB962C8B-B14F-4D97-AF65-F5344CB8AC3E}">
-        <p14:creationId xmlns:p14="http://schemas.microsoft.com/office/powerpoint/2010/main" val="3301998451"/>
-      </p:ext>
-    </p:extLst>
-  </p:cSld>
-  <p:clrMapOvr>
-    <a:masterClrMapping/>
-  </p:clrMapOvr>
-</p:sld>
-</file>
-
-<file path=ppt/slides/slide32.xml><?xml version="1.0" encoding="utf-8"?>
-<p:sld xmlns:a="http://schemas.openxmlformats.org/drawingml/2006/main" xmlns:r="http://schemas.openxmlformats.org/officeDocument/2006/relationships" xmlns:p="http://schemas.openxmlformats.org/presentationml/2006/main">
-  <p:cSld>
-    <p:spTree>
-      <p:nvGrpSpPr>
-        <p:cNvPr id="1" name=""/>
-        <p:cNvGrpSpPr/>
-        <p:nvPr/>
-      </p:nvGrpSpPr>
-      <p:grpSpPr>
-        <a:xfrm>
-          <a:off x="0" y="0"/>
-          <a:ext cx="0" cy="0"/>
-          <a:chOff x="0" y="0"/>
-          <a:chExt cx="0" cy="0"/>
-        </a:xfrm>
-      </p:grpSpPr>
-      <p:sp>
-        <p:nvSpPr>
-          <p:cNvPr id="2" name="Title 1"/>
-          <p:cNvSpPr>
-            <a:spLocks noGrp="1"/>
-          </p:cNvSpPr>
-          <p:nvPr>
-            <p:ph type="title"/>
-          </p:nvPr>
-        </p:nvSpPr>
-        <p:spPr/>
-        <p:txBody>
-          <a:bodyPr/>
-          <a:lstStyle/>
-          <a:p>
-            <a:r>
-              <a:rPr lang="en-US" dirty="0" smtClean="0"/>
-              <a:t>2020.04.24: Antenna Compare</a:t>
-            </a:r>
-            <a:endParaRPr lang="en-US" dirty="0"/>
-          </a:p>
-        </p:txBody>
-      </p:sp>
-      <p:pic>
-        <p:nvPicPr>
-          <p:cNvPr id="1026" name="Picture 2" descr="F:\thuc_tap\BLE\report\antenna\raw2020.04.23.jpg"/>
-          <p:cNvPicPr>
-            <a:picLocks noChangeAspect="1" noChangeArrowheads="1"/>
-          </p:cNvPicPr>
-          <p:nvPr/>
-        </p:nvPicPr>
-        <p:blipFill>
-          <a:blip r:embed="rId2">
-            <a:extLst>
-              <a:ext uri="{28A0092B-C50C-407E-A947-70E740481C1C}">
-                <a14:useLocalDpi xmlns:a14="http://schemas.microsoft.com/office/drawing/2010/main" val="0"/>
-              </a:ext>
-            </a:extLst>
-          </a:blip>
-          <a:srcRect/>
-          <a:stretch>
-            <a:fillRect/>
-          </a:stretch>
-        </p:blipFill>
-        <p:spPr bwMode="auto">
-          <a:xfrm>
-            <a:off x="0" y="1142999"/>
-            <a:ext cx="9144000" cy="4495801"/>
-          </a:xfrm>
-          <a:prstGeom prst="rect">
-            <a:avLst/>
-          </a:prstGeom>
-          <a:noFill/>
-          <a:extLst>
-            <a:ext uri="{909E8E84-426E-40DD-AFC4-6F175D3DCCD1}">
-              <a14:hiddenFill xmlns:a14="http://schemas.microsoft.com/office/drawing/2010/main">
-                <a:solidFill>
-                  <a:srgbClr val="FFFFFF"/>
-                </a:solidFill>
-              </a14:hiddenFill>
-            </a:ext>
-          </a:extLst>
-        </p:spPr>
-      </p:pic>
-      <p:sp>
-        <p:nvSpPr>
-          <p:cNvPr id="5" name="Title 1"/>
-          <p:cNvSpPr txBox="1">
-            <a:spLocks/>
-          </p:cNvSpPr>
-          <p:nvPr/>
-        </p:nvSpPr>
-        <p:spPr>
-          <a:xfrm>
-            <a:off x="642257" y="5067300"/>
-            <a:ext cx="8229600" cy="1143000"/>
-          </a:xfrm>
-          <a:prstGeom prst="rect">
-            <a:avLst/>
-          </a:prstGeom>
-        </p:spPr>
-        <p:txBody>
-          <a:bodyPr vert="horz" lIns="91440" tIns="45720" rIns="91440" bIns="45720" rtlCol="0" anchor="ctr">
-            <a:normAutofit/>
-          </a:bodyPr>
-          <a:lstStyle>
-            <a:lvl1pPr algn="ctr" defTabSz="914400" rtl="0" eaLnBrk="1" latinLnBrk="0" hangingPunct="1">
-              <a:spcBef>
-                <a:spcPct val="0"/>
-              </a:spcBef>
-              <a:buNone/>
-              <a:defRPr sz="4400" kern="1200">
-                <a:solidFill>
-                  <a:schemeClr val="tx1"/>
-                </a:solidFill>
-                <a:latin typeface="+mj-lt"/>
-                <a:ea typeface="+mj-ea"/>
-                <a:cs typeface="+mj-cs"/>
-              </a:defRPr>
-            </a:lvl1pPr>
-          </a:lstStyle>
-          <a:p>
-            <a:r>
-              <a:rPr lang="en-US" dirty="0" smtClean="0"/>
-              <a:t>Raw Data</a:t>
-            </a:r>
-            <a:endParaRPr lang="en-US" dirty="0"/>
-          </a:p>
-        </p:txBody>
-      </p:sp>
-    </p:spTree>
-    <p:extLst>
-      <p:ext uri="{BB962C8B-B14F-4D97-AF65-F5344CB8AC3E}">
-        <p14:creationId xmlns:p14="http://schemas.microsoft.com/office/powerpoint/2010/main" val="3651875209"/>
-      </p:ext>
-    </p:extLst>
-  </p:cSld>
-  <p:clrMapOvr>
-    <a:masterClrMapping/>
-  </p:clrMapOvr>
-</p:sld>
-</file>
-
-<file path=ppt/slides/slide33.xml><?xml version="1.0" encoding="utf-8"?>
-<p:sld xmlns:a="http://schemas.openxmlformats.org/drawingml/2006/main" xmlns:r="http://schemas.openxmlformats.org/officeDocument/2006/relationships" xmlns:p="http://schemas.openxmlformats.org/presentationml/2006/main">
-  <p:cSld>
-    <p:spTree>
-      <p:nvGrpSpPr>
-        <p:cNvPr id="1" name=""/>
-        <p:cNvGrpSpPr/>
-        <p:nvPr/>
-      </p:nvGrpSpPr>
-      <p:grpSpPr>
-        <a:xfrm>
-          <a:off x="0" y="0"/>
-          <a:ext cx="0" cy="0"/>
-          <a:chOff x="0" y="0"/>
-          <a:chExt cx="0" cy="0"/>
-        </a:xfrm>
-      </p:grpSpPr>
-      <p:sp>
-        <p:nvSpPr>
-          <p:cNvPr id="2" name="Title 1"/>
-          <p:cNvSpPr>
-            <a:spLocks noGrp="1"/>
-          </p:cNvSpPr>
-          <p:nvPr>
-            <p:ph type="title"/>
-          </p:nvPr>
-        </p:nvSpPr>
-        <p:spPr/>
-        <p:txBody>
-          <a:bodyPr/>
-          <a:lstStyle/>
-          <a:p>
-            <a:r>
-              <a:rPr lang="en-US" dirty="0" smtClean="0"/>
-              <a:t>2020.04.24: Antenna Compare</a:t>
-            </a:r>
-            <a:endParaRPr lang="en-US" dirty="0"/>
-          </a:p>
-        </p:txBody>
-      </p:sp>
-      <p:sp>
-        <p:nvSpPr>
-          <p:cNvPr id="5" name="Title 1"/>
-          <p:cNvSpPr txBox="1">
-            <a:spLocks/>
-          </p:cNvSpPr>
-          <p:nvPr/>
-        </p:nvSpPr>
-        <p:spPr>
-          <a:xfrm>
-            <a:off x="642257" y="5067300"/>
-            <a:ext cx="8229600" cy="1143000"/>
-          </a:xfrm>
-          <a:prstGeom prst="rect">
-            <a:avLst/>
-          </a:prstGeom>
-        </p:spPr>
-        <p:txBody>
-          <a:bodyPr vert="horz" lIns="91440" tIns="45720" rIns="91440" bIns="45720" rtlCol="0" anchor="ctr">
-            <a:normAutofit/>
-          </a:bodyPr>
-          <a:lstStyle>
-            <a:lvl1pPr algn="ctr" defTabSz="914400" rtl="0" eaLnBrk="1" latinLnBrk="0" hangingPunct="1">
-              <a:spcBef>
-                <a:spcPct val="0"/>
-              </a:spcBef>
-              <a:buNone/>
-              <a:defRPr sz="4400" kern="1200">
-                <a:solidFill>
-                  <a:schemeClr val="tx1"/>
-                </a:solidFill>
-                <a:latin typeface="+mj-lt"/>
-                <a:ea typeface="+mj-ea"/>
-                <a:cs typeface="+mj-cs"/>
-              </a:defRPr>
-            </a:lvl1pPr>
-          </a:lstStyle>
-          <a:p>
-            <a:r>
-              <a:rPr lang="en-US" dirty="0" err="1" smtClean="0"/>
-              <a:t>Kalman</a:t>
-            </a:r>
-            <a:r>
-              <a:rPr lang="en-US" dirty="0" smtClean="0"/>
-              <a:t> Data</a:t>
-            </a:r>
-            <a:endParaRPr lang="en-US" dirty="0"/>
-          </a:p>
-        </p:txBody>
-      </p:sp>
-      <p:pic>
-        <p:nvPicPr>
-          <p:cNvPr id="2050" name="Picture 2" descr="F:\thuc_tap\BLE\report\antenna\kal2020.04.23.jpg"/>
-          <p:cNvPicPr>
-            <a:picLocks noChangeAspect="1" noChangeArrowheads="1"/>
-          </p:cNvPicPr>
-          <p:nvPr/>
-        </p:nvPicPr>
-        <p:blipFill>
-          <a:blip r:embed="rId2">
-            <a:extLst>
-              <a:ext uri="{28A0092B-C50C-407E-A947-70E740481C1C}">
-                <a14:useLocalDpi xmlns:a14="http://schemas.microsoft.com/office/drawing/2010/main" val="0"/>
-              </a:ext>
-            </a:extLst>
-          </a:blip>
-          <a:srcRect/>
-          <a:stretch>
-            <a:fillRect/>
-          </a:stretch>
-        </p:blipFill>
-        <p:spPr bwMode="auto">
-          <a:xfrm>
-            <a:off x="0" y="1393370"/>
-            <a:ext cx="9144000" cy="4016829"/>
-          </a:xfrm>
-          <a:prstGeom prst="rect">
-            <a:avLst/>
-          </a:prstGeom>
-          <a:noFill/>
-          <a:extLst>
-            <a:ext uri="{909E8E84-426E-40DD-AFC4-6F175D3DCCD1}">
-              <a14:hiddenFill xmlns:a14="http://schemas.microsoft.com/office/drawing/2010/main">
-                <a:solidFill>
-                  <a:srgbClr val="FFFFFF"/>
-                </a:solidFill>
-              </a14:hiddenFill>
-            </a:ext>
-          </a:extLst>
-        </p:spPr>
-      </p:pic>
-    </p:spTree>
-    <p:extLst>
-      <p:ext uri="{BB962C8B-B14F-4D97-AF65-F5344CB8AC3E}">
-        <p14:creationId xmlns:p14="http://schemas.microsoft.com/office/powerpoint/2010/main" val="95956669"/>
-      </p:ext>
-    </p:extLst>
-  </p:cSld>
-  <p:clrMapOvr>
-    <a:masterClrMapping/>
-  </p:clrMapOvr>
-</p:sld>
-</file>
-
-<file path=ppt/slides/slide34.xml><?xml version="1.0" encoding="utf-8"?>
-<p:sld xmlns:a="http://schemas.openxmlformats.org/drawingml/2006/main" xmlns:r="http://schemas.openxmlformats.org/officeDocument/2006/relationships" xmlns:p="http://schemas.openxmlformats.org/presentationml/2006/main">
-  <p:cSld>
-    <p:spTree>
-      <p:nvGrpSpPr>
-        <p:cNvPr id="1" name=""/>
-        <p:cNvGrpSpPr/>
-        <p:nvPr/>
-      </p:nvGrpSpPr>
-      <p:grpSpPr>
-        <a:xfrm>
-          <a:off x="0" y="0"/>
-          <a:ext cx="0" cy="0"/>
-          <a:chOff x="0" y="0"/>
-          <a:chExt cx="0" cy="0"/>
-        </a:xfrm>
-      </p:grpSpPr>
-      <p:sp>
-        <p:nvSpPr>
-          <p:cNvPr id="2" name="Title 1"/>
-          <p:cNvSpPr>
-            <a:spLocks noGrp="1"/>
-          </p:cNvSpPr>
-          <p:nvPr>
-            <p:ph type="title"/>
-          </p:nvPr>
-        </p:nvSpPr>
-        <p:spPr/>
-        <p:txBody>
-          <a:bodyPr/>
-          <a:lstStyle/>
-          <a:p>
-            <a:r>
-              <a:rPr lang="en-US" dirty="0"/>
-              <a:t>2020.04.24: Antenna Compare</a:t>
-            </a:r>
-          </a:p>
-        </p:txBody>
-      </p:sp>
-      <p:sp>
-        <p:nvSpPr>
-          <p:cNvPr id="3" name="Content Placeholder 2"/>
-          <p:cNvSpPr>
-            <a:spLocks noGrp="1"/>
-          </p:cNvSpPr>
-          <p:nvPr>
-            <p:ph idx="1"/>
-          </p:nvPr>
-        </p:nvSpPr>
-        <p:spPr/>
-        <p:txBody>
-          <a:bodyPr>
-            <a:normAutofit lnSpcReduction="10000"/>
-          </a:bodyPr>
-          <a:lstStyle/>
-          <a:p>
-            <a:pPr algn="just"/>
-            <a:r>
-              <a:rPr lang="en-US" dirty="0" smtClean="0"/>
-              <a:t>Antenna </a:t>
-            </a:r>
-            <a:r>
-              <a:rPr lang="en-US" dirty="0" err="1" smtClean="0"/>
-              <a:t>ngắn</a:t>
-            </a:r>
-            <a:r>
-              <a:rPr lang="en-US" dirty="0" smtClean="0"/>
-              <a:t> </a:t>
-            </a:r>
-            <a:r>
-              <a:rPr lang="en-US" dirty="0" err="1" smtClean="0"/>
-              <a:t>đọc</a:t>
-            </a:r>
-            <a:r>
-              <a:rPr lang="en-US" dirty="0" smtClean="0"/>
-              <a:t> </a:t>
-            </a:r>
-            <a:r>
-              <a:rPr lang="en-US" dirty="0" err="1" smtClean="0"/>
-              <a:t>yếu</a:t>
-            </a:r>
-            <a:r>
-              <a:rPr lang="en-US" dirty="0" smtClean="0"/>
-              <a:t> </a:t>
-            </a:r>
-            <a:r>
-              <a:rPr lang="en-US" dirty="0" err="1" smtClean="0"/>
-              <a:t>nhất</a:t>
-            </a:r>
-            <a:r>
-              <a:rPr lang="en-US" dirty="0" smtClean="0"/>
-              <a:t>, antenna </a:t>
-            </a:r>
-            <a:r>
-              <a:rPr lang="en-US" dirty="0" err="1" smtClean="0"/>
-              <a:t>dài</a:t>
-            </a:r>
-            <a:r>
-              <a:rPr lang="en-US" dirty="0" smtClean="0"/>
-              <a:t> </a:t>
-            </a:r>
-            <a:r>
-              <a:rPr lang="en-US" dirty="0" err="1" smtClean="0"/>
-              <a:t>đọc</a:t>
-            </a:r>
-            <a:r>
-              <a:rPr lang="en-US" dirty="0" smtClean="0"/>
-              <a:t> </a:t>
-            </a:r>
-            <a:r>
-              <a:rPr lang="en-US" dirty="0" err="1" smtClean="0"/>
-              <a:t>mạnh</a:t>
-            </a:r>
-            <a:r>
-              <a:rPr lang="en-US" dirty="0" smtClean="0"/>
-              <a:t> </a:t>
-            </a:r>
-            <a:r>
-              <a:rPr lang="en-US" dirty="0" err="1" smtClean="0"/>
-              <a:t>nhất</a:t>
-            </a:r>
-            <a:r>
-              <a:rPr lang="en-US" dirty="0" smtClean="0"/>
-              <a:t>.</a:t>
-            </a:r>
-          </a:p>
-          <a:p>
-            <a:pPr algn="just"/>
-            <a:r>
-              <a:rPr lang="en-US" dirty="0" smtClean="0"/>
-              <a:t>Antenna </a:t>
-            </a:r>
-            <a:r>
-              <a:rPr lang="en-US" dirty="0" err="1" smtClean="0"/>
-              <a:t>dài</a:t>
-            </a:r>
-            <a:r>
-              <a:rPr lang="en-US" dirty="0" smtClean="0"/>
-              <a:t> </a:t>
-            </a:r>
-            <a:r>
-              <a:rPr lang="en-US" dirty="0" err="1" smtClean="0"/>
-              <a:t>có</a:t>
-            </a:r>
-            <a:r>
-              <a:rPr lang="en-US" dirty="0" smtClean="0"/>
-              <a:t> </a:t>
-            </a:r>
-            <a:r>
-              <a:rPr lang="en-US" dirty="0" err="1" smtClean="0"/>
-              <a:t>phổ</a:t>
-            </a:r>
-            <a:r>
-              <a:rPr lang="en-US" dirty="0" smtClean="0"/>
-              <a:t> </a:t>
-            </a:r>
-            <a:r>
-              <a:rPr lang="en-US" dirty="0" err="1" smtClean="0"/>
-              <a:t>nhỏ</a:t>
-            </a:r>
-            <a:r>
-              <a:rPr lang="en-US" dirty="0" smtClean="0"/>
-              <a:t> </a:t>
-            </a:r>
-            <a:r>
-              <a:rPr lang="en-US" dirty="0" err="1" smtClean="0"/>
-              <a:t>hơn</a:t>
-            </a:r>
-            <a:r>
-              <a:rPr lang="en-US" dirty="0" smtClean="0"/>
-              <a:t> =&gt; </a:t>
-            </a:r>
-            <a:r>
-              <a:rPr lang="en-US" dirty="0" err="1" smtClean="0"/>
-              <a:t>ổn</a:t>
-            </a:r>
-            <a:r>
-              <a:rPr lang="en-US" dirty="0" smtClean="0"/>
-              <a:t> </a:t>
-            </a:r>
-            <a:r>
-              <a:rPr lang="en-US" dirty="0" err="1" smtClean="0"/>
-              <a:t>định</a:t>
-            </a:r>
-            <a:r>
-              <a:rPr lang="en-US" dirty="0" smtClean="0"/>
-              <a:t> </a:t>
-            </a:r>
-            <a:r>
-              <a:rPr lang="en-US" dirty="0" err="1" smtClean="0"/>
-              <a:t>hơn</a:t>
-            </a:r>
-            <a:endParaRPr lang="en-US" dirty="0" smtClean="0"/>
-          </a:p>
-          <a:p>
-            <a:pPr algn="just"/>
-            <a:r>
-              <a:rPr lang="en-US" dirty="0" err="1" smtClean="0"/>
-              <a:t>Khi</a:t>
-            </a:r>
-            <a:r>
-              <a:rPr lang="en-US" dirty="0" smtClean="0"/>
-              <a:t> </a:t>
-            </a:r>
-            <a:r>
-              <a:rPr lang="en-US" dirty="0" err="1" smtClean="0"/>
-              <a:t>áp</a:t>
-            </a:r>
-            <a:r>
-              <a:rPr lang="en-US" dirty="0" smtClean="0"/>
-              <a:t> </a:t>
-            </a:r>
-            <a:r>
-              <a:rPr lang="en-US" dirty="0" err="1" smtClean="0"/>
-              <a:t>dụng</a:t>
-            </a:r>
-            <a:r>
-              <a:rPr lang="en-US" dirty="0" smtClean="0"/>
-              <a:t> </a:t>
-            </a:r>
-            <a:r>
-              <a:rPr lang="en-US" dirty="0" err="1" smtClean="0"/>
-              <a:t>Kalman</a:t>
-            </a:r>
-            <a:r>
-              <a:rPr lang="en-US" dirty="0" smtClean="0"/>
-              <a:t>, Antenna </a:t>
-            </a:r>
-            <a:r>
-              <a:rPr lang="en-US" dirty="0" err="1" smtClean="0"/>
-              <a:t>dài</a:t>
-            </a:r>
-            <a:r>
-              <a:rPr lang="en-US" dirty="0" smtClean="0"/>
-              <a:t> </a:t>
-            </a:r>
-            <a:r>
-              <a:rPr lang="en-US" dirty="0" err="1" smtClean="0"/>
-              <a:t>cho</a:t>
-            </a:r>
-            <a:r>
-              <a:rPr lang="en-US" dirty="0" smtClean="0"/>
-              <a:t> </a:t>
-            </a:r>
-            <a:r>
-              <a:rPr lang="en-US" dirty="0" err="1" smtClean="0"/>
-              <a:t>dao</a:t>
-            </a:r>
-            <a:r>
-              <a:rPr lang="en-US" dirty="0" smtClean="0"/>
-              <a:t> </a:t>
-            </a:r>
-            <a:r>
-              <a:rPr lang="en-US" dirty="0" err="1" smtClean="0"/>
-              <a:t>động</a:t>
-            </a:r>
-            <a:r>
-              <a:rPr lang="en-US" dirty="0" smtClean="0"/>
-              <a:t> </a:t>
-            </a:r>
-            <a:r>
-              <a:rPr lang="en-US" dirty="0" err="1" smtClean="0"/>
-              <a:t>nhỏ</a:t>
-            </a:r>
-            <a:r>
-              <a:rPr lang="en-US" dirty="0" smtClean="0"/>
-              <a:t> </a:t>
-            </a:r>
-            <a:r>
-              <a:rPr lang="en-US" dirty="0" err="1" smtClean="0"/>
-              <a:t>nhất</a:t>
-            </a:r>
-            <a:r>
-              <a:rPr lang="en-US" dirty="0" smtClean="0"/>
-              <a:t> -55 -&gt; -54.5 </a:t>
-            </a:r>
-            <a:r>
-              <a:rPr lang="en-US" dirty="0" err="1" smtClean="0"/>
-              <a:t>thích</a:t>
-            </a:r>
-            <a:r>
-              <a:rPr lang="en-US" dirty="0" smtClean="0"/>
-              <a:t> </a:t>
-            </a:r>
-            <a:r>
-              <a:rPr lang="en-US" dirty="0" err="1" smtClean="0"/>
-              <a:t>hợp</a:t>
-            </a:r>
-            <a:r>
-              <a:rPr lang="en-US" dirty="0" smtClean="0"/>
-              <a:t> </a:t>
-            </a:r>
-            <a:r>
-              <a:rPr lang="en-US" dirty="0" err="1" smtClean="0"/>
-              <a:t>cho</a:t>
-            </a:r>
-            <a:r>
-              <a:rPr lang="en-US" dirty="0" smtClean="0"/>
-              <a:t> </a:t>
-            </a:r>
-            <a:r>
-              <a:rPr lang="en-US" dirty="0" err="1" smtClean="0"/>
-              <a:t>việc</a:t>
-            </a:r>
-            <a:r>
-              <a:rPr lang="en-US" dirty="0" smtClean="0"/>
-              <a:t> </a:t>
-            </a:r>
-            <a:r>
-              <a:rPr lang="en-US" dirty="0" err="1" smtClean="0"/>
-              <a:t>tăng</a:t>
-            </a:r>
-            <a:r>
-              <a:rPr lang="en-US" dirty="0" smtClean="0"/>
-              <a:t> </a:t>
-            </a:r>
-            <a:r>
-              <a:rPr lang="en-US" dirty="0" err="1" smtClean="0"/>
-              <a:t>độ</a:t>
-            </a:r>
-            <a:r>
-              <a:rPr lang="en-US" dirty="0" smtClean="0"/>
-              <a:t> </a:t>
-            </a:r>
-            <a:r>
-              <a:rPr lang="en-US" dirty="0" err="1" smtClean="0"/>
-              <a:t>ổn</a:t>
-            </a:r>
-            <a:r>
-              <a:rPr lang="en-US" dirty="0" smtClean="0"/>
-              <a:t> </a:t>
-            </a:r>
-            <a:r>
-              <a:rPr lang="en-US" dirty="0" err="1" smtClean="0"/>
-              <a:t>định</a:t>
-            </a:r>
-            <a:r>
-              <a:rPr lang="en-US" dirty="0" smtClean="0"/>
-              <a:t> </a:t>
-            </a:r>
-            <a:r>
-              <a:rPr lang="en-US" dirty="0" err="1" smtClean="0"/>
-              <a:t>khi</a:t>
-            </a:r>
-            <a:r>
-              <a:rPr lang="en-US" dirty="0" smtClean="0"/>
-              <a:t> </a:t>
-            </a:r>
-            <a:r>
-              <a:rPr lang="en-US" dirty="0" err="1" smtClean="0"/>
-              <a:t>tính</a:t>
-            </a:r>
-            <a:r>
-              <a:rPr lang="en-US" dirty="0" smtClean="0"/>
-              <a:t> </a:t>
-            </a:r>
-            <a:r>
-              <a:rPr lang="en-US" dirty="0" err="1" smtClean="0"/>
-              <a:t>khoảng</a:t>
-            </a:r>
-            <a:r>
-              <a:rPr lang="en-US" dirty="0" smtClean="0"/>
-              <a:t> </a:t>
-            </a:r>
-            <a:r>
-              <a:rPr lang="en-US" dirty="0" err="1" smtClean="0"/>
-              <a:t>cách</a:t>
-            </a:r>
-            <a:r>
-              <a:rPr lang="en-US" dirty="0" smtClean="0"/>
-              <a:t>. </a:t>
-            </a:r>
-          </a:p>
-          <a:p>
-            <a:pPr algn="just"/>
-            <a:r>
-              <a:rPr lang="en-US" dirty="0" smtClean="0"/>
-              <a:t>Antenna </a:t>
-            </a:r>
-            <a:r>
-              <a:rPr lang="en-US" dirty="0" err="1" smtClean="0"/>
-              <a:t>dài</a:t>
-            </a:r>
-            <a:r>
-              <a:rPr lang="en-US" dirty="0" smtClean="0"/>
-              <a:t> </a:t>
-            </a:r>
-            <a:r>
-              <a:rPr lang="en-US" dirty="0" err="1" smtClean="0"/>
-              <a:t>nặng</a:t>
-            </a:r>
-            <a:r>
-              <a:rPr lang="en-US" dirty="0" smtClean="0"/>
-              <a:t> </a:t>
-            </a:r>
-            <a:r>
-              <a:rPr lang="en-US" dirty="0" err="1" smtClean="0"/>
-              <a:t>và</a:t>
-            </a:r>
-            <a:r>
-              <a:rPr lang="en-US" dirty="0" smtClean="0"/>
-              <a:t> </a:t>
-            </a:r>
-            <a:r>
-              <a:rPr lang="en-US" dirty="0" err="1" smtClean="0"/>
-              <a:t>lớn</a:t>
-            </a:r>
-            <a:r>
-              <a:rPr lang="en-US" dirty="0" smtClean="0"/>
-              <a:t>, </a:t>
-            </a:r>
-            <a:r>
-              <a:rPr lang="en-US" dirty="0" err="1" smtClean="0"/>
-              <a:t>khó</a:t>
-            </a:r>
-            <a:r>
-              <a:rPr lang="en-US" dirty="0" smtClean="0"/>
-              <a:t> </a:t>
-            </a:r>
-            <a:r>
-              <a:rPr lang="en-US" dirty="0" err="1" smtClean="0"/>
-              <a:t>lắp</a:t>
-            </a:r>
-            <a:r>
-              <a:rPr lang="en-US" dirty="0" smtClean="0"/>
-              <a:t> </a:t>
-            </a:r>
-            <a:r>
-              <a:rPr lang="en-US" dirty="0" err="1" smtClean="0"/>
-              <a:t>đặt</a:t>
-            </a:r>
-            <a:r>
-              <a:rPr lang="en-US" dirty="0" smtClean="0"/>
-              <a:t>.</a:t>
-            </a:r>
-          </a:p>
-          <a:p>
-            <a:pPr algn="just"/>
-            <a:r>
-              <a:rPr lang="en-US" dirty="0" smtClean="0"/>
-              <a:t>=&gt; </a:t>
-            </a:r>
-            <a:r>
-              <a:rPr lang="en-US" dirty="0" err="1" smtClean="0"/>
-              <a:t>sử</a:t>
-            </a:r>
-            <a:r>
-              <a:rPr lang="en-US" dirty="0" smtClean="0"/>
-              <a:t> </a:t>
-            </a:r>
-            <a:r>
-              <a:rPr lang="en-US" dirty="0" err="1" smtClean="0"/>
-              <a:t>dụng</a:t>
-            </a:r>
-            <a:r>
-              <a:rPr lang="en-US" dirty="0" smtClean="0"/>
-              <a:t> antenna </a:t>
-            </a:r>
-            <a:r>
-              <a:rPr lang="en-US" dirty="0" err="1" smtClean="0"/>
-              <a:t>trung</a:t>
-            </a:r>
-            <a:r>
-              <a:rPr lang="en-US" dirty="0" smtClean="0"/>
-              <a:t> </a:t>
-            </a:r>
-            <a:r>
-              <a:rPr lang="en-US" dirty="0" err="1" smtClean="0"/>
-              <a:t>bình</a:t>
-            </a:r>
-            <a:r>
-              <a:rPr lang="en-US" dirty="0" smtClean="0"/>
-              <a:t> </a:t>
-            </a:r>
-            <a:r>
-              <a:rPr lang="en-US" dirty="0" err="1" smtClean="0"/>
-              <a:t>hoặc</a:t>
-            </a:r>
-            <a:r>
-              <a:rPr lang="en-US" dirty="0" smtClean="0"/>
-              <a:t> antenna </a:t>
-            </a:r>
-            <a:r>
-              <a:rPr lang="en-US" dirty="0" err="1" smtClean="0"/>
-              <a:t>dài</a:t>
-            </a:r>
-            <a:r>
-              <a:rPr lang="en-US" dirty="0" smtClean="0"/>
-              <a:t> </a:t>
-            </a:r>
-            <a:r>
-              <a:rPr lang="en-US" dirty="0" err="1" smtClean="0"/>
-              <a:t>nếu</a:t>
-            </a:r>
-            <a:r>
-              <a:rPr lang="en-US" dirty="0" smtClean="0"/>
-              <a:t> </a:t>
-            </a:r>
-            <a:r>
-              <a:rPr lang="en-US" dirty="0" err="1" smtClean="0"/>
-              <a:t>có</a:t>
-            </a:r>
-            <a:r>
-              <a:rPr lang="en-US" dirty="0" smtClean="0"/>
-              <a:t> </a:t>
-            </a:r>
-            <a:r>
-              <a:rPr lang="en-US" dirty="0" err="1" smtClean="0"/>
-              <a:t>phương</a:t>
-            </a:r>
-            <a:r>
-              <a:rPr lang="en-US" dirty="0" smtClean="0"/>
-              <a:t> </a:t>
-            </a:r>
-            <a:r>
-              <a:rPr lang="en-US" dirty="0" err="1" smtClean="0"/>
-              <a:t>pháp</a:t>
-            </a:r>
-            <a:r>
-              <a:rPr lang="en-US" dirty="0" smtClean="0"/>
-              <a:t> </a:t>
-            </a:r>
-            <a:r>
-              <a:rPr lang="en-US" dirty="0" err="1" smtClean="0"/>
-              <a:t>lắp</a:t>
-            </a:r>
-            <a:r>
-              <a:rPr lang="en-US" dirty="0" smtClean="0"/>
-              <a:t> </a:t>
-            </a:r>
-            <a:r>
-              <a:rPr lang="en-US" dirty="0" err="1" smtClean="0"/>
-              <a:t>đặt</a:t>
-            </a:r>
-            <a:r>
-              <a:rPr lang="en-US" dirty="0" smtClean="0"/>
-              <a:t> </a:t>
-            </a:r>
-            <a:r>
-              <a:rPr lang="en-US" dirty="0" err="1" smtClean="0"/>
-              <a:t>hợp</a:t>
-            </a:r>
-            <a:r>
-              <a:rPr lang="en-US" dirty="0" smtClean="0"/>
-              <a:t> </a:t>
-            </a:r>
-            <a:r>
-              <a:rPr lang="en-US" dirty="0" err="1" smtClean="0"/>
-              <a:t>lý</a:t>
-            </a:r>
-            <a:endParaRPr lang="en-US" dirty="0"/>
-          </a:p>
-        </p:txBody>
-      </p:sp>
-    </p:spTree>
-    <p:extLst>
-      <p:ext uri="{BB962C8B-B14F-4D97-AF65-F5344CB8AC3E}">
-        <p14:creationId xmlns:p14="http://schemas.microsoft.com/office/powerpoint/2010/main" val="1949196504"/>
-      </p:ext>
-    </p:extLst>
-  </p:cSld>
-  <p:clrMapOvr>
-    <a:masterClrMapping/>
-  </p:clrMapOvr>
-</p:sld>
-</file>
-
 <file path=ppt/slides/slide4.xml><?xml version="1.0" encoding="utf-8"?>
 <p:sld xmlns:a="http://schemas.openxmlformats.org/drawingml/2006/main" xmlns:r="http://schemas.openxmlformats.org/officeDocument/2006/relationships" xmlns:p="http://schemas.openxmlformats.org/presentationml/2006/main">
   <p:cSld>
@@ -12747,6 +9724,836 @@
 </file>
 
 <file path=ppt/slides/slide7.xml><?xml version="1.0" encoding="utf-8"?>
+<p:sld xmlns:a="http://schemas.openxmlformats.org/drawingml/2006/main" xmlns:r="http://schemas.openxmlformats.org/officeDocument/2006/relationships" xmlns:p="http://schemas.openxmlformats.org/presentationml/2006/main">
+  <p:cSld>
+    <p:spTree>
+      <p:nvGrpSpPr>
+        <p:cNvPr id="1" name=""/>
+        <p:cNvGrpSpPr/>
+        <p:nvPr/>
+      </p:nvGrpSpPr>
+      <p:grpSpPr>
+        <a:xfrm>
+          <a:off x="0" y="0"/>
+          <a:ext cx="0" cy="0"/>
+          <a:chOff x="0" y="0"/>
+          <a:chExt cx="0" cy="0"/>
+        </a:xfrm>
+      </p:grpSpPr>
+      <p:sp>
+        <p:nvSpPr>
+          <p:cNvPr id="2" name="Title 1"/>
+          <p:cNvSpPr>
+            <a:spLocks noGrp="1"/>
+          </p:cNvSpPr>
+          <p:nvPr>
+            <p:ph type="title"/>
+          </p:nvPr>
+        </p:nvSpPr>
+        <p:spPr/>
+        <p:txBody>
+          <a:bodyPr/>
+          <a:lstStyle/>
+          <a:p>
+            <a:r>
+              <a:rPr lang="en-US" dirty="0" smtClean="0"/>
+              <a:t>KALMAN PARAMETERS</a:t>
+            </a:r>
+            <a:endParaRPr lang="en-US" dirty="0"/>
+          </a:p>
+        </p:txBody>
+      </p:sp>
+      <p:sp>
+        <p:nvSpPr>
+          <p:cNvPr id="3" name="Content Placeholder 2"/>
+          <p:cNvSpPr>
+            <a:spLocks noGrp="1"/>
+          </p:cNvSpPr>
+          <p:nvPr>
+            <p:ph idx="1"/>
+          </p:nvPr>
+        </p:nvSpPr>
+        <p:spPr/>
+        <p:txBody>
+          <a:bodyPr/>
+          <a:lstStyle/>
+          <a:p>
+            <a:r>
+              <a:rPr lang="en-US" dirty="0" smtClean="0"/>
+              <a:t>So </a:t>
+            </a:r>
+            <a:r>
+              <a:rPr lang="en-US" dirty="0" err="1" smtClean="0"/>
+              <a:t>sánh</a:t>
+            </a:r>
+            <a:r>
+              <a:rPr lang="en-US" dirty="0" smtClean="0"/>
+              <a:t> </a:t>
+            </a:r>
+            <a:r>
+              <a:rPr lang="en-US" dirty="0" err="1" smtClean="0"/>
+              <a:t>các</a:t>
+            </a:r>
+            <a:r>
+              <a:rPr lang="en-US" dirty="0" smtClean="0"/>
+              <a:t> </a:t>
+            </a:r>
+            <a:r>
+              <a:rPr lang="en-US" dirty="0" err="1" smtClean="0"/>
+              <a:t>thông</a:t>
+            </a:r>
+            <a:r>
+              <a:rPr lang="en-US" dirty="0" smtClean="0"/>
+              <a:t> </a:t>
+            </a:r>
+            <a:r>
+              <a:rPr lang="en-US" dirty="0" err="1" smtClean="0"/>
+              <a:t>số</a:t>
+            </a:r>
+            <a:r>
+              <a:rPr lang="en-US" dirty="0" smtClean="0"/>
+              <a:t> </a:t>
+            </a:r>
+            <a:r>
+              <a:rPr lang="en-US" dirty="0" err="1" smtClean="0"/>
+              <a:t>trong</a:t>
+            </a:r>
+            <a:r>
+              <a:rPr lang="en-US" dirty="0" smtClean="0"/>
+              <a:t> </a:t>
+            </a:r>
+            <a:r>
+              <a:rPr lang="en-US" dirty="0" err="1" smtClean="0"/>
+              <a:t>bộ</a:t>
+            </a:r>
+            <a:r>
+              <a:rPr lang="en-US" dirty="0" smtClean="0"/>
+              <a:t> </a:t>
+            </a:r>
+            <a:r>
+              <a:rPr lang="en-US" dirty="0" err="1" smtClean="0"/>
+              <a:t>lọc</a:t>
+            </a:r>
+            <a:r>
+              <a:rPr lang="en-US" dirty="0" smtClean="0"/>
+              <a:t> KALMAN </a:t>
+            </a:r>
+            <a:r>
+              <a:rPr lang="en-US" dirty="0" err="1" smtClean="0"/>
+              <a:t>để</a:t>
+            </a:r>
+            <a:r>
+              <a:rPr lang="en-US" dirty="0" smtClean="0"/>
+              <a:t> </a:t>
+            </a:r>
+            <a:r>
+              <a:rPr lang="en-US" dirty="0" err="1" smtClean="0"/>
+              <a:t>chọn</a:t>
+            </a:r>
+            <a:r>
+              <a:rPr lang="en-US" dirty="0" smtClean="0"/>
+              <a:t> </a:t>
+            </a:r>
+            <a:r>
+              <a:rPr lang="en-US" dirty="0" err="1" smtClean="0"/>
+              <a:t>ra</a:t>
+            </a:r>
+            <a:r>
+              <a:rPr lang="en-US" dirty="0" smtClean="0"/>
+              <a:t> </a:t>
+            </a:r>
+            <a:r>
+              <a:rPr lang="en-US" dirty="0" err="1" smtClean="0"/>
+              <a:t>bộ</a:t>
+            </a:r>
+            <a:r>
+              <a:rPr lang="en-US" dirty="0" smtClean="0"/>
+              <a:t> </a:t>
+            </a:r>
+            <a:r>
+              <a:rPr lang="en-US" dirty="0" err="1" smtClean="0"/>
+              <a:t>thông</a:t>
+            </a:r>
+            <a:r>
+              <a:rPr lang="en-US" dirty="0" smtClean="0"/>
+              <a:t> </a:t>
+            </a:r>
+            <a:r>
+              <a:rPr lang="en-US" dirty="0" err="1" smtClean="0"/>
+              <a:t>số</a:t>
+            </a:r>
+            <a:r>
+              <a:rPr lang="en-US" dirty="0" smtClean="0"/>
+              <a:t> </a:t>
+            </a:r>
+            <a:r>
+              <a:rPr lang="en-US" dirty="0" err="1" smtClean="0"/>
+              <a:t>tối</a:t>
+            </a:r>
+            <a:r>
+              <a:rPr lang="en-US" dirty="0" smtClean="0"/>
+              <a:t> </a:t>
+            </a:r>
+            <a:r>
+              <a:rPr lang="en-US" dirty="0" err="1" smtClean="0"/>
+              <a:t>ưu</a:t>
+            </a:r>
+            <a:r>
+              <a:rPr lang="en-US" dirty="0" smtClean="0"/>
+              <a:t>. </a:t>
+            </a:r>
+            <a:r>
+              <a:rPr lang="en-US" dirty="0" err="1" smtClean="0"/>
+              <a:t>Dùng</a:t>
+            </a:r>
+            <a:r>
+              <a:rPr lang="en-US" dirty="0" smtClean="0"/>
+              <a:t> </a:t>
+            </a:r>
+            <a:r>
+              <a:rPr lang="en-US" dirty="0" err="1" smtClean="0"/>
+              <a:t>cho</a:t>
+            </a:r>
+            <a:r>
+              <a:rPr lang="en-US" dirty="0" smtClean="0"/>
+              <a:t> </a:t>
+            </a:r>
+            <a:r>
+              <a:rPr lang="en-US" dirty="0" err="1" smtClean="0"/>
+              <a:t>các</a:t>
+            </a:r>
+            <a:r>
+              <a:rPr lang="en-US" dirty="0" smtClean="0"/>
+              <a:t> </a:t>
+            </a:r>
+            <a:r>
+              <a:rPr lang="en-US" dirty="0" err="1" smtClean="0"/>
+              <a:t>thử</a:t>
+            </a:r>
+            <a:r>
+              <a:rPr lang="en-US" dirty="0" smtClean="0"/>
+              <a:t> </a:t>
+            </a:r>
+            <a:r>
+              <a:rPr lang="en-US" dirty="0" err="1" smtClean="0"/>
+              <a:t>nghiệm</a:t>
+            </a:r>
+            <a:r>
+              <a:rPr lang="en-US" dirty="0" smtClean="0"/>
+              <a:t> </a:t>
+            </a:r>
+            <a:r>
+              <a:rPr lang="en-US" dirty="0" err="1" smtClean="0"/>
+              <a:t>sau</a:t>
+            </a:r>
+            <a:r>
+              <a:rPr lang="en-US" dirty="0" smtClean="0"/>
+              <a:t> </a:t>
+            </a:r>
+            <a:r>
+              <a:rPr lang="en-US" dirty="0" err="1" smtClean="0"/>
+              <a:t>này</a:t>
+            </a:r>
+            <a:endParaRPr lang="en-US" dirty="0" smtClean="0"/>
+          </a:p>
+          <a:p>
+            <a:r>
+              <a:rPr lang="en-US" dirty="0" smtClean="0"/>
+              <a:t>3 </a:t>
+            </a:r>
+            <a:r>
+              <a:rPr lang="en-US" dirty="0" err="1" smtClean="0"/>
+              <a:t>bộ</a:t>
+            </a:r>
+            <a:r>
+              <a:rPr lang="en-US" dirty="0" smtClean="0"/>
+              <a:t> </a:t>
+            </a:r>
+            <a:r>
+              <a:rPr lang="en-US" dirty="0" err="1" smtClean="0"/>
+              <a:t>thông</a:t>
+            </a:r>
+            <a:r>
+              <a:rPr lang="en-US" dirty="0" smtClean="0"/>
+              <a:t> </a:t>
+            </a:r>
+            <a:r>
+              <a:rPr lang="en-US" dirty="0" err="1" smtClean="0"/>
+              <a:t>số</a:t>
+            </a:r>
+            <a:r>
+              <a:rPr lang="en-US" dirty="0" smtClean="0"/>
+              <a:t> </a:t>
+            </a:r>
+            <a:r>
+              <a:rPr lang="en-US" dirty="0" err="1" smtClean="0"/>
+              <a:t>được</a:t>
+            </a:r>
+            <a:r>
+              <a:rPr lang="en-US" dirty="0" smtClean="0"/>
+              <a:t> </a:t>
+            </a:r>
+            <a:r>
+              <a:rPr lang="en-US" dirty="0" err="1" smtClean="0"/>
+              <a:t>chọn</a:t>
+            </a:r>
+            <a:r>
+              <a:rPr lang="en-US" dirty="0" smtClean="0"/>
+              <a:t>:[P K Q R</a:t>
+            </a:r>
+            <a:r>
+              <a:rPr lang="en-US" dirty="0" smtClean="0"/>
+              <a:t>]</a:t>
+            </a:r>
+            <a:endParaRPr lang="en-US" dirty="0"/>
+          </a:p>
+          <a:p>
+            <a:endParaRPr lang="en-US" dirty="0" smtClean="0"/>
+          </a:p>
+          <a:p>
+            <a:endParaRPr lang="en-US" dirty="0"/>
+          </a:p>
+          <a:p>
+            <a:r>
+              <a:rPr lang="en-US" dirty="0" err="1" smtClean="0"/>
+              <a:t>Áp</a:t>
+            </a:r>
+            <a:r>
+              <a:rPr lang="en-US" dirty="0" smtClean="0"/>
+              <a:t> </a:t>
+            </a:r>
+            <a:r>
+              <a:rPr lang="en-US" dirty="0" err="1" smtClean="0"/>
+              <a:t>dụng</a:t>
+            </a:r>
+            <a:r>
+              <a:rPr lang="en-US" dirty="0" smtClean="0"/>
+              <a:t> </a:t>
+            </a:r>
+            <a:r>
+              <a:rPr lang="en-US" dirty="0" err="1" smtClean="0"/>
+              <a:t>cho</a:t>
+            </a:r>
+            <a:r>
+              <a:rPr lang="en-US" dirty="0" smtClean="0"/>
+              <a:t> RSSI </a:t>
+            </a:r>
+            <a:r>
+              <a:rPr lang="en-US" dirty="0" err="1" smtClean="0"/>
+              <a:t>thu</a:t>
+            </a:r>
+            <a:r>
+              <a:rPr lang="en-US" dirty="0" smtClean="0"/>
+              <a:t> </a:t>
+            </a:r>
+            <a:r>
+              <a:rPr lang="en-US" dirty="0" err="1" smtClean="0"/>
+              <a:t>được</a:t>
+            </a:r>
+            <a:r>
+              <a:rPr lang="en-US" dirty="0" smtClean="0"/>
+              <a:t> </a:t>
+            </a:r>
+            <a:r>
+              <a:rPr lang="en-US" dirty="0" err="1" smtClean="0"/>
+              <a:t>từ</a:t>
+            </a:r>
+            <a:r>
+              <a:rPr lang="en-US" dirty="0" smtClean="0"/>
+              <a:t> </a:t>
+            </a:r>
+            <a:r>
+              <a:rPr lang="en-US" dirty="0" err="1" smtClean="0"/>
+              <a:t>các</a:t>
+            </a:r>
+            <a:r>
+              <a:rPr lang="en-US" dirty="0" smtClean="0"/>
+              <a:t> </a:t>
+            </a:r>
+            <a:r>
+              <a:rPr lang="en-US" dirty="0" err="1" smtClean="0"/>
+              <a:t>thiết</a:t>
+            </a:r>
+            <a:r>
+              <a:rPr lang="en-US" dirty="0" smtClean="0"/>
+              <a:t> </a:t>
+            </a:r>
+            <a:r>
+              <a:rPr lang="en-US" dirty="0" err="1" smtClean="0"/>
+              <a:t>bị</a:t>
+            </a:r>
+            <a:r>
+              <a:rPr lang="en-US" dirty="0" smtClean="0"/>
+              <a:t> =&gt; </a:t>
+            </a:r>
+            <a:r>
+              <a:rPr lang="en-US" dirty="0" err="1" smtClean="0"/>
+              <a:t>giảm</a:t>
+            </a:r>
+            <a:r>
+              <a:rPr lang="en-US" dirty="0" smtClean="0"/>
+              <a:t> </a:t>
+            </a:r>
+            <a:r>
+              <a:rPr lang="en-US" dirty="0" err="1" smtClean="0"/>
+              <a:t>nhiễu</a:t>
+            </a:r>
+            <a:r>
+              <a:rPr lang="en-US" dirty="0" smtClean="0"/>
+              <a:t>.</a:t>
+            </a:r>
+            <a:endParaRPr lang="en-US" dirty="0"/>
+          </a:p>
+        </p:txBody>
+      </p:sp>
+      <p:pic>
+        <p:nvPicPr>
+          <p:cNvPr id="2050" name="Picture 2"/>
+          <p:cNvPicPr>
+            <a:picLocks noChangeAspect="1" noChangeArrowheads="1"/>
+          </p:cNvPicPr>
+          <p:nvPr/>
+        </p:nvPicPr>
+        <p:blipFill>
+          <a:blip r:embed="rId2">
+            <a:extLst>
+              <a:ext uri="{28A0092B-C50C-407E-A947-70E740481C1C}">
+                <a14:useLocalDpi xmlns:a14="http://schemas.microsoft.com/office/drawing/2010/main" val="0"/>
+              </a:ext>
+            </a:extLst>
+          </a:blip>
+          <a:srcRect/>
+          <a:stretch>
+            <a:fillRect/>
+          </a:stretch>
+        </p:blipFill>
+        <p:spPr bwMode="auto">
+          <a:xfrm>
+            <a:off x="2514600" y="3810000"/>
+            <a:ext cx="3590925" cy="704850"/>
+          </a:xfrm>
+          <a:prstGeom prst="rect">
+            <a:avLst/>
+          </a:prstGeom>
+          <a:noFill/>
+          <a:ln>
+            <a:noFill/>
+          </a:ln>
+          <a:extLst>
+            <a:ext uri="{909E8E84-426E-40DD-AFC4-6F175D3DCCD1}">
+              <a14:hiddenFill xmlns:a14="http://schemas.microsoft.com/office/drawing/2010/main">
+                <a:solidFill>
+                  <a:schemeClr val="accent1"/>
+                </a:solidFill>
+              </a14:hiddenFill>
+            </a:ext>
+            <a:ext uri="{91240B29-F687-4F45-9708-019B960494DF}">
+              <a14:hiddenLine xmlns:a14="http://schemas.microsoft.com/office/drawing/2010/main" w="9525">
+                <a:solidFill>
+                  <a:schemeClr val="tx1"/>
+                </a:solidFill>
+                <a:miter lim="800000"/>
+                <a:headEnd/>
+                <a:tailEnd/>
+              </a14:hiddenLine>
+            </a:ext>
+          </a:extLst>
+        </p:spPr>
+      </p:pic>
+    </p:spTree>
+    <p:extLst>
+      <p:ext uri="{BB962C8B-B14F-4D97-AF65-F5344CB8AC3E}">
+        <p14:creationId xmlns:p14="http://schemas.microsoft.com/office/powerpoint/2010/main" val="2746555040"/>
+      </p:ext>
+    </p:extLst>
+  </p:cSld>
+  <p:clrMapOvr>
+    <a:masterClrMapping/>
+  </p:clrMapOvr>
+</p:sld>
+</file>
+
+<file path=ppt/slides/slide8.xml><?xml version="1.0" encoding="utf-8"?>
+<p:sld xmlns:a="http://schemas.openxmlformats.org/drawingml/2006/main" xmlns:r="http://schemas.openxmlformats.org/officeDocument/2006/relationships" xmlns:p="http://schemas.openxmlformats.org/presentationml/2006/main">
+  <p:cSld>
+    <p:spTree>
+      <p:nvGrpSpPr>
+        <p:cNvPr id="1" name=""/>
+        <p:cNvGrpSpPr/>
+        <p:nvPr/>
+      </p:nvGrpSpPr>
+      <p:grpSpPr>
+        <a:xfrm>
+          <a:off x="0" y="0"/>
+          <a:ext cx="0" cy="0"/>
+          <a:chOff x="0" y="0"/>
+          <a:chExt cx="0" cy="0"/>
+        </a:xfrm>
+      </p:grpSpPr>
+      <p:sp>
+        <p:nvSpPr>
+          <p:cNvPr id="2" name="Title 1"/>
+          <p:cNvSpPr>
+            <a:spLocks noGrp="1"/>
+          </p:cNvSpPr>
+          <p:nvPr>
+            <p:ph type="title"/>
+          </p:nvPr>
+        </p:nvSpPr>
+        <p:spPr/>
+        <p:txBody>
+          <a:bodyPr/>
+          <a:lstStyle/>
+          <a:p>
+            <a:r>
+              <a:rPr lang="en-US" dirty="0" smtClean="0"/>
+              <a:t>KALMAN PARAMETERS</a:t>
+            </a:r>
+            <a:endParaRPr lang="en-US" dirty="0"/>
+          </a:p>
+        </p:txBody>
+      </p:sp>
+      <p:pic>
+        <p:nvPicPr>
+          <p:cNvPr id="4" name="Content Placeholder 3" descr="F:\thuc_tap\BLE\report\pic\10_3_16_25\combine_gw_km.jpg"/>
+          <p:cNvPicPr>
+            <a:picLocks noGrp="1"/>
+          </p:cNvPicPr>
+          <p:nvPr>
+            <p:ph idx="1"/>
+          </p:nvPr>
+        </p:nvPicPr>
+        <p:blipFill>
+          <a:blip r:embed="rId2" cstate="print">
+            <a:extLst>
+              <a:ext uri="{28A0092B-C50C-407E-A947-70E740481C1C}">
+                <a14:useLocalDpi xmlns:a14="http://schemas.microsoft.com/office/drawing/2010/main" val="0"/>
+              </a:ext>
+            </a:extLst>
+          </a:blip>
+          <a:srcRect/>
+          <a:stretch>
+            <a:fillRect/>
+          </a:stretch>
+        </p:blipFill>
+        <p:spPr bwMode="auto">
+          <a:xfrm>
+            <a:off x="0" y="1066800"/>
+            <a:ext cx="9144000" cy="4648200"/>
+          </a:xfrm>
+          <a:prstGeom prst="rect">
+            <a:avLst/>
+          </a:prstGeom>
+          <a:noFill/>
+          <a:ln>
+            <a:noFill/>
+          </a:ln>
+        </p:spPr>
+      </p:pic>
+      <p:sp>
+        <p:nvSpPr>
+          <p:cNvPr id="5" name="Title 1"/>
+          <p:cNvSpPr txBox="1">
+            <a:spLocks/>
+          </p:cNvSpPr>
+          <p:nvPr/>
+        </p:nvSpPr>
+        <p:spPr>
+          <a:xfrm>
+            <a:off x="381000" y="5334000"/>
+            <a:ext cx="8229600" cy="1143000"/>
+          </a:xfrm>
+          <a:prstGeom prst="rect">
+            <a:avLst/>
+          </a:prstGeom>
+        </p:spPr>
+        <p:txBody>
+          <a:bodyPr vert="horz" lIns="91440" tIns="45720" rIns="91440" bIns="45720" rtlCol="0" anchor="ctr">
+            <a:normAutofit/>
+          </a:bodyPr>
+          <a:lstStyle>
+            <a:lvl1pPr algn="ctr" defTabSz="914400" rtl="0" eaLnBrk="1" latinLnBrk="0" hangingPunct="1">
+              <a:spcBef>
+                <a:spcPct val="0"/>
+              </a:spcBef>
+              <a:buNone/>
+              <a:defRPr sz="4400" kern="1200">
+                <a:solidFill>
+                  <a:schemeClr val="tx1"/>
+                </a:solidFill>
+                <a:latin typeface="+mj-lt"/>
+                <a:ea typeface="+mj-ea"/>
+                <a:cs typeface="+mj-cs"/>
+              </a:defRPr>
+            </a:lvl1pPr>
+          </a:lstStyle>
+          <a:p>
+            <a:pPr algn="just"/>
+            <a:r>
+              <a:rPr lang="en-US" sz="2000" dirty="0" err="1" smtClean="0"/>
+              <a:t>Màu</a:t>
+            </a:r>
+            <a:r>
+              <a:rPr lang="en-US" sz="2000" dirty="0" smtClean="0"/>
+              <a:t> </a:t>
+            </a:r>
+            <a:r>
+              <a:rPr lang="en-US" sz="2000" dirty="0" err="1" smtClean="0"/>
+              <a:t>đỏ</a:t>
+            </a:r>
+            <a:r>
+              <a:rPr lang="en-US" sz="2000" dirty="0" smtClean="0"/>
+              <a:t> </a:t>
+            </a:r>
+            <a:r>
+              <a:rPr lang="en-US" sz="2000" dirty="0" err="1" smtClean="0"/>
+              <a:t>giao</a:t>
+            </a:r>
+            <a:r>
+              <a:rPr lang="en-US" sz="2000" dirty="0" smtClean="0"/>
+              <a:t> </a:t>
+            </a:r>
+            <a:r>
+              <a:rPr lang="en-US" sz="2000" dirty="0" err="1" smtClean="0"/>
+              <a:t>động</a:t>
+            </a:r>
+            <a:r>
+              <a:rPr lang="en-US" sz="2000" dirty="0" smtClean="0"/>
+              <a:t> </a:t>
+            </a:r>
+            <a:r>
+              <a:rPr lang="en-US" sz="2000" dirty="0" err="1" smtClean="0"/>
+              <a:t>nhiều</a:t>
+            </a:r>
+            <a:r>
+              <a:rPr lang="en-US" sz="2000" dirty="0" smtClean="0"/>
+              <a:t>. </a:t>
+            </a:r>
+            <a:r>
+              <a:rPr lang="en-US" sz="2000" dirty="0" err="1" smtClean="0"/>
+              <a:t>Màu</a:t>
+            </a:r>
+            <a:r>
+              <a:rPr lang="en-US" sz="2000" dirty="0" smtClean="0"/>
+              <a:t> </a:t>
+            </a:r>
+            <a:r>
+              <a:rPr lang="en-US" sz="2000" dirty="0" err="1" smtClean="0"/>
+              <a:t>xanh</a:t>
+            </a:r>
+            <a:r>
+              <a:rPr lang="en-US" sz="2000" dirty="0" smtClean="0"/>
+              <a:t> </a:t>
+            </a:r>
+            <a:r>
+              <a:rPr lang="en-US" sz="2000" dirty="0" err="1" smtClean="0"/>
+              <a:t>cây</a:t>
+            </a:r>
+            <a:r>
+              <a:rPr lang="en-US" sz="2000" dirty="0" smtClean="0"/>
+              <a:t> </a:t>
+            </a:r>
+            <a:r>
+              <a:rPr lang="en-US" sz="2000" dirty="0" err="1" smtClean="0"/>
+              <a:t>ít</a:t>
+            </a:r>
+            <a:r>
+              <a:rPr lang="en-US" sz="2000" dirty="0" smtClean="0"/>
+              <a:t> </a:t>
+            </a:r>
+            <a:r>
+              <a:rPr lang="en-US" sz="2000" dirty="0" err="1" smtClean="0"/>
+              <a:t>dao</a:t>
+            </a:r>
+            <a:r>
+              <a:rPr lang="en-US" sz="2000" dirty="0" smtClean="0"/>
+              <a:t> </a:t>
+            </a:r>
+            <a:r>
+              <a:rPr lang="en-US" sz="2000" dirty="0" err="1" smtClean="0"/>
+              <a:t>động</a:t>
+            </a:r>
+            <a:r>
+              <a:rPr lang="en-US" sz="2000" dirty="0" smtClean="0"/>
+              <a:t> </a:t>
+            </a:r>
+            <a:r>
+              <a:rPr lang="en-US" sz="2000" dirty="0" err="1" smtClean="0"/>
+              <a:t>hơn</a:t>
+            </a:r>
+            <a:r>
+              <a:rPr lang="en-US" sz="2000" dirty="0" smtClean="0"/>
+              <a:t>. </a:t>
+            </a:r>
+            <a:r>
+              <a:rPr lang="en-US" sz="2000" dirty="0" err="1" smtClean="0"/>
+              <a:t>Màu</a:t>
+            </a:r>
+            <a:r>
+              <a:rPr lang="en-US" sz="2000" dirty="0" smtClean="0"/>
+              <a:t> </a:t>
+            </a:r>
+            <a:r>
+              <a:rPr lang="en-US" sz="2000" dirty="0" err="1" smtClean="0"/>
+              <a:t>xanh</a:t>
+            </a:r>
+            <a:r>
+              <a:rPr lang="en-US" sz="2000" dirty="0" smtClean="0"/>
+              <a:t> </a:t>
+            </a:r>
+            <a:r>
+              <a:rPr lang="en-US" sz="2000" dirty="0" err="1" smtClean="0"/>
+              <a:t>dương</a:t>
+            </a:r>
+            <a:r>
+              <a:rPr lang="en-US" sz="2000" dirty="0" smtClean="0"/>
+              <a:t> </a:t>
+            </a:r>
+            <a:r>
+              <a:rPr lang="en-US" sz="2000" dirty="0" err="1" smtClean="0"/>
+              <a:t>mượt</a:t>
+            </a:r>
+            <a:r>
+              <a:rPr lang="en-US" sz="2000" dirty="0" smtClean="0"/>
+              <a:t> </a:t>
+            </a:r>
+            <a:r>
+              <a:rPr lang="en-US" sz="2000" dirty="0" err="1" smtClean="0"/>
+              <a:t>nhưng</a:t>
+            </a:r>
+            <a:r>
+              <a:rPr lang="en-US" sz="2000" dirty="0" smtClean="0"/>
+              <a:t> </a:t>
+            </a:r>
+            <a:r>
+              <a:rPr lang="en-US" sz="2000" dirty="0" err="1" smtClean="0"/>
+              <a:t>mất</a:t>
+            </a:r>
+            <a:r>
+              <a:rPr lang="en-US" sz="2000" dirty="0" smtClean="0"/>
+              <a:t> </a:t>
+            </a:r>
+            <a:r>
+              <a:rPr lang="en-US" sz="2000" dirty="0" err="1" smtClean="0"/>
+              <a:t>đi</a:t>
+            </a:r>
+            <a:r>
+              <a:rPr lang="en-US" sz="2000" dirty="0" smtClean="0"/>
+              <a:t> </a:t>
+            </a:r>
+            <a:r>
+              <a:rPr lang="en-US" sz="2000" dirty="0" err="1" smtClean="0"/>
+              <a:t>tính</a:t>
+            </a:r>
+            <a:r>
+              <a:rPr lang="en-US" sz="2000" dirty="0" smtClean="0"/>
+              <a:t> </a:t>
+            </a:r>
+            <a:r>
+              <a:rPr lang="en-US" sz="2000" dirty="0" err="1" smtClean="0"/>
+              <a:t>chất</a:t>
+            </a:r>
+            <a:r>
+              <a:rPr lang="en-US" sz="2000" dirty="0" smtClean="0"/>
+              <a:t> </a:t>
+            </a:r>
+            <a:r>
+              <a:rPr lang="en-US" sz="2000" dirty="0" err="1" smtClean="0"/>
+              <a:t>của</a:t>
+            </a:r>
+            <a:r>
+              <a:rPr lang="en-US" sz="2000" dirty="0" smtClean="0"/>
+              <a:t> RSSI </a:t>
+            </a:r>
+            <a:r>
+              <a:rPr lang="en-US" sz="2000" dirty="0" err="1" smtClean="0"/>
+              <a:t>thu</a:t>
+            </a:r>
+            <a:r>
+              <a:rPr lang="en-US" sz="2000" dirty="0" smtClean="0"/>
+              <a:t> </a:t>
+            </a:r>
+            <a:r>
+              <a:rPr lang="en-US" sz="2000" dirty="0" err="1" smtClean="0"/>
+              <a:t>được</a:t>
+            </a:r>
+            <a:r>
+              <a:rPr lang="en-US" sz="2000" dirty="0" smtClean="0"/>
+              <a:t>.</a:t>
+            </a:r>
+          </a:p>
+          <a:p>
+            <a:pPr algn="just"/>
+            <a:r>
+              <a:rPr lang="en-US" sz="2000" dirty="0" smtClean="0"/>
+              <a:t>=&gt; </a:t>
+            </a:r>
+            <a:r>
+              <a:rPr lang="en-US" sz="2000" dirty="0" err="1" smtClean="0"/>
+              <a:t>Chọn</a:t>
+            </a:r>
+            <a:r>
+              <a:rPr lang="en-US" sz="2000" dirty="0" smtClean="0"/>
+              <a:t> </a:t>
+            </a:r>
+            <a:r>
+              <a:rPr lang="en-US" sz="2000" dirty="0" err="1" smtClean="0"/>
+              <a:t>bộ</a:t>
+            </a:r>
+            <a:r>
+              <a:rPr lang="en-US" sz="2000" dirty="0" smtClean="0"/>
+              <a:t> </a:t>
+            </a:r>
+            <a:r>
+              <a:rPr lang="en-US" sz="2000" dirty="0" err="1" smtClean="0"/>
+              <a:t>thông</a:t>
+            </a:r>
+            <a:r>
+              <a:rPr lang="en-US" sz="2000" dirty="0" smtClean="0"/>
+              <a:t> </a:t>
+            </a:r>
+            <a:r>
+              <a:rPr lang="en-US" sz="2000" dirty="0" err="1" smtClean="0"/>
+              <a:t>số</a:t>
+            </a:r>
+            <a:r>
+              <a:rPr lang="en-US" sz="2000" dirty="0" smtClean="0"/>
+              <a:t> </a:t>
+            </a:r>
+            <a:r>
+              <a:rPr lang="en-US" sz="2000" dirty="0" err="1" smtClean="0"/>
+              <a:t>màu</a:t>
+            </a:r>
+            <a:r>
+              <a:rPr lang="en-US" sz="2000" dirty="0" smtClean="0"/>
+              <a:t> </a:t>
+            </a:r>
+            <a:r>
+              <a:rPr lang="en-US" sz="2000" dirty="0" err="1" smtClean="0"/>
+              <a:t>xanh</a:t>
+            </a:r>
+            <a:r>
+              <a:rPr lang="en-US" sz="2000" dirty="0" smtClean="0"/>
+              <a:t> </a:t>
+            </a:r>
+            <a:endParaRPr lang="en-US" sz="2000" dirty="0"/>
+          </a:p>
+        </p:txBody>
+      </p:sp>
+    </p:spTree>
+    <p:extLst>
+      <p:ext uri="{BB962C8B-B14F-4D97-AF65-F5344CB8AC3E}">
+        <p14:creationId xmlns:p14="http://schemas.microsoft.com/office/powerpoint/2010/main" val="2869210494"/>
+      </p:ext>
+    </p:extLst>
+  </p:cSld>
+  <p:clrMapOvr>
+    <a:masterClrMapping/>
+  </p:clrMapOvr>
+</p:sld>
+</file>
+
+<file path=ppt/slides/slide9.xml><?xml version="1.0" encoding="utf-8"?>
 <p:sld xmlns:a="http://schemas.openxmlformats.org/drawingml/2006/main" xmlns:r="http://schemas.openxmlformats.org/officeDocument/2006/relationships" xmlns:p="http://schemas.openxmlformats.org/presentationml/2006/main">
   <p:cSld>
     <p:spTree>
@@ -13210,523 +11017,6 @@
     <p:extLst>
       <p:ext uri="{BB962C8B-B14F-4D97-AF65-F5344CB8AC3E}">
         <p14:creationId xmlns:p14="http://schemas.microsoft.com/office/powerpoint/2010/main" val="1361857669"/>
-      </p:ext>
-    </p:extLst>
-  </p:cSld>
-  <p:clrMapOvr>
-    <a:masterClrMapping/>
-  </p:clrMapOvr>
-</p:sld>
-</file>
-
-<file path=ppt/slides/slide8.xml><?xml version="1.0" encoding="utf-8"?>
-<p:sld xmlns:a="http://schemas.openxmlformats.org/drawingml/2006/main" xmlns:r="http://schemas.openxmlformats.org/officeDocument/2006/relationships" xmlns:p="http://schemas.openxmlformats.org/presentationml/2006/main">
-  <p:cSld>
-    <p:spTree>
-      <p:nvGrpSpPr>
-        <p:cNvPr id="1" name=""/>
-        <p:cNvGrpSpPr/>
-        <p:nvPr/>
-      </p:nvGrpSpPr>
-      <p:grpSpPr>
-        <a:xfrm>
-          <a:off x="0" y="0"/>
-          <a:ext cx="0" cy="0"/>
-          <a:chOff x="0" y="0"/>
-          <a:chExt cx="0" cy="0"/>
-        </a:xfrm>
-      </p:grpSpPr>
-      <p:sp>
-        <p:nvSpPr>
-          <p:cNvPr id="2" name="Title 1"/>
-          <p:cNvSpPr>
-            <a:spLocks noGrp="1"/>
-          </p:cNvSpPr>
-          <p:nvPr>
-            <p:ph type="title"/>
-          </p:nvPr>
-        </p:nvSpPr>
-        <p:spPr/>
-        <p:txBody>
-          <a:bodyPr/>
-          <a:lstStyle/>
-          <a:p>
-            <a:r>
-              <a:rPr lang="en-US" dirty="0" smtClean="0"/>
-              <a:t>IMPROVE RSSI</a:t>
-            </a:r>
-            <a:endParaRPr lang="en-US" dirty="0"/>
-          </a:p>
-        </p:txBody>
-      </p:sp>
-      <p:pic>
-        <p:nvPicPr>
-          <p:cNvPr id="3074" name="Picture 2" descr="F:\thuc_tap\BLE\report\ppt\improve_rssi.jpg"/>
-          <p:cNvPicPr>
-            <a:picLocks noChangeAspect="1" noChangeArrowheads="1"/>
-          </p:cNvPicPr>
-          <p:nvPr/>
-        </p:nvPicPr>
-        <p:blipFill>
-          <a:blip r:embed="rId2">
-            <a:extLst>
-              <a:ext uri="{28A0092B-C50C-407E-A947-70E740481C1C}">
-                <a14:useLocalDpi xmlns:a14="http://schemas.microsoft.com/office/drawing/2010/main" val="0"/>
-              </a:ext>
-            </a:extLst>
-          </a:blip>
-          <a:srcRect/>
-          <a:stretch>
-            <a:fillRect/>
-          </a:stretch>
-        </p:blipFill>
-        <p:spPr bwMode="auto">
-          <a:xfrm>
-            <a:off x="0" y="1219200"/>
-            <a:ext cx="9144000" cy="4648200"/>
-          </a:xfrm>
-          <a:prstGeom prst="rect">
-            <a:avLst/>
-          </a:prstGeom>
-          <a:noFill/>
-          <a:extLst>
-            <a:ext uri="{909E8E84-426E-40DD-AFC4-6F175D3DCCD1}">
-              <a14:hiddenFill xmlns:a14="http://schemas.microsoft.com/office/drawing/2010/main">
-                <a:solidFill>
-                  <a:srgbClr val="FFFFFF"/>
-                </a:solidFill>
-              </a14:hiddenFill>
-            </a:ext>
-          </a:extLst>
-        </p:spPr>
-      </p:pic>
-      <p:sp>
-        <p:nvSpPr>
-          <p:cNvPr id="6" name="Title 1"/>
-          <p:cNvSpPr txBox="1">
-            <a:spLocks/>
-          </p:cNvSpPr>
-          <p:nvPr/>
-        </p:nvSpPr>
-        <p:spPr>
-          <a:xfrm>
-            <a:off x="304800" y="5486400"/>
-            <a:ext cx="8229600" cy="1143000"/>
-          </a:xfrm>
-          <a:prstGeom prst="rect">
-            <a:avLst/>
-          </a:prstGeom>
-        </p:spPr>
-        <p:txBody>
-          <a:bodyPr vert="horz" lIns="91440" tIns="45720" rIns="91440" bIns="45720" rtlCol="0" anchor="ctr">
-            <a:normAutofit/>
-          </a:bodyPr>
-          <a:lstStyle>
-            <a:lvl1pPr algn="ctr" defTabSz="914400" rtl="0" eaLnBrk="1" latinLnBrk="0" hangingPunct="1">
-              <a:spcBef>
-                <a:spcPct val="0"/>
-              </a:spcBef>
-              <a:buNone/>
-              <a:defRPr sz="4400" kern="1200">
-                <a:solidFill>
-                  <a:schemeClr val="tx1"/>
-                </a:solidFill>
-                <a:latin typeface="+mj-lt"/>
-                <a:ea typeface="+mj-ea"/>
-                <a:cs typeface="+mj-cs"/>
-              </a:defRPr>
-            </a:lvl1pPr>
-          </a:lstStyle>
-          <a:p>
-            <a:r>
-              <a:rPr lang="en-US" sz="2000" dirty="0" smtClean="0"/>
-              <a:t>=&gt; RSSI Tag </a:t>
-            </a:r>
-            <a:r>
-              <a:rPr lang="en-US" sz="2000" dirty="0" err="1" smtClean="0"/>
-              <a:t>và</a:t>
-            </a:r>
-            <a:r>
-              <a:rPr lang="en-US" sz="2000" dirty="0" smtClean="0"/>
-              <a:t> </a:t>
-            </a:r>
-            <a:r>
-              <a:rPr lang="en-US" sz="2000" dirty="0" err="1" smtClean="0"/>
-              <a:t>Pathloss</a:t>
-            </a:r>
-            <a:r>
-              <a:rPr lang="en-US" sz="2000" dirty="0" smtClean="0"/>
-              <a:t> </a:t>
-            </a:r>
-            <a:r>
-              <a:rPr lang="en-US" sz="2000" dirty="0" err="1" smtClean="0"/>
-              <a:t>có</a:t>
-            </a:r>
-            <a:r>
-              <a:rPr lang="en-US" sz="2000" dirty="0" smtClean="0"/>
-              <a:t> </a:t>
-            </a:r>
-            <a:r>
-              <a:rPr lang="en-US" sz="2000" dirty="0" err="1" smtClean="0"/>
-              <a:t>cùng</a:t>
-            </a:r>
-            <a:r>
-              <a:rPr lang="en-US" sz="2000" dirty="0" smtClean="0"/>
-              <a:t> </a:t>
-            </a:r>
-            <a:r>
-              <a:rPr lang="en-US" sz="2000" dirty="0" err="1" smtClean="0"/>
-              <a:t>bản</a:t>
-            </a:r>
-            <a:r>
-              <a:rPr lang="en-US" sz="2000" dirty="0" smtClean="0"/>
-              <a:t> </a:t>
-            </a:r>
-            <a:r>
-              <a:rPr lang="en-US" sz="2000" dirty="0" err="1" smtClean="0"/>
-              <a:t>chất</a:t>
-            </a:r>
-            <a:r>
-              <a:rPr lang="en-US" sz="2000" dirty="0" smtClean="0"/>
-              <a:t> </a:t>
-            </a:r>
-            <a:r>
-              <a:rPr lang="en-US" sz="2000" dirty="0" err="1" smtClean="0"/>
-              <a:t>với</a:t>
-            </a:r>
-            <a:r>
-              <a:rPr lang="en-US" sz="2000" dirty="0" smtClean="0"/>
-              <a:t> </a:t>
-            </a:r>
-            <a:r>
-              <a:rPr lang="en-US" sz="2000" dirty="0" err="1" smtClean="0"/>
-              <a:t>nhau</a:t>
-            </a:r>
-            <a:r>
-              <a:rPr lang="en-US" sz="2000" dirty="0"/>
-              <a:t> </a:t>
-            </a:r>
-            <a:r>
-              <a:rPr lang="en-US" sz="2000" dirty="0" smtClean="0"/>
-              <a:t>=&gt; </a:t>
-            </a:r>
-            <a:r>
-              <a:rPr lang="en-US" sz="2000" dirty="0" err="1" smtClean="0"/>
-              <a:t>cơ</a:t>
-            </a:r>
-            <a:r>
-              <a:rPr lang="en-US" sz="2000" dirty="0" smtClean="0"/>
-              <a:t> </a:t>
-            </a:r>
-            <a:r>
-              <a:rPr lang="en-US" sz="2000" dirty="0" err="1" smtClean="0"/>
-              <a:t>sở</a:t>
-            </a:r>
-            <a:r>
-              <a:rPr lang="en-US" sz="2000" dirty="0" smtClean="0"/>
-              <a:t> </a:t>
-            </a:r>
-            <a:r>
-              <a:rPr lang="en-US" sz="2000" dirty="0" err="1" smtClean="0"/>
-              <a:t>để</a:t>
-            </a:r>
-            <a:r>
-              <a:rPr lang="en-US" sz="2000" dirty="0" smtClean="0"/>
-              <a:t> </a:t>
-            </a:r>
-            <a:r>
-              <a:rPr lang="en-US" sz="2000" dirty="0" err="1" smtClean="0"/>
-              <a:t>xây</a:t>
-            </a:r>
-            <a:r>
-              <a:rPr lang="en-US" sz="2000" dirty="0" smtClean="0"/>
-              <a:t> </a:t>
-            </a:r>
-            <a:r>
-              <a:rPr lang="en-US" sz="2000" dirty="0" err="1" smtClean="0"/>
-              <a:t>dựng</a:t>
-            </a:r>
-            <a:r>
-              <a:rPr lang="en-US" sz="2000" dirty="0" smtClean="0"/>
-              <a:t> </a:t>
-            </a:r>
-            <a:r>
-              <a:rPr lang="en-US" sz="2000" b="1" dirty="0" smtClean="0"/>
-              <a:t>Improve </a:t>
-            </a:r>
-            <a:r>
-              <a:rPr lang="en-US" sz="2000" b="1" dirty="0" err="1" smtClean="0"/>
-              <a:t>Pathloss</a:t>
-            </a:r>
-            <a:r>
-              <a:rPr lang="en-US" sz="2000" b="1" dirty="0" smtClean="0"/>
-              <a:t> Exponent</a:t>
-            </a:r>
-            <a:endParaRPr lang="en-US" sz="2000" dirty="0"/>
-          </a:p>
-        </p:txBody>
-      </p:sp>
-    </p:spTree>
-    <p:extLst>
-      <p:ext uri="{BB962C8B-B14F-4D97-AF65-F5344CB8AC3E}">
-        <p14:creationId xmlns:p14="http://schemas.microsoft.com/office/powerpoint/2010/main" val="1354242580"/>
-      </p:ext>
-    </p:extLst>
-  </p:cSld>
-  <p:clrMapOvr>
-    <a:masterClrMapping/>
-  </p:clrMapOvr>
-</p:sld>
-</file>
-
-<file path=ppt/slides/slide9.xml><?xml version="1.0" encoding="utf-8"?>
-<p:sld xmlns:a="http://schemas.openxmlformats.org/drawingml/2006/main" xmlns:r="http://schemas.openxmlformats.org/officeDocument/2006/relationships" xmlns:p="http://schemas.openxmlformats.org/presentationml/2006/main">
-  <p:cSld>
-    <p:spTree>
-      <p:nvGrpSpPr>
-        <p:cNvPr id="1" name=""/>
-        <p:cNvGrpSpPr/>
-        <p:nvPr/>
-      </p:nvGrpSpPr>
-      <p:grpSpPr>
-        <a:xfrm>
-          <a:off x="0" y="0"/>
-          <a:ext cx="0" cy="0"/>
-          <a:chOff x="0" y="0"/>
-          <a:chExt cx="0" cy="0"/>
-        </a:xfrm>
-      </p:grpSpPr>
-      <p:sp>
-        <p:nvSpPr>
-          <p:cNvPr id="2" name="Title 1"/>
-          <p:cNvSpPr>
-            <a:spLocks noGrp="1"/>
-          </p:cNvSpPr>
-          <p:nvPr>
-            <p:ph type="title"/>
-          </p:nvPr>
-        </p:nvSpPr>
-        <p:spPr/>
-        <p:txBody>
-          <a:bodyPr/>
-          <a:lstStyle/>
-          <a:p>
-            <a:r>
-              <a:rPr lang="en-US" dirty="0" smtClean="0"/>
-              <a:t>DAY AND NIGHT</a:t>
-            </a:r>
-            <a:endParaRPr lang="en-US" dirty="0"/>
-          </a:p>
-        </p:txBody>
-      </p:sp>
-      <p:sp>
-        <p:nvSpPr>
-          <p:cNvPr id="3" name="Content Placeholder 2"/>
-          <p:cNvSpPr>
-            <a:spLocks noGrp="1"/>
-          </p:cNvSpPr>
-          <p:nvPr>
-            <p:ph idx="1"/>
-          </p:nvPr>
-        </p:nvSpPr>
-        <p:spPr/>
-        <p:txBody>
-          <a:bodyPr/>
-          <a:lstStyle/>
-          <a:p>
-            <a:pPr algn="just"/>
-            <a:r>
-              <a:rPr lang="en-US" dirty="0" smtClean="0"/>
-              <a:t>So </a:t>
-            </a:r>
-            <a:r>
-              <a:rPr lang="en-US" dirty="0" err="1" smtClean="0"/>
-              <a:t>sánh</a:t>
-            </a:r>
-            <a:r>
-              <a:rPr lang="en-US" dirty="0" smtClean="0"/>
-              <a:t> </a:t>
-            </a:r>
-            <a:r>
-              <a:rPr lang="en-US" dirty="0" err="1" smtClean="0"/>
-              <a:t>kết</a:t>
-            </a:r>
-            <a:r>
-              <a:rPr lang="en-US" dirty="0" smtClean="0"/>
-              <a:t> </a:t>
-            </a:r>
-            <a:r>
-              <a:rPr lang="en-US" dirty="0" err="1" smtClean="0"/>
-              <a:t>quả</a:t>
-            </a:r>
-            <a:r>
-              <a:rPr lang="en-US" dirty="0" smtClean="0"/>
-              <a:t> RSSI RAW </a:t>
-            </a:r>
-            <a:r>
-              <a:rPr lang="en-US" dirty="0" err="1" smtClean="0"/>
-              <a:t>và</a:t>
-            </a:r>
-            <a:r>
-              <a:rPr lang="en-US" dirty="0" smtClean="0"/>
-              <a:t> KALMAN </a:t>
-            </a:r>
-            <a:r>
-              <a:rPr lang="en-US" dirty="0" err="1" smtClean="0"/>
-              <a:t>thu</a:t>
-            </a:r>
-            <a:r>
-              <a:rPr lang="en-US" dirty="0" smtClean="0"/>
-              <a:t> </a:t>
-            </a:r>
-            <a:r>
-              <a:rPr lang="en-US" dirty="0" err="1" smtClean="0"/>
-              <a:t>được</a:t>
-            </a:r>
-            <a:r>
-              <a:rPr lang="en-US" dirty="0" smtClean="0"/>
-              <a:t> </a:t>
-            </a:r>
-            <a:r>
-              <a:rPr lang="en-US" dirty="0" err="1" smtClean="0"/>
-              <a:t>giữa</a:t>
-            </a:r>
-            <a:r>
-              <a:rPr lang="en-US" dirty="0" smtClean="0"/>
-              <a:t> </a:t>
-            </a:r>
-            <a:r>
-              <a:rPr lang="en-US" dirty="0" smtClean="0"/>
-              <a:t>ban </a:t>
-            </a:r>
-            <a:r>
-              <a:rPr lang="en-US" dirty="0" err="1" smtClean="0"/>
-              <a:t>ngày</a:t>
-            </a:r>
-            <a:r>
-              <a:rPr lang="en-US" dirty="0" smtClean="0"/>
-              <a:t> </a:t>
-            </a:r>
-            <a:r>
-              <a:rPr lang="en-US" dirty="0" err="1" smtClean="0"/>
-              <a:t>và</a:t>
-            </a:r>
-            <a:r>
-              <a:rPr lang="en-US" dirty="0" smtClean="0"/>
-              <a:t> ban </a:t>
-            </a:r>
-            <a:r>
-              <a:rPr lang="en-US" dirty="0" err="1" smtClean="0"/>
-              <a:t>đêm</a:t>
-            </a:r>
-            <a:r>
-              <a:rPr lang="en-US" dirty="0" smtClean="0"/>
-              <a:t> </a:t>
-            </a:r>
-            <a:r>
-              <a:rPr lang="en-US" dirty="0" err="1" smtClean="0"/>
-              <a:t>để</a:t>
-            </a:r>
-            <a:r>
-              <a:rPr lang="en-US" dirty="0" smtClean="0"/>
-              <a:t> </a:t>
-            </a:r>
-            <a:r>
-              <a:rPr lang="en-US" dirty="0" err="1" smtClean="0"/>
-              <a:t>có</a:t>
-            </a:r>
-            <a:r>
-              <a:rPr lang="en-US" dirty="0" smtClean="0"/>
-              <a:t> </a:t>
-            </a:r>
-            <a:r>
-              <a:rPr lang="en-US" dirty="0" err="1" smtClean="0"/>
-              <a:t>đánh</a:t>
-            </a:r>
-            <a:r>
-              <a:rPr lang="en-US" dirty="0" smtClean="0"/>
-              <a:t> </a:t>
-            </a:r>
-            <a:r>
-              <a:rPr lang="en-US" dirty="0" err="1" smtClean="0"/>
-              <a:t>giá</a:t>
-            </a:r>
-            <a:r>
-              <a:rPr lang="en-US" dirty="0" smtClean="0"/>
-              <a:t> </a:t>
-            </a:r>
-            <a:r>
-              <a:rPr lang="en-US" dirty="0" err="1" smtClean="0"/>
-              <a:t>tổng</a:t>
-            </a:r>
-            <a:r>
-              <a:rPr lang="en-US" dirty="0" smtClean="0"/>
-              <a:t> </a:t>
-            </a:r>
-            <a:r>
-              <a:rPr lang="en-US" dirty="0" err="1" smtClean="0"/>
-              <a:t>quan</a:t>
-            </a:r>
-            <a:r>
-              <a:rPr lang="en-US" dirty="0" smtClean="0"/>
-              <a:t> </a:t>
-            </a:r>
-            <a:r>
-              <a:rPr lang="en-US" dirty="0" err="1" smtClean="0"/>
-              <a:t>về</a:t>
-            </a:r>
-            <a:r>
-              <a:rPr lang="en-US" dirty="0" smtClean="0"/>
-              <a:t> </a:t>
-            </a:r>
-            <a:r>
-              <a:rPr lang="en-US" dirty="0" err="1" smtClean="0"/>
-              <a:t>yếu</a:t>
-            </a:r>
-            <a:r>
-              <a:rPr lang="en-US" dirty="0" smtClean="0"/>
-              <a:t> </a:t>
-            </a:r>
-            <a:r>
-              <a:rPr lang="en-US" dirty="0" err="1" smtClean="0"/>
-              <a:t>tố</a:t>
-            </a:r>
-            <a:r>
-              <a:rPr lang="en-US" dirty="0" smtClean="0"/>
-              <a:t> </a:t>
-            </a:r>
-            <a:r>
-              <a:rPr lang="en-US" dirty="0" err="1" smtClean="0"/>
-              <a:t>ảnh</a:t>
-            </a:r>
-            <a:r>
-              <a:rPr lang="en-US" dirty="0" smtClean="0"/>
-              <a:t> </a:t>
-            </a:r>
-            <a:r>
-              <a:rPr lang="en-US" dirty="0" err="1" smtClean="0"/>
-              <a:t>hưởng</a:t>
-            </a:r>
-            <a:r>
-              <a:rPr lang="en-US" dirty="0" smtClean="0"/>
-              <a:t> </a:t>
-            </a:r>
-            <a:r>
-              <a:rPr lang="en-US" dirty="0" err="1" smtClean="0"/>
-              <a:t>đến</a:t>
-            </a:r>
-            <a:r>
-              <a:rPr lang="en-US" dirty="0" smtClean="0"/>
-              <a:t> RSSI.</a:t>
-            </a:r>
-            <a:endParaRPr lang="en-US" dirty="0"/>
-          </a:p>
-        </p:txBody>
-      </p:sp>
-    </p:spTree>
-    <p:extLst>
-      <p:ext uri="{BB962C8B-B14F-4D97-AF65-F5344CB8AC3E}">
-        <p14:creationId xmlns:p14="http://schemas.microsoft.com/office/powerpoint/2010/main" val="2216855903"/>
       </p:ext>
     </p:extLst>
   </p:cSld>

--- a/report/Timeline.Report.pptx
+++ b/report/Timeline.Report.pptx
@@ -19,18 +19,19 @@
     <p:sldId id="287" r:id="rId13"/>
     <p:sldId id="288" r:id="rId14"/>
     <p:sldId id="261" r:id="rId15"/>
-    <p:sldId id="262" r:id="rId16"/>
-    <p:sldId id="302" r:id="rId17"/>
-    <p:sldId id="291" r:id="rId18"/>
-    <p:sldId id="263" r:id="rId19"/>
-    <p:sldId id="264" r:id="rId20"/>
-    <p:sldId id="282" r:id="rId21"/>
-    <p:sldId id="301" r:id="rId22"/>
-    <p:sldId id="299" r:id="rId23"/>
-    <p:sldId id="293" r:id="rId24"/>
-    <p:sldId id="279" r:id="rId25"/>
-    <p:sldId id="280" r:id="rId26"/>
-    <p:sldId id="281" r:id="rId27"/>
+    <p:sldId id="305" r:id="rId16"/>
+    <p:sldId id="262" r:id="rId17"/>
+    <p:sldId id="302" r:id="rId18"/>
+    <p:sldId id="291" r:id="rId19"/>
+    <p:sldId id="263" r:id="rId20"/>
+    <p:sldId id="264" r:id="rId21"/>
+    <p:sldId id="282" r:id="rId22"/>
+    <p:sldId id="301" r:id="rId23"/>
+    <p:sldId id="299" r:id="rId24"/>
+    <p:sldId id="293" r:id="rId25"/>
+    <p:sldId id="279" r:id="rId26"/>
+    <p:sldId id="280" r:id="rId27"/>
+    <p:sldId id="281" r:id="rId28"/>
   </p:sldIdLst>
   <p:sldSz cx="9144000" cy="6858000" type="screen4x3"/>
   <p:notesSz cx="6858000" cy="9144000"/>
@@ -4714,12 +4715,12 @@
         <p:spPr>
           <a:xfrm>
             <a:off x="457200" y="1295400"/>
-            <a:ext cx="8229600" cy="4830763"/>
+            <a:ext cx="8458200" cy="4830763"/>
           </a:xfrm>
         </p:spPr>
         <p:txBody>
           <a:bodyPr>
-            <a:normAutofit fontScale="92500" lnSpcReduction="10000"/>
+            <a:normAutofit/>
           </a:bodyPr>
           <a:lstStyle/>
           <a:p>
@@ -4799,6 +4800,148 @@
               <a:rPr lang="en-US" dirty="0" err="1" smtClean="0"/>
               <a:t>trường</a:t>
             </a:r>
+            <a:r>
+              <a:rPr lang="en-US" dirty="0" smtClean="0"/>
+              <a:t>.</a:t>
+            </a:r>
+          </a:p>
+          <a:p>
+            <a:r>
+              <a:rPr lang="en-US" dirty="0" err="1" smtClean="0"/>
+              <a:t>Xác</a:t>
+            </a:r>
+            <a:r>
+              <a:rPr lang="en-US" dirty="0" smtClean="0"/>
+              <a:t> </a:t>
+            </a:r>
+            <a:r>
+              <a:rPr lang="en-US" dirty="0" err="1" smtClean="0"/>
+              <a:t>định</a:t>
+            </a:r>
+            <a:r>
+              <a:rPr lang="en-US" dirty="0" smtClean="0"/>
+              <a:t> </a:t>
+            </a:r>
+            <a:r>
+              <a:rPr lang="en-US" dirty="0" err="1" smtClean="0"/>
+              <a:t>đúng</a:t>
+            </a:r>
+            <a:r>
+              <a:rPr lang="en-US" dirty="0" smtClean="0"/>
+              <a:t> </a:t>
+            </a:r>
+            <a:r>
+              <a:rPr lang="en-US" dirty="0" err="1" smtClean="0"/>
+              <a:t>tham</a:t>
+            </a:r>
+            <a:r>
+              <a:rPr lang="en-US" dirty="0" smtClean="0"/>
+              <a:t> </a:t>
+            </a:r>
+            <a:r>
+              <a:rPr lang="en-US" dirty="0" err="1" smtClean="0"/>
+              <a:t>số</a:t>
+            </a:r>
+            <a:r>
+              <a:rPr lang="en-US" dirty="0" smtClean="0"/>
+              <a:t> </a:t>
+            </a:r>
+            <a:r>
+              <a:rPr lang="en-US" dirty="0" err="1" smtClean="0"/>
+              <a:t>suy</a:t>
+            </a:r>
+            <a:r>
+              <a:rPr lang="en-US" dirty="0" smtClean="0"/>
+              <a:t> </a:t>
+            </a:r>
+            <a:r>
+              <a:rPr lang="en-US" dirty="0" err="1" smtClean="0"/>
+              <a:t>hao</a:t>
+            </a:r>
+            <a:r>
+              <a:rPr lang="en-US" dirty="0" smtClean="0"/>
+              <a:t> </a:t>
+            </a:r>
+            <a:r>
+              <a:rPr lang="en-US" dirty="0" err="1" smtClean="0"/>
+              <a:t>sẽ</a:t>
+            </a:r>
+            <a:r>
+              <a:rPr lang="en-US" dirty="0" smtClean="0"/>
+              <a:t> </a:t>
+            </a:r>
+            <a:r>
+              <a:rPr lang="en-US" dirty="0" err="1" smtClean="0"/>
+              <a:t>làm</a:t>
+            </a:r>
+            <a:r>
+              <a:rPr lang="en-US" dirty="0" smtClean="0"/>
+              <a:t> </a:t>
+            </a:r>
+            <a:r>
+              <a:rPr lang="en-US" dirty="0" err="1" smtClean="0"/>
+              <a:t>tăng</a:t>
+            </a:r>
+            <a:r>
+              <a:rPr lang="en-US" dirty="0" smtClean="0"/>
+              <a:t> </a:t>
+            </a:r>
+            <a:r>
+              <a:rPr lang="en-US" dirty="0" err="1" smtClean="0"/>
+              <a:t>độ</a:t>
+            </a:r>
+            <a:r>
+              <a:rPr lang="en-US" dirty="0" smtClean="0"/>
+              <a:t> </a:t>
+            </a:r>
+            <a:r>
+              <a:rPr lang="en-US" dirty="0" err="1" smtClean="0"/>
+              <a:t>chính</a:t>
+            </a:r>
+            <a:r>
+              <a:rPr lang="en-US" dirty="0" smtClean="0"/>
+              <a:t> </a:t>
+            </a:r>
+            <a:r>
+              <a:rPr lang="en-US" dirty="0" err="1" smtClean="0"/>
+              <a:t>xác</a:t>
+            </a:r>
+            <a:r>
+              <a:rPr lang="en-US" dirty="0" smtClean="0"/>
+              <a:t> </a:t>
+            </a:r>
+            <a:r>
+              <a:rPr lang="en-US" dirty="0" err="1" smtClean="0"/>
+              <a:t>khoảng</a:t>
+            </a:r>
+            <a:r>
+              <a:rPr lang="en-US" dirty="0" smtClean="0"/>
+              <a:t> </a:t>
+            </a:r>
+            <a:r>
+              <a:rPr lang="en-US" dirty="0" err="1" smtClean="0"/>
+              <a:t>cách</a:t>
+            </a:r>
+            <a:r>
+              <a:rPr lang="en-US" dirty="0" smtClean="0"/>
+              <a:t> </a:t>
+            </a:r>
+            <a:r>
+              <a:rPr lang="en-US" dirty="0" err="1" smtClean="0"/>
+              <a:t>tìm</a:t>
+            </a:r>
+            <a:r>
+              <a:rPr lang="en-US" dirty="0" smtClean="0"/>
+              <a:t> </a:t>
+            </a:r>
+            <a:r>
+              <a:rPr lang="en-US" dirty="0" err="1" smtClean="0"/>
+              <a:t>được</a:t>
+            </a:r>
+            <a:r>
+              <a:rPr lang="en-US" dirty="0" smtClean="0"/>
+              <a:t>.</a:t>
+            </a:r>
             <a:endParaRPr lang="en-US" dirty="0" smtClean="0"/>
           </a:p>
           <a:p>
@@ -4819,202 +4962,7 @@
           </a:p>
           <a:p>
             <a:pPr algn="just"/>
-            <a:r>
-              <a:rPr lang="en-US" dirty="0" err="1" smtClean="0"/>
-              <a:t>Cố</a:t>
-            </a:r>
-            <a:r>
-              <a:rPr lang="en-US" dirty="0" smtClean="0"/>
-              <a:t> </a:t>
-            </a:r>
-            <a:r>
-              <a:rPr lang="en-US" dirty="0" err="1" smtClean="0"/>
-              <a:t>định</a:t>
-            </a:r>
-            <a:r>
-              <a:rPr lang="en-US" dirty="0" smtClean="0"/>
-              <a:t> </a:t>
-            </a:r>
-            <a:r>
-              <a:rPr lang="en-US" dirty="0" err="1" smtClean="0"/>
-              <a:t>vị</a:t>
-            </a:r>
-            <a:r>
-              <a:rPr lang="en-US" dirty="0" smtClean="0"/>
-              <a:t> </a:t>
-            </a:r>
-            <a:r>
-              <a:rPr lang="en-US" dirty="0" err="1" smtClean="0"/>
-              <a:t>trí</a:t>
-            </a:r>
-            <a:r>
-              <a:rPr lang="en-US" dirty="0" smtClean="0"/>
-              <a:t> </a:t>
-            </a:r>
-            <a:r>
-              <a:rPr lang="en-US" dirty="0" err="1" smtClean="0"/>
-              <a:t>Pathloss</a:t>
-            </a:r>
-            <a:r>
-              <a:rPr lang="en-US" dirty="0" smtClean="0"/>
-              <a:t>.</a:t>
-            </a:r>
-            <a:r>
-              <a:rPr lang="en-US" dirty="0" smtClean="0"/>
-              <a:t> </a:t>
-            </a:r>
-            <a:r>
-              <a:rPr lang="en-US" dirty="0" err="1" smtClean="0"/>
-              <a:t>Với</a:t>
-            </a:r>
-            <a:r>
-              <a:rPr lang="en-US" dirty="0" smtClean="0"/>
-              <a:t> RSSI </a:t>
-            </a:r>
-            <a:r>
-              <a:rPr lang="en-US" dirty="0" err="1" smtClean="0"/>
-              <a:t>đo</a:t>
-            </a:r>
-            <a:r>
-              <a:rPr lang="en-US" dirty="0" smtClean="0"/>
-              <a:t> </a:t>
-            </a:r>
-            <a:r>
-              <a:rPr lang="en-US" dirty="0" err="1" smtClean="0"/>
-              <a:t>được</a:t>
-            </a:r>
-            <a:r>
-              <a:rPr lang="en-US" dirty="0" smtClean="0"/>
-              <a:t>, d </a:t>
-            </a:r>
-            <a:r>
-              <a:rPr lang="en-US" dirty="0" err="1" smtClean="0"/>
-              <a:t>và</a:t>
-            </a:r>
-            <a:r>
-              <a:rPr lang="en-US" dirty="0" smtClean="0"/>
-              <a:t> R1m </a:t>
-            </a:r>
-            <a:r>
-              <a:rPr lang="en-US" dirty="0" err="1" smtClean="0"/>
-              <a:t>đã</a:t>
-            </a:r>
-            <a:r>
-              <a:rPr lang="en-US" dirty="0" smtClean="0"/>
-              <a:t> </a:t>
-            </a:r>
-            <a:r>
-              <a:rPr lang="en-US" dirty="0" err="1" smtClean="0"/>
-              <a:t>biết</a:t>
-            </a:r>
-            <a:r>
-              <a:rPr lang="en-US" dirty="0" smtClean="0"/>
-              <a:t>, ta </a:t>
-            </a:r>
-            <a:r>
-              <a:rPr lang="en-US" dirty="0" err="1" smtClean="0"/>
-              <a:t>suy</a:t>
-            </a:r>
-            <a:r>
-              <a:rPr lang="en-US" dirty="0" smtClean="0"/>
-              <a:t> </a:t>
-            </a:r>
-            <a:r>
-              <a:rPr lang="en-US" dirty="0" err="1" smtClean="0"/>
-              <a:t>ngược</a:t>
-            </a:r>
-            <a:r>
-              <a:rPr lang="en-US" dirty="0" smtClean="0"/>
-              <a:t> </a:t>
-            </a:r>
-            <a:r>
-              <a:rPr lang="en-US" dirty="0" err="1" smtClean="0"/>
-              <a:t>lại</a:t>
-            </a:r>
-            <a:r>
-              <a:rPr lang="en-US" dirty="0" smtClean="0"/>
-              <a:t> </a:t>
-            </a:r>
-            <a:r>
-              <a:rPr lang="en-US" dirty="0" err="1" smtClean="0"/>
-              <a:t>được</a:t>
-            </a:r>
-            <a:r>
-              <a:rPr lang="en-US" dirty="0" smtClean="0"/>
-              <a:t> n. </a:t>
-            </a:r>
             <a:endParaRPr lang="en-US" dirty="0" smtClean="0"/>
-          </a:p>
-          <a:p>
-            <a:pPr algn="just"/>
-            <a:r>
-              <a:rPr lang="en-US" dirty="0" err="1" smtClean="0"/>
-              <a:t>Thay</a:t>
-            </a:r>
-            <a:r>
-              <a:rPr lang="en-US" dirty="0" smtClean="0"/>
-              <a:t> </a:t>
-            </a:r>
-            <a:r>
-              <a:rPr lang="en-US" dirty="0" smtClean="0"/>
-              <a:t>n </a:t>
-            </a:r>
-            <a:r>
-              <a:rPr lang="en-US" dirty="0" err="1" smtClean="0"/>
-              <a:t>vào</a:t>
-            </a:r>
-            <a:r>
-              <a:rPr lang="en-US" dirty="0" smtClean="0"/>
-              <a:t> </a:t>
-            </a:r>
-            <a:r>
-              <a:rPr lang="en-US" dirty="0" err="1" smtClean="0"/>
-              <a:t>công</a:t>
-            </a:r>
-            <a:r>
-              <a:rPr lang="en-US" dirty="0" smtClean="0"/>
-              <a:t> </a:t>
-            </a:r>
-            <a:r>
-              <a:rPr lang="en-US" dirty="0" err="1" smtClean="0"/>
-              <a:t>thức</a:t>
-            </a:r>
-            <a:r>
-              <a:rPr lang="en-US" dirty="0" smtClean="0"/>
-              <a:t> </a:t>
-            </a:r>
-            <a:r>
-              <a:rPr lang="en-US" dirty="0" err="1" smtClean="0"/>
-              <a:t>tính</a:t>
-            </a:r>
-            <a:r>
-              <a:rPr lang="en-US" dirty="0" smtClean="0"/>
-              <a:t> </a:t>
-            </a:r>
-            <a:r>
-              <a:rPr lang="en-US" dirty="0" err="1" smtClean="0"/>
-              <a:t>khoảng</a:t>
-            </a:r>
-            <a:r>
-              <a:rPr lang="en-US" dirty="0" smtClean="0"/>
-              <a:t> </a:t>
-            </a:r>
-            <a:r>
-              <a:rPr lang="en-US" dirty="0" err="1" smtClean="0"/>
-              <a:t>cách</a:t>
-            </a:r>
-            <a:r>
-              <a:rPr lang="en-US" dirty="0" smtClean="0"/>
-              <a:t> </a:t>
-            </a:r>
-            <a:r>
-              <a:rPr lang="en-US" dirty="0" err="1" smtClean="0"/>
-              <a:t>của</a:t>
-            </a:r>
-            <a:r>
-              <a:rPr lang="en-US" dirty="0" smtClean="0"/>
-              <a:t> Tag</a:t>
-            </a:r>
           </a:p>
           <a:p>
             <a:endParaRPr lang="en-US" dirty="0"/>
@@ -5044,8 +4992,8 @@
         </p:blipFill>
         <p:spPr bwMode="auto">
           <a:xfrm>
-            <a:off x="1567543" y="1752600"/>
-            <a:ext cx="5753100" cy="2400300"/>
+            <a:off x="762000" y="2982686"/>
+            <a:ext cx="7827346" cy="3265714"/>
           </a:xfrm>
           <a:prstGeom prst="rect">
             <a:avLst/>
@@ -5107,6 +5055,818 @@
       </p:grpSpPr>
       <p:sp>
         <p:nvSpPr>
+          <p:cNvPr id="2" name="Title 1"/>
+          <p:cNvSpPr>
+            <a:spLocks noGrp="1"/>
+          </p:cNvSpPr>
+          <p:nvPr>
+            <p:ph type="title"/>
+          </p:nvPr>
+        </p:nvSpPr>
+        <p:spPr/>
+        <p:txBody>
+          <a:bodyPr/>
+          <a:lstStyle/>
+          <a:p>
+            <a:r>
+              <a:rPr lang="en-US" dirty="0" smtClean="0"/>
+              <a:t>IMPROVE PATHLOSS EXPONENT</a:t>
+            </a:r>
+            <a:endParaRPr lang="en-US" dirty="0"/>
+          </a:p>
+        </p:txBody>
+      </p:sp>
+      <mc:AlternateContent xmlns:mc="http://schemas.openxmlformats.org/markup-compatibility/2006">
+        <mc:Choice xmlns:a14="http://schemas.microsoft.com/office/drawing/2010/main" Requires="a14">
+          <p:sp>
+            <p:nvSpPr>
+              <p:cNvPr id="3" name="Content Placeholder 2"/>
+              <p:cNvSpPr>
+                <a:spLocks noGrp="1"/>
+              </p:cNvSpPr>
+              <p:nvPr>
+                <p:ph idx="1"/>
+              </p:nvPr>
+            </p:nvSpPr>
+            <p:spPr/>
+            <p:txBody>
+              <a:bodyPr>
+                <a:normAutofit fontScale="92500" lnSpcReduction="20000"/>
+              </a:bodyPr>
+              <a:lstStyle/>
+              <a:p>
+                <a:pPr algn="just"/>
+                <a:r>
+                  <a:rPr lang="vi-VN" dirty="0" smtClean="0"/>
+                  <a:t>Như</a:t>
+                </a:r>
+                <a:r>
+                  <a:rPr lang="en-US" dirty="0" smtClean="0"/>
+                  <a:t> </a:t>
+                </a:r>
+                <a:r>
+                  <a:rPr lang="en-US" dirty="0" err="1" smtClean="0"/>
+                  <a:t>đã</a:t>
+                </a:r>
+                <a:r>
+                  <a:rPr lang="en-US" dirty="0" smtClean="0"/>
+                  <a:t> </a:t>
+                </a:r>
+                <a:r>
+                  <a:rPr lang="en-US" dirty="0" err="1" smtClean="0"/>
+                  <a:t>giới</a:t>
+                </a:r>
+                <a:r>
+                  <a:rPr lang="en-US" dirty="0" smtClean="0"/>
+                  <a:t> </a:t>
+                </a:r>
+                <a:r>
+                  <a:rPr lang="en-US" dirty="0" err="1" smtClean="0"/>
+                  <a:t>thiệu</a:t>
+                </a:r>
+                <a:r>
+                  <a:rPr lang="en-US" dirty="0" smtClean="0"/>
+                  <a:t>: </a:t>
+                </a:r>
+              </a:p>
+              <a:p>
+                <a:pPr marL="0" indent="0" algn="just">
+                  <a:buNone/>
+                </a:pPr>
+                <a14:m>
+                  <m:oMathPara xmlns:m="http://schemas.openxmlformats.org/officeDocument/2006/math">
+                    <m:oMathParaPr>
+                      <m:jc m:val="centerGroup"/>
+                    </m:oMathParaPr>
+                    <m:oMath xmlns:m="http://schemas.openxmlformats.org/officeDocument/2006/math">
+                      <m:r>
+                        <a:rPr lang="en-US" i="1">
+                          <a:latin typeface="Cambria Math"/>
+                        </a:rPr>
+                        <m:t>𝑅</m:t>
+                      </m:r>
+                      <m:r>
+                        <a:rPr lang="en-US" i="1">
+                          <a:latin typeface="Cambria Math"/>
+                        </a:rPr>
+                        <m:t>=−10</m:t>
+                      </m:r>
+                      <m:r>
+                        <a:rPr lang="en-US" i="1">
+                          <a:latin typeface="Cambria Math"/>
+                        </a:rPr>
+                        <m:t>𝑛</m:t>
+                      </m:r>
+                      <m:r>
+                        <a:rPr lang="en-US" i="1">
+                          <a:latin typeface="Cambria Math"/>
+                        </a:rPr>
+                        <m:t>∗</m:t>
+                      </m:r>
+                      <m:r>
+                        <a:rPr lang="en-US" i="1">
+                          <a:latin typeface="Cambria Math"/>
+                        </a:rPr>
+                        <m:t>𝑙𝑜𝑔</m:t>
+                      </m:r>
+                      <m:r>
+                        <a:rPr lang="en-US" i="1">
+                          <a:latin typeface="Cambria Math"/>
+                        </a:rPr>
+                        <m:t> </m:t>
+                      </m:r>
+                      <m:d>
+                        <m:dPr>
+                          <m:ctrlPr>
+                            <a:rPr lang="en-US" i="1">
+                              <a:latin typeface="Cambria Math"/>
+                            </a:rPr>
+                          </m:ctrlPr>
+                        </m:dPr>
+                        <m:e>
+                          <m:r>
+                            <a:rPr lang="en-US" i="1">
+                              <a:latin typeface="Cambria Math"/>
+                            </a:rPr>
+                            <m:t>𝑑</m:t>
+                          </m:r>
+                        </m:e>
+                      </m:d>
+                      <m:r>
+                        <a:rPr lang="en-US" i="1">
+                          <a:latin typeface="Cambria Math"/>
+                        </a:rPr>
+                        <m:t>+</m:t>
+                      </m:r>
+                      <m:r>
+                        <a:rPr lang="en-US" i="1">
+                          <a:latin typeface="Cambria Math"/>
+                        </a:rPr>
+                        <m:t>𝑅</m:t>
+                      </m:r>
+                      <m:r>
+                        <a:rPr lang="en-US" i="1">
+                          <a:latin typeface="Cambria Math"/>
+                        </a:rPr>
+                        <m:t>1</m:t>
+                      </m:r>
+                      <m:r>
+                        <a:rPr lang="en-US" i="1">
+                          <a:latin typeface="Cambria Math"/>
+                        </a:rPr>
+                        <m:t>𝑚</m:t>
+                      </m:r>
+                    </m:oMath>
+                  </m:oMathPara>
+                </a14:m>
+                <a:endParaRPr lang="en-US" dirty="0" smtClean="0"/>
+              </a:p>
+              <a:p>
+                <a:pPr algn="just"/>
+                <a:r>
+                  <a:rPr lang="en-US" dirty="0" err="1" smtClean="0"/>
+                  <a:t>Nếu</a:t>
+                </a:r>
+                <a:r>
+                  <a:rPr lang="en-US" dirty="0" smtClean="0"/>
+                  <a:t> ta </a:t>
+                </a:r>
+                <a:r>
+                  <a:rPr lang="en-US" dirty="0" err="1" smtClean="0"/>
+                  <a:t>đo</a:t>
+                </a:r>
+                <a:r>
+                  <a:rPr lang="en-US" dirty="0" smtClean="0"/>
+                  <a:t> </a:t>
+                </a:r>
+                <a:r>
+                  <a:rPr lang="en-US" dirty="0" err="1" smtClean="0"/>
+                  <a:t>được</a:t>
+                </a:r>
+                <a:r>
+                  <a:rPr lang="en-US" dirty="0" smtClean="0"/>
+                  <a:t> </a:t>
+                </a:r>
+                <a14:m>
+                  <m:oMath xmlns:m="http://schemas.openxmlformats.org/officeDocument/2006/math">
+                    <m:r>
+                      <a:rPr lang="en-US" b="0" i="1" smtClean="0">
+                        <a:latin typeface="Cambria Math"/>
+                      </a:rPr>
+                      <m:t>𝑅</m:t>
+                    </m:r>
+                  </m:oMath>
+                </a14:m>
+                <a:r>
+                  <a:rPr lang="en-US" dirty="0" smtClean="0"/>
+                  <a:t>, </a:t>
+                </a:r>
+                <a:r>
+                  <a:rPr lang="en-US" dirty="0" err="1" smtClean="0"/>
+                  <a:t>tham</a:t>
+                </a:r>
+                <a:r>
+                  <a:rPr lang="en-US" dirty="0" smtClean="0"/>
+                  <a:t> </a:t>
+                </a:r>
+                <a:r>
+                  <a:rPr lang="en-US" dirty="0" err="1" smtClean="0"/>
+                  <a:t>số</a:t>
+                </a:r>
+                <a:r>
+                  <a:rPr lang="en-US" dirty="0" smtClean="0"/>
+                  <a:t> </a:t>
+                </a:r>
+                <a14:m>
+                  <m:oMath xmlns:m="http://schemas.openxmlformats.org/officeDocument/2006/math">
+                    <m:r>
+                      <a:rPr lang="en-US" b="0" i="1" smtClean="0">
+                        <a:latin typeface="Cambria Math"/>
+                      </a:rPr>
+                      <m:t>𝑑</m:t>
+                    </m:r>
+                  </m:oMath>
+                </a14:m>
+                <a:r>
+                  <a:rPr lang="en-US" dirty="0" smtClean="0"/>
+                  <a:t> </a:t>
+                </a:r>
+                <a:r>
+                  <a:rPr lang="en-US" dirty="0" err="1" smtClean="0"/>
+                  <a:t>và</a:t>
+                </a:r>
+                <a:r>
+                  <a:rPr lang="en-US" dirty="0" smtClean="0"/>
+                  <a:t> </a:t>
+                </a:r>
+                <a14:m>
+                  <m:oMath xmlns:m="http://schemas.openxmlformats.org/officeDocument/2006/math">
+                    <m:r>
+                      <a:rPr lang="en-US" b="0" i="1" smtClean="0">
+                        <a:latin typeface="Cambria Math"/>
+                      </a:rPr>
+                      <m:t>𝑅</m:t>
+                    </m:r>
+                    <m:r>
+                      <a:rPr lang="en-US" b="0" i="1" smtClean="0">
+                        <a:latin typeface="Cambria Math"/>
+                      </a:rPr>
+                      <m:t>1</m:t>
+                    </m:r>
+                    <m:r>
+                      <a:rPr lang="en-US" b="0" i="1" smtClean="0">
+                        <a:latin typeface="Cambria Math"/>
+                      </a:rPr>
+                      <m:t>𝑚</m:t>
+                    </m:r>
+                  </m:oMath>
+                </a14:m>
+                <a:r>
+                  <a:rPr lang="en-US" dirty="0" smtClean="0"/>
+                  <a:t> </a:t>
+                </a:r>
+                <a:r>
+                  <a:rPr lang="en-US" dirty="0" err="1" smtClean="0"/>
+                  <a:t>đã</a:t>
+                </a:r>
+                <a:r>
+                  <a:rPr lang="en-US" dirty="0" smtClean="0"/>
+                  <a:t> </a:t>
+                </a:r>
+                <a:r>
+                  <a:rPr lang="en-US" dirty="0" err="1" smtClean="0"/>
+                  <a:t>biết</a:t>
+                </a:r>
+                <a:r>
+                  <a:rPr lang="en-US" dirty="0" smtClean="0"/>
+                  <a:t>     =&gt; </a:t>
+                </a:r>
+                <a:r>
+                  <a:rPr lang="en-US" dirty="0" err="1" smtClean="0"/>
+                  <a:t>Tìm</a:t>
+                </a:r>
+                <a:r>
+                  <a:rPr lang="en-US" dirty="0" smtClean="0"/>
+                  <a:t> </a:t>
+                </a:r>
+                <a:r>
+                  <a:rPr lang="en-US" dirty="0" err="1" smtClean="0"/>
+                  <a:t>được</a:t>
+                </a:r>
+                <a:r>
+                  <a:rPr lang="en-US" dirty="0" smtClean="0"/>
+                  <a:t> </a:t>
+                </a:r>
+                <a14:m>
+                  <m:oMath xmlns:m="http://schemas.openxmlformats.org/officeDocument/2006/math">
+                    <m:r>
+                      <a:rPr lang="en-US" b="0" i="1" smtClean="0">
+                        <a:latin typeface="Cambria Math"/>
+                      </a:rPr>
+                      <m:t>𝑛</m:t>
+                    </m:r>
+                  </m:oMath>
+                </a14:m>
+                <a:endParaRPr lang="en-US" b="0" dirty="0" smtClean="0"/>
+              </a:p>
+              <a:p>
+                <a:pPr algn="just"/>
+                <a:r>
+                  <a:rPr lang="en-US" dirty="0" err="1" smtClean="0"/>
+                  <a:t>Nếu</a:t>
+                </a:r>
+                <a:r>
+                  <a:rPr lang="en-US" dirty="0" smtClean="0"/>
+                  <a:t> ta </a:t>
+                </a:r>
+                <a:r>
+                  <a:rPr lang="en-US" dirty="0" err="1" smtClean="0"/>
+                  <a:t>đo</a:t>
+                </a:r>
+                <a:r>
+                  <a:rPr lang="en-US" dirty="0" smtClean="0"/>
+                  <a:t> </a:t>
+                </a:r>
+                <a:r>
+                  <a:rPr lang="en-US" dirty="0" err="1" smtClean="0"/>
+                  <a:t>được</a:t>
+                </a:r>
+                <a:r>
+                  <a:rPr lang="en-US" dirty="0" smtClean="0"/>
+                  <a:t> R, </a:t>
+                </a:r>
+                <a:r>
+                  <a:rPr lang="en-US" dirty="0" err="1" smtClean="0"/>
+                  <a:t>tham</a:t>
+                </a:r>
+                <a:r>
+                  <a:rPr lang="en-US" dirty="0" smtClean="0"/>
+                  <a:t> </a:t>
+                </a:r>
+                <a:r>
+                  <a:rPr lang="en-US" dirty="0" err="1" smtClean="0"/>
+                  <a:t>số</a:t>
+                </a:r>
+                <a:r>
+                  <a:rPr lang="en-US" dirty="0" smtClean="0"/>
+                  <a:t> </a:t>
+                </a:r>
+                <a14:m>
+                  <m:oMath xmlns:m="http://schemas.openxmlformats.org/officeDocument/2006/math">
+                    <m:r>
+                      <a:rPr lang="en-US" b="0" i="1" smtClean="0">
+                        <a:latin typeface="Cambria Math"/>
+                      </a:rPr>
+                      <m:t>𝑛</m:t>
+                    </m:r>
+                  </m:oMath>
+                </a14:m>
+                <a:r>
+                  <a:rPr lang="en-US" dirty="0" smtClean="0"/>
+                  <a:t> </a:t>
+                </a:r>
+                <a:r>
+                  <a:rPr lang="en-US" dirty="0" err="1" smtClean="0"/>
+                  <a:t>tìm</a:t>
+                </a:r>
+                <a:r>
+                  <a:rPr lang="en-US" dirty="0" smtClean="0"/>
+                  <a:t> </a:t>
+                </a:r>
+                <a:r>
+                  <a:rPr lang="en-US" dirty="0" err="1" smtClean="0"/>
+                  <a:t>được</a:t>
+                </a:r>
+                <a:r>
+                  <a:rPr lang="en-US" dirty="0" smtClean="0"/>
+                  <a:t>, </a:t>
+                </a:r>
+                <a14:m>
+                  <m:oMath xmlns:m="http://schemas.openxmlformats.org/officeDocument/2006/math">
+                    <m:r>
+                      <a:rPr lang="en-US" b="0" i="1" smtClean="0">
+                        <a:latin typeface="Cambria Math"/>
+                      </a:rPr>
+                      <m:t>𝑅</m:t>
+                    </m:r>
+                    <m:r>
+                      <a:rPr lang="en-US" b="0" i="1" smtClean="0">
+                        <a:latin typeface="Cambria Math"/>
+                      </a:rPr>
+                      <m:t>1</m:t>
+                    </m:r>
+                    <m:r>
+                      <a:rPr lang="en-US" b="0" i="1" smtClean="0">
+                        <a:latin typeface="Cambria Math"/>
+                      </a:rPr>
+                      <m:t>𝑚</m:t>
+                    </m:r>
+                  </m:oMath>
+                </a14:m>
+                <a:r>
+                  <a:rPr lang="en-US" dirty="0" smtClean="0"/>
+                  <a:t> </a:t>
+                </a:r>
+                <a:r>
+                  <a:rPr lang="en-US" dirty="0" err="1" smtClean="0"/>
+                  <a:t>đã</a:t>
+                </a:r>
+                <a:r>
+                  <a:rPr lang="en-US" dirty="0" smtClean="0"/>
+                  <a:t> </a:t>
+                </a:r>
+                <a:r>
+                  <a:rPr lang="en-US" dirty="0" err="1" smtClean="0"/>
+                  <a:t>biết</a:t>
+                </a:r>
+                <a:r>
+                  <a:rPr lang="en-US" dirty="0" smtClean="0"/>
+                  <a:t> =&gt; </a:t>
+                </a:r>
+                <a:r>
+                  <a:rPr lang="en-US" dirty="0" err="1" smtClean="0"/>
+                  <a:t>Tìm</a:t>
+                </a:r>
+                <a:r>
+                  <a:rPr lang="en-US" dirty="0" smtClean="0"/>
+                  <a:t> </a:t>
+                </a:r>
+                <a:r>
+                  <a:rPr lang="en-US" dirty="0" err="1" smtClean="0"/>
+                  <a:t>được</a:t>
+                </a:r>
+                <a:r>
+                  <a:rPr lang="en-US" dirty="0" smtClean="0"/>
+                  <a:t> </a:t>
+                </a:r>
+                <a14:m>
+                  <m:oMath xmlns:m="http://schemas.openxmlformats.org/officeDocument/2006/math">
+                    <m:r>
+                      <a:rPr lang="en-US" b="0" i="1" smtClean="0">
+                        <a:latin typeface="Cambria Math"/>
+                      </a:rPr>
+                      <m:t>𝑑</m:t>
+                    </m:r>
+                  </m:oMath>
+                </a14:m>
+                <a:endParaRPr lang="en-US" b="0" dirty="0" smtClean="0"/>
+              </a:p>
+              <a:p>
+                <a:pPr algn="just">
+                  <a:buFont typeface="Symbol"/>
+                  <a:buChar char="Þ"/>
+                </a:pPr>
+                <a:r>
+                  <a:rPr lang="en-US" dirty="0" err="1" smtClean="0"/>
+                  <a:t>Với</a:t>
+                </a:r>
+                <a:r>
+                  <a:rPr lang="en-US" dirty="0" smtClean="0"/>
+                  <a:t> </a:t>
+                </a:r>
+                <a:r>
+                  <a:rPr lang="en-US" dirty="0" err="1" smtClean="0"/>
+                  <a:t>Thiết</a:t>
+                </a:r>
+                <a:r>
+                  <a:rPr lang="en-US" dirty="0" smtClean="0"/>
+                  <a:t> </a:t>
+                </a:r>
+                <a:r>
+                  <a:rPr lang="en-US" dirty="0" err="1" smtClean="0"/>
+                  <a:t>bị</a:t>
+                </a:r>
+                <a:r>
+                  <a:rPr lang="en-US" dirty="0" smtClean="0"/>
+                  <a:t> </a:t>
+                </a:r>
+                <a:r>
+                  <a:rPr lang="en-US" dirty="0" err="1" smtClean="0"/>
+                  <a:t>Pathloss</a:t>
+                </a:r>
+                <a:r>
+                  <a:rPr lang="en-US" dirty="0" smtClean="0"/>
+                  <a:t> </a:t>
+                </a:r>
+                <a:r>
+                  <a:rPr lang="en-US" dirty="0" err="1" smtClean="0"/>
+                  <a:t>có</a:t>
+                </a:r>
+                <a:r>
+                  <a:rPr lang="en-US" dirty="0" smtClean="0"/>
+                  <a:t> </a:t>
+                </a:r>
+                <a:r>
+                  <a:rPr lang="en-US" dirty="0" err="1" smtClean="0"/>
+                  <a:t>vị</a:t>
+                </a:r>
+                <a:r>
+                  <a:rPr lang="en-US" dirty="0" smtClean="0"/>
+                  <a:t> </a:t>
+                </a:r>
+                <a:r>
+                  <a:rPr lang="en-US" dirty="0" err="1" smtClean="0"/>
+                  <a:t>trí</a:t>
+                </a:r>
+                <a:r>
+                  <a:rPr lang="en-US" dirty="0" smtClean="0"/>
+                  <a:t> </a:t>
+                </a:r>
+                <a:r>
+                  <a:rPr lang="en-US" dirty="0" err="1" smtClean="0"/>
+                  <a:t>cố</a:t>
+                </a:r>
+                <a:r>
+                  <a:rPr lang="en-US" dirty="0" smtClean="0"/>
+                  <a:t> </a:t>
+                </a:r>
+                <a:r>
+                  <a:rPr lang="en-US" dirty="0" err="1" smtClean="0"/>
+                  <a:t>định</a:t>
+                </a:r>
+                <a:r>
+                  <a:rPr lang="en-US" dirty="0" smtClean="0"/>
+                  <a:t>. Ta </a:t>
+                </a:r>
+                <a:r>
+                  <a:rPr lang="en-US" dirty="0" err="1" smtClean="0"/>
+                  <a:t>tìm</a:t>
+                </a:r>
+                <a:r>
+                  <a:rPr lang="en-US" dirty="0" smtClean="0"/>
+                  <a:t> </a:t>
+                </a:r>
+                <a:r>
+                  <a:rPr lang="en-US" dirty="0" err="1" smtClean="0"/>
+                  <a:t>được</a:t>
+                </a:r>
+                <a:r>
+                  <a:rPr lang="en-US" dirty="0" smtClean="0"/>
+                  <a:t> </a:t>
+                </a:r>
+                <a:r>
+                  <a:rPr lang="en-US" b="1" dirty="0" smtClean="0"/>
+                  <a:t>Dynamic </a:t>
+                </a:r>
+                <a:r>
+                  <a:rPr lang="en-US" b="1" dirty="0" err="1" smtClean="0"/>
+                  <a:t>Pathloss</a:t>
+                </a:r>
+                <a:r>
+                  <a:rPr lang="en-US" b="1" dirty="0" smtClean="0"/>
+                  <a:t> Exponent </a:t>
+                </a:r>
+                <a:r>
+                  <a:rPr lang="en-US" dirty="0" err="1" smtClean="0"/>
+                  <a:t>phụ</a:t>
+                </a:r>
+                <a:r>
+                  <a:rPr lang="en-US" dirty="0" smtClean="0"/>
+                  <a:t> </a:t>
+                </a:r>
+                <a:r>
+                  <a:rPr lang="en-US" dirty="0" err="1" smtClean="0"/>
+                  <a:t>thuộc</a:t>
+                </a:r>
+                <a:r>
+                  <a:rPr lang="en-US" dirty="0" smtClean="0"/>
+                  <a:t> </a:t>
+                </a:r>
+                <a:r>
+                  <a:rPr lang="en-US" dirty="0" err="1" smtClean="0"/>
+                  <a:t>vào</a:t>
+                </a:r>
+                <a:r>
+                  <a:rPr lang="en-US" dirty="0" smtClean="0"/>
+                  <a:t> </a:t>
+                </a:r>
+                <a14:m>
+                  <m:oMath xmlns:m="http://schemas.openxmlformats.org/officeDocument/2006/math">
+                    <m:r>
+                      <a:rPr lang="en-US" b="0" i="1" smtClean="0">
+                        <a:latin typeface="Cambria Math"/>
+                      </a:rPr>
+                      <m:t>𝑅</m:t>
+                    </m:r>
+                    <m:r>
+                      <a:rPr lang="en-US" b="0" i="1" smtClean="0">
+                        <a:latin typeface="Cambria Math"/>
+                      </a:rPr>
+                      <m:t>.</m:t>
+                    </m:r>
+                  </m:oMath>
+                </a14:m>
+                <a:endParaRPr lang="en-US" dirty="0" smtClean="0"/>
+              </a:p>
+              <a:p>
+                <a:pPr algn="just">
+                  <a:buFont typeface="Symbol"/>
+                  <a:buChar char="Þ"/>
+                </a:pPr>
+                <a:r>
+                  <a:rPr lang="en-US" dirty="0" err="1" smtClean="0"/>
+                  <a:t>Thay</a:t>
+                </a:r>
+                <a:r>
+                  <a:rPr lang="en-US" dirty="0" smtClean="0"/>
+                  <a:t> </a:t>
+                </a:r>
+                <a:r>
+                  <a:rPr lang="en-US" dirty="0" err="1" smtClean="0"/>
+                  <a:t>ngược</a:t>
+                </a:r>
+                <a:r>
+                  <a:rPr lang="en-US" dirty="0" smtClean="0"/>
+                  <a:t> </a:t>
+                </a:r>
+                <a:r>
+                  <a:rPr lang="en-US" dirty="0" err="1" smtClean="0"/>
+                  <a:t>vào</a:t>
+                </a:r>
+                <a:r>
+                  <a:rPr lang="en-US" dirty="0" smtClean="0"/>
+                  <a:t> </a:t>
+                </a:r>
+                <a:r>
+                  <a:rPr lang="en-US" dirty="0" err="1" smtClean="0"/>
+                  <a:t>phương</a:t>
+                </a:r>
+                <a:r>
+                  <a:rPr lang="en-US" dirty="0" smtClean="0"/>
+                  <a:t> </a:t>
+                </a:r>
+                <a:r>
+                  <a:rPr lang="en-US" dirty="0" err="1" smtClean="0"/>
+                  <a:t>trình</a:t>
+                </a:r>
+                <a:r>
+                  <a:rPr lang="en-US" dirty="0" smtClean="0"/>
+                  <a:t> </a:t>
+                </a:r>
+                <a:r>
+                  <a:rPr lang="en-US" dirty="0" err="1" smtClean="0"/>
+                  <a:t>của</a:t>
+                </a:r>
+                <a:r>
+                  <a:rPr lang="en-US" dirty="0" smtClean="0"/>
+                  <a:t> </a:t>
+                </a:r>
+                <a:r>
+                  <a:rPr lang="en-US" dirty="0" err="1" smtClean="0"/>
+                  <a:t>Thiết</a:t>
+                </a:r>
+                <a:r>
+                  <a:rPr lang="en-US" dirty="0" smtClean="0"/>
+                  <a:t> </a:t>
+                </a:r>
+                <a:r>
+                  <a:rPr lang="en-US" dirty="0" err="1" smtClean="0"/>
+                  <a:t>bị</a:t>
+                </a:r>
+                <a:r>
+                  <a:rPr lang="en-US" dirty="0" smtClean="0"/>
+                  <a:t> Tag. </a:t>
+                </a:r>
+                <a:r>
+                  <a:rPr lang="en-US" dirty="0" err="1" smtClean="0"/>
+                  <a:t>Vậy</a:t>
+                </a:r>
+                <a:r>
+                  <a:rPr lang="en-US" dirty="0" smtClean="0"/>
+                  <a:t> ta </a:t>
+                </a:r>
+                <a:r>
+                  <a:rPr lang="en-US" dirty="0" err="1" smtClean="0"/>
+                  <a:t>tính</a:t>
+                </a:r>
+                <a:r>
+                  <a:rPr lang="en-US" dirty="0" smtClean="0"/>
+                  <a:t> </a:t>
+                </a:r>
+                <a:r>
+                  <a:rPr lang="en-US" dirty="0" err="1" smtClean="0"/>
+                  <a:t>được</a:t>
+                </a:r>
+                <a:r>
+                  <a:rPr lang="en-US" dirty="0" smtClean="0"/>
+                  <a:t> </a:t>
+                </a:r>
+                <a:r>
+                  <a:rPr lang="en-US" dirty="0" err="1" smtClean="0"/>
+                  <a:t>khoảng</a:t>
+                </a:r>
+                <a:r>
+                  <a:rPr lang="en-US" dirty="0" smtClean="0"/>
+                  <a:t> </a:t>
+                </a:r>
+                <a:r>
+                  <a:rPr lang="en-US" dirty="0" err="1" smtClean="0"/>
+                  <a:t>cách</a:t>
+                </a:r>
+                <a:r>
+                  <a:rPr lang="en-US" dirty="0" smtClean="0"/>
+                  <a:t> </a:t>
+                </a:r>
+                <a14:m>
+                  <m:oMath xmlns:m="http://schemas.openxmlformats.org/officeDocument/2006/math">
+                    <m:r>
+                      <a:rPr lang="en-US" b="0" i="1" smtClean="0">
+                        <a:latin typeface="Cambria Math"/>
+                      </a:rPr>
+                      <m:t>𝑑</m:t>
+                    </m:r>
+                  </m:oMath>
+                </a14:m>
+                <a:r>
+                  <a:rPr lang="en-US" dirty="0" smtClean="0"/>
+                  <a:t> </a:t>
+                </a:r>
+                <a:r>
+                  <a:rPr lang="en-US" dirty="0" err="1" smtClean="0"/>
+                  <a:t>cần</a:t>
+                </a:r>
+                <a:r>
+                  <a:rPr lang="en-US" dirty="0" smtClean="0"/>
+                  <a:t> </a:t>
+                </a:r>
+                <a:r>
+                  <a:rPr lang="en-US" dirty="0" err="1" smtClean="0"/>
+                  <a:t>tìm</a:t>
+                </a:r>
+                <a:r>
+                  <a:rPr lang="en-US" dirty="0" smtClean="0"/>
+                  <a:t>.</a:t>
+                </a:r>
+              </a:p>
+            </p:txBody>
+          </p:sp>
+        </mc:Choice>
+        <mc:Fallback>
+          <p:sp>
+            <p:nvSpPr>
+              <p:cNvPr id="3" name="Content Placeholder 2"/>
+              <p:cNvSpPr>
+                <a:spLocks noGrp="1" noRot="1" noChangeAspect="1" noMove="1" noResize="1" noEditPoints="1" noAdjustHandles="1" noChangeArrowheads="1" noChangeShapeType="1" noTextEdit="1"/>
+              </p:cNvSpPr>
+              <p:nvPr>
+                <p:ph idx="1"/>
+              </p:nvPr>
+            </p:nvSpPr>
+            <p:spPr>
+              <a:blipFill rotWithShape="1">
+                <a:blip r:embed="rId2"/>
+                <a:stretch>
+                  <a:fillRect l="-1704" t="-3908" r="-1704"/>
+                </a:stretch>
+              </a:blipFill>
+            </p:spPr>
+            <p:txBody>
+              <a:bodyPr/>
+              <a:lstStyle/>
+              <a:p>
+                <a:r>
+                  <a:rPr lang="en-US">
+                    <a:noFill/>
+                  </a:rPr>
+                  <a:t> </a:t>
+                </a:r>
+              </a:p>
+            </p:txBody>
+          </p:sp>
+        </mc:Fallback>
+      </mc:AlternateContent>
+    </p:spTree>
+    <p:extLst>
+      <p:ext uri="{BB962C8B-B14F-4D97-AF65-F5344CB8AC3E}">
+        <p14:creationId xmlns:p14="http://schemas.microsoft.com/office/powerpoint/2010/main" val="488164264"/>
+      </p:ext>
+    </p:extLst>
+  </p:cSld>
+  <p:clrMapOvr>
+    <a:masterClrMapping/>
+  </p:clrMapOvr>
+</p:sld>
+</file>
+
+<file path=ppt/slides/slide16.xml><?xml version="1.0" encoding="utf-8"?>
+<p:sld xmlns:a="http://schemas.openxmlformats.org/drawingml/2006/main" xmlns:r="http://schemas.openxmlformats.org/officeDocument/2006/relationships" xmlns:p="http://schemas.openxmlformats.org/presentationml/2006/main">
+  <p:cSld>
+    <p:spTree>
+      <p:nvGrpSpPr>
+        <p:cNvPr id="1" name=""/>
+        <p:cNvGrpSpPr/>
+        <p:nvPr/>
+      </p:nvGrpSpPr>
+      <p:grpSpPr>
+        <a:xfrm>
+          <a:off x="0" y="0"/>
+          <a:ext cx="0" cy="0"/>
+          <a:chOff x="0" y="0"/>
+          <a:chExt cx="0" cy="0"/>
+        </a:xfrm>
+      </p:grpSpPr>
+      <p:sp>
+        <p:nvSpPr>
           <p:cNvPr id="5" name="Title 1"/>
           <p:cNvSpPr txBox="1">
             <a:spLocks/>
@@ -5148,47 +5908,6 @@
           </a:p>
         </p:txBody>
       </p:sp>
-      <p:pic>
-        <p:nvPicPr>
-          <p:cNvPr id="3074" name="Picture 2" descr="F:\thuc_tap\BLE_matlab\report\ppt\pathloss_Exponent.jpg"/>
-          <p:cNvPicPr>
-            <a:picLocks noChangeAspect="1" noChangeArrowheads="1"/>
-          </p:cNvPicPr>
-          <p:nvPr/>
-        </p:nvPicPr>
-        <p:blipFill>
-          <a:blip r:embed="rId2">
-            <a:extLst>
-              <a:ext uri="{28A0092B-C50C-407E-A947-70E740481C1C}">
-                <a14:useLocalDpi xmlns:a14="http://schemas.microsoft.com/office/drawing/2010/main" val="0"/>
-              </a:ext>
-            </a:extLst>
-          </a:blip>
-          <a:srcRect/>
-          <a:stretch>
-            <a:fillRect/>
-          </a:stretch>
-        </p:blipFill>
-        <p:spPr bwMode="auto">
-          <a:xfrm>
-            <a:off x="0" y="914400"/>
-            <a:ext cx="9144000" cy="4343400"/>
-          </a:xfrm>
-          <a:prstGeom prst="rect">
-            <a:avLst/>
-          </a:prstGeom>
-          <a:noFill/>
-          <a:extLst>
-            <a:ext uri="{909E8E84-426E-40DD-AFC4-6F175D3DCCD1}">
-              <a14:hiddenFill xmlns:a14="http://schemas.microsoft.com/office/drawing/2010/main">
-                <a:solidFill>
-                  <a:srgbClr val="FFFFFF"/>
-                </a:solidFill>
-              </a14:hiddenFill>
-            </a:ext>
-          </a:extLst>
-        </p:spPr>
-      </p:pic>
       <p:sp>
         <p:nvSpPr>
           <p:cNvPr id="2" name="Title 1"/>
@@ -5314,6 +6033,47 @@
           </a:p>
         </p:txBody>
       </p:sp>
+      <p:pic>
+        <p:nvPicPr>
+          <p:cNvPr id="1026" name="Picture 2" descr="F:\thuc_tap\BLE_matlab\report\ppt\static_pathloss_Ver2.jpg"/>
+          <p:cNvPicPr>
+            <a:picLocks noChangeAspect="1" noChangeArrowheads="1"/>
+          </p:cNvPicPr>
+          <p:nvPr/>
+        </p:nvPicPr>
+        <p:blipFill>
+          <a:blip r:embed="rId2">
+            <a:extLst>
+              <a:ext uri="{28A0092B-C50C-407E-A947-70E740481C1C}">
+                <a14:useLocalDpi xmlns:a14="http://schemas.microsoft.com/office/drawing/2010/main" val="0"/>
+              </a:ext>
+            </a:extLst>
+          </a:blip>
+          <a:srcRect/>
+          <a:stretch>
+            <a:fillRect/>
+          </a:stretch>
+        </p:blipFill>
+        <p:spPr bwMode="auto">
+          <a:xfrm>
+            <a:off x="0" y="1142999"/>
+            <a:ext cx="9144000" cy="4495801"/>
+          </a:xfrm>
+          <a:prstGeom prst="rect">
+            <a:avLst/>
+          </a:prstGeom>
+          <a:noFill/>
+          <a:extLst>
+            <a:ext uri="{909E8E84-426E-40DD-AFC4-6F175D3DCCD1}">
+              <a14:hiddenFill xmlns:a14="http://schemas.microsoft.com/office/drawing/2010/main">
+                <a:solidFill>
+                  <a:srgbClr val="FFFFFF"/>
+                </a:solidFill>
+              </a14:hiddenFill>
+            </a:ext>
+          </a:extLst>
+        </p:spPr>
+      </p:pic>
     </p:spTree>
     <p:extLst>
       <p:ext uri="{BB962C8B-B14F-4D97-AF65-F5344CB8AC3E}">
@@ -5327,7 +6087,7 @@
 </p:sld>
 </file>
 
-<file path=ppt/slides/slide16.xml><?xml version="1.0" encoding="utf-8"?>
+<file path=ppt/slides/slide17.xml><?xml version="1.0" encoding="utf-8"?>
 <p:sld xmlns:a="http://schemas.openxmlformats.org/drawingml/2006/main" xmlns:r="http://schemas.openxmlformats.org/officeDocument/2006/relationships" xmlns:p="http://schemas.openxmlformats.org/presentationml/2006/main">
   <p:cSld>
     <p:spTree>
@@ -5511,7 +6271,7 @@
 </p:sld>
 </file>
 
-<file path=ppt/slides/slide17.xml><?xml version="1.0" encoding="utf-8"?>
+<file path=ppt/slides/slide18.xml><?xml version="1.0" encoding="utf-8"?>
 <p:sld xmlns:a="http://schemas.openxmlformats.org/drawingml/2006/main" xmlns:r="http://schemas.openxmlformats.org/officeDocument/2006/relationships" xmlns:p="http://schemas.openxmlformats.org/presentationml/2006/main">
   <p:cSld>
     <p:spTree>
@@ -5859,7 +6619,7 @@
 </p:sld>
 </file>
 
-<file path=ppt/slides/slide18.xml><?xml version="1.0" encoding="utf-8"?>
+<file path=ppt/slides/slide19.xml><?xml version="1.0" encoding="utf-8"?>
 <p:sld xmlns:a="http://schemas.openxmlformats.org/drawingml/2006/main" xmlns:r="http://schemas.openxmlformats.org/officeDocument/2006/relationships" xmlns:p="http://schemas.openxmlformats.org/presentationml/2006/main">
   <p:cSld>
     <p:spTree>
@@ -6040,7 +6800,399 @@
 </p:sld>
 </file>
 
-<file path=ppt/slides/slide19.xml><?xml version="1.0" encoding="utf-8"?>
+<file path=ppt/slides/slide2.xml><?xml version="1.0" encoding="utf-8"?>
+<p:sld xmlns:a="http://schemas.openxmlformats.org/drawingml/2006/main" xmlns:r="http://schemas.openxmlformats.org/officeDocument/2006/relationships" xmlns:p="http://schemas.openxmlformats.org/presentationml/2006/main">
+  <p:cSld>
+    <p:spTree>
+      <p:nvGrpSpPr>
+        <p:cNvPr id="1" name=""/>
+        <p:cNvGrpSpPr/>
+        <p:nvPr/>
+      </p:nvGrpSpPr>
+      <p:grpSpPr>
+        <a:xfrm>
+          <a:off x="0" y="0"/>
+          <a:ext cx="0" cy="0"/>
+          <a:chOff x="0" y="0"/>
+          <a:chExt cx="0" cy="0"/>
+        </a:xfrm>
+      </p:grpSpPr>
+      <p:sp>
+        <p:nvSpPr>
+          <p:cNvPr id="3" name="Content Placeholder 2"/>
+          <p:cNvSpPr>
+            <a:spLocks noGrp="1"/>
+          </p:cNvSpPr>
+          <p:nvPr>
+            <p:ph idx="1"/>
+          </p:nvPr>
+        </p:nvSpPr>
+        <p:spPr/>
+        <p:txBody>
+          <a:bodyPr/>
+          <a:lstStyle/>
+          <a:p>
+            <a:pPr algn="just"/>
+            <a:r>
+              <a:rPr lang="en-US" dirty="0" err="1" smtClean="0"/>
+              <a:t>Hệ</a:t>
+            </a:r>
+            <a:r>
+              <a:rPr lang="en-US" dirty="0" smtClean="0"/>
+              <a:t> </a:t>
+            </a:r>
+            <a:r>
+              <a:rPr lang="en-US" dirty="0" err="1" smtClean="0"/>
+              <a:t>thống</a:t>
+            </a:r>
+            <a:r>
+              <a:rPr lang="en-US" dirty="0" smtClean="0"/>
+              <a:t>: 4 </a:t>
+            </a:r>
+            <a:r>
+              <a:rPr lang="en-US" dirty="0" err="1" smtClean="0"/>
+              <a:t>thiết</a:t>
+            </a:r>
+            <a:r>
+              <a:rPr lang="en-US" dirty="0" smtClean="0"/>
+              <a:t> </a:t>
+            </a:r>
+            <a:r>
+              <a:rPr lang="en-US" dirty="0" err="1" smtClean="0"/>
+              <a:t>bị</a:t>
+            </a:r>
+            <a:r>
+              <a:rPr lang="en-US" dirty="0" smtClean="0"/>
+              <a:t> </a:t>
+            </a:r>
+            <a:r>
+              <a:rPr lang="en-US" dirty="0" err="1" smtClean="0"/>
+              <a:t>phát</a:t>
+            </a:r>
+            <a:r>
+              <a:rPr lang="en-US" dirty="0" smtClean="0"/>
+              <a:t> (Beacon), 3 </a:t>
+            </a:r>
+            <a:r>
+              <a:rPr lang="en-US" dirty="0" err="1" smtClean="0"/>
+              <a:t>thiết</a:t>
+            </a:r>
+            <a:r>
+              <a:rPr lang="en-US" dirty="0" smtClean="0"/>
+              <a:t> </a:t>
+            </a:r>
+            <a:r>
+              <a:rPr lang="en-US" dirty="0" err="1" smtClean="0"/>
+              <a:t>bị</a:t>
+            </a:r>
+            <a:r>
+              <a:rPr lang="en-US" dirty="0" smtClean="0"/>
+              <a:t> </a:t>
+            </a:r>
+            <a:r>
+              <a:rPr lang="en-US" dirty="0" err="1" smtClean="0"/>
+              <a:t>thu</a:t>
+            </a:r>
+            <a:r>
+              <a:rPr lang="en-US" dirty="0" smtClean="0"/>
+              <a:t> (Tag, </a:t>
+            </a:r>
+            <a:r>
+              <a:rPr lang="en-US" dirty="0" err="1" smtClean="0"/>
+              <a:t>Pathloss</a:t>
+            </a:r>
+            <a:r>
+              <a:rPr lang="en-US" dirty="0" smtClean="0"/>
+              <a:t>, Gateway)</a:t>
+            </a:r>
+          </a:p>
+          <a:p>
+            <a:pPr algn="just"/>
+            <a:r>
+              <a:rPr lang="en-US" dirty="0" err="1" smtClean="0"/>
+              <a:t>Tìm</a:t>
+            </a:r>
+            <a:r>
+              <a:rPr lang="en-US" dirty="0" smtClean="0"/>
+              <a:t> </a:t>
+            </a:r>
+            <a:r>
+              <a:rPr lang="en-US" dirty="0" err="1" smtClean="0"/>
+              <a:t>được</a:t>
+            </a:r>
+            <a:r>
+              <a:rPr lang="en-US" dirty="0" smtClean="0"/>
+              <a:t> </a:t>
+            </a:r>
+            <a:r>
+              <a:rPr lang="en-US" dirty="0" err="1" smtClean="0"/>
+              <a:t>khoảng</a:t>
+            </a:r>
+            <a:r>
+              <a:rPr lang="en-US" dirty="0" smtClean="0"/>
+              <a:t> </a:t>
+            </a:r>
+            <a:r>
+              <a:rPr lang="en-US" dirty="0" err="1" smtClean="0"/>
+              <a:t>cách</a:t>
+            </a:r>
+            <a:r>
+              <a:rPr lang="en-US" dirty="0" smtClean="0"/>
+              <a:t> </a:t>
+            </a:r>
+            <a:r>
+              <a:rPr lang="en-US" dirty="0" err="1" smtClean="0"/>
+              <a:t>từ</a:t>
+            </a:r>
+            <a:r>
+              <a:rPr lang="en-US" dirty="0" smtClean="0"/>
+              <a:t> </a:t>
+            </a:r>
+            <a:r>
+              <a:rPr lang="en-US" dirty="0" err="1" smtClean="0"/>
+              <a:t>điểm</a:t>
+            </a:r>
+            <a:r>
+              <a:rPr lang="en-US" dirty="0" smtClean="0"/>
+              <a:t> </a:t>
+            </a:r>
+            <a:r>
+              <a:rPr lang="en-US" dirty="0" err="1" smtClean="0"/>
+              <a:t>thu</a:t>
+            </a:r>
+            <a:r>
+              <a:rPr lang="en-US" dirty="0" smtClean="0"/>
+              <a:t> </a:t>
+            </a:r>
+            <a:r>
+              <a:rPr lang="en-US" dirty="0" err="1" smtClean="0"/>
+              <a:t>đến</a:t>
+            </a:r>
+            <a:r>
+              <a:rPr lang="en-US" dirty="0" smtClean="0"/>
+              <a:t> 4 </a:t>
+            </a:r>
+            <a:r>
+              <a:rPr lang="en-US" dirty="0" err="1" smtClean="0"/>
+              <a:t>điểm</a:t>
+            </a:r>
+            <a:r>
+              <a:rPr lang="en-US" dirty="0" smtClean="0"/>
+              <a:t> </a:t>
+            </a:r>
+            <a:r>
+              <a:rPr lang="en-US" dirty="0" err="1" smtClean="0"/>
+              <a:t>phát</a:t>
+            </a:r>
+            <a:r>
+              <a:rPr lang="en-US" dirty="0" smtClean="0"/>
+              <a:t> =&gt; </a:t>
+            </a:r>
+            <a:r>
+              <a:rPr lang="en-US" dirty="0" err="1" smtClean="0"/>
+              <a:t>thành</a:t>
+            </a:r>
+            <a:r>
+              <a:rPr lang="en-US" dirty="0" smtClean="0"/>
+              <a:t> </a:t>
+            </a:r>
+            <a:r>
+              <a:rPr lang="en-US" dirty="0" err="1" smtClean="0"/>
+              <a:t>lập</a:t>
+            </a:r>
+            <a:r>
+              <a:rPr lang="en-US" dirty="0" smtClean="0"/>
+              <a:t> </a:t>
+            </a:r>
+            <a:r>
+              <a:rPr lang="en-US" dirty="0" err="1" smtClean="0"/>
+              <a:t>được</a:t>
+            </a:r>
+            <a:r>
+              <a:rPr lang="en-US" dirty="0" smtClean="0"/>
+              <a:t> </a:t>
+            </a:r>
+            <a:r>
+              <a:rPr lang="en-US" dirty="0" err="1" smtClean="0"/>
+              <a:t>hệ</a:t>
+            </a:r>
+            <a:r>
+              <a:rPr lang="en-US" dirty="0" smtClean="0"/>
+              <a:t> </a:t>
+            </a:r>
+            <a:r>
+              <a:rPr lang="en-US" dirty="0" err="1" smtClean="0"/>
+              <a:t>phương</a:t>
+            </a:r>
+            <a:r>
+              <a:rPr lang="en-US" dirty="0" smtClean="0"/>
+              <a:t> </a:t>
+            </a:r>
+            <a:r>
+              <a:rPr lang="en-US" dirty="0" err="1" smtClean="0"/>
+              <a:t>trình</a:t>
+            </a:r>
+            <a:r>
+              <a:rPr lang="en-US" dirty="0" smtClean="0"/>
+              <a:t> =&gt; </a:t>
+            </a:r>
+            <a:r>
+              <a:rPr lang="en-US" dirty="0" err="1" smtClean="0"/>
+              <a:t>tìm</a:t>
+            </a:r>
+            <a:r>
+              <a:rPr lang="en-US" dirty="0" smtClean="0"/>
+              <a:t> </a:t>
+            </a:r>
+            <a:r>
+              <a:rPr lang="en-US" dirty="0" err="1" smtClean="0"/>
+              <a:t>được</a:t>
+            </a:r>
+            <a:r>
+              <a:rPr lang="en-US" dirty="0" smtClean="0"/>
+              <a:t> </a:t>
+            </a:r>
+            <a:r>
+              <a:rPr lang="en-US" dirty="0" err="1" smtClean="0"/>
+              <a:t>vị</a:t>
+            </a:r>
+            <a:r>
+              <a:rPr lang="en-US" dirty="0" smtClean="0"/>
+              <a:t> </a:t>
+            </a:r>
+            <a:r>
+              <a:rPr lang="en-US" dirty="0" err="1" smtClean="0"/>
+              <a:t>trí</a:t>
+            </a:r>
+            <a:r>
+              <a:rPr lang="en-US" dirty="0" smtClean="0"/>
+              <a:t> </a:t>
+            </a:r>
+            <a:r>
+              <a:rPr lang="en-US" dirty="0" err="1" smtClean="0"/>
+              <a:t>của</a:t>
+            </a:r>
+            <a:r>
+              <a:rPr lang="en-US" dirty="0" smtClean="0"/>
+              <a:t> </a:t>
+            </a:r>
+            <a:r>
+              <a:rPr lang="en-US" dirty="0" err="1" smtClean="0"/>
+              <a:t>thiết</a:t>
+            </a:r>
+            <a:r>
+              <a:rPr lang="en-US" dirty="0" smtClean="0"/>
+              <a:t> </a:t>
+            </a:r>
+            <a:r>
+              <a:rPr lang="en-US" dirty="0" err="1" smtClean="0"/>
+              <a:t>bị</a:t>
+            </a:r>
+            <a:r>
+              <a:rPr lang="en-US" dirty="0" smtClean="0"/>
+              <a:t> </a:t>
+            </a:r>
+            <a:r>
+              <a:rPr lang="en-US" dirty="0" err="1" smtClean="0"/>
+              <a:t>thu</a:t>
+            </a:r>
+            <a:r>
+              <a:rPr lang="en-US" dirty="0" smtClean="0"/>
+              <a:t> </a:t>
+            </a:r>
+            <a:r>
+              <a:rPr lang="en-US" dirty="0" err="1" smtClean="0"/>
+              <a:t>nếu</a:t>
+            </a:r>
+            <a:r>
+              <a:rPr lang="en-US" dirty="0" smtClean="0"/>
+              <a:t> </a:t>
+            </a:r>
+            <a:r>
+              <a:rPr lang="en-US" dirty="0" err="1" smtClean="0"/>
+              <a:t>biết</a:t>
+            </a:r>
+            <a:r>
+              <a:rPr lang="en-US" dirty="0" smtClean="0"/>
+              <a:t> </a:t>
+            </a:r>
+            <a:r>
+              <a:rPr lang="en-US" dirty="0" err="1" smtClean="0"/>
+              <a:t>vị</a:t>
+            </a:r>
+            <a:r>
+              <a:rPr lang="en-US" dirty="0" smtClean="0"/>
+              <a:t> </a:t>
+            </a:r>
+            <a:r>
+              <a:rPr lang="en-US" dirty="0" err="1" smtClean="0"/>
+              <a:t>trí</a:t>
+            </a:r>
+            <a:r>
+              <a:rPr lang="en-US" dirty="0" smtClean="0"/>
+              <a:t> 4 </a:t>
+            </a:r>
+            <a:r>
+              <a:rPr lang="en-US" dirty="0" err="1" smtClean="0"/>
+              <a:t>thiết</a:t>
+            </a:r>
+            <a:r>
+              <a:rPr lang="en-US" dirty="0" smtClean="0"/>
+              <a:t> </a:t>
+            </a:r>
+            <a:r>
+              <a:rPr lang="en-US" dirty="0" err="1" smtClean="0"/>
+              <a:t>bị</a:t>
+            </a:r>
+            <a:r>
+              <a:rPr lang="en-US" dirty="0" smtClean="0"/>
+              <a:t> </a:t>
+            </a:r>
+            <a:r>
+              <a:rPr lang="en-US" dirty="0" err="1" smtClean="0"/>
+              <a:t>phát</a:t>
+            </a:r>
+            <a:endParaRPr lang="en-US" dirty="0"/>
+          </a:p>
+        </p:txBody>
+      </p:sp>
+      <p:sp>
+        <p:nvSpPr>
+          <p:cNvPr id="4" name="Title 1"/>
+          <p:cNvSpPr>
+            <a:spLocks noGrp="1"/>
+          </p:cNvSpPr>
+          <p:nvPr>
+            <p:ph type="title"/>
+          </p:nvPr>
+        </p:nvSpPr>
+        <p:spPr/>
+        <p:txBody>
+          <a:bodyPr/>
+          <a:lstStyle/>
+          <a:p>
+            <a:r>
+              <a:rPr lang="en-US" dirty="0" smtClean="0"/>
+              <a:t>INDOOR POSITIONING SYSTEM</a:t>
+            </a:r>
+            <a:endParaRPr lang="en-US" dirty="0"/>
+          </a:p>
+        </p:txBody>
+      </p:sp>
+    </p:spTree>
+    <p:extLst>
+      <p:ext uri="{BB962C8B-B14F-4D97-AF65-F5344CB8AC3E}">
+        <p14:creationId xmlns:p14="http://schemas.microsoft.com/office/powerpoint/2010/main" val="1127468315"/>
+      </p:ext>
+    </p:extLst>
+  </p:cSld>
+  <p:clrMapOvr>
+    <a:masterClrMapping/>
+  </p:clrMapOvr>
+</p:sld>
+</file>
+
+<file path=ppt/slides/slide20.xml><?xml version="1.0" encoding="utf-8"?>
 <p:sld xmlns:a="http://schemas.openxmlformats.org/drawingml/2006/main" xmlns:r="http://schemas.openxmlformats.org/officeDocument/2006/relationships" xmlns:p="http://schemas.openxmlformats.org/presentationml/2006/main">
   <p:cSld>
     <p:spTree>
@@ -6276,399 +7428,7 @@
 </p:sld>
 </file>
 
-<file path=ppt/slides/slide2.xml><?xml version="1.0" encoding="utf-8"?>
-<p:sld xmlns:a="http://schemas.openxmlformats.org/drawingml/2006/main" xmlns:r="http://schemas.openxmlformats.org/officeDocument/2006/relationships" xmlns:p="http://schemas.openxmlformats.org/presentationml/2006/main">
-  <p:cSld>
-    <p:spTree>
-      <p:nvGrpSpPr>
-        <p:cNvPr id="1" name=""/>
-        <p:cNvGrpSpPr/>
-        <p:nvPr/>
-      </p:nvGrpSpPr>
-      <p:grpSpPr>
-        <a:xfrm>
-          <a:off x="0" y="0"/>
-          <a:ext cx="0" cy="0"/>
-          <a:chOff x="0" y="0"/>
-          <a:chExt cx="0" cy="0"/>
-        </a:xfrm>
-      </p:grpSpPr>
-      <p:sp>
-        <p:nvSpPr>
-          <p:cNvPr id="3" name="Content Placeholder 2"/>
-          <p:cNvSpPr>
-            <a:spLocks noGrp="1"/>
-          </p:cNvSpPr>
-          <p:nvPr>
-            <p:ph idx="1"/>
-          </p:nvPr>
-        </p:nvSpPr>
-        <p:spPr/>
-        <p:txBody>
-          <a:bodyPr/>
-          <a:lstStyle/>
-          <a:p>
-            <a:pPr algn="just"/>
-            <a:r>
-              <a:rPr lang="en-US" dirty="0" err="1" smtClean="0"/>
-              <a:t>Hệ</a:t>
-            </a:r>
-            <a:r>
-              <a:rPr lang="en-US" dirty="0" smtClean="0"/>
-              <a:t> </a:t>
-            </a:r>
-            <a:r>
-              <a:rPr lang="en-US" dirty="0" err="1" smtClean="0"/>
-              <a:t>thống</a:t>
-            </a:r>
-            <a:r>
-              <a:rPr lang="en-US" dirty="0" smtClean="0"/>
-              <a:t>: 4 </a:t>
-            </a:r>
-            <a:r>
-              <a:rPr lang="en-US" dirty="0" err="1" smtClean="0"/>
-              <a:t>thiết</a:t>
-            </a:r>
-            <a:r>
-              <a:rPr lang="en-US" dirty="0" smtClean="0"/>
-              <a:t> </a:t>
-            </a:r>
-            <a:r>
-              <a:rPr lang="en-US" dirty="0" err="1" smtClean="0"/>
-              <a:t>bị</a:t>
-            </a:r>
-            <a:r>
-              <a:rPr lang="en-US" dirty="0" smtClean="0"/>
-              <a:t> </a:t>
-            </a:r>
-            <a:r>
-              <a:rPr lang="en-US" dirty="0" err="1" smtClean="0"/>
-              <a:t>phát</a:t>
-            </a:r>
-            <a:r>
-              <a:rPr lang="en-US" dirty="0" smtClean="0"/>
-              <a:t> (Beacon), 3 </a:t>
-            </a:r>
-            <a:r>
-              <a:rPr lang="en-US" dirty="0" err="1" smtClean="0"/>
-              <a:t>thiết</a:t>
-            </a:r>
-            <a:r>
-              <a:rPr lang="en-US" dirty="0" smtClean="0"/>
-              <a:t> </a:t>
-            </a:r>
-            <a:r>
-              <a:rPr lang="en-US" dirty="0" err="1" smtClean="0"/>
-              <a:t>bị</a:t>
-            </a:r>
-            <a:r>
-              <a:rPr lang="en-US" dirty="0" smtClean="0"/>
-              <a:t> </a:t>
-            </a:r>
-            <a:r>
-              <a:rPr lang="en-US" dirty="0" err="1" smtClean="0"/>
-              <a:t>thu</a:t>
-            </a:r>
-            <a:r>
-              <a:rPr lang="en-US" dirty="0" smtClean="0"/>
-              <a:t> (Tag, </a:t>
-            </a:r>
-            <a:r>
-              <a:rPr lang="en-US" dirty="0" err="1" smtClean="0"/>
-              <a:t>Pathloss</a:t>
-            </a:r>
-            <a:r>
-              <a:rPr lang="en-US" dirty="0" smtClean="0"/>
-              <a:t>, Gateway)</a:t>
-            </a:r>
-          </a:p>
-          <a:p>
-            <a:pPr algn="just"/>
-            <a:r>
-              <a:rPr lang="en-US" dirty="0" err="1" smtClean="0"/>
-              <a:t>Tìm</a:t>
-            </a:r>
-            <a:r>
-              <a:rPr lang="en-US" dirty="0" smtClean="0"/>
-              <a:t> </a:t>
-            </a:r>
-            <a:r>
-              <a:rPr lang="en-US" dirty="0" err="1" smtClean="0"/>
-              <a:t>được</a:t>
-            </a:r>
-            <a:r>
-              <a:rPr lang="en-US" dirty="0" smtClean="0"/>
-              <a:t> </a:t>
-            </a:r>
-            <a:r>
-              <a:rPr lang="en-US" dirty="0" err="1" smtClean="0"/>
-              <a:t>khoảng</a:t>
-            </a:r>
-            <a:r>
-              <a:rPr lang="en-US" dirty="0" smtClean="0"/>
-              <a:t> </a:t>
-            </a:r>
-            <a:r>
-              <a:rPr lang="en-US" dirty="0" err="1" smtClean="0"/>
-              <a:t>cách</a:t>
-            </a:r>
-            <a:r>
-              <a:rPr lang="en-US" dirty="0" smtClean="0"/>
-              <a:t> </a:t>
-            </a:r>
-            <a:r>
-              <a:rPr lang="en-US" dirty="0" err="1" smtClean="0"/>
-              <a:t>từ</a:t>
-            </a:r>
-            <a:r>
-              <a:rPr lang="en-US" dirty="0" smtClean="0"/>
-              <a:t> </a:t>
-            </a:r>
-            <a:r>
-              <a:rPr lang="en-US" dirty="0" err="1" smtClean="0"/>
-              <a:t>điểm</a:t>
-            </a:r>
-            <a:r>
-              <a:rPr lang="en-US" dirty="0" smtClean="0"/>
-              <a:t> </a:t>
-            </a:r>
-            <a:r>
-              <a:rPr lang="en-US" dirty="0" err="1" smtClean="0"/>
-              <a:t>thu</a:t>
-            </a:r>
-            <a:r>
-              <a:rPr lang="en-US" dirty="0" smtClean="0"/>
-              <a:t> </a:t>
-            </a:r>
-            <a:r>
-              <a:rPr lang="en-US" dirty="0" err="1" smtClean="0"/>
-              <a:t>đến</a:t>
-            </a:r>
-            <a:r>
-              <a:rPr lang="en-US" dirty="0" smtClean="0"/>
-              <a:t> 4 </a:t>
-            </a:r>
-            <a:r>
-              <a:rPr lang="en-US" dirty="0" err="1" smtClean="0"/>
-              <a:t>điểm</a:t>
-            </a:r>
-            <a:r>
-              <a:rPr lang="en-US" dirty="0" smtClean="0"/>
-              <a:t> </a:t>
-            </a:r>
-            <a:r>
-              <a:rPr lang="en-US" dirty="0" err="1" smtClean="0"/>
-              <a:t>phát</a:t>
-            </a:r>
-            <a:r>
-              <a:rPr lang="en-US" dirty="0" smtClean="0"/>
-              <a:t> =&gt; </a:t>
-            </a:r>
-            <a:r>
-              <a:rPr lang="en-US" dirty="0" err="1" smtClean="0"/>
-              <a:t>thành</a:t>
-            </a:r>
-            <a:r>
-              <a:rPr lang="en-US" dirty="0" smtClean="0"/>
-              <a:t> </a:t>
-            </a:r>
-            <a:r>
-              <a:rPr lang="en-US" dirty="0" err="1" smtClean="0"/>
-              <a:t>lập</a:t>
-            </a:r>
-            <a:r>
-              <a:rPr lang="en-US" dirty="0" smtClean="0"/>
-              <a:t> </a:t>
-            </a:r>
-            <a:r>
-              <a:rPr lang="en-US" dirty="0" err="1" smtClean="0"/>
-              <a:t>được</a:t>
-            </a:r>
-            <a:r>
-              <a:rPr lang="en-US" dirty="0" smtClean="0"/>
-              <a:t> </a:t>
-            </a:r>
-            <a:r>
-              <a:rPr lang="en-US" dirty="0" err="1" smtClean="0"/>
-              <a:t>hệ</a:t>
-            </a:r>
-            <a:r>
-              <a:rPr lang="en-US" dirty="0" smtClean="0"/>
-              <a:t> </a:t>
-            </a:r>
-            <a:r>
-              <a:rPr lang="en-US" dirty="0" err="1" smtClean="0"/>
-              <a:t>phương</a:t>
-            </a:r>
-            <a:r>
-              <a:rPr lang="en-US" dirty="0" smtClean="0"/>
-              <a:t> </a:t>
-            </a:r>
-            <a:r>
-              <a:rPr lang="en-US" dirty="0" err="1" smtClean="0"/>
-              <a:t>trình</a:t>
-            </a:r>
-            <a:r>
-              <a:rPr lang="en-US" dirty="0" smtClean="0"/>
-              <a:t> =&gt; </a:t>
-            </a:r>
-            <a:r>
-              <a:rPr lang="en-US" dirty="0" err="1" smtClean="0"/>
-              <a:t>tìm</a:t>
-            </a:r>
-            <a:r>
-              <a:rPr lang="en-US" dirty="0" smtClean="0"/>
-              <a:t> </a:t>
-            </a:r>
-            <a:r>
-              <a:rPr lang="en-US" dirty="0" err="1" smtClean="0"/>
-              <a:t>được</a:t>
-            </a:r>
-            <a:r>
-              <a:rPr lang="en-US" dirty="0" smtClean="0"/>
-              <a:t> </a:t>
-            </a:r>
-            <a:r>
-              <a:rPr lang="en-US" dirty="0" err="1" smtClean="0"/>
-              <a:t>vị</a:t>
-            </a:r>
-            <a:r>
-              <a:rPr lang="en-US" dirty="0" smtClean="0"/>
-              <a:t> </a:t>
-            </a:r>
-            <a:r>
-              <a:rPr lang="en-US" dirty="0" err="1" smtClean="0"/>
-              <a:t>trí</a:t>
-            </a:r>
-            <a:r>
-              <a:rPr lang="en-US" dirty="0" smtClean="0"/>
-              <a:t> </a:t>
-            </a:r>
-            <a:r>
-              <a:rPr lang="en-US" dirty="0" err="1" smtClean="0"/>
-              <a:t>của</a:t>
-            </a:r>
-            <a:r>
-              <a:rPr lang="en-US" dirty="0" smtClean="0"/>
-              <a:t> </a:t>
-            </a:r>
-            <a:r>
-              <a:rPr lang="en-US" dirty="0" err="1" smtClean="0"/>
-              <a:t>thiết</a:t>
-            </a:r>
-            <a:r>
-              <a:rPr lang="en-US" dirty="0" smtClean="0"/>
-              <a:t> </a:t>
-            </a:r>
-            <a:r>
-              <a:rPr lang="en-US" dirty="0" err="1" smtClean="0"/>
-              <a:t>bị</a:t>
-            </a:r>
-            <a:r>
-              <a:rPr lang="en-US" dirty="0" smtClean="0"/>
-              <a:t> </a:t>
-            </a:r>
-            <a:r>
-              <a:rPr lang="en-US" dirty="0" err="1" smtClean="0"/>
-              <a:t>thu</a:t>
-            </a:r>
-            <a:r>
-              <a:rPr lang="en-US" dirty="0" smtClean="0"/>
-              <a:t> </a:t>
-            </a:r>
-            <a:r>
-              <a:rPr lang="en-US" dirty="0" err="1" smtClean="0"/>
-              <a:t>nếu</a:t>
-            </a:r>
-            <a:r>
-              <a:rPr lang="en-US" dirty="0" smtClean="0"/>
-              <a:t> </a:t>
-            </a:r>
-            <a:r>
-              <a:rPr lang="en-US" dirty="0" err="1" smtClean="0"/>
-              <a:t>biết</a:t>
-            </a:r>
-            <a:r>
-              <a:rPr lang="en-US" dirty="0" smtClean="0"/>
-              <a:t> </a:t>
-            </a:r>
-            <a:r>
-              <a:rPr lang="en-US" dirty="0" err="1" smtClean="0"/>
-              <a:t>vị</a:t>
-            </a:r>
-            <a:r>
-              <a:rPr lang="en-US" dirty="0" smtClean="0"/>
-              <a:t> </a:t>
-            </a:r>
-            <a:r>
-              <a:rPr lang="en-US" dirty="0" err="1" smtClean="0"/>
-              <a:t>trí</a:t>
-            </a:r>
-            <a:r>
-              <a:rPr lang="en-US" dirty="0" smtClean="0"/>
-              <a:t> 4 </a:t>
-            </a:r>
-            <a:r>
-              <a:rPr lang="en-US" dirty="0" err="1" smtClean="0"/>
-              <a:t>thiết</a:t>
-            </a:r>
-            <a:r>
-              <a:rPr lang="en-US" dirty="0" smtClean="0"/>
-              <a:t> </a:t>
-            </a:r>
-            <a:r>
-              <a:rPr lang="en-US" dirty="0" err="1" smtClean="0"/>
-              <a:t>bị</a:t>
-            </a:r>
-            <a:r>
-              <a:rPr lang="en-US" dirty="0" smtClean="0"/>
-              <a:t> </a:t>
-            </a:r>
-            <a:r>
-              <a:rPr lang="en-US" dirty="0" err="1" smtClean="0"/>
-              <a:t>phát</a:t>
-            </a:r>
-            <a:endParaRPr lang="en-US" dirty="0"/>
-          </a:p>
-        </p:txBody>
-      </p:sp>
-      <p:sp>
-        <p:nvSpPr>
-          <p:cNvPr id="4" name="Title 1"/>
-          <p:cNvSpPr>
-            <a:spLocks noGrp="1"/>
-          </p:cNvSpPr>
-          <p:nvPr>
-            <p:ph type="title"/>
-          </p:nvPr>
-        </p:nvSpPr>
-        <p:spPr/>
-        <p:txBody>
-          <a:bodyPr/>
-          <a:lstStyle/>
-          <a:p>
-            <a:r>
-              <a:rPr lang="en-US" dirty="0" smtClean="0"/>
-              <a:t>INDOOR POSITIONING SYSTEM</a:t>
-            </a:r>
-            <a:endParaRPr lang="en-US" dirty="0"/>
-          </a:p>
-        </p:txBody>
-      </p:sp>
-    </p:spTree>
-    <p:extLst>
-      <p:ext uri="{BB962C8B-B14F-4D97-AF65-F5344CB8AC3E}">
-        <p14:creationId xmlns:p14="http://schemas.microsoft.com/office/powerpoint/2010/main" val="1127468315"/>
-      </p:ext>
-    </p:extLst>
-  </p:cSld>
-  <p:clrMapOvr>
-    <a:masterClrMapping/>
-  </p:clrMapOvr>
-</p:sld>
-</file>
-
-<file path=ppt/slides/slide20.xml><?xml version="1.0" encoding="utf-8"?>
+<file path=ppt/slides/slide21.xml><?xml version="1.0" encoding="utf-8"?>
 <p:sld xmlns:a="http://schemas.openxmlformats.org/drawingml/2006/main" xmlns:r="http://schemas.openxmlformats.org/officeDocument/2006/relationships" xmlns:p="http://schemas.openxmlformats.org/presentationml/2006/main">
   <p:cSld>
     <p:spTree>
@@ -7036,7 +7796,7 @@
 </p:sld>
 </file>
 
-<file path=ppt/slides/slide21.xml><?xml version="1.0" encoding="utf-8"?>
+<file path=ppt/slides/slide22.xml><?xml version="1.0" encoding="utf-8"?>
 <p:sld xmlns:a="http://schemas.openxmlformats.org/drawingml/2006/main" xmlns:r="http://schemas.openxmlformats.org/officeDocument/2006/relationships" xmlns:p="http://schemas.openxmlformats.org/presentationml/2006/main">
   <p:cSld>
     <p:spTree>
@@ -7387,7 +8147,7 @@
 </p:sld>
 </file>
 
-<file path=ppt/slides/slide22.xml><?xml version="1.0" encoding="utf-8"?>
+<file path=ppt/slides/slide23.xml><?xml version="1.0" encoding="utf-8"?>
 <p:sld xmlns:a="http://schemas.openxmlformats.org/drawingml/2006/main" xmlns:r="http://schemas.openxmlformats.org/officeDocument/2006/relationships" xmlns:p="http://schemas.openxmlformats.org/presentationml/2006/main">
   <p:cSld>
     <p:spTree>
@@ -7476,11 +8236,7 @@
             </a:r>
             <a:r>
               <a:rPr lang="en-US" sz="2000" dirty="0" smtClean="0"/>
-              <a:t> Particle Swarm </a:t>
-            </a:r>
-            <a:r>
-              <a:rPr lang="en-US" sz="2000" dirty="0" smtClean="0"/>
-              <a:t>Optimization</a:t>
+              <a:t> Particle Swarm Optimization</a:t>
             </a:r>
             <a:br>
               <a:rPr lang="en-US" sz="2000" dirty="0" smtClean="0"/>
@@ -7784,7 +8540,7 @@
 </p:sld>
 </file>
 
-<file path=ppt/slides/slide23.xml><?xml version="1.0" encoding="utf-8"?>
+<file path=ppt/slides/slide24.xml><?xml version="1.0" encoding="utf-8"?>
 <p:sld xmlns:a="http://schemas.openxmlformats.org/drawingml/2006/main" xmlns:r="http://schemas.openxmlformats.org/officeDocument/2006/relationships" xmlns:p="http://schemas.openxmlformats.org/presentationml/2006/main">
   <p:cSld>
     <p:spTree>
@@ -8015,7 +8771,7 @@
 </p:sld>
 </file>
 
-<file path=ppt/slides/slide24.xml><?xml version="1.0" encoding="utf-8"?>
+<file path=ppt/slides/slide25.xml><?xml version="1.0" encoding="utf-8"?>
 <p:sld xmlns:a="http://schemas.openxmlformats.org/drawingml/2006/main" xmlns:r="http://schemas.openxmlformats.org/officeDocument/2006/relationships" xmlns:p="http://schemas.openxmlformats.org/presentationml/2006/main">
   <p:cSld>
     <p:spTree>
@@ -8155,7 +8911,7 @@
 </p:sld>
 </file>
 
-<file path=ppt/slides/slide25.xml><?xml version="1.0" encoding="utf-8"?>
+<file path=ppt/slides/slide26.xml><?xml version="1.0" encoding="utf-8"?>
 <p:sld xmlns:a="http://schemas.openxmlformats.org/drawingml/2006/main" xmlns:r="http://schemas.openxmlformats.org/officeDocument/2006/relationships" xmlns:p="http://schemas.openxmlformats.org/presentationml/2006/main">
   <p:cSld>
     <p:spTree>
@@ -8299,7 +9055,7 @@
 </p:sld>
 </file>
 
-<file path=ppt/slides/slide26.xml><?xml version="1.0" encoding="utf-8"?>
+<file path=ppt/slides/slide27.xml><?xml version="1.0" encoding="utf-8"?>
 <p:sld xmlns:a="http://schemas.openxmlformats.org/drawingml/2006/main" xmlns:r="http://schemas.openxmlformats.org/officeDocument/2006/relationships" xmlns:p="http://schemas.openxmlformats.org/presentationml/2006/main">
   <p:cSld>
     <p:spTree>
@@ -8599,7 +9355,6 @@
               <a:rPr lang="en-US" dirty="0" smtClean="0"/>
               <a:t>.</a:t>
             </a:r>
-            <a:endParaRPr lang="en-US" dirty="0" smtClean="0"/>
           </a:p>
           <a:p>
             <a:pPr algn="just"/>
@@ -9999,11 +10754,7 @@
             </a:r>
             <a:r>
               <a:rPr lang="en-US" dirty="0" smtClean="0"/>
-              <a:t>:[P K Q R</a:t>
-            </a:r>
-            <a:r>
-              <a:rPr lang="en-US" dirty="0" smtClean="0"/>
-              <a:t>]</a:t>
+              <a:t>:[P K Q R]</a:t>
             </a:r>
             <a:endParaRPr lang="en-US" dirty="0"/>
           </a:p>

--- a/report/Timeline.Report.pptx
+++ b/report/Timeline.Report.pptx
@@ -21,17 +21,20 @@
     <p:sldId id="261" r:id="rId15"/>
     <p:sldId id="305" r:id="rId16"/>
     <p:sldId id="262" r:id="rId17"/>
-    <p:sldId id="302" r:id="rId18"/>
-    <p:sldId id="291" r:id="rId19"/>
-    <p:sldId id="263" r:id="rId20"/>
-    <p:sldId id="264" r:id="rId21"/>
-    <p:sldId id="282" r:id="rId22"/>
-    <p:sldId id="301" r:id="rId23"/>
-    <p:sldId id="299" r:id="rId24"/>
-    <p:sldId id="293" r:id="rId25"/>
-    <p:sldId id="279" r:id="rId26"/>
-    <p:sldId id="280" r:id="rId27"/>
-    <p:sldId id="281" r:id="rId28"/>
+    <p:sldId id="306" r:id="rId18"/>
+    <p:sldId id="307" r:id="rId19"/>
+    <p:sldId id="308" r:id="rId20"/>
+    <p:sldId id="302" r:id="rId21"/>
+    <p:sldId id="291" r:id="rId22"/>
+    <p:sldId id="263" r:id="rId23"/>
+    <p:sldId id="264" r:id="rId24"/>
+    <p:sldId id="282" r:id="rId25"/>
+    <p:sldId id="301" r:id="rId26"/>
+    <p:sldId id="299" r:id="rId27"/>
+    <p:sldId id="293" r:id="rId28"/>
+    <p:sldId id="279" r:id="rId29"/>
+    <p:sldId id="280" r:id="rId30"/>
+    <p:sldId id="281" r:id="rId31"/>
   </p:sldIdLst>
   <p:sldSz cx="9144000" cy="6858000" type="screen4x3"/>
   <p:notesSz cx="6858000" cy="9144000"/>
@@ -315,7 +318,7 @@
             <a:fld id="{1D8BD707-D9CF-40AE-B4C6-C98DA3205C09}" type="datetimeFigureOut">
               <a:rPr lang="en-US" smtClean="0"/>
               <a:pPr/>
-              <a:t>5/8/2020</a:t>
+              <a:t>5/11/2020</a:t>
             </a:fld>
             <a:endParaRPr lang="en-US"/>
           </a:p>
@@ -482,7 +485,7 @@
             <a:fld id="{1D8BD707-D9CF-40AE-B4C6-C98DA3205C09}" type="datetimeFigureOut">
               <a:rPr lang="en-US" smtClean="0"/>
               <a:pPr/>
-              <a:t>5/8/2020</a:t>
+              <a:t>5/11/2020</a:t>
             </a:fld>
             <a:endParaRPr lang="en-US"/>
           </a:p>
@@ -659,7 +662,7 @@
             <a:fld id="{1D8BD707-D9CF-40AE-B4C6-C98DA3205C09}" type="datetimeFigureOut">
               <a:rPr lang="en-US" smtClean="0"/>
               <a:pPr/>
-              <a:t>5/8/2020</a:t>
+              <a:t>5/11/2020</a:t>
             </a:fld>
             <a:endParaRPr lang="en-US"/>
           </a:p>
@@ -826,7 +829,7 @@
             <a:fld id="{1D8BD707-D9CF-40AE-B4C6-C98DA3205C09}" type="datetimeFigureOut">
               <a:rPr lang="en-US" smtClean="0"/>
               <a:pPr/>
-              <a:t>5/8/2020</a:t>
+              <a:t>5/11/2020</a:t>
             </a:fld>
             <a:endParaRPr lang="en-US"/>
           </a:p>
@@ -1069,7 +1072,7 @@
             <a:fld id="{1D8BD707-D9CF-40AE-B4C6-C98DA3205C09}" type="datetimeFigureOut">
               <a:rPr lang="en-US" smtClean="0"/>
               <a:pPr/>
-              <a:t>5/8/2020</a:t>
+              <a:t>5/11/2020</a:t>
             </a:fld>
             <a:endParaRPr lang="en-US"/>
           </a:p>
@@ -1354,7 +1357,7 @@
             <a:fld id="{1D8BD707-D9CF-40AE-B4C6-C98DA3205C09}" type="datetimeFigureOut">
               <a:rPr lang="en-US" smtClean="0"/>
               <a:pPr/>
-              <a:t>5/8/2020</a:t>
+              <a:t>5/11/2020</a:t>
             </a:fld>
             <a:endParaRPr lang="en-US"/>
           </a:p>
@@ -1773,7 +1776,7 @@
             <a:fld id="{1D8BD707-D9CF-40AE-B4C6-C98DA3205C09}" type="datetimeFigureOut">
               <a:rPr lang="en-US" smtClean="0"/>
               <a:pPr/>
-              <a:t>5/8/2020</a:t>
+              <a:t>5/11/2020</a:t>
             </a:fld>
             <a:endParaRPr lang="en-US"/>
           </a:p>
@@ -1888,7 +1891,7 @@
             <a:fld id="{1D8BD707-D9CF-40AE-B4C6-C98DA3205C09}" type="datetimeFigureOut">
               <a:rPr lang="en-US" smtClean="0"/>
               <a:pPr/>
-              <a:t>5/8/2020</a:t>
+              <a:t>5/11/2020</a:t>
             </a:fld>
             <a:endParaRPr lang="en-US"/>
           </a:p>
@@ -1980,7 +1983,7 @@
             <a:fld id="{1D8BD707-D9CF-40AE-B4C6-C98DA3205C09}" type="datetimeFigureOut">
               <a:rPr lang="en-US" smtClean="0"/>
               <a:pPr/>
-              <a:t>5/8/2020</a:t>
+              <a:t>5/11/2020</a:t>
             </a:fld>
             <a:endParaRPr lang="en-US"/>
           </a:p>
@@ -2254,7 +2257,7 @@
             <a:fld id="{1D8BD707-D9CF-40AE-B4C6-C98DA3205C09}" type="datetimeFigureOut">
               <a:rPr lang="en-US" smtClean="0"/>
               <a:pPr/>
-              <a:t>5/8/2020</a:t>
+              <a:t>5/11/2020</a:t>
             </a:fld>
             <a:endParaRPr lang="en-US"/>
           </a:p>
@@ -2504,7 +2507,7 @@
             <a:fld id="{1D8BD707-D9CF-40AE-B4C6-C98DA3205C09}" type="datetimeFigureOut">
               <a:rPr lang="en-US" smtClean="0"/>
               <a:pPr/>
-              <a:t>5/8/2020</a:t>
+              <a:t>5/11/2020</a:t>
             </a:fld>
             <a:endParaRPr lang="en-US"/>
           </a:p>
@@ -2714,7 +2717,7 @@
             <a:fld id="{1D8BD707-D9CF-40AE-B4C6-C98DA3205C09}" type="datetimeFigureOut">
               <a:rPr lang="en-US" smtClean="0"/>
               <a:pPr/>
-              <a:t>5/8/2020</a:t>
+              <a:t>5/11/2020</a:t>
             </a:fld>
             <a:endParaRPr lang="en-US"/>
           </a:p>
@@ -4384,43 +4387,6 @@
           </a:p>
         </p:txBody>
       </p:sp>
-      <p:pic>
-        <p:nvPicPr>
-          <p:cNvPr id="4" name="Content Placeholder 3" descr="F:\thuc_tap\BLE\report\daynight\2020.04.10_cal_93.jpg"/>
-          <p:cNvPicPr>
-            <a:picLocks noGrp="1"/>
-          </p:cNvPicPr>
-          <p:nvPr>
-            <p:ph idx="1"/>
-          </p:nvPr>
-        </p:nvPicPr>
-        <p:blipFill>
-          <a:blip r:embed="rId2" cstate="print">
-            <a:extLst>
-              <a:ext uri="{28A0092B-C50C-407E-A947-70E740481C1C}">
-                <a14:useLocalDpi xmlns:a14="http://schemas.microsoft.com/office/drawing/2010/main" val="0"/>
-              </a:ext>
-            </a:extLst>
-          </a:blip>
-          <a:srcRect/>
-          <a:stretch>
-            <a:fillRect/>
-          </a:stretch>
-        </p:blipFill>
-        <p:spPr bwMode="auto">
-          <a:xfrm>
-            <a:off x="0" y="1143000"/>
-            <a:ext cx="9144000" cy="4648200"/>
-          </a:xfrm>
-          <a:prstGeom prst="rect">
-            <a:avLst/>
-          </a:prstGeom>
-          <a:noFill/>
-          <a:ln>
-            <a:noFill/>
-          </a:ln>
-        </p:spPr>
-      </p:pic>
       <p:sp>
         <p:nvSpPr>
           <p:cNvPr id="5" name="Title 1"/>
@@ -4649,6 +4615,47 @@
           </a:p>
         </p:txBody>
       </p:sp>
+      <p:pic>
+        <p:nvPicPr>
+          <p:cNvPr id="1026" name="Picture 2" descr="F:\thuc_tap\BLE_matlab\report\ppt\database_2020.05.11\R93.jpg"/>
+          <p:cNvPicPr>
+            <a:picLocks noChangeAspect="1" noChangeArrowheads="1"/>
+          </p:cNvPicPr>
+          <p:nvPr/>
+        </p:nvPicPr>
+        <p:blipFill>
+          <a:blip r:embed="rId2">
+            <a:extLst>
+              <a:ext uri="{28A0092B-C50C-407E-A947-70E740481C1C}">
+                <a14:useLocalDpi xmlns:a14="http://schemas.microsoft.com/office/drawing/2010/main" val="0"/>
+              </a:ext>
+            </a:extLst>
+          </a:blip>
+          <a:srcRect/>
+          <a:stretch>
+            <a:fillRect/>
+          </a:stretch>
+        </p:blipFill>
+        <p:spPr bwMode="auto">
+          <a:xfrm>
+            <a:off x="0" y="1066800"/>
+            <a:ext cx="9144000" cy="4267200"/>
+          </a:xfrm>
+          <a:prstGeom prst="rect">
+            <a:avLst/>
+          </a:prstGeom>
+          <a:noFill/>
+          <a:extLst>
+            <a:ext uri="{909E8E84-426E-40DD-AFC4-6F175D3DCCD1}">
+              <a14:hiddenFill xmlns:a14="http://schemas.microsoft.com/office/drawing/2010/main">
+                <a:solidFill>
+                  <a:srgbClr val="FFFFFF"/>
+                </a:solidFill>
+              </a14:hiddenFill>
+            </a:ext>
+          </a:extLst>
+        </p:spPr>
+      </p:pic>
     </p:spTree>
     <p:extLst>
       <p:ext uri="{BB962C8B-B14F-4D97-AF65-F5344CB8AC3E}">
@@ -4942,7 +4949,6 @@
               <a:rPr lang="en-US" dirty="0" smtClean="0"/>
               <a:t>.</a:t>
             </a:r>
-            <a:endParaRPr lang="en-US" dirty="0" smtClean="0"/>
           </a:p>
           <a:p>
             <a:endParaRPr lang="en-US" dirty="0"/>
@@ -5076,8 +5082,8 @@
           </a:p>
         </p:txBody>
       </p:sp>
-      <mc:AlternateContent xmlns:mc="http://schemas.openxmlformats.org/markup-compatibility/2006">
-        <mc:Choice xmlns:a14="http://schemas.microsoft.com/office/drawing/2010/main" Requires="a14">
+      <mc:AlternateContent xmlns:mc="http://schemas.openxmlformats.org/markup-compatibility/2006" xmlns:a14="http://schemas.microsoft.com/office/drawing/2010/main">
+        <mc:Choice Requires="a14">
           <p:sp>
             <p:nvSpPr>
               <p:cNvPr id="3" name="Content Placeholder 2"/>
@@ -5801,7 +5807,7 @@
             </p:txBody>
           </p:sp>
         </mc:Choice>
-        <mc:Fallback>
+        <mc:Fallback xmlns="">
           <p:sp>
             <p:nvSpPr>
               <p:cNvPr id="3" name="Content Placeholder 2"/>
@@ -6027,15 +6033,18 @@
             </a:r>
             <a:r>
               <a:rPr lang="en-US" sz="2000" dirty="0" smtClean="0"/>
-              <a:t> Exponent</a:t>
-            </a:r>
-            <a:endParaRPr lang="en-US" sz="2000" dirty="0"/>
+              <a:t> </a:t>
+            </a:r>
+            <a:r>
+              <a:rPr lang="en-US" sz="2000" dirty="0" smtClean="0"/>
+              <a:t>Exponent TAG59</a:t>
+            </a:r>
           </a:p>
         </p:txBody>
       </p:sp>
       <p:pic>
         <p:nvPicPr>
-          <p:cNvPr id="1026" name="Picture 2" descr="F:\thuc_tap\BLE_matlab\report\ppt\static_pathloss_Ver2.jpg"/>
+          <p:cNvPr id="2050" name="Picture 2" descr="F:\thuc_tap\BLE_matlab\report\ppt\database_2020.05.11\static_pathloss_59.jpg"/>
           <p:cNvPicPr>
             <a:picLocks noChangeAspect="1" noChangeArrowheads="1"/>
           </p:cNvPicPr>
@@ -6056,8 +6065,8 @@
         </p:blipFill>
         <p:spPr bwMode="auto">
           <a:xfrm>
-            <a:off x="0" y="1142999"/>
-            <a:ext cx="9144000" cy="4495801"/>
+            <a:off x="-25400" y="1143000"/>
+            <a:ext cx="9169400" cy="4495800"/>
           </a:xfrm>
           <a:prstGeom prst="rect">
             <a:avLst/>
@@ -6106,6 +6115,49 @@
       </p:grpSpPr>
       <p:sp>
         <p:nvSpPr>
+          <p:cNvPr id="5" name="Title 1"/>
+          <p:cNvSpPr txBox="1">
+            <a:spLocks/>
+          </p:cNvSpPr>
+          <p:nvPr/>
+        </p:nvSpPr>
+        <p:spPr>
+          <a:xfrm>
+            <a:off x="609600" y="5257800"/>
+            <a:ext cx="8229600" cy="1143000"/>
+          </a:xfrm>
+          <a:prstGeom prst="rect">
+            <a:avLst/>
+          </a:prstGeom>
+        </p:spPr>
+        <p:txBody>
+          <a:bodyPr vert="horz" lIns="91440" tIns="45720" rIns="91440" bIns="45720" rtlCol="0" anchor="ctr">
+            <a:normAutofit/>
+          </a:bodyPr>
+          <a:lstStyle>
+            <a:lvl1pPr algn="ctr" defTabSz="914400" rtl="0" eaLnBrk="1" latinLnBrk="0" hangingPunct="1">
+              <a:spcBef>
+                <a:spcPct val="0"/>
+              </a:spcBef>
+              <a:buNone/>
+              <a:defRPr sz="4400" kern="1200">
+                <a:solidFill>
+                  <a:schemeClr val="tx1"/>
+                </a:solidFill>
+                <a:latin typeface="+mj-lt"/>
+                <a:ea typeface="+mj-ea"/>
+                <a:cs typeface="+mj-cs"/>
+              </a:defRPr>
+            </a:lvl1pPr>
+          </a:lstStyle>
+          <a:p>
+            <a:pPr algn="just"/>
+            <a:endParaRPr lang="en-US" sz="2000" dirty="0"/>
+          </a:p>
+        </p:txBody>
+      </p:sp>
+      <p:sp>
+        <p:nvSpPr>
           <p:cNvPr id="2" name="Title 1"/>
           <p:cNvSpPr>
             <a:spLocks noGrp="1"/>
@@ -6127,9 +6179,114 @@
           </a:p>
         </p:txBody>
       </p:sp>
+      <p:sp>
+        <p:nvSpPr>
+          <p:cNvPr id="7" name="Title 1"/>
+          <p:cNvSpPr txBox="1">
+            <a:spLocks/>
+          </p:cNvSpPr>
+          <p:nvPr/>
+        </p:nvSpPr>
+        <p:spPr>
+          <a:xfrm>
+            <a:off x="457200" y="5410200"/>
+            <a:ext cx="8229600" cy="1143000"/>
+          </a:xfrm>
+          <a:prstGeom prst="rect">
+            <a:avLst/>
+          </a:prstGeom>
+        </p:spPr>
+        <p:txBody>
+          <a:bodyPr vert="horz" lIns="91440" tIns="45720" rIns="91440" bIns="45720" rtlCol="0" anchor="ctr">
+            <a:normAutofit/>
+          </a:bodyPr>
+          <a:lstStyle>
+            <a:lvl1pPr algn="ctr" defTabSz="914400" rtl="0" eaLnBrk="1" latinLnBrk="0" hangingPunct="1">
+              <a:spcBef>
+                <a:spcPct val="0"/>
+              </a:spcBef>
+              <a:buNone/>
+              <a:defRPr sz="4400" kern="1200">
+                <a:solidFill>
+                  <a:schemeClr val="tx1"/>
+                </a:solidFill>
+                <a:latin typeface="+mj-lt"/>
+                <a:ea typeface="+mj-ea"/>
+                <a:cs typeface="+mj-cs"/>
+              </a:defRPr>
+            </a:lvl1pPr>
+          </a:lstStyle>
+          <a:p>
+            <a:r>
+              <a:rPr lang="en-US" sz="2000" dirty="0" smtClean="0"/>
+              <a:t>So </a:t>
+            </a:r>
+            <a:r>
+              <a:rPr lang="en-US" sz="2000" dirty="0" err="1" smtClean="0"/>
+              <a:t>sánh</a:t>
+            </a:r>
+            <a:r>
+              <a:rPr lang="en-US" sz="2000" dirty="0" smtClean="0"/>
+              <a:t> </a:t>
+            </a:r>
+            <a:r>
+              <a:rPr lang="en-US" sz="2000" dirty="0" err="1" smtClean="0"/>
+              <a:t>kết</a:t>
+            </a:r>
+            <a:r>
+              <a:rPr lang="en-US" sz="2000" dirty="0" smtClean="0"/>
+              <a:t> </a:t>
+            </a:r>
+            <a:r>
+              <a:rPr lang="en-US" sz="2000" dirty="0" err="1" smtClean="0"/>
+              <a:t>quả</a:t>
+            </a:r>
+            <a:r>
+              <a:rPr lang="en-US" sz="2000" dirty="0" smtClean="0"/>
+              <a:t> </a:t>
+            </a:r>
+            <a:r>
+              <a:rPr lang="en-US" sz="2000" dirty="0" err="1" smtClean="0"/>
+              <a:t>sử</a:t>
+            </a:r>
+            <a:r>
+              <a:rPr lang="en-US" sz="2000" dirty="0" smtClean="0"/>
+              <a:t> </a:t>
+            </a:r>
+            <a:r>
+              <a:rPr lang="en-US" sz="2000" dirty="0" err="1" smtClean="0"/>
+              <a:t>dụng</a:t>
+            </a:r>
+            <a:r>
+              <a:rPr lang="en-US" sz="2000" dirty="0" smtClean="0"/>
+              <a:t> Dynamic </a:t>
+            </a:r>
+            <a:r>
+              <a:rPr lang="en-US" sz="2000" dirty="0" err="1" smtClean="0"/>
+              <a:t>và</a:t>
+            </a:r>
+            <a:r>
+              <a:rPr lang="en-US" sz="2000" dirty="0" smtClean="0"/>
+              <a:t> Static </a:t>
+            </a:r>
+            <a:r>
+              <a:rPr lang="en-US" sz="2000" dirty="0" err="1" smtClean="0"/>
+              <a:t>Pathloss</a:t>
+            </a:r>
+            <a:r>
+              <a:rPr lang="en-US" sz="2000" dirty="0" smtClean="0"/>
+              <a:t> </a:t>
+            </a:r>
+            <a:r>
+              <a:rPr lang="en-US" sz="2000" dirty="0" smtClean="0"/>
+              <a:t>Exponent TAG93</a:t>
+            </a:r>
+          </a:p>
+        </p:txBody>
+      </p:sp>
       <p:pic>
         <p:nvPicPr>
-          <p:cNvPr id="4098" name="Picture 2" descr="F:\thuc_tap\BLE_matlab\report\ppt\dynamic_pathloss.jpg"/>
+          <p:cNvPr id="3074" name="Picture 2" descr="F:\thuc_tap\BLE_matlab\report\ppt\database_2020.05.11\static_pathloss_93.jpg"/>
           <p:cNvPicPr>
             <a:picLocks noChangeAspect="1" noChangeArrowheads="1"/>
           </p:cNvPicPr>
@@ -6150,8 +6307,8 @@
         </p:blipFill>
         <p:spPr bwMode="auto">
           <a:xfrm>
-            <a:off x="-12700" y="1143000"/>
-            <a:ext cx="9156700" cy="4648200"/>
+            <a:off x="0" y="1058862"/>
+            <a:ext cx="9144000" cy="4770438"/>
           </a:xfrm>
           <a:prstGeom prst="rect">
             <a:avLst/>
@@ -6168,6 +6325,935 @@
           </a:extLst>
         </p:spPr>
       </p:pic>
+    </p:spTree>
+    <p:extLst>
+      <p:ext uri="{BB962C8B-B14F-4D97-AF65-F5344CB8AC3E}">
+        <p14:creationId xmlns:p14="http://schemas.microsoft.com/office/powerpoint/2010/main" val="418077083"/>
+      </p:ext>
+    </p:extLst>
+  </p:cSld>
+  <p:clrMapOvr>
+    <a:masterClrMapping/>
+  </p:clrMapOvr>
+</p:sld>
+</file>
+
+<file path=ppt/slides/slide18.xml><?xml version="1.0" encoding="utf-8"?>
+<p:sld xmlns:a="http://schemas.openxmlformats.org/drawingml/2006/main" xmlns:r="http://schemas.openxmlformats.org/officeDocument/2006/relationships" xmlns:p="http://schemas.openxmlformats.org/presentationml/2006/main">
+  <p:cSld>
+    <p:spTree>
+      <p:nvGrpSpPr>
+        <p:cNvPr id="1" name=""/>
+        <p:cNvGrpSpPr/>
+        <p:nvPr/>
+      </p:nvGrpSpPr>
+      <p:grpSpPr>
+        <a:xfrm>
+          <a:off x="0" y="0"/>
+          <a:ext cx="0" cy="0"/>
+          <a:chOff x="0" y="0"/>
+          <a:chExt cx="0" cy="0"/>
+        </a:xfrm>
+      </p:grpSpPr>
+      <p:sp>
+        <p:nvSpPr>
+          <p:cNvPr id="5" name="Title 1"/>
+          <p:cNvSpPr txBox="1">
+            <a:spLocks/>
+          </p:cNvSpPr>
+          <p:nvPr/>
+        </p:nvSpPr>
+        <p:spPr>
+          <a:xfrm>
+            <a:off x="609600" y="5257800"/>
+            <a:ext cx="8229600" cy="1143000"/>
+          </a:xfrm>
+          <a:prstGeom prst="rect">
+            <a:avLst/>
+          </a:prstGeom>
+        </p:spPr>
+        <p:txBody>
+          <a:bodyPr vert="horz" lIns="91440" tIns="45720" rIns="91440" bIns="45720" rtlCol="0" anchor="ctr">
+            <a:normAutofit/>
+          </a:bodyPr>
+          <a:lstStyle>
+            <a:lvl1pPr algn="ctr" defTabSz="914400" rtl="0" eaLnBrk="1" latinLnBrk="0" hangingPunct="1">
+              <a:spcBef>
+                <a:spcPct val="0"/>
+              </a:spcBef>
+              <a:buNone/>
+              <a:defRPr sz="4400" kern="1200">
+                <a:solidFill>
+                  <a:schemeClr val="tx1"/>
+                </a:solidFill>
+                <a:latin typeface="+mj-lt"/>
+                <a:ea typeface="+mj-ea"/>
+                <a:cs typeface="+mj-cs"/>
+              </a:defRPr>
+            </a:lvl1pPr>
+          </a:lstStyle>
+          <a:p>
+            <a:pPr algn="just"/>
+            <a:endParaRPr lang="en-US" sz="2000" dirty="0"/>
+          </a:p>
+        </p:txBody>
+      </p:sp>
+      <p:sp>
+        <p:nvSpPr>
+          <p:cNvPr id="2" name="Title 1"/>
+          <p:cNvSpPr>
+            <a:spLocks noGrp="1"/>
+          </p:cNvSpPr>
+          <p:nvPr>
+            <p:ph type="title"/>
+          </p:nvPr>
+        </p:nvSpPr>
+        <p:spPr/>
+        <p:txBody>
+          <a:bodyPr/>
+          <a:lstStyle/>
+          <a:p>
+            <a:r>
+              <a:rPr lang="en-US" dirty="0" smtClean="0"/>
+              <a:t>IMPROVE PATHLOSS EXPONENT</a:t>
+            </a:r>
+            <a:endParaRPr lang="en-US" dirty="0"/>
+          </a:p>
+        </p:txBody>
+      </p:sp>
+      <p:sp>
+        <p:nvSpPr>
+          <p:cNvPr id="7" name="Title 1"/>
+          <p:cNvSpPr txBox="1">
+            <a:spLocks/>
+          </p:cNvSpPr>
+          <p:nvPr/>
+        </p:nvSpPr>
+        <p:spPr>
+          <a:xfrm>
+            <a:off x="457200" y="5410200"/>
+            <a:ext cx="8229600" cy="1143000"/>
+          </a:xfrm>
+          <a:prstGeom prst="rect">
+            <a:avLst/>
+          </a:prstGeom>
+        </p:spPr>
+        <p:txBody>
+          <a:bodyPr vert="horz" lIns="91440" tIns="45720" rIns="91440" bIns="45720" rtlCol="0" anchor="ctr">
+            <a:normAutofit/>
+          </a:bodyPr>
+          <a:lstStyle>
+            <a:lvl1pPr algn="ctr" defTabSz="914400" rtl="0" eaLnBrk="1" latinLnBrk="0" hangingPunct="1">
+              <a:spcBef>
+                <a:spcPct val="0"/>
+              </a:spcBef>
+              <a:buNone/>
+              <a:defRPr sz="4400" kern="1200">
+                <a:solidFill>
+                  <a:schemeClr val="tx1"/>
+                </a:solidFill>
+                <a:latin typeface="+mj-lt"/>
+                <a:ea typeface="+mj-ea"/>
+                <a:cs typeface="+mj-cs"/>
+              </a:defRPr>
+            </a:lvl1pPr>
+          </a:lstStyle>
+          <a:p>
+            <a:r>
+              <a:rPr lang="en-US" sz="2000" dirty="0" smtClean="0"/>
+              <a:t>So </a:t>
+            </a:r>
+            <a:r>
+              <a:rPr lang="en-US" sz="2000" dirty="0" err="1" smtClean="0"/>
+              <a:t>sánh</a:t>
+            </a:r>
+            <a:r>
+              <a:rPr lang="en-US" sz="2000" dirty="0" smtClean="0"/>
+              <a:t> </a:t>
+            </a:r>
+            <a:r>
+              <a:rPr lang="en-US" sz="2000" dirty="0" err="1" smtClean="0"/>
+              <a:t>kết</a:t>
+            </a:r>
+            <a:r>
+              <a:rPr lang="en-US" sz="2000" dirty="0" smtClean="0"/>
+              <a:t> </a:t>
+            </a:r>
+            <a:r>
+              <a:rPr lang="en-US" sz="2000" dirty="0" err="1" smtClean="0"/>
+              <a:t>quả</a:t>
+            </a:r>
+            <a:r>
+              <a:rPr lang="en-US" sz="2000" dirty="0" smtClean="0"/>
+              <a:t> </a:t>
+            </a:r>
+            <a:r>
+              <a:rPr lang="en-US" sz="2000" dirty="0" err="1" smtClean="0"/>
+              <a:t>sử</a:t>
+            </a:r>
+            <a:r>
+              <a:rPr lang="en-US" sz="2000" dirty="0" smtClean="0"/>
+              <a:t> </a:t>
+            </a:r>
+            <a:r>
+              <a:rPr lang="en-US" sz="2000" dirty="0" err="1" smtClean="0"/>
+              <a:t>dụng</a:t>
+            </a:r>
+            <a:r>
+              <a:rPr lang="en-US" sz="2000" dirty="0" smtClean="0"/>
+              <a:t> Dynamic </a:t>
+            </a:r>
+            <a:r>
+              <a:rPr lang="en-US" sz="2000" dirty="0" err="1" smtClean="0"/>
+              <a:t>và</a:t>
+            </a:r>
+            <a:r>
+              <a:rPr lang="en-US" sz="2000" dirty="0" smtClean="0"/>
+              <a:t> Static </a:t>
+            </a:r>
+            <a:r>
+              <a:rPr lang="en-US" sz="2000" dirty="0" err="1" smtClean="0"/>
+              <a:t>Pathloss</a:t>
+            </a:r>
+            <a:r>
+              <a:rPr lang="en-US" sz="2000" dirty="0" smtClean="0"/>
+              <a:t> </a:t>
+            </a:r>
+            <a:r>
+              <a:rPr lang="en-US" sz="2000" dirty="0" smtClean="0"/>
+              <a:t>Exponent TAGC2</a:t>
+            </a:r>
+          </a:p>
+        </p:txBody>
+      </p:sp>
+      <p:pic>
+        <p:nvPicPr>
+          <p:cNvPr id="4098" name="Picture 2" descr="F:\thuc_tap\BLE_matlab\report\ppt\database_2020.05.11\static_pathloss_c2.jpg"/>
+          <p:cNvPicPr>
+            <a:picLocks noChangeAspect="1" noChangeArrowheads="1"/>
+          </p:cNvPicPr>
+          <p:nvPr/>
+        </p:nvPicPr>
+        <p:blipFill>
+          <a:blip r:embed="rId2">
+            <a:extLst>
+              <a:ext uri="{28A0092B-C50C-407E-A947-70E740481C1C}">
+                <a14:useLocalDpi xmlns:a14="http://schemas.microsoft.com/office/drawing/2010/main" val="0"/>
+              </a:ext>
+            </a:extLst>
+          </a:blip>
+          <a:srcRect/>
+          <a:stretch>
+            <a:fillRect/>
+          </a:stretch>
+        </p:blipFill>
+        <p:spPr bwMode="auto">
+          <a:xfrm>
+            <a:off x="0" y="1066800"/>
+            <a:ext cx="9144000" cy="4762500"/>
+          </a:xfrm>
+          <a:prstGeom prst="rect">
+            <a:avLst/>
+          </a:prstGeom>
+          <a:noFill/>
+          <a:extLst>
+            <a:ext uri="{909E8E84-426E-40DD-AFC4-6F175D3DCCD1}">
+              <a14:hiddenFill xmlns:a14="http://schemas.microsoft.com/office/drawing/2010/main">
+                <a:solidFill>
+                  <a:srgbClr val="FFFFFF"/>
+                </a:solidFill>
+              </a14:hiddenFill>
+            </a:ext>
+          </a:extLst>
+        </p:spPr>
+      </p:pic>
+    </p:spTree>
+    <p:extLst>
+      <p:ext uri="{BB962C8B-B14F-4D97-AF65-F5344CB8AC3E}">
+        <p14:creationId xmlns:p14="http://schemas.microsoft.com/office/powerpoint/2010/main" val="418077083"/>
+      </p:ext>
+    </p:extLst>
+  </p:cSld>
+  <p:clrMapOvr>
+    <a:masterClrMapping/>
+  </p:clrMapOvr>
+</p:sld>
+</file>
+
+<file path=ppt/slides/slide19.xml><?xml version="1.0" encoding="utf-8"?>
+<p:sld xmlns:a="http://schemas.openxmlformats.org/drawingml/2006/main" xmlns:r="http://schemas.openxmlformats.org/officeDocument/2006/relationships" xmlns:p="http://schemas.openxmlformats.org/presentationml/2006/main">
+  <p:cSld>
+    <p:spTree>
+      <p:nvGrpSpPr>
+        <p:cNvPr id="1" name=""/>
+        <p:cNvGrpSpPr/>
+        <p:nvPr/>
+      </p:nvGrpSpPr>
+      <p:grpSpPr>
+        <a:xfrm>
+          <a:off x="0" y="0"/>
+          <a:ext cx="0" cy="0"/>
+          <a:chOff x="0" y="0"/>
+          <a:chExt cx="0" cy="0"/>
+        </a:xfrm>
+      </p:grpSpPr>
+      <p:sp>
+        <p:nvSpPr>
+          <p:cNvPr id="5" name="Title 1"/>
+          <p:cNvSpPr txBox="1">
+            <a:spLocks/>
+          </p:cNvSpPr>
+          <p:nvPr/>
+        </p:nvSpPr>
+        <p:spPr>
+          <a:xfrm>
+            <a:off x="609600" y="5257800"/>
+            <a:ext cx="8229600" cy="1143000"/>
+          </a:xfrm>
+          <a:prstGeom prst="rect">
+            <a:avLst/>
+          </a:prstGeom>
+        </p:spPr>
+        <p:txBody>
+          <a:bodyPr vert="horz" lIns="91440" tIns="45720" rIns="91440" bIns="45720" rtlCol="0" anchor="ctr">
+            <a:normAutofit/>
+          </a:bodyPr>
+          <a:lstStyle>
+            <a:lvl1pPr algn="ctr" defTabSz="914400" rtl="0" eaLnBrk="1" latinLnBrk="0" hangingPunct="1">
+              <a:spcBef>
+                <a:spcPct val="0"/>
+              </a:spcBef>
+              <a:buNone/>
+              <a:defRPr sz="4400" kern="1200">
+                <a:solidFill>
+                  <a:schemeClr val="tx1"/>
+                </a:solidFill>
+                <a:latin typeface="+mj-lt"/>
+                <a:ea typeface="+mj-ea"/>
+                <a:cs typeface="+mj-cs"/>
+              </a:defRPr>
+            </a:lvl1pPr>
+          </a:lstStyle>
+          <a:p>
+            <a:pPr algn="just"/>
+            <a:endParaRPr lang="en-US" sz="2000" dirty="0"/>
+          </a:p>
+        </p:txBody>
+      </p:sp>
+      <p:sp>
+        <p:nvSpPr>
+          <p:cNvPr id="2" name="Title 1"/>
+          <p:cNvSpPr>
+            <a:spLocks noGrp="1"/>
+          </p:cNvSpPr>
+          <p:nvPr>
+            <p:ph type="title"/>
+          </p:nvPr>
+        </p:nvSpPr>
+        <p:spPr/>
+        <p:txBody>
+          <a:bodyPr/>
+          <a:lstStyle/>
+          <a:p>
+            <a:r>
+              <a:rPr lang="en-US" dirty="0" smtClean="0"/>
+              <a:t>IMPROVE PATHLOSS EXPONENT</a:t>
+            </a:r>
+            <a:endParaRPr lang="en-US" dirty="0"/>
+          </a:p>
+        </p:txBody>
+      </p:sp>
+      <p:sp>
+        <p:nvSpPr>
+          <p:cNvPr id="7" name="Title 1"/>
+          <p:cNvSpPr txBox="1">
+            <a:spLocks/>
+          </p:cNvSpPr>
+          <p:nvPr/>
+        </p:nvSpPr>
+        <p:spPr>
+          <a:xfrm>
+            <a:off x="457200" y="5410200"/>
+            <a:ext cx="8229600" cy="1143000"/>
+          </a:xfrm>
+          <a:prstGeom prst="rect">
+            <a:avLst/>
+          </a:prstGeom>
+        </p:spPr>
+        <p:txBody>
+          <a:bodyPr vert="horz" lIns="91440" tIns="45720" rIns="91440" bIns="45720" rtlCol="0" anchor="ctr">
+            <a:normAutofit/>
+          </a:bodyPr>
+          <a:lstStyle>
+            <a:lvl1pPr algn="ctr" defTabSz="914400" rtl="0" eaLnBrk="1" latinLnBrk="0" hangingPunct="1">
+              <a:spcBef>
+                <a:spcPct val="0"/>
+              </a:spcBef>
+              <a:buNone/>
+              <a:defRPr sz="4400" kern="1200">
+                <a:solidFill>
+                  <a:schemeClr val="tx1"/>
+                </a:solidFill>
+                <a:latin typeface="+mj-lt"/>
+                <a:ea typeface="+mj-ea"/>
+                <a:cs typeface="+mj-cs"/>
+              </a:defRPr>
+            </a:lvl1pPr>
+          </a:lstStyle>
+          <a:p>
+            <a:r>
+              <a:rPr lang="en-US" sz="2000" dirty="0" smtClean="0"/>
+              <a:t>So </a:t>
+            </a:r>
+            <a:r>
+              <a:rPr lang="en-US" sz="2000" dirty="0" err="1" smtClean="0"/>
+              <a:t>sánh</a:t>
+            </a:r>
+            <a:r>
+              <a:rPr lang="en-US" sz="2000" dirty="0" smtClean="0"/>
+              <a:t> </a:t>
+            </a:r>
+            <a:r>
+              <a:rPr lang="en-US" sz="2000" dirty="0" err="1" smtClean="0"/>
+              <a:t>kết</a:t>
+            </a:r>
+            <a:r>
+              <a:rPr lang="en-US" sz="2000" dirty="0" smtClean="0"/>
+              <a:t> </a:t>
+            </a:r>
+            <a:r>
+              <a:rPr lang="en-US" sz="2000" dirty="0" err="1" smtClean="0"/>
+              <a:t>quả</a:t>
+            </a:r>
+            <a:r>
+              <a:rPr lang="en-US" sz="2000" dirty="0" smtClean="0"/>
+              <a:t> </a:t>
+            </a:r>
+            <a:r>
+              <a:rPr lang="en-US" sz="2000" dirty="0" err="1" smtClean="0"/>
+              <a:t>sử</a:t>
+            </a:r>
+            <a:r>
+              <a:rPr lang="en-US" sz="2000" dirty="0" smtClean="0"/>
+              <a:t> </a:t>
+            </a:r>
+            <a:r>
+              <a:rPr lang="en-US" sz="2000" dirty="0" err="1" smtClean="0"/>
+              <a:t>dụng</a:t>
+            </a:r>
+            <a:r>
+              <a:rPr lang="en-US" sz="2000" dirty="0" smtClean="0"/>
+              <a:t> Dynamic </a:t>
+            </a:r>
+            <a:r>
+              <a:rPr lang="en-US" sz="2000" dirty="0" err="1" smtClean="0"/>
+              <a:t>và</a:t>
+            </a:r>
+            <a:r>
+              <a:rPr lang="en-US" sz="2000" dirty="0" smtClean="0"/>
+              <a:t> Static </a:t>
+            </a:r>
+            <a:r>
+              <a:rPr lang="en-US" sz="2000" dirty="0" err="1" smtClean="0"/>
+              <a:t>Pathloss</a:t>
+            </a:r>
+            <a:r>
+              <a:rPr lang="en-US" sz="2000" dirty="0" smtClean="0"/>
+              <a:t> </a:t>
+            </a:r>
+            <a:r>
+              <a:rPr lang="en-US" sz="2000" dirty="0" smtClean="0"/>
+              <a:t>Exponent TAGC0</a:t>
+            </a:r>
+          </a:p>
+        </p:txBody>
+      </p:sp>
+      <p:pic>
+        <p:nvPicPr>
+          <p:cNvPr id="5122" name="Picture 2" descr="F:\thuc_tap\BLE_matlab\report\ppt\database_2020.05.11\static_pathloss_c0.jpg"/>
+          <p:cNvPicPr>
+            <a:picLocks noChangeAspect="1" noChangeArrowheads="1"/>
+          </p:cNvPicPr>
+          <p:nvPr/>
+        </p:nvPicPr>
+        <p:blipFill>
+          <a:blip r:embed="rId2">
+            <a:extLst>
+              <a:ext uri="{28A0092B-C50C-407E-A947-70E740481C1C}">
+                <a14:useLocalDpi xmlns:a14="http://schemas.microsoft.com/office/drawing/2010/main" val="0"/>
+              </a:ext>
+            </a:extLst>
+          </a:blip>
+          <a:srcRect/>
+          <a:stretch>
+            <a:fillRect/>
+          </a:stretch>
+        </p:blipFill>
+        <p:spPr bwMode="auto">
+          <a:xfrm>
+            <a:off x="0" y="1143000"/>
+            <a:ext cx="9144000" cy="4572000"/>
+          </a:xfrm>
+          <a:prstGeom prst="rect">
+            <a:avLst/>
+          </a:prstGeom>
+          <a:noFill/>
+          <a:extLst>
+            <a:ext uri="{909E8E84-426E-40DD-AFC4-6F175D3DCCD1}">
+              <a14:hiddenFill xmlns:a14="http://schemas.microsoft.com/office/drawing/2010/main">
+                <a:solidFill>
+                  <a:srgbClr val="FFFFFF"/>
+                </a:solidFill>
+              </a14:hiddenFill>
+            </a:ext>
+          </a:extLst>
+        </p:spPr>
+      </p:pic>
+    </p:spTree>
+    <p:extLst>
+      <p:ext uri="{BB962C8B-B14F-4D97-AF65-F5344CB8AC3E}">
+        <p14:creationId xmlns:p14="http://schemas.microsoft.com/office/powerpoint/2010/main" val="418077083"/>
+      </p:ext>
+    </p:extLst>
+  </p:cSld>
+  <p:clrMapOvr>
+    <a:masterClrMapping/>
+  </p:clrMapOvr>
+</p:sld>
+</file>
+
+<file path=ppt/slides/slide2.xml><?xml version="1.0" encoding="utf-8"?>
+<p:sld xmlns:a="http://schemas.openxmlformats.org/drawingml/2006/main" xmlns:r="http://schemas.openxmlformats.org/officeDocument/2006/relationships" xmlns:p="http://schemas.openxmlformats.org/presentationml/2006/main">
+  <p:cSld>
+    <p:spTree>
+      <p:nvGrpSpPr>
+        <p:cNvPr id="1" name=""/>
+        <p:cNvGrpSpPr/>
+        <p:nvPr/>
+      </p:nvGrpSpPr>
+      <p:grpSpPr>
+        <a:xfrm>
+          <a:off x="0" y="0"/>
+          <a:ext cx="0" cy="0"/>
+          <a:chOff x="0" y="0"/>
+          <a:chExt cx="0" cy="0"/>
+        </a:xfrm>
+      </p:grpSpPr>
+      <p:sp>
+        <p:nvSpPr>
+          <p:cNvPr id="3" name="Content Placeholder 2"/>
+          <p:cNvSpPr>
+            <a:spLocks noGrp="1"/>
+          </p:cNvSpPr>
+          <p:nvPr>
+            <p:ph idx="1"/>
+          </p:nvPr>
+        </p:nvSpPr>
+        <p:spPr/>
+        <p:txBody>
+          <a:bodyPr/>
+          <a:lstStyle/>
+          <a:p>
+            <a:pPr algn="just"/>
+            <a:r>
+              <a:rPr lang="en-US" dirty="0" err="1" smtClean="0"/>
+              <a:t>Hệ</a:t>
+            </a:r>
+            <a:r>
+              <a:rPr lang="en-US" dirty="0" smtClean="0"/>
+              <a:t> </a:t>
+            </a:r>
+            <a:r>
+              <a:rPr lang="en-US" dirty="0" err="1" smtClean="0"/>
+              <a:t>thống</a:t>
+            </a:r>
+            <a:r>
+              <a:rPr lang="en-US" dirty="0" smtClean="0"/>
+              <a:t>: 4 </a:t>
+            </a:r>
+            <a:r>
+              <a:rPr lang="en-US" dirty="0" err="1" smtClean="0"/>
+              <a:t>thiết</a:t>
+            </a:r>
+            <a:r>
+              <a:rPr lang="en-US" dirty="0" smtClean="0"/>
+              <a:t> </a:t>
+            </a:r>
+            <a:r>
+              <a:rPr lang="en-US" dirty="0" err="1" smtClean="0"/>
+              <a:t>bị</a:t>
+            </a:r>
+            <a:r>
+              <a:rPr lang="en-US" dirty="0" smtClean="0"/>
+              <a:t> </a:t>
+            </a:r>
+            <a:r>
+              <a:rPr lang="en-US" dirty="0" err="1" smtClean="0"/>
+              <a:t>phát</a:t>
+            </a:r>
+            <a:r>
+              <a:rPr lang="en-US" dirty="0" smtClean="0"/>
+              <a:t> (Beacon), 3 </a:t>
+            </a:r>
+            <a:r>
+              <a:rPr lang="en-US" dirty="0" err="1" smtClean="0"/>
+              <a:t>thiết</a:t>
+            </a:r>
+            <a:r>
+              <a:rPr lang="en-US" dirty="0" smtClean="0"/>
+              <a:t> </a:t>
+            </a:r>
+            <a:r>
+              <a:rPr lang="en-US" dirty="0" err="1" smtClean="0"/>
+              <a:t>bị</a:t>
+            </a:r>
+            <a:r>
+              <a:rPr lang="en-US" dirty="0" smtClean="0"/>
+              <a:t> </a:t>
+            </a:r>
+            <a:r>
+              <a:rPr lang="en-US" dirty="0" err="1" smtClean="0"/>
+              <a:t>thu</a:t>
+            </a:r>
+            <a:r>
+              <a:rPr lang="en-US" dirty="0" smtClean="0"/>
+              <a:t> (Tag, </a:t>
+            </a:r>
+            <a:r>
+              <a:rPr lang="en-US" dirty="0" err="1" smtClean="0"/>
+              <a:t>Pathloss</a:t>
+            </a:r>
+            <a:r>
+              <a:rPr lang="en-US" dirty="0" smtClean="0"/>
+              <a:t>, Gateway)</a:t>
+            </a:r>
+          </a:p>
+          <a:p>
+            <a:pPr algn="just"/>
+            <a:r>
+              <a:rPr lang="en-US" dirty="0" err="1" smtClean="0"/>
+              <a:t>Tìm</a:t>
+            </a:r>
+            <a:r>
+              <a:rPr lang="en-US" dirty="0" smtClean="0"/>
+              <a:t> </a:t>
+            </a:r>
+            <a:r>
+              <a:rPr lang="en-US" dirty="0" err="1" smtClean="0"/>
+              <a:t>được</a:t>
+            </a:r>
+            <a:r>
+              <a:rPr lang="en-US" dirty="0" smtClean="0"/>
+              <a:t> </a:t>
+            </a:r>
+            <a:r>
+              <a:rPr lang="en-US" dirty="0" err="1" smtClean="0"/>
+              <a:t>khoảng</a:t>
+            </a:r>
+            <a:r>
+              <a:rPr lang="en-US" dirty="0" smtClean="0"/>
+              <a:t> </a:t>
+            </a:r>
+            <a:r>
+              <a:rPr lang="en-US" dirty="0" err="1" smtClean="0"/>
+              <a:t>cách</a:t>
+            </a:r>
+            <a:r>
+              <a:rPr lang="en-US" dirty="0" smtClean="0"/>
+              <a:t> </a:t>
+            </a:r>
+            <a:r>
+              <a:rPr lang="en-US" dirty="0" err="1" smtClean="0"/>
+              <a:t>từ</a:t>
+            </a:r>
+            <a:r>
+              <a:rPr lang="en-US" dirty="0" smtClean="0"/>
+              <a:t> </a:t>
+            </a:r>
+            <a:r>
+              <a:rPr lang="en-US" dirty="0" err="1" smtClean="0"/>
+              <a:t>điểm</a:t>
+            </a:r>
+            <a:r>
+              <a:rPr lang="en-US" dirty="0" smtClean="0"/>
+              <a:t> </a:t>
+            </a:r>
+            <a:r>
+              <a:rPr lang="en-US" dirty="0" err="1" smtClean="0"/>
+              <a:t>thu</a:t>
+            </a:r>
+            <a:r>
+              <a:rPr lang="en-US" dirty="0" smtClean="0"/>
+              <a:t> </a:t>
+            </a:r>
+            <a:r>
+              <a:rPr lang="en-US" dirty="0" err="1" smtClean="0"/>
+              <a:t>đến</a:t>
+            </a:r>
+            <a:r>
+              <a:rPr lang="en-US" dirty="0" smtClean="0"/>
+              <a:t> 4 </a:t>
+            </a:r>
+            <a:r>
+              <a:rPr lang="en-US" dirty="0" err="1" smtClean="0"/>
+              <a:t>điểm</a:t>
+            </a:r>
+            <a:r>
+              <a:rPr lang="en-US" dirty="0" smtClean="0"/>
+              <a:t> </a:t>
+            </a:r>
+            <a:r>
+              <a:rPr lang="en-US" dirty="0" err="1" smtClean="0"/>
+              <a:t>phát</a:t>
+            </a:r>
+            <a:r>
+              <a:rPr lang="en-US" dirty="0" smtClean="0"/>
+              <a:t> =&gt; </a:t>
+            </a:r>
+            <a:r>
+              <a:rPr lang="en-US" dirty="0" err="1" smtClean="0"/>
+              <a:t>thành</a:t>
+            </a:r>
+            <a:r>
+              <a:rPr lang="en-US" dirty="0" smtClean="0"/>
+              <a:t> </a:t>
+            </a:r>
+            <a:r>
+              <a:rPr lang="en-US" dirty="0" err="1" smtClean="0"/>
+              <a:t>lập</a:t>
+            </a:r>
+            <a:r>
+              <a:rPr lang="en-US" dirty="0" smtClean="0"/>
+              <a:t> </a:t>
+            </a:r>
+            <a:r>
+              <a:rPr lang="en-US" dirty="0" err="1" smtClean="0"/>
+              <a:t>được</a:t>
+            </a:r>
+            <a:r>
+              <a:rPr lang="en-US" dirty="0" smtClean="0"/>
+              <a:t> </a:t>
+            </a:r>
+            <a:r>
+              <a:rPr lang="en-US" dirty="0" err="1" smtClean="0"/>
+              <a:t>hệ</a:t>
+            </a:r>
+            <a:r>
+              <a:rPr lang="en-US" dirty="0" smtClean="0"/>
+              <a:t> </a:t>
+            </a:r>
+            <a:r>
+              <a:rPr lang="en-US" dirty="0" err="1" smtClean="0"/>
+              <a:t>phương</a:t>
+            </a:r>
+            <a:r>
+              <a:rPr lang="en-US" dirty="0" smtClean="0"/>
+              <a:t> </a:t>
+            </a:r>
+            <a:r>
+              <a:rPr lang="en-US" dirty="0" err="1" smtClean="0"/>
+              <a:t>trình</a:t>
+            </a:r>
+            <a:r>
+              <a:rPr lang="en-US" dirty="0" smtClean="0"/>
+              <a:t> =&gt; </a:t>
+            </a:r>
+            <a:r>
+              <a:rPr lang="en-US" dirty="0" err="1" smtClean="0"/>
+              <a:t>tìm</a:t>
+            </a:r>
+            <a:r>
+              <a:rPr lang="en-US" dirty="0" smtClean="0"/>
+              <a:t> </a:t>
+            </a:r>
+            <a:r>
+              <a:rPr lang="en-US" dirty="0" err="1" smtClean="0"/>
+              <a:t>được</a:t>
+            </a:r>
+            <a:r>
+              <a:rPr lang="en-US" dirty="0" smtClean="0"/>
+              <a:t> </a:t>
+            </a:r>
+            <a:r>
+              <a:rPr lang="en-US" dirty="0" err="1" smtClean="0"/>
+              <a:t>vị</a:t>
+            </a:r>
+            <a:r>
+              <a:rPr lang="en-US" dirty="0" smtClean="0"/>
+              <a:t> </a:t>
+            </a:r>
+            <a:r>
+              <a:rPr lang="en-US" dirty="0" err="1" smtClean="0"/>
+              <a:t>trí</a:t>
+            </a:r>
+            <a:r>
+              <a:rPr lang="en-US" dirty="0" smtClean="0"/>
+              <a:t> </a:t>
+            </a:r>
+            <a:r>
+              <a:rPr lang="en-US" dirty="0" err="1" smtClean="0"/>
+              <a:t>của</a:t>
+            </a:r>
+            <a:r>
+              <a:rPr lang="en-US" dirty="0" smtClean="0"/>
+              <a:t> </a:t>
+            </a:r>
+            <a:r>
+              <a:rPr lang="en-US" dirty="0" err="1" smtClean="0"/>
+              <a:t>thiết</a:t>
+            </a:r>
+            <a:r>
+              <a:rPr lang="en-US" dirty="0" smtClean="0"/>
+              <a:t> </a:t>
+            </a:r>
+            <a:r>
+              <a:rPr lang="en-US" dirty="0" err="1" smtClean="0"/>
+              <a:t>bị</a:t>
+            </a:r>
+            <a:r>
+              <a:rPr lang="en-US" dirty="0" smtClean="0"/>
+              <a:t> </a:t>
+            </a:r>
+            <a:r>
+              <a:rPr lang="en-US" dirty="0" err="1" smtClean="0"/>
+              <a:t>thu</a:t>
+            </a:r>
+            <a:r>
+              <a:rPr lang="en-US" dirty="0" smtClean="0"/>
+              <a:t> </a:t>
+            </a:r>
+            <a:r>
+              <a:rPr lang="en-US" dirty="0" err="1" smtClean="0"/>
+              <a:t>nếu</a:t>
+            </a:r>
+            <a:r>
+              <a:rPr lang="en-US" dirty="0" smtClean="0"/>
+              <a:t> </a:t>
+            </a:r>
+            <a:r>
+              <a:rPr lang="en-US" dirty="0" err="1" smtClean="0"/>
+              <a:t>biết</a:t>
+            </a:r>
+            <a:r>
+              <a:rPr lang="en-US" dirty="0" smtClean="0"/>
+              <a:t> </a:t>
+            </a:r>
+            <a:r>
+              <a:rPr lang="en-US" dirty="0" err="1" smtClean="0"/>
+              <a:t>vị</a:t>
+            </a:r>
+            <a:r>
+              <a:rPr lang="en-US" dirty="0" smtClean="0"/>
+              <a:t> </a:t>
+            </a:r>
+            <a:r>
+              <a:rPr lang="en-US" dirty="0" err="1" smtClean="0"/>
+              <a:t>trí</a:t>
+            </a:r>
+            <a:r>
+              <a:rPr lang="en-US" dirty="0" smtClean="0"/>
+              <a:t> 4 </a:t>
+            </a:r>
+            <a:r>
+              <a:rPr lang="en-US" dirty="0" err="1" smtClean="0"/>
+              <a:t>thiết</a:t>
+            </a:r>
+            <a:r>
+              <a:rPr lang="en-US" dirty="0" smtClean="0"/>
+              <a:t> </a:t>
+            </a:r>
+            <a:r>
+              <a:rPr lang="en-US" dirty="0" err="1" smtClean="0"/>
+              <a:t>bị</a:t>
+            </a:r>
+            <a:r>
+              <a:rPr lang="en-US" dirty="0" smtClean="0"/>
+              <a:t> </a:t>
+            </a:r>
+            <a:r>
+              <a:rPr lang="en-US" dirty="0" err="1" smtClean="0"/>
+              <a:t>phát</a:t>
+            </a:r>
+            <a:endParaRPr lang="en-US" dirty="0"/>
+          </a:p>
+        </p:txBody>
+      </p:sp>
+      <p:sp>
+        <p:nvSpPr>
+          <p:cNvPr id="4" name="Title 1"/>
+          <p:cNvSpPr>
+            <a:spLocks noGrp="1"/>
+          </p:cNvSpPr>
+          <p:nvPr>
+            <p:ph type="title"/>
+          </p:nvPr>
+        </p:nvSpPr>
+        <p:spPr/>
+        <p:txBody>
+          <a:bodyPr/>
+          <a:lstStyle/>
+          <a:p>
+            <a:r>
+              <a:rPr lang="en-US" dirty="0" smtClean="0"/>
+              <a:t>INDOOR POSITIONING SYSTEM</a:t>
+            </a:r>
+            <a:endParaRPr lang="en-US" dirty="0"/>
+          </a:p>
+        </p:txBody>
+      </p:sp>
+    </p:spTree>
+    <p:extLst>
+      <p:ext uri="{BB962C8B-B14F-4D97-AF65-F5344CB8AC3E}">
+        <p14:creationId xmlns:p14="http://schemas.microsoft.com/office/powerpoint/2010/main" val="1127468315"/>
+      </p:ext>
+    </p:extLst>
+  </p:cSld>
+  <p:clrMapOvr>
+    <a:masterClrMapping/>
+  </p:clrMapOvr>
+</p:sld>
+</file>
+
+<file path=ppt/slides/slide20.xml><?xml version="1.0" encoding="utf-8"?>
+<p:sld xmlns:a="http://schemas.openxmlformats.org/drawingml/2006/main" xmlns:r="http://schemas.openxmlformats.org/officeDocument/2006/relationships" xmlns:p="http://schemas.openxmlformats.org/presentationml/2006/main">
+  <p:cSld>
+    <p:spTree>
+      <p:nvGrpSpPr>
+        <p:cNvPr id="1" name=""/>
+        <p:cNvGrpSpPr/>
+        <p:nvPr/>
+      </p:nvGrpSpPr>
+      <p:grpSpPr>
+        <a:xfrm>
+          <a:off x="0" y="0"/>
+          <a:ext cx="0" cy="0"/>
+          <a:chOff x="0" y="0"/>
+          <a:chExt cx="0" cy="0"/>
+        </a:xfrm>
+      </p:grpSpPr>
+      <p:sp>
+        <p:nvSpPr>
+          <p:cNvPr id="2" name="Title 1"/>
+          <p:cNvSpPr>
+            <a:spLocks noGrp="1"/>
+          </p:cNvSpPr>
+          <p:nvPr>
+            <p:ph type="title"/>
+          </p:nvPr>
+        </p:nvSpPr>
+        <p:spPr/>
+        <p:txBody>
+          <a:bodyPr/>
+          <a:lstStyle/>
+          <a:p>
+            <a:r>
+              <a:rPr lang="en-US" dirty="0" smtClean="0"/>
+              <a:t>IMPROVE PATHLOSS EXPONENT</a:t>
+            </a:r>
+            <a:endParaRPr lang="en-US" dirty="0"/>
+          </a:p>
+        </p:txBody>
+      </p:sp>
       <p:sp>
         <p:nvSpPr>
           <p:cNvPr id="5" name="Title 1"/>
@@ -6258,6 +7344,47 @@
           </a:p>
         </p:txBody>
       </p:sp>
+      <p:pic>
+        <p:nvPicPr>
+          <p:cNvPr id="6146" name="Picture 2" descr="F:\thuc_tap\BLE_matlab\report\ppt\database_2020.05.11\dynamic_pathlosss.jpg"/>
+          <p:cNvPicPr>
+            <a:picLocks noChangeAspect="1" noChangeArrowheads="1"/>
+          </p:cNvPicPr>
+          <p:nvPr/>
+        </p:nvPicPr>
+        <p:blipFill>
+          <a:blip r:embed="rId2">
+            <a:extLst>
+              <a:ext uri="{28A0092B-C50C-407E-A947-70E740481C1C}">
+                <a14:useLocalDpi xmlns:a14="http://schemas.microsoft.com/office/drawing/2010/main" val="0"/>
+              </a:ext>
+            </a:extLst>
+          </a:blip>
+          <a:srcRect/>
+          <a:stretch>
+            <a:fillRect/>
+          </a:stretch>
+        </p:blipFill>
+        <p:spPr bwMode="auto">
+          <a:xfrm>
+            <a:off x="0" y="1206500"/>
+            <a:ext cx="9144000" cy="4660900"/>
+          </a:xfrm>
+          <a:prstGeom prst="rect">
+            <a:avLst/>
+          </a:prstGeom>
+          <a:noFill/>
+          <a:extLst>
+            <a:ext uri="{909E8E84-426E-40DD-AFC4-6F175D3DCCD1}">
+              <a14:hiddenFill xmlns:a14="http://schemas.microsoft.com/office/drawing/2010/main">
+                <a:solidFill>
+                  <a:srgbClr val="FFFFFF"/>
+                </a:solidFill>
+              </a14:hiddenFill>
+            </a:ext>
+          </a:extLst>
+        </p:spPr>
+      </p:pic>
     </p:spTree>
     <p:extLst>
       <p:ext uri="{BB962C8B-B14F-4D97-AF65-F5344CB8AC3E}">
@@ -6271,7 +7398,7 @@
 </p:sld>
 </file>
 
-<file path=ppt/slides/slide18.xml><?xml version="1.0" encoding="utf-8"?>
+<file path=ppt/slides/slide21.xml><?xml version="1.0" encoding="utf-8"?>
 <p:sld xmlns:a="http://schemas.openxmlformats.org/drawingml/2006/main" xmlns:r="http://schemas.openxmlformats.org/officeDocument/2006/relationships" xmlns:p="http://schemas.openxmlformats.org/presentationml/2006/main">
   <p:cSld>
     <p:spTree>
@@ -6321,153 +7448,39 @@
             <p:ph idx="1"/>
           </p:nvPr>
         </p:nvSpPr>
-        <p:spPr/>
+        <p:spPr>
+          <a:xfrm>
+            <a:off x="457200" y="1600200"/>
+            <a:ext cx="8382000" cy="4525963"/>
+          </a:xfrm>
+        </p:spPr>
         <p:txBody>
           <a:bodyPr>
-            <a:normAutofit/>
+            <a:normAutofit lnSpcReduction="10000"/>
           </a:bodyPr>
           <a:lstStyle/>
           <a:p>
             <a:pPr lvl="0" algn="just"/>
             <a:r>
-              <a:rPr lang="en-US" dirty="0"/>
-              <a:t>RSSI </a:t>
-            </a:r>
-            <a:r>
-              <a:rPr lang="en-US" dirty="0" err="1"/>
-              <a:t>được</a:t>
-            </a:r>
-            <a:r>
-              <a:rPr lang="en-US" dirty="0"/>
-              <a:t> </a:t>
-            </a:r>
-            <a:r>
-              <a:rPr lang="en-US" dirty="0" err="1"/>
-              <a:t>recorrect</a:t>
-            </a:r>
-            <a:r>
-              <a:rPr lang="en-US" dirty="0"/>
-              <a:t> </a:t>
-            </a:r>
-            <a:r>
-              <a:rPr lang="en-US" dirty="0" err="1"/>
-              <a:t>chịu</a:t>
-            </a:r>
-            <a:r>
-              <a:rPr lang="en-US" dirty="0"/>
-              <a:t> </a:t>
-            </a:r>
-            <a:r>
-              <a:rPr lang="en-US" dirty="0" err="1"/>
-              <a:t>ảnh</a:t>
-            </a:r>
-            <a:r>
-              <a:rPr lang="en-US" dirty="0"/>
-              <a:t> </a:t>
-            </a:r>
-            <a:r>
-              <a:rPr lang="en-US" dirty="0" err="1"/>
-              <a:t>hưởng</a:t>
-            </a:r>
-            <a:r>
-              <a:rPr lang="en-US" dirty="0"/>
-              <a:t> </a:t>
-            </a:r>
-            <a:r>
-              <a:rPr lang="en-US" dirty="0" err="1"/>
-              <a:t>từ</a:t>
-            </a:r>
-            <a:r>
-              <a:rPr lang="en-US" dirty="0"/>
-              <a:t> RSSI </a:t>
-            </a:r>
-            <a:r>
-              <a:rPr lang="en-US" dirty="0" err="1" smtClean="0"/>
-              <a:t>thô</a:t>
-            </a:r>
-            <a:r>
-              <a:rPr lang="en-US" dirty="0" smtClean="0"/>
-              <a:t>. </a:t>
-            </a:r>
-            <a:r>
-              <a:rPr lang="en-US" dirty="0"/>
-              <a:t>Ban </a:t>
-            </a:r>
-            <a:r>
-              <a:rPr lang="en-US" dirty="0" err="1"/>
-              <a:t>đêm</a:t>
-            </a:r>
-            <a:r>
-              <a:rPr lang="en-US" dirty="0"/>
-              <a:t> </a:t>
-            </a:r>
-            <a:r>
-              <a:rPr lang="en-US" dirty="0" err="1"/>
-              <a:t>ít</a:t>
-            </a:r>
-            <a:r>
-              <a:rPr lang="en-US" dirty="0"/>
-              <a:t> </a:t>
-            </a:r>
-            <a:r>
-              <a:rPr lang="en-US" dirty="0" err="1"/>
-              <a:t>biến</a:t>
-            </a:r>
-            <a:r>
-              <a:rPr lang="en-US" dirty="0"/>
-              <a:t> </a:t>
-            </a:r>
-            <a:r>
-              <a:rPr lang="en-US" dirty="0" err="1"/>
-              <a:t>động</a:t>
-            </a:r>
-            <a:r>
-              <a:rPr lang="en-US" dirty="0"/>
-              <a:t> </a:t>
-            </a:r>
-            <a:r>
-              <a:rPr lang="en-US" dirty="0" err="1"/>
-              <a:t>và</a:t>
-            </a:r>
-            <a:r>
-              <a:rPr lang="en-US" dirty="0"/>
-              <a:t> ban </a:t>
-            </a:r>
-            <a:r>
-              <a:rPr lang="en-US" dirty="0" err="1"/>
-              <a:t>ngày</a:t>
-            </a:r>
-            <a:r>
-              <a:rPr lang="en-US" dirty="0"/>
-              <a:t> </a:t>
-            </a:r>
-            <a:r>
-              <a:rPr lang="en-US" dirty="0" err="1"/>
-              <a:t>biến</a:t>
-            </a:r>
-            <a:r>
-              <a:rPr lang="en-US" dirty="0"/>
-              <a:t> </a:t>
-            </a:r>
-            <a:r>
-              <a:rPr lang="en-US" dirty="0" err="1"/>
-              <a:t>động</a:t>
-            </a:r>
-            <a:r>
-              <a:rPr lang="en-US" dirty="0"/>
-              <a:t> </a:t>
-            </a:r>
-            <a:r>
-              <a:rPr lang="en-US" dirty="0" err="1"/>
-              <a:t>mạnh</a:t>
-            </a:r>
-            <a:r>
-              <a:rPr lang="en-US" dirty="0"/>
-              <a:t>.</a:t>
-            </a:r>
-          </a:p>
-          <a:p>
-            <a:pPr lvl="0" algn="just"/>
+              <a:rPr lang="en-US" dirty="0" smtClean="0"/>
+              <a:t>Ở Tag 93, </a:t>
+            </a:r>
+            <a:r>
+              <a:rPr lang="en-US" dirty="0" err="1" smtClean="0"/>
+              <a:t>rõ</a:t>
+            </a:r>
+            <a:r>
+              <a:rPr lang="en-US" dirty="0" smtClean="0"/>
+              <a:t> </a:t>
+            </a:r>
+            <a:r>
+              <a:rPr lang="en-US" dirty="0" err="1" smtClean="0"/>
+              <a:t>ràng</a:t>
+            </a:r>
+            <a:r>
+              <a:rPr lang="en-US" dirty="0" smtClean="0"/>
+              <a:t> </a:t>
+            </a:r>
             <a:r>
               <a:rPr lang="en-US" b="1" dirty="0" smtClean="0"/>
               <a:t>Dynamic </a:t>
@@ -6510,6 +7523,14 @@
             </a:r>
             <a:r>
               <a:rPr lang="en-US" dirty="0" smtClean="0"/>
+              <a:t> 3 </a:t>
+            </a:r>
+            <a:r>
+              <a:rPr lang="en-US" dirty="0" err="1" smtClean="0"/>
+              <a:t>đêm</a:t>
+            </a:r>
+            <a:r>
+              <a:rPr lang="en-US" dirty="0" smtClean="0"/>
               <a:t> </a:t>
             </a:r>
             <a:r>
@@ -6522,6 +7543,46 @@
             </a:r>
             <a:r>
               <a:rPr lang="en-US" dirty="0" err="1" smtClean="0"/>
+              <a:t>và</a:t>
+            </a:r>
+            <a:r>
+              <a:rPr lang="en-US" dirty="0" smtClean="0"/>
+              <a:t> 2 </a:t>
+            </a:r>
+            <a:r>
+              <a:rPr lang="en-US" dirty="0" err="1" smtClean="0"/>
+              <a:t>ngày</a:t>
+            </a:r>
+            <a:r>
+              <a:rPr lang="en-US" dirty="0" smtClean="0"/>
+              <a:t> </a:t>
+            </a:r>
+            <a:r>
+              <a:rPr lang="en-US" dirty="0" err="1" smtClean="0"/>
+              <a:t>cuối</a:t>
+            </a:r>
+            <a:r>
+              <a:rPr lang="en-US" dirty="0" smtClean="0"/>
+              <a:t> </a:t>
+            </a:r>
+            <a:r>
+              <a:rPr lang="en-US" dirty="0" err="1" smtClean="0"/>
+              <a:t>tuần</a:t>
+            </a:r>
+            <a:r>
+              <a:rPr lang="en-US" dirty="0" smtClean="0"/>
+              <a:t> </a:t>
+            </a:r>
+            <a:r>
+              <a:rPr lang="en-US" dirty="0" err="1" smtClean="0"/>
+              <a:t>gần</a:t>
+            </a:r>
+            <a:r>
+              <a:rPr lang="en-US" dirty="0" smtClean="0"/>
+              <a:t> </a:t>
+            </a:r>
+            <a:r>
+              <a:rPr lang="en-US" dirty="0" err="1" smtClean="0"/>
               <a:t>như</a:t>
             </a:r>
             <a:r>
@@ -6530,15 +7591,7 @@
             </a:r>
             <a:r>
               <a:rPr lang="en-US" dirty="0" err="1" smtClean="0"/>
-              <a:t>đêm</a:t>
-            </a:r>
-            <a:r>
-              <a:rPr lang="en-US" dirty="0" smtClean="0"/>
-              <a:t> </a:t>
-            </a:r>
-            <a:r>
-              <a:rPr lang="en-US" dirty="0" err="1" smtClean="0"/>
-              <a:t>sau</a:t>
+              <a:t>nhau</a:t>
             </a:r>
             <a:r>
               <a:rPr lang="en-US" dirty="0" smtClean="0"/>
@@ -6581,25 +7634,106 @@
             <a:pPr lvl="0" algn="just"/>
             <a:r>
               <a:rPr lang="en-US" dirty="0" smtClean="0"/>
+              <a:t> 1 Tag + 4 Beacon = 1*4 </a:t>
+            </a:r>
+            <a:r>
+              <a:rPr lang="en-US" b="1" dirty="0" smtClean="0"/>
+              <a:t>Static </a:t>
+            </a:r>
+            <a:r>
+              <a:rPr lang="en-US" b="1" dirty="0" err="1" smtClean="0"/>
+              <a:t>Pathloss</a:t>
+            </a:r>
+            <a:r>
+              <a:rPr lang="en-US" b="1" dirty="0" smtClean="0"/>
+              <a:t> Exponent</a:t>
+            </a:r>
+            <a:r>
+              <a:rPr lang="en-US" dirty="0" smtClean="0"/>
+              <a:t>. </a:t>
+            </a:r>
+          </a:p>
+          <a:p>
+            <a:pPr lvl="0" algn="just"/>
+            <a:r>
+              <a:rPr lang="en-US" dirty="0"/>
               <a:t>=&gt; </a:t>
             </a:r>
             <a:r>
-              <a:rPr lang="en-US" dirty="0" err="1" smtClean="0"/>
-              <a:t>Dùng</a:t>
-            </a:r>
-            <a:r>
-              <a:rPr lang="en-US" dirty="0" smtClean="0"/>
-              <a:t> Dynamic </a:t>
-            </a:r>
-            <a:r>
-              <a:rPr lang="en-US" dirty="0" err="1" smtClean="0"/>
+              <a:rPr lang="en-US" b="1" dirty="0"/>
+              <a:t>m </a:t>
+            </a:r>
+            <a:r>
+              <a:rPr lang="en-US" dirty="0"/>
+              <a:t>Tag + </a:t>
+            </a:r>
+            <a:r>
+              <a:rPr lang="en-US" b="1" dirty="0"/>
+              <a:t>n</a:t>
+            </a:r>
+            <a:r>
+              <a:rPr lang="en-US" dirty="0"/>
+              <a:t> Beacon = </a:t>
+            </a:r>
+            <a:r>
+              <a:rPr lang="en-US" b="1" dirty="0"/>
+              <a:t>m*n Static </a:t>
+            </a:r>
+            <a:r>
+              <a:rPr lang="en-US" b="1" dirty="0" err="1"/>
               <a:t>Pathloss</a:t>
             </a:r>
             <a:r>
-              <a:rPr lang="en-US" dirty="0" smtClean="0"/>
+              <a:rPr lang="en-US" b="1" dirty="0"/>
+              <a:t>    </a:t>
+            </a:r>
+            <a:r>
+              <a:rPr lang="en-US" b="1" dirty="0" smtClean="0"/>
+              <a:t>Exponent</a:t>
+            </a:r>
+            <a:endParaRPr lang="en-US" dirty="0" smtClean="0"/>
+          </a:p>
+          <a:p>
+            <a:pPr marL="0" lvl="0" indent="0" algn="just">
+              <a:buNone/>
+            </a:pPr>
+            <a:r>
+              <a:rPr lang="en-US" dirty="0" smtClean="0"/>
+              <a:t>=&gt; </a:t>
+            </a:r>
+            <a:r>
+              <a:rPr lang="en-US" dirty="0" err="1"/>
+              <a:t>S</a:t>
+            </a:r>
+            <a:r>
+              <a:rPr lang="en-US" dirty="0" err="1" smtClean="0"/>
+              <a:t>ử</a:t>
+            </a:r>
+            <a:r>
+              <a:rPr lang="en-US" dirty="0" smtClean="0"/>
+              <a:t> </a:t>
+            </a:r>
+            <a:r>
+              <a:rPr lang="en-US" dirty="0" err="1" smtClean="0"/>
+              <a:t>dụng</a:t>
+            </a:r>
+            <a:r>
+              <a:rPr lang="en-US" dirty="0" smtClean="0"/>
+              <a:t> </a:t>
+            </a:r>
+            <a:r>
+              <a:rPr lang="en-US" b="1" dirty="0" smtClean="0"/>
+              <a:t>Dynamic </a:t>
+            </a:r>
+            <a:r>
+              <a:rPr lang="en-US" b="1" dirty="0" err="1" smtClean="0"/>
+              <a:t>Pathloss</a:t>
+            </a:r>
+            <a:r>
+              <a:rPr lang="en-US" b="1" dirty="0" smtClean="0"/>
               <a:t> Exponent</a:t>
             </a:r>
-            <a:endParaRPr lang="en-US" dirty="0"/>
+            <a:endParaRPr lang="en-US" b="1" dirty="0"/>
           </a:p>
           <a:p>
             <a:endParaRPr lang="en-US" dirty="0"/>
@@ -6619,7 +7753,7 @@
 </p:sld>
 </file>
 
-<file path=ppt/slides/slide19.xml><?xml version="1.0" encoding="utf-8"?>
+<file path=ppt/slides/slide22.xml><?xml version="1.0" encoding="utf-8"?>
 <p:sld xmlns:a="http://schemas.openxmlformats.org/drawingml/2006/main" xmlns:r="http://schemas.openxmlformats.org/officeDocument/2006/relationships" xmlns:p="http://schemas.openxmlformats.org/presentationml/2006/main">
   <p:cSld>
     <p:spTree>
@@ -6800,399 +7934,7 @@
 </p:sld>
 </file>
 
-<file path=ppt/slides/slide2.xml><?xml version="1.0" encoding="utf-8"?>
-<p:sld xmlns:a="http://schemas.openxmlformats.org/drawingml/2006/main" xmlns:r="http://schemas.openxmlformats.org/officeDocument/2006/relationships" xmlns:p="http://schemas.openxmlformats.org/presentationml/2006/main">
-  <p:cSld>
-    <p:spTree>
-      <p:nvGrpSpPr>
-        <p:cNvPr id="1" name=""/>
-        <p:cNvGrpSpPr/>
-        <p:nvPr/>
-      </p:nvGrpSpPr>
-      <p:grpSpPr>
-        <a:xfrm>
-          <a:off x="0" y="0"/>
-          <a:ext cx="0" cy="0"/>
-          <a:chOff x="0" y="0"/>
-          <a:chExt cx="0" cy="0"/>
-        </a:xfrm>
-      </p:grpSpPr>
-      <p:sp>
-        <p:nvSpPr>
-          <p:cNvPr id="3" name="Content Placeholder 2"/>
-          <p:cNvSpPr>
-            <a:spLocks noGrp="1"/>
-          </p:cNvSpPr>
-          <p:nvPr>
-            <p:ph idx="1"/>
-          </p:nvPr>
-        </p:nvSpPr>
-        <p:spPr/>
-        <p:txBody>
-          <a:bodyPr/>
-          <a:lstStyle/>
-          <a:p>
-            <a:pPr algn="just"/>
-            <a:r>
-              <a:rPr lang="en-US" dirty="0" err="1" smtClean="0"/>
-              <a:t>Hệ</a:t>
-            </a:r>
-            <a:r>
-              <a:rPr lang="en-US" dirty="0" smtClean="0"/>
-              <a:t> </a:t>
-            </a:r>
-            <a:r>
-              <a:rPr lang="en-US" dirty="0" err="1" smtClean="0"/>
-              <a:t>thống</a:t>
-            </a:r>
-            <a:r>
-              <a:rPr lang="en-US" dirty="0" smtClean="0"/>
-              <a:t>: 4 </a:t>
-            </a:r>
-            <a:r>
-              <a:rPr lang="en-US" dirty="0" err="1" smtClean="0"/>
-              <a:t>thiết</a:t>
-            </a:r>
-            <a:r>
-              <a:rPr lang="en-US" dirty="0" smtClean="0"/>
-              <a:t> </a:t>
-            </a:r>
-            <a:r>
-              <a:rPr lang="en-US" dirty="0" err="1" smtClean="0"/>
-              <a:t>bị</a:t>
-            </a:r>
-            <a:r>
-              <a:rPr lang="en-US" dirty="0" smtClean="0"/>
-              <a:t> </a:t>
-            </a:r>
-            <a:r>
-              <a:rPr lang="en-US" dirty="0" err="1" smtClean="0"/>
-              <a:t>phát</a:t>
-            </a:r>
-            <a:r>
-              <a:rPr lang="en-US" dirty="0" smtClean="0"/>
-              <a:t> (Beacon), 3 </a:t>
-            </a:r>
-            <a:r>
-              <a:rPr lang="en-US" dirty="0" err="1" smtClean="0"/>
-              <a:t>thiết</a:t>
-            </a:r>
-            <a:r>
-              <a:rPr lang="en-US" dirty="0" smtClean="0"/>
-              <a:t> </a:t>
-            </a:r>
-            <a:r>
-              <a:rPr lang="en-US" dirty="0" err="1" smtClean="0"/>
-              <a:t>bị</a:t>
-            </a:r>
-            <a:r>
-              <a:rPr lang="en-US" dirty="0" smtClean="0"/>
-              <a:t> </a:t>
-            </a:r>
-            <a:r>
-              <a:rPr lang="en-US" dirty="0" err="1" smtClean="0"/>
-              <a:t>thu</a:t>
-            </a:r>
-            <a:r>
-              <a:rPr lang="en-US" dirty="0" smtClean="0"/>
-              <a:t> (Tag, </a:t>
-            </a:r>
-            <a:r>
-              <a:rPr lang="en-US" dirty="0" err="1" smtClean="0"/>
-              <a:t>Pathloss</a:t>
-            </a:r>
-            <a:r>
-              <a:rPr lang="en-US" dirty="0" smtClean="0"/>
-              <a:t>, Gateway)</a:t>
-            </a:r>
-          </a:p>
-          <a:p>
-            <a:pPr algn="just"/>
-            <a:r>
-              <a:rPr lang="en-US" dirty="0" err="1" smtClean="0"/>
-              <a:t>Tìm</a:t>
-            </a:r>
-            <a:r>
-              <a:rPr lang="en-US" dirty="0" smtClean="0"/>
-              <a:t> </a:t>
-            </a:r>
-            <a:r>
-              <a:rPr lang="en-US" dirty="0" err="1" smtClean="0"/>
-              <a:t>được</a:t>
-            </a:r>
-            <a:r>
-              <a:rPr lang="en-US" dirty="0" smtClean="0"/>
-              <a:t> </a:t>
-            </a:r>
-            <a:r>
-              <a:rPr lang="en-US" dirty="0" err="1" smtClean="0"/>
-              <a:t>khoảng</a:t>
-            </a:r>
-            <a:r>
-              <a:rPr lang="en-US" dirty="0" smtClean="0"/>
-              <a:t> </a:t>
-            </a:r>
-            <a:r>
-              <a:rPr lang="en-US" dirty="0" err="1" smtClean="0"/>
-              <a:t>cách</a:t>
-            </a:r>
-            <a:r>
-              <a:rPr lang="en-US" dirty="0" smtClean="0"/>
-              <a:t> </a:t>
-            </a:r>
-            <a:r>
-              <a:rPr lang="en-US" dirty="0" err="1" smtClean="0"/>
-              <a:t>từ</a:t>
-            </a:r>
-            <a:r>
-              <a:rPr lang="en-US" dirty="0" smtClean="0"/>
-              <a:t> </a:t>
-            </a:r>
-            <a:r>
-              <a:rPr lang="en-US" dirty="0" err="1" smtClean="0"/>
-              <a:t>điểm</a:t>
-            </a:r>
-            <a:r>
-              <a:rPr lang="en-US" dirty="0" smtClean="0"/>
-              <a:t> </a:t>
-            </a:r>
-            <a:r>
-              <a:rPr lang="en-US" dirty="0" err="1" smtClean="0"/>
-              <a:t>thu</a:t>
-            </a:r>
-            <a:r>
-              <a:rPr lang="en-US" dirty="0" smtClean="0"/>
-              <a:t> </a:t>
-            </a:r>
-            <a:r>
-              <a:rPr lang="en-US" dirty="0" err="1" smtClean="0"/>
-              <a:t>đến</a:t>
-            </a:r>
-            <a:r>
-              <a:rPr lang="en-US" dirty="0" smtClean="0"/>
-              <a:t> 4 </a:t>
-            </a:r>
-            <a:r>
-              <a:rPr lang="en-US" dirty="0" err="1" smtClean="0"/>
-              <a:t>điểm</a:t>
-            </a:r>
-            <a:r>
-              <a:rPr lang="en-US" dirty="0" smtClean="0"/>
-              <a:t> </a:t>
-            </a:r>
-            <a:r>
-              <a:rPr lang="en-US" dirty="0" err="1" smtClean="0"/>
-              <a:t>phát</a:t>
-            </a:r>
-            <a:r>
-              <a:rPr lang="en-US" dirty="0" smtClean="0"/>
-              <a:t> =&gt; </a:t>
-            </a:r>
-            <a:r>
-              <a:rPr lang="en-US" dirty="0" err="1" smtClean="0"/>
-              <a:t>thành</a:t>
-            </a:r>
-            <a:r>
-              <a:rPr lang="en-US" dirty="0" smtClean="0"/>
-              <a:t> </a:t>
-            </a:r>
-            <a:r>
-              <a:rPr lang="en-US" dirty="0" err="1" smtClean="0"/>
-              <a:t>lập</a:t>
-            </a:r>
-            <a:r>
-              <a:rPr lang="en-US" dirty="0" smtClean="0"/>
-              <a:t> </a:t>
-            </a:r>
-            <a:r>
-              <a:rPr lang="en-US" dirty="0" err="1" smtClean="0"/>
-              <a:t>được</a:t>
-            </a:r>
-            <a:r>
-              <a:rPr lang="en-US" dirty="0" smtClean="0"/>
-              <a:t> </a:t>
-            </a:r>
-            <a:r>
-              <a:rPr lang="en-US" dirty="0" err="1" smtClean="0"/>
-              <a:t>hệ</a:t>
-            </a:r>
-            <a:r>
-              <a:rPr lang="en-US" dirty="0" smtClean="0"/>
-              <a:t> </a:t>
-            </a:r>
-            <a:r>
-              <a:rPr lang="en-US" dirty="0" err="1" smtClean="0"/>
-              <a:t>phương</a:t>
-            </a:r>
-            <a:r>
-              <a:rPr lang="en-US" dirty="0" smtClean="0"/>
-              <a:t> </a:t>
-            </a:r>
-            <a:r>
-              <a:rPr lang="en-US" dirty="0" err="1" smtClean="0"/>
-              <a:t>trình</a:t>
-            </a:r>
-            <a:r>
-              <a:rPr lang="en-US" dirty="0" smtClean="0"/>
-              <a:t> =&gt; </a:t>
-            </a:r>
-            <a:r>
-              <a:rPr lang="en-US" dirty="0" err="1" smtClean="0"/>
-              <a:t>tìm</a:t>
-            </a:r>
-            <a:r>
-              <a:rPr lang="en-US" dirty="0" smtClean="0"/>
-              <a:t> </a:t>
-            </a:r>
-            <a:r>
-              <a:rPr lang="en-US" dirty="0" err="1" smtClean="0"/>
-              <a:t>được</a:t>
-            </a:r>
-            <a:r>
-              <a:rPr lang="en-US" dirty="0" smtClean="0"/>
-              <a:t> </a:t>
-            </a:r>
-            <a:r>
-              <a:rPr lang="en-US" dirty="0" err="1" smtClean="0"/>
-              <a:t>vị</a:t>
-            </a:r>
-            <a:r>
-              <a:rPr lang="en-US" dirty="0" smtClean="0"/>
-              <a:t> </a:t>
-            </a:r>
-            <a:r>
-              <a:rPr lang="en-US" dirty="0" err="1" smtClean="0"/>
-              <a:t>trí</a:t>
-            </a:r>
-            <a:r>
-              <a:rPr lang="en-US" dirty="0" smtClean="0"/>
-              <a:t> </a:t>
-            </a:r>
-            <a:r>
-              <a:rPr lang="en-US" dirty="0" err="1" smtClean="0"/>
-              <a:t>của</a:t>
-            </a:r>
-            <a:r>
-              <a:rPr lang="en-US" dirty="0" smtClean="0"/>
-              <a:t> </a:t>
-            </a:r>
-            <a:r>
-              <a:rPr lang="en-US" dirty="0" err="1" smtClean="0"/>
-              <a:t>thiết</a:t>
-            </a:r>
-            <a:r>
-              <a:rPr lang="en-US" dirty="0" smtClean="0"/>
-              <a:t> </a:t>
-            </a:r>
-            <a:r>
-              <a:rPr lang="en-US" dirty="0" err="1" smtClean="0"/>
-              <a:t>bị</a:t>
-            </a:r>
-            <a:r>
-              <a:rPr lang="en-US" dirty="0" smtClean="0"/>
-              <a:t> </a:t>
-            </a:r>
-            <a:r>
-              <a:rPr lang="en-US" dirty="0" err="1" smtClean="0"/>
-              <a:t>thu</a:t>
-            </a:r>
-            <a:r>
-              <a:rPr lang="en-US" dirty="0" smtClean="0"/>
-              <a:t> </a:t>
-            </a:r>
-            <a:r>
-              <a:rPr lang="en-US" dirty="0" err="1" smtClean="0"/>
-              <a:t>nếu</a:t>
-            </a:r>
-            <a:r>
-              <a:rPr lang="en-US" dirty="0" smtClean="0"/>
-              <a:t> </a:t>
-            </a:r>
-            <a:r>
-              <a:rPr lang="en-US" dirty="0" err="1" smtClean="0"/>
-              <a:t>biết</a:t>
-            </a:r>
-            <a:r>
-              <a:rPr lang="en-US" dirty="0" smtClean="0"/>
-              <a:t> </a:t>
-            </a:r>
-            <a:r>
-              <a:rPr lang="en-US" dirty="0" err="1" smtClean="0"/>
-              <a:t>vị</a:t>
-            </a:r>
-            <a:r>
-              <a:rPr lang="en-US" dirty="0" smtClean="0"/>
-              <a:t> </a:t>
-            </a:r>
-            <a:r>
-              <a:rPr lang="en-US" dirty="0" err="1" smtClean="0"/>
-              <a:t>trí</a:t>
-            </a:r>
-            <a:r>
-              <a:rPr lang="en-US" dirty="0" smtClean="0"/>
-              <a:t> 4 </a:t>
-            </a:r>
-            <a:r>
-              <a:rPr lang="en-US" dirty="0" err="1" smtClean="0"/>
-              <a:t>thiết</a:t>
-            </a:r>
-            <a:r>
-              <a:rPr lang="en-US" dirty="0" smtClean="0"/>
-              <a:t> </a:t>
-            </a:r>
-            <a:r>
-              <a:rPr lang="en-US" dirty="0" err="1" smtClean="0"/>
-              <a:t>bị</a:t>
-            </a:r>
-            <a:r>
-              <a:rPr lang="en-US" dirty="0" smtClean="0"/>
-              <a:t> </a:t>
-            </a:r>
-            <a:r>
-              <a:rPr lang="en-US" dirty="0" err="1" smtClean="0"/>
-              <a:t>phát</a:t>
-            </a:r>
-            <a:endParaRPr lang="en-US" dirty="0"/>
-          </a:p>
-        </p:txBody>
-      </p:sp>
-      <p:sp>
-        <p:nvSpPr>
-          <p:cNvPr id="4" name="Title 1"/>
-          <p:cNvSpPr>
-            <a:spLocks noGrp="1"/>
-          </p:cNvSpPr>
-          <p:nvPr>
-            <p:ph type="title"/>
-          </p:nvPr>
-        </p:nvSpPr>
-        <p:spPr/>
-        <p:txBody>
-          <a:bodyPr/>
-          <a:lstStyle/>
-          <a:p>
-            <a:r>
-              <a:rPr lang="en-US" dirty="0" smtClean="0"/>
-              <a:t>INDOOR POSITIONING SYSTEM</a:t>
-            </a:r>
-            <a:endParaRPr lang="en-US" dirty="0"/>
-          </a:p>
-        </p:txBody>
-      </p:sp>
-    </p:spTree>
-    <p:extLst>
-      <p:ext uri="{BB962C8B-B14F-4D97-AF65-F5344CB8AC3E}">
-        <p14:creationId xmlns:p14="http://schemas.microsoft.com/office/powerpoint/2010/main" val="1127468315"/>
-      </p:ext>
-    </p:extLst>
-  </p:cSld>
-  <p:clrMapOvr>
-    <a:masterClrMapping/>
-  </p:clrMapOvr>
-</p:sld>
-</file>
-
-<file path=ppt/slides/slide20.xml><?xml version="1.0" encoding="utf-8"?>
+<file path=ppt/slides/slide23.xml><?xml version="1.0" encoding="utf-8"?>
 <p:sld xmlns:a="http://schemas.openxmlformats.org/drawingml/2006/main" xmlns:r="http://schemas.openxmlformats.org/officeDocument/2006/relationships" xmlns:p="http://schemas.openxmlformats.org/presentationml/2006/main">
   <p:cSld>
     <p:spTree>
@@ -7428,7 +8170,7 @@
 </p:sld>
 </file>
 
-<file path=ppt/slides/slide21.xml><?xml version="1.0" encoding="utf-8"?>
+<file path=ppt/slides/slide24.xml><?xml version="1.0" encoding="utf-8"?>
 <p:sld xmlns:a="http://schemas.openxmlformats.org/drawingml/2006/main" xmlns:r="http://schemas.openxmlformats.org/officeDocument/2006/relationships" xmlns:p="http://schemas.openxmlformats.org/presentationml/2006/main">
   <p:cSld>
     <p:spTree>
@@ -7796,7 +8538,7 @@
 </p:sld>
 </file>
 
-<file path=ppt/slides/slide22.xml><?xml version="1.0" encoding="utf-8"?>
+<file path=ppt/slides/slide25.xml><?xml version="1.0" encoding="utf-8"?>
 <p:sld xmlns:a="http://schemas.openxmlformats.org/drawingml/2006/main" xmlns:r="http://schemas.openxmlformats.org/officeDocument/2006/relationships" xmlns:p="http://schemas.openxmlformats.org/presentationml/2006/main">
   <p:cSld>
     <p:spTree>
@@ -8147,7 +8889,7 @@
 </p:sld>
 </file>
 
-<file path=ppt/slides/slide23.xml><?xml version="1.0" encoding="utf-8"?>
+<file path=ppt/slides/slide26.xml><?xml version="1.0" encoding="utf-8"?>
 <p:sld xmlns:a="http://schemas.openxmlformats.org/drawingml/2006/main" xmlns:r="http://schemas.openxmlformats.org/officeDocument/2006/relationships" xmlns:p="http://schemas.openxmlformats.org/presentationml/2006/main">
   <p:cSld>
     <p:spTree>
@@ -8540,7 +9282,7 @@
 </p:sld>
 </file>
 
-<file path=ppt/slides/slide24.xml><?xml version="1.0" encoding="utf-8"?>
+<file path=ppt/slides/slide27.xml><?xml version="1.0" encoding="utf-8"?>
 <p:sld xmlns:a="http://schemas.openxmlformats.org/drawingml/2006/main" xmlns:r="http://schemas.openxmlformats.org/officeDocument/2006/relationships" xmlns:p="http://schemas.openxmlformats.org/presentationml/2006/main">
   <p:cSld>
     <p:spTree>
@@ -8771,7 +9513,7 @@
 </p:sld>
 </file>
 
-<file path=ppt/slides/slide25.xml><?xml version="1.0" encoding="utf-8"?>
+<file path=ppt/slides/slide28.xml><?xml version="1.0" encoding="utf-8"?>
 <p:sld xmlns:a="http://schemas.openxmlformats.org/drawingml/2006/main" xmlns:r="http://schemas.openxmlformats.org/officeDocument/2006/relationships" xmlns:p="http://schemas.openxmlformats.org/presentationml/2006/main">
   <p:cSld>
     <p:spTree>
@@ -8911,7 +9653,7 @@
 </p:sld>
 </file>
 
-<file path=ppt/slides/slide26.xml><?xml version="1.0" encoding="utf-8"?>
+<file path=ppt/slides/slide29.xml><?xml version="1.0" encoding="utf-8"?>
 <p:sld xmlns:a="http://schemas.openxmlformats.org/drawingml/2006/main" xmlns:r="http://schemas.openxmlformats.org/officeDocument/2006/relationships" xmlns:p="http://schemas.openxmlformats.org/presentationml/2006/main">
   <p:cSld>
     <p:spTree>
@@ -9046,501 +9788,6 @@
     <p:extLst>
       <p:ext uri="{BB962C8B-B14F-4D97-AF65-F5344CB8AC3E}">
         <p14:creationId xmlns:p14="http://schemas.microsoft.com/office/powerpoint/2010/main" val="95956669"/>
-      </p:ext>
-    </p:extLst>
-  </p:cSld>
-  <p:clrMapOvr>
-    <a:masterClrMapping/>
-  </p:clrMapOvr>
-</p:sld>
-</file>
-
-<file path=ppt/slides/slide27.xml><?xml version="1.0" encoding="utf-8"?>
-<p:sld xmlns:a="http://schemas.openxmlformats.org/drawingml/2006/main" xmlns:r="http://schemas.openxmlformats.org/officeDocument/2006/relationships" xmlns:p="http://schemas.openxmlformats.org/presentationml/2006/main">
-  <p:cSld>
-    <p:spTree>
-      <p:nvGrpSpPr>
-        <p:cNvPr id="1" name=""/>
-        <p:cNvGrpSpPr/>
-        <p:nvPr/>
-      </p:nvGrpSpPr>
-      <p:grpSpPr>
-        <a:xfrm>
-          <a:off x="0" y="0"/>
-          <a:ext cx="0" cy="0"/>
-          <a:chOff x="0" y="0"/>
-          <a:chExt cx="0" cy="0"/>
-        </a:xfrm>
-      </p:grpSpPr>
-      <p:sp>
-        <p:nvSpPr>
-          <p:cNvPr id="2" name="Title 1"/>
-          <p:cNvSpPr>
-            <a:spLocks noGrp="1"/>
-          </p:cNvSpPr>
-          <p:nvPr>
-            <p:ph type="title"/>
-          </p:nvPr>
-        </p:nvSpPr>
-        <p:spPr/>
-        <p:txBody>
-          <a:bodyPr/>
-          <a:lstStyle/>
-          <a:p>
-            <a:r>
-              <a:rPr lang="en-US" dirty="0"/>
-              <a:t>2020.04.24: Antenna Compare</a:t>
-            </a:r>
-          </a:p>
-        </p:txBody>
-      </p:sp>
-      <p:sp>
-        <p:nvSpPr>
-          <p:cNvPr id="3" name="Content Placeholder 2"/>
-          <p:cNvSpPr>
-            <a:spLocks noGrp="1"/>
-          </p:cNvSpPr>
-          <p:nvPr>
-            <p:ph idx="1"/>
-          </p:nvPr>
-        </p:nvSpPr>
-        <p:spPr/>
-        <p:txBody>
-          <a:bodyPr>
-            <a:normAutofit/>
-          </a:bodyPr>
-          <a:lstStyle/>
-          <a:p>
-            <a:pPr algn="just"/>
-            <a:r>
-              <a:rPr lang="en-US" dirty="0" smtClean="0"/>
-              <a:t>Antenna </a:t>
-            </a:r>
-            <a:r>
-              <a:rPr lang="en-US" dirty="0" err="1" smtClean="0"/>
-              <a:t>ngắn</a:t>
-            </a:r>
-            <a:r>
-              <a:rPr lang="en-US" dirty="0" smtClean="0"/>
-              <a:t> </a:t>
-            </a:r>
-            <a:r>
-              <a:rPr lang="en-US" dirty="0" err="1" smtClean="0"/>
-              <a:t>đọc</a:t>
-            </a:r>
-            <a:r>
-              <a:rPr lang="en-US" dirty="0" smtClean="0"/>
-              <a:t> </a:t>
-            </a:r>
-            <a:r>
-              <a:rPr lang="en-US" dirty="0" err="1" smtClean="0"/>
-              <a:t>yếu</a:t>
-            </a:r>
-            <a:r>
-              <a:rPr lang="en-US" dirty="0" smtClean="0"/>
-              <a:t> </a:t>
-            </a:r>
-            <a:r>
-              <a:rPr lang="en-US" dirty="0" err="1" smtClean="0"/>
-              <a:t>nhất</a:t>
-            </a:r>
-            <a:r>
-              <a:rPr lang="en-US" dirty="0" smtClean="0"/>
-              <a:t>, antenna </a:t>
-            </a:r>
-            <a:r>
-              <a:rPr lang="en-US" dirty="0" err="1" smtClean="0"/>
-              <a:t>dài</a:t>
-            </a:r>
-            <a:r>
-              <a:rPr lang="en-US" dirty="0" smtClean="0"/>
-              <a:t> </a:t>
-            </a:r>
-            <a:r>
-              <a:rPr lang="en-US" dirty="0" err="1" smtClean="0"/>
-              <a:t>đọc</a:t>
-            </a:r>
-            <a:r>
-              <a:rPr lang="en-US" dirty="0" smtClean="0"/>
-              <a:t> </a:t>
-            </a:r>
-            <a:r>
-              <a:rPr lang="en-US" dirty="0" err="1" smtClean="0"/>
-              <a:t>mạnh</a:t>
-            </a:r>
-            <a:r>
-              <a:rPr lang="en-US" dirty="0" smtClean="0"/>
-              <a:t> </a:t>
-            </a:r>
-            <a:r>
-              <a:rPr lang="en-US" dirty="0" err="1" smtClean="0"/>
-              <a:t>nhất</a:t>
-            </a:r>
-            <a:r>
-              <a:rPr lang="en-US" dirty="0" smtClean="0"/>
-              <a:t>.</a:t>
-            </a:r>
-          </a:p>
-          <a:p>
-            <a:pPr algn="just"/>
-            <a:r>
-              <a:rPr lang="en-US" dirty="0" smtClean="0"/>
-              <a:t>Antenna </a:t>
-            </a:r>
-            <a:r>
-              <a:rPr lang="en-US" dirty="0" err="1" smtClean="0"/>
-              <a:t>dài</a:t>
-            </a:r>
-            <a:r>
-              <a:rPr lang="en-US" dirty="0" smtClean="0"/>
-              <a:t> </a:t>
-            </a:r>
-            <a:r>
-              <a:rPr lang="en-US" dirty="0" err="1" smtClean="0"/>
-              <a:t>có</a:t>
-            </a:r>
-            <a:r>
-              <a:rPr lang="en-US" dirty="0" smtClean="0"/>
-              <a:t> </a:t>
-            </a:r>
-            <a:r>
-              <a:rPr lang="en-US" dirty="0" err="1" smtClean="0"/>
-              <a:t>phổ</a:t>
-            </a:r>
-            <a:r>
-              <a:rPr lang="en-US" dirty="0" smtClean="0"/>
-              <a:t> </a:t>
-            </a:r>
-            <a:r>
-              <a:rPr lang="en-US" dirty="0" err="1" smtClean="0"/>
-              <a:t>nhỏ</a:t>
-            </a:r>
-            <a:r>
-              <a:rPr lang="en-US" dirty="0" smtClean="0"/>
-              <a:t> </a:t>
-            </a:r>
-            <a:r>
-              <a:rPr lang="en-US" dirty="0" err="1" smtClean="0"/>
-              <a:t>hơn</a:t>
-            </a:r>
-            <a:r>
-              <a:rPr lang="en-US" dirty="0" smtClean="0"/>
-              <a:t> =&gt; </a:t>
-            </a:r>
-            <a:r>
-              <a:rPr lang="en-US" dirty="0" err="1" smtClean="0"/>
-              <a:t>ổn</a:t>
-            </a:r>
-            <a:r>
-              <a:rPr lang="en-US" dirty="0" smtClean="0"/>
-              <a:t> </a:t>
-            </a:r>
-            <a:r>
-              <a:rPr lang="en-US" dirty="0" err="1" smtClean="0"/>
-              <a:t>định</a:t>
-            </a:r>
-            <a:r>
-              <a:rPr lang="en-US" dirty="0" smtClean="0"/>
-              <a:t> </a:t>
-            </a:r>
-            <a:r>
-              <a:rPr lang="en-US" dirty="0" err="1" smtClean="0"/>
-              <a:t>hơn</a:t>
-            </a:r>
-            <a:endParaRPr lang="en-US" dirty="0" smtClean="0"/>
-          </a:p>
-          <a:p>
-            <a:pPr algn="just"/>
-            <a:r>
-              <a:rPr lang="en-US" dirty="0" err="1" smtClean="0"/>
-              <a:t>Khi</a:t>
-            </a:r>
-            <a:r>
-              <a:rPr lang="en-US" dirty="0" smtClean="0"/>
-              <a:t> </a:t>
-            </a:r>
-            <a:r>
-              <a:rPr lang="en-US" dirty="0" err="1" smtClean="0"/>
-              <a:t>áp</a:t>
-            </a:r>
-            <a:r>
-              <a:rPr lang="en-US" dirty="0" smtClean="0"/>
-              <a:t> </a:t>
-            </a:r>
-            <a:r>
-              <a:rPr lang="en-US" dirty="0" err="1" smtClean="0"/>
-              <a:t>dụng</a:t>
-            </a:r>
-            <a:r>
-              <a:rPr lang="en-US" dirty="0" smtClean="0"/>
-              <a:t> </a:t>
-            </a:r>
-            <a:r>
-              <a:rPr lang="en-US" dirty="0" err="1" smtClean="0"/>
-              <a:t>Kalman</a:t>
-            </a:r>
-            <a:r>
-              <a:rPr lang="en-US" dirty="0" smtClean="0"/>
-              <a:t>, Antenna </a:t>
-            </a:r>
-            <a:r>
-              <a:rPr lang="en-US" dirty="0" err="1" smtClean="0"/>
-              <a:t>dài</a:t>
-            </a:r>
-            <a:r>
-              <a:rPr lang="en-US" dirty="0" smtClean="0"/>
-              <a:t> </a:t>
-            </a:r>
-            <a:r>
-              <a:rPr lang="en-US" dirty="0" err="1" smtClean="0"/>
-              <a:t>thích</a:t>
-            </a:r>
-            <a:r>
-              <a:rPr lang="en-US" dirty="0" smtClean="0"/>
-              <a:t> </a:t>
-            </a:r>
-            <a:r>
-              <a:rPr lang="en-US" dirty="0" err="1" smtClean="0"/>
-              <a:t>hợp</a:t>
-            </a:r>
-            <a:r>
-              <a:rPr lang="en-US" dirty="0" smtClean="0"/>
-              <a:t> </a:t>
-            </a:r>
-            <a:r>
-              <a:rPr lang="en-US" dirty="0" err="1" smtClean="0"/>
-              <a:t>cho</a:t>
-            </a:r>
-            <a:r>
-              <a:rPr lang="en-US" dirty="0" smtClean="0"/>
-              <a:t> </a:t>
-            </a:r>
-            <a:r>
-              <a:rPr lang="en-US" dirty="0" err="1" smtClean="0"/>
-              <a:t>việc</a:t>
-            </a:r>
-            <a:r>
-              <a:rPr lang="en-US" dirty="0" smtClean="0"/>
-              <a:t> </a:t>
-            </a:r>
-            <a:r>
-              <a:rPr lang="en-US" dirty="0" err="1" smtClean="0"/>
-              <a:t>tăng</a:t>
-            </a:r>
-            <a:r>
-              <a:rPr lang="en-US" dirty="0" smtClean="0"/>
-              <a:t> </a:t>
-            </a:r>
-            <a:r>
-              <a:rPr lang="en-US" dirty="0" err="1" smtClean="0"/>
-              <a:t>độ</a:t>
-            </a:r>
-            <a:r>
-              <a:rPr lang="en-US" dirty="0" smtClean="0"/>
-              <a:t> </a:t>
-            </a:r>
-            <a:r>
-              <a:rPr lang="en-US" dirty="0" err="1" smtClean="0"/>
-              <a:t>ổn</a:t>
-            </a:r>
-            <a:r>
-              <a:rPr lang="en-US" dirty="0" smtClean="0"/>
-              <a:t> </a:t>
-            </a:r>
-            <a:r>
-              <a:rPr lang="en-US" dirty="0" err="1" smtClean="0"/>
-              <a:t>định</a:t>
-            </a:r>
-            <a:r>
-              <a:rPr lang="en-US" dirty="0" smtClean="0"/>
-              <a:t>.</a:t>
-            </a:r>
-          </a:p>
-          <a:p>
-            <a:pPr algn="just"/>
-            <a:r>
-              <a:rPr lang="en-US" dirty="0" smtClean="0"/>
-              <a:t>Antenna </a:t>
-            </a:r>
-            <a:r>
-              <a:rPr lang="en-US" dirty="0" err="1" smtClean="0"/>
-              <a:t>dài</a:t>
-            </a:r>
-            <a:r>
-              <a:rPr lang="en-US" dirty="0" smtClean="0"/>
-              <a:t> </a:t>
-            </a:r>
-            <a:r>
-              <a:rPr lang="en-US" dirty="0" err="1" smtClean="0"/>
-              <a:t>nặng</a:t>
-            </a:r>
-            <a:r>
-              <a:rPr lang="en-US" dirty="0" smtClean="0"/>
-              <a:t> </a:t>
-            </a:r>
-            <a:r>
-              <a:rPr lang="en-US" dirty="0" err="1" smtClean="0"/>
-              <a:t>và</a:t>
-            </a:r>
-            <a:r>
-              <a:rPr lang="en-US" dirty="0" smtClean="0"/>
-              <a:t> </a:t>
-            </a:r>
-            <a:r>
-              <a:rPr lang="en-US" dirty="0" err="1" smtClean="0"/>
-              <a:t>lớn</a:t>
-            </a:r>
-            <a:r>
-              <a:rPr lang="en-US" dirty="0" smtClean="0"/>
-              <a:t>, </a:t>
-            </a:r>
-            <a:r>
-              <a:rPr lang="en-US" dirty="0" err="1" smtClean="0"/>
-              <a:t>khó</a:t>
-            </a:r>
-            <a:r>
-              <a:rPr lang="en-US" dirty="0" smtClean="0"/>
-              <a:t> </a:t>
-            </a:r>
-            <a:r>
-              <a:rPr lang="en-US" dirty="0" err="1" smtClean="0"/>
-              <a:t>lắp</a:t>
-            </a:r>
-            <a:r>
-              <a:rPr lang="en-US" dirty="0" smtClean="0"/>
-              <a:t> </a:t>
-            </a:r>
-            <a:r>
-              <a:rPr lang="en-US" dirty="0" err="1" smtClean="0"/>
-              <a:t>đặt</a:t>
-            </a:r>
-            <a:r>
-              <a:rPr lang="en-US" dirty="0" smtClean="0"/>
-              <a:t>.</a:t>
-            </a:r>
-          </a:p>
-          <a:p>
-            <a:pPr algn="just"/>
-            <a:r>
-              <a:rPr lang="en-US" dirty="0" smtClean="0"/>
-              <a:t>=&gt; </a:t>
-            </a:r>
-            <a:r>
-              <a:rPr lang="en-US" dirty="0" err="1" smtClean="0"/>
-              <a:t>sử</a:t>
-            </a:r>
-            <a:r>
-              <a:rPr lang="en-US" dirty="0" smtClean="0"/>
-              <a:t> </a:t>
-            </a:r>
-            <a:r>
-              <a:rPr lang="en-US" dirty="0" err="1" smtClean="0"/>
-              <a:t>dụng</a:t>
-            </a:r>
-            <a:r>
-              <a:rPr lang="en-US" dirty="0" smtClean="0"/>
-              <a:t> antenna </a:t>
-            </a:r>
-            <a:r>
-              <a:rPr lang="en-US" dirty="0" err="1" smtClean="0"/>
-              <a:t>trung</a:t>
-            </a:r>
-            <a:r>
-              <a:rPr lang="en-US" dirty="0" smtClean="0"/>
-              <a:t> </a:t>
-            </a:r>
-            <a:r>
-              <a:rPr lang="en-US" dirty="0" err="1" smtClean="0"/>
-              <a:t>bình</a:t>
-            </a:r>
-            <a:r>
-              <a:rPr lang="en-US" dirty="0" smtClean="0"/>
-              <a:t> </a:t>
-            </a:r>
-            <a:r>
-              <a:rPr lang="en-US" dirty="0" err="1" smtClean="0"/>
-              <a:t>hoặc</a:t>
-            </a:r>
-            <a:r>
-              <a:rPr lang="en-US" dirty="0" smtClean="0"/>
-              <a:t> antenna </a:t>
-            </a:r>
-            <a:r>
-              <a:rPr lang="en-US" dirty="0" err="1" smtClean="0"/>
-              <a:t>dài</a:t>
-            </a:r>
-            <a:r>
-              <a:rPr lang="en-US" dirty="0" smtClean="0"/>
-              <a:t> </a:t>
-            </a:r>
-            <a:r>
-              <a:rPr lang="en-US" dirty="0" err="1" smtClean="0"/>
-              <a:t>nếu</a:t>
-            </a:r>
-            <a:r>
-              <a:rPr lang="en-US" dirty="0" smtClean="0"/>
-              <a:t> </a:t>
-            </a:r>
-            <a:r>
-              <a:rPr lang="en-US" dirty="0" err="1" smtClean="0"/>
-              <a:t>có</a:t>
-            </a:r>
-            <a:r>
-              <a:rPr lang="en-US" dirty="0" smtClean="0"/>
-              <a:t> </a:t>
-            </a:r>
-            <a:r>
-              <a:rPr lang="en-US" dirty="0" err="1" smtClean="0"/>
-              <a:t>phương</a:t>
-            </a:r>
-            <a:r>
-              <a:rPr lang="en-US" dirty="0" smtClean="0"/>
-              <a:t> </a:t>
-            </a:r>
-            <a:r>
-              <a:rPr lang="en-US" dirty="0" err="1" smtClean="0"/>
-              <a:t>pháp</a:t>
-            </a:r>
-            <a:r>
-              <a:rPr lang="en-US" dirty="0" smtClean="0"/>
-              <a:t> </a:t>
-            </a:r>
-            <a:r>
-              <a:rPr lang="en-US" dirty="0" err="1" smtClean="0"/>
-              <a:t>lắp</a:t>
-            </a:r>
-            <a:r>
-              <a:rPr lang="en-US" dirty="0" smtClean="0"/>
-              <a:t> </a:t>
-            </a:r>
-            <a:r>
-              <a:rPr lang="en-US" dirty="0" err="1" smtClean="0"/>
-              <a:t>đặt</a:t>
-            </a:r>
-            <a:r>
-              <a:rPr lang="en-US" dirty="0" smtClean="0"/>
-              <a:t> </a:t>
-            </a:r>
-            <a:r>
-              <a:rPr lang="en-US" dirty="0" err="1" smtClean="0"/>
-              <a:t>hợp</a:t>
-            </a:r>
-            <a:r>
-              <a:rPr lang="en-US" dirty="0" smtClean="0"/>
-              <a:t> </a:t>
-            </a:r>
-            <a:r>
-              <a:rPr lang="en-US" dirty="0" err="1" smtClean="0"/>
-              <a:t>lý</a:t>
-            </a:r>
-            <a:endParaRPr lang="en-US" dirty="0"/>
-          </a:p>
-        </p:txBody>
-      </p:sp>
-    </p:spTree>
-    <p:extLst>
-      <p:ext uri="{BB962C8B-B14F-4D97-AF65-F5344CB8AC3E}">
-        <p14:creationId xmlns:p14="http://schemas.microsoft.com/office/powerpoint/2010/main" val="1949196504"/>
       </p:ext>
     </p:extLst>
   </p:cSld>
@@ -9793,6 +10040,501 @@
     <p:extLst>
       <p:ext uri="{BB962C8B-B14F-4D97-AF65-F5344CB8AC3E}">
         <p14:creationId xmlns:p14="http://schemas.microsoft.com/office/powerpoint/2010/main" val="372981873"/>
+      </p:ext>
+    </p:extLst>
+  </p:cSld>
+  <p:clrMapOvr>
+    <a:masterClrMapping/>
+  </p:clrMapOvr>
+</p:sld>
+</file>
+
+<file path=ppt/slides/slide30.xml><?xml version="1.0" encoding="utf-8"?>
+<p:sld xmlns:a="http://schemas.openxmlformats.org/drawingml/2006/main" xmlns:r="http://schemas.openxmlformats.org/officeDocument/2006/relationships" xmlns:p="http://schemas.openxmlformats.org/presentationml/2006/main">
+  <p:cSld>
+    <p:spTree>
+      <p:nvGrpSpPr>
+        <p:cNvPr id="1" name=""/>
+        <p:cNvGrpSpPr/>
+        <p:nvPr/>
+      </p:nvGrpSpPr>
+      <p:grpSpPr>
+        <a:xfrm>
+          <a:off x="0" y="0"/>
+          <a:ext cx="0" cy="0"/>
+          <a:chOff x="0" y="0"/>
+          <a:chExt cx="0" cy="0"/>
+        </a:xfrm>
+      </p:grpSpPr>
+      <p:sp>
+        <p:nvSpPr>
+          <p:cNvPr id="2" name="Title 1"/>
+          <p:cNvSpPr>
+            <a:spLocks noGrp="1"/>
+          </p:cNvSpPr>
+          <p:nvPr>
+            <p:ph type="title"/>
+          </p:nvPr>
+        </p:nvSpPr>
+        <p:spPr/>
+        <p:txBody>
+          <a:bodyPr/>
+          <a:lstStyle/>
+          <a:p>
+            <a:r>
+              <a:rPr lang="en-US" dirty="0"/>
+              <a:t>2020.04.24: Antenna Compare</a:t>
+            </a:r>
+          </a:p>
+        </p:txBody>
+      </p:sp>
+      <p:sp>
+        <p:nvSpPr>
+          <p:cNvPr id="3" name="Content Placeholder 2"/>
+          <p:cNvSpPr>
+            <a:spLocks noGrp="1"/>
+          </p:cNvSpPr>
+          <p:nvPr>
+            <p:ph idx="1"/>
+          </p:nvPr>
+        </p:nvSpPr>
+        <p:spPr/>
+        <p:txBody>
+          <a:bodyPr>
+            <a:normAutofit/>
+          </a:bodyPr>
+          <a:lstStyle/>
+          <a:p>
+            <a:pPr algn="just"/>
+            <a:r>
+              <a:rPr lang="en-US" dirty="0" smtClean="0"/>
+              <a:t>Antenna </a:t>
+            </a:r>
+            <a:r>
+              <a:rPr lang="en-US" dirty="0" err="1" smtClean="0"/>
+              <a:t>ngắn</a:t>
+            </a:r>
+            <a:r>
+              <a:rPr lang="en-US" dirty="0" smtClean="0"/>
+              <a:t> </a:t>
+            </a:r>
+            <a:r>
+              <a:rPr lang="en-US" dirty="0" err="1" smtClean="0"/>
+              <a:t>đọc</a:t>
+            </a:r>
+            <a:r>
+              <a:rPr lang="en-US" dirty="0" smtClean="0"/>
+              <a:t> </a:t>
+            </a:r>
+            <a:r>
+              <a:rPr lang="en-US" dirty="0" err="1" smtClean="0"/>
+              <a:t>yếu</a:t>
+            </a:r>
+            <a:r>
+              <a:rPr lang="en-US" dirty="0" smtClean="0"/>
+              <a:t> </a:t>
+            </a:r>
+            <a:r>
+              <a:rPr lang="en-US" dirty="0" err="1" smtClean="0"/>
+              <a:t>nhất</a:t>
+            </a:r>
+            <a:r>
+              <a:rPr lang="en-US" dirty="0" smtClean="0"/>
+              <a:t>, antenna </a:t>
+            </a:r>
+            <a:r>
+              <a:rPr lang="en-US" dirty="0" err="1" smtClean="0"/>
+              <a:t>dài</a:t>
+            </a:r>
+            <a:r>
+              <a:rPr lang="en-US" dirty="0" smtClean="0"/>
+              <a:t> </a:t>
+            </a:r>
+            <a:r>
+              <a:rPr lang="en-US" dirty="0" err="1" smtClean="0"/>
+              <a:t>đọc</a:t>
+            </a:r>
+            <a:r>
+              <a:rPr lang="en-US" dirty="0" smtClean="0"/>
+              <a:t> </a:t>
+            </a:r>
+            <a:r>
+              <a:rPr lang="en-US" dirty="0" err="1" smtClean="0"/>
+              <a:t>mạnh</a:t>
+            </a:r>
+            <a:r>
+              <a:rPr lang="en-US" dirty="0" smtClean="0"/>
+              <a:t> </a:t>
+            </a:r>
+            <a:r>
+              <a:rPr lang="en-US" dirty="0" err="1" smtClean="0"/>
+              <a:t>nhất</a:t>
+            </a:r>
+            <a:r>
+              <a:rPr lang="en-US" dirty="0" smtClean="0"/>
+              <a:t>.</a:t>
+            </a:r>
+          </a:p>
+          <a:p>
+            <a:pPr algn="just"/>
+            <a:r>
+              <a:rPr lang="en-US" dirty="0" smtClean="0"/>
+              <a:t>Antenna </a:t>
+            </a:r>
+            <a:r>
+              <a:rPr lang="en-US" dirty="0" err="1" smtClean="0"/>
+              <a:t>dài</a:t>
+            </a:r>
+            <a:r>
+              <a:rPr lang="en-US" dirty="0" smtClean="0"/>
+              <a:t> </a:t>
+            </a:r>
+            <a:r>
+              <a:rPr lang="en-US" dirty="0" err="1" smtClean="0"/>
+              <a:t>có</a:t>
+            </a:r>
+            <a:r>
+              <a:rPr lang="en-US" dirty="0" smtClean="0"/>
+              <a:t> </a:t>
+            </a:r>
+            <a:r>
+              <a:rPr lang="en-US" dirty="0" err="1" smtClean="0"/>
+              <a:t>phổ</a:t>
+            </a:r>
+            <a:r>
+              <a:rPr lang="en-US" dirty="0" smtClean="0"/>
+              <a:t> </a:t>
+            </a:r>
+            <a:r>
+              <a:rPr lang="en-US" dirty="0" err="1" smtClean="0"/>
+              <a:t>nhỏ</a:t>
+            </a:r>
+            <a:r>
+              <a:rPr lang="en-US" dirty="0" smtClean="0"/>
+              <a:t> </a:t>
+            </a:r>
+            <a:r>
+              <a:rPr lang="en-US" dirty="0" err="1" smtClean="0"/>
+              <a:t>hơn</a:t>
+            </a:r>
+            <a:r>
+              <a:rPr lang="en-US" dirty="0" smtClean="0"/>
+              <a:t> =&gt; </a:t>
+            </a:r>
+            <a:r>
+              <a:rPr lang="en-US" dirty="0" err="1" smtClean="0"/>
+              <a:t>ổn</a:t>
+            </a:r>
+            <a:r>
+              <a:rPr lang="en-US" dirty="0" smtClean="0"/>
+              <a:t> </a:t>
+            </a:r>
+            <a:r>
+              <a:rPr lang="en-US" dirty="0" err="1" smtClean="0"/>
+              <a:t>định</a:t>
+            </a:r>
+            <a:r>
+              <a:rPr lang="en-US" dirty="0" smtClean="0"/>
+              <a:t> </a:t>
+            </a:r>
+            <a:r>
+              <a:rPr lang="en-US" dirty="0" err="1" smtClean="0"/>
+              <a:t>hơn</a:t>
+            </a:r>
+            <a:endParaRPr lang="en-US" dirty="0" smtClean="0"/>
+          </a:p>
+          <a:p>
+            <a:pPr algn="just"/>
+            <a:r>
+              <a:rPr lang="en-US" dirty="0" err="1" smtClean="0"/>
+              <a:t>Khi</a:t>
+            </a:r>
+            <a:r>
+              <a:rPr lang="en-US" dirty="0" smtClean="0"/>
+              <a:t> </a:t>
+            </a:r>
+            <a:r>
+              <a:rPr lang="en-US" dirty="0" err="1" smtClean="0"/>
+              <a:t>áp</a:t>
+            </a:r>
+            <a:r>
+              <a:rPr lang="en-US" dirty="0" smtClean="0"/>
+              <a:t> </a:t>
+            </a:r>
+            <a:r>
+              <a:rPr lang="en-US" dirty="0" err="1" smtClean="0"/>
+              <a:t>dụng</a:t>
+            </a:r>
+            <a:r>
+              <a:rPr lang="en-US" dirty="0" smtClean="0"/>
+              <a:t> </a:t>
+            </a:r>
+            <a:r>
+              <a:rPr lang="en-US" dirty="0" err="1" smtClean="0"/>
+              <a:t>Kalman</a:t>
+            </a:r>
+            <a:r>
+              <a:rPr lang="en-US" dirty="0" smtClean="0"/>
+              <a:t>, Antenna </a:t>
+            </a:r>
+            <a:r>
+              <a:rPr lang="en-US" dirty="0" err="1" smtClean="0"/>
+              <a:t>dài</a:t>
+            </a:r>
+            <a:r>
+              <a:rPr lang="en-US" dirty="0" smtClean="0"/>
+              <a:t> </a:t>
+            </a:r>
+            <a:r>
+              <a:rPr lang="en-US" dirty="0" err="1" smtClean="0"/>
+              <a:t>thích</a:t>
+            </a:r>
+            <a:r>
+              <a:rPr lang="en-US" dirty="0" smtClean="0"/>
+              <a:t> </a:t>
+            </a:r>
+            <a:r>
+              <a:rPr lang="en-US" dirty="0" err="1" smtClean="0"/>
+              <a:t>hợp</a:t>
+            </a:r>
+            <a:r>
+              <a:rPr lang="en-US" dirty="0" smtClean="0"/>
+              <a:t> </a:t>
+            </a:r>
+            <a:r>
+              <a:rPr lang="en-US" dirty="0" err="1" smtClean="0"/>
+              <a:t>cho</a:t>
+            </a:r>
+            <a:r>
+              <a:rPr lang="en-US" dirty="0" smtClean="0"/>
+              <a:t> </a:t>
+            </a:r>
+            <a:r>
+              <a:rPr lang="en-US" dirty="0" err="1" smtClean="0"/>
+              <a:t>việc</a:t>
+            </a:r>
+            <a:r>
+              <a:rPr lang="en-US" dirty="0" smtClean="0"/>
+              <a:t> </a:t>
+            </a:r>
+            <a:r>
+              <a:rPr lang="en-US" dirty="0" err="1" smtClean="0"/>
+              <a:t>tăng</a:t>
+            </a:r>
+            <a:r>
+              <a:rPr lang="en-US" dirty="0" smtClean="0"/>
+              <a:t> </a:t>
+            </a:r>
+            <a:r>
+              <a:rPr lang="en-US" dirty="0" err="1" smtClean="0"/>
+              <a:t>độ</a:t>
+            </a:r>
+            <a:r>
+              <a:rPr lang="en-US" dirty="0" smtClean="0"/>
+              <a:t> </a:t>
+            </a:r>
+            <a:r>
+              <a:rPr lang="en-US" dirty="0" err="1" smtClean="0"/>
+              <a:t>ổn</a:t>
+            </a:r>
+            <a:r>
+              <a:rPr lang="en-US" dirty="0" smtClean="0"/>
+              <a:t> </a:t>
+            </a:r>
+            <a:r>
+              <a:rPr lang="en-US" dirty="0" err="1" smtClean="0"/>
+              <a:t>định</a:t>
+            </a:r>
+            <a:r>
+              <a:rPr lang="en-US" dirty="0" smtClean="0"/>
+              <a:t>.</a:t>
+            </a:r>
+          </a:p>
+          <a:p>
+            <a:pPr algn="just"/>
+            <a:r>
+              <a:rPr lang="en-US" dirty="0" smtClean="0"/>
+              <a:t>Antenna </a:t>
+            </a:r>
+            <a:r>
+              <a:rPr lang="en-US" dirty="0" err="1" smtClean="0"/>
+              <a:t>dài</a:t>
+            </a:r>
+            <a:r>
+              <a:rPr lang="en-US" dirty="0" smtClean="0"/>
+              <a:t> </a:t>
+            </a:r>
+            <a:r>
+              <a:rPr lang="en-US" dirty="0" err="1" smtClean="0"/>
+              <a:t>nặng</a:t>
+            </a:r>
+            <a:r>
+              <a:rPr lang="en-US" dirty="0" smtClean="0"/>
+              <a:t> </a:t>
+            </a:r>
+            <a:r>
+              <a:rPr lang="en-US" dirty="0" err="1" smtClean="0"/>
+              <a:t>và</a:t>
+            </a:r>
+            <a:r>
+              <a:rPr lang="en-US" dirty="0" smtClean="0"/>
+              <a:t> </a:t>
+            </a:r>
+            <a:r>
+              <a:rPr lang="en-US" dirty="0" err="1" smtClean="0"/>
+              <a:t>lớn</a:t>
+            </a:r>
+            <a:r>
+              <a:rPr lang="en-US" dirty="0" smtClean="0"/>
+              <a:t>, </a:t>
+            </a:r>
+            <a:r>
+              <a:rPr lang="en-US" dirty="0" err="1" smtClean="0"/>
+              <a:t>khó</a:t>
+            </a:r>
+            <a:r>
+              <a:rPr lang="en-US" dirty="0" smtClean="0"/>
+              <a:t> </a:t>
+            </a:r>
+            <a:r>
+              <a:rPr lang="en-US" dirty="0" err="1" smtClean="0"/>
+              <a:t>lắp</a:t>
+            </a:r>
+            <a:r>
+              <a:rPr lang="en-US" dirty="0" smtClean="0"/>
+              <a:t> </a:t>
+            </a:r>
+            <a:r>
+              <a:rPr lang="en-US" dirty="0" err="1" smtClean="0"/>
+              <a:t>đặt</a:t>
+            </a:r>
+            <a:r>
+              <a:rPr lang="en-US" dirty="0" smtClean="0"/>
+              <a:t>.</a:t>
+            </a:r>
+          </a:p>
+          <a:p>
+            <a:pPr algn="just"/>
+            <a:r>
+              <a:rPr lang="en-US" dirty="0" smtClean="0"/>
+              <a:t>=&gt; </a:t>
+            </a:r>
+            <a:r>
+              <a:rPr lang="en-US" dirty="0" err="1" smtClean="0"/>
+              <a:t>sử</a:t>
+            </a:r>
+            <a:r>
+              <a:rPr lang="en-US" dirty="0" smtClean="0"/>
+              <a:t> </a:t>
+            </a:r>
+            <a:r>
+              <a:rPr lang="en-US" dirty="0" err="1" smtClean="0"/>
+              <a:t>dụng</a:t>
+            </a:r>
+            <a:r>
+              <a:rPr lang="en-US" dirty="0" smtClean="0"/>
+              <a:t> antenna </a:t>
+            </a:r>
+            <a:r>
+              <a:rPr lang="en-US" dirty="0" err="1" smtClean="0"/>
+              <a:t>trung</a:t>
+            </a:r>
+            <a:r>
+              <a:rPr lang="en-US" dirty="0" smtClean="0"/>
+              <a:t> </a:t>
+            </a:r>
+            <a:r>
+              <a:rPr lang="en-US" dirty="0" err="1" smtClean="0"/>
+              <a:t>bình</a:t>
+            </a:r>
+            <a:r>
+              <a:rPr lang="en-US" dirty="0" smtClean="0"/>
+              <a:t> </a:t>
+            </a:r>
+            <a:r>
+              <a:rPr lang="en-US" dirty="0" err="1" smtClean="0"/>
+              <a:t>hoặc</a:t>
+            </a:r>
+            <a:r>
+              <a:rPr lang="en-US" dirty="0" smtClean="0"/>
+              <a:t> antenna </a:t>
+            </a:r>
+            <a:r>
+              <a:rPr lang="en-US" dirty="0" err="1" smtClean="0"/>
+              <a:t>dài</a:t>
+            </a:r>
+            <a:r>
+              <a:rPr lang="en-US" dirty="0" smtClean="0"/>
+              <a:t> </a:t>
+            </a:r>
+            <a:r>
+              <a:rPr lang="en-US" dirty="0" err="1" smtClean="0"/>
+              <a:t>nếu</a:t>
+            </a:r>
+            <a:r>
+              <a:rPr lang="en-US" dirty="0" smtClean="0"/>
+              <a:t> </a:t>
+            </a:r>
+            <a:r>
+              <a:rPr lang="en-US" dirty="0" err="1" smtClean="0"/>
+              <a:t>có</a:t>
+            </a:r>
+            <a:r>
+              <a:rPr lang="en-US" dirty="0" smtClean="0"/>
+              <a:t> </a:t>
+            </a:r>
+            <a:r>
+              <a:rPr lang="en-US" dirty="0" err="1" smtClean="0"/>
+              <a:t>phương</a:t>
+            </a:r>
+            <a:r>
+              <a:rPr lang="en-US" dirty="0" smtClean="0"/>
+              <a:t> </a:t>
+            </a:r>
+            <a:r>
+              <a:rPr lang="en-US" dirty="0" err="1" smtClean="0"/>
+              <a:t>pháp</a:t>
+            </a:r>
+            <a:r>
+              <a:rPr lang="en-US" dirty="0" smtClean="0"/>
+              <a:t> </a:t>
+            </a:r>
+            <a:r>
+              <a:rPr lang="en-US" dirty="0" err="1" smtClean="0"/>
+              <a:t>lắp</a:t>
+            </a:r>
+            <a:r>
+              <a:rPr lang="en-US" dirty="0" smtClean="0"/>
+              <a:t> </a:t>
+            </a:r>
+            <a:r>
+              <a:rPr lang="en-US" dirty="0" err="1" smtClean="0"/>
+              <a:t>đặt</a:t>
+            </a:r>
+            <a:r>
+              <a:rPr lang="en-US" dirty="0" smtClean="0"/>
+              <a:t> </a:t>
+            </a:r>
+            <a:r>
+              <a:rPr lang="en-US" dirty="0" err="1" smtClean="0"/>
+              <a:t>hợp</a:t>
+            </a:r>
+            <a:r>
+              <a:rPr lang="en-US" dirty="0" smtClean="0"/>
+              <a:t> </a:t>
+            </a:r>
+            <a:r>
+              <a:rPr lang="en-US" dirty="0" err="1" smtClean="0"/>
+              <a:t>lý</a:t>
+            </a:r>
+            <a:endParaRPr lang="en-US" dirty="0"/>
+          </a:p>
+        </p:txBody>
+      </p:sp>
+    </p:spTree>
+    <p:extLst>
+      <p:ext uri="{BB962C8B-B14F-4D97-AF65-F5344CB8AC3E}">
+        <p14:creationId xmlns:p14="http://schemas.microsoft.com/office/powerpoint/2010/main" val="1949196504"/>
       </p:ext>
     </p:extLst>
   </p:cSld>

--- a/report/Timeline.Report.pptx
+++ b/report/Timeline.Report.pptx
@@ -318,7 +318,7 @@
             <a:fld id="{1D8BD707-D9CF-40AE-B4C6-C98DA3205C09}" type="datetimeFigureOut">
               <a:rPr lang="en-US" smtClean="0"/>
               <a:pPr/>
-              <a:t>5/11/2020</a:t>
+              <a:t>5/12/2020</a:t>
             </a:fld>
             <a:endParaRPr lang="en-US"/>
           </a:p>
@@ -485,7 +485,7 @@
             <a:fld id="{1D8BD707-D9CF-40AE-B4C6-C98DA3205C09}" type="datetimeFigureOut">
               <a:rPr lang="en-US" smtClean="0"/>
               <a:pPr/>
-              <a:t>5/11/2020</a:t>
+              <a:t>5/12/2020</a:t>
             </a:fld>
             <a:endParaRPr lang="en-US"/>
           </a:p>
@@ -662,7 +662,7 @@
             <a:fld id="{1D8BD707-D9CF-40AE-B4C6-C98DA3205C09}" type="datetimeFigureOut">
               <a:rPr lang="en-US" smtClean="0"/>
               <a:pPr/>
-              <a:t>5/11/2020</a:t>
+              <a:t>5/12/2020</a:t>
             </a:fld>
             <a:endParaRPr lang="en-US"/>
           </a:p>
@@ -829,7 +829,7 @@
             <a:fld id="{1D8BD707-D9CF-40AE-B4C6-C98DA3205C09}" type="datetimeFigureOut">
               <a:rPr lang="en-US" smtClean="0"/>
               <a:pPr/>
-              <a:t>5/11/2020</a:t>
+              <a:t>5/12/2020</a:t>
             </a:fld>
             <a:endParaRPr lang="en-US"/>
           </a:p>
@@ -1072,7 +1072,7 @@
             <a:fld id="{1D8BD707-D9CF-40AE-B4C6-C98DA3205C09}" type="datetimeFigureOut">
               <a:rPr lang="en-US" smtClean="0"/>
               <a:pPr/>
-              <a:t>5/11/2020</a:t>
+              <a:t>5/12/2020</a:t>
             </a:fld>
             <a:endParaRPr lang="en-US"/>
           </a:p>
@@ -1357,7 +1357,7 @@
             <a:fld id="{1D8BD707-D9CF-40AE-B4C6-C98DA3205C09}" type="datetimeFigureOut">
               <a:rPr lang="en-US" smtClean="0"/>
               <a:pPr/>
-              <a:t>5/11/2020</a:t>
+              <a:t>5/12/2020</a:t>
             </a:fld>
             <a:endParaRPr lang="en-US"/>
           </a:p>
@@ -1776,7 +1776,7 @@
             <a:fld id="{1D8BD707-D9CF-40AE-B4C6-C98DA3205C09}" type="datetimeFigureOut">
               <a:rPr lang="en-US" smtClean="0"/>
               <a:pPr/>
-              <a:t>5/11/2020</a:t>
+              <a:t>5/12/2020</a:t>
             </a:fld>
             <a:endParaRPr lang="en-US"/>
           </a:p>
@@ -1891,7 +1891,7 @@
             <a:fld id="{1D8BD707-D9CF-40AE-B4C6-C98DA3205C09}" type="datetimeFigureOut">
               <a:rPr lang="en-US" smtClean="0"/>
               <a:pPr/>
-              <a:t>5/11/2020</a:t>
+              <a:t>5/12/2020</a:t>
             </a:fld>
             <a:endParaRPr lang="en-US"/>
           </a:p>
@@ -1983,7 +1983,7 @@
             <a:fld id="{1D8BD707-D9CF-40AE-B4C6-C98DA3205C09}" type="datetimeFigureOut">
               <a:rPr lang="en-US" smtClean="0"/>
               <a:pPr/>
-              <a:t>5/11/2020</a:t>
+              <a:t>5/12/2020</a:t>
             </a:fld>
             <a:endParaRPr lang="en-US"/>
           </a:p>
@@ -2257,7 +2257,7 @@
             <a:fld id="{1D8BD707-D9CF-40AE-B4C6-C98DA3205C09}" type="datetimeFigureOut">
               <a:rPr lang="en-US" smtClean="0"/>
               <a:pPr/>
-              <a:t>5/11/2020</a:t>
+              <a:t>5/12/2020</a:t>
             </a:fld>
             <a:endParaRPr lang="en-US"/>
           </a:p>
@@ -2507,7 +2507,7 @@
             <a:fld id="{1D8BD707-D9CF-40AE-B4C6-C98DA3205C09}" type="datetimeFigureOut">
               <a:rPr lang="en-US" smtClean="0"/>
               <a:pPr/>
-              <a:t>5/11/2020</a:t>
+              <a:t>5/12/2020</a:t>
             </a:fld>
             <a:endParaRPr lang="en-US"/>
           </a:p>
@@ -2717,7 +2717,7 @@
             <a:fld id="{1D8BD707-D9CF-40AE-B4C6-C98DA3205C09}" type="datetimeFigureOut">
               <a:rPr lang="en-US" smtClean="0"/>
               <a:pPr/>
-              <a:t>5/11/2020</a:t>
+              <a:t>5/12/2020</a:t>
             </a:fld>
             <a:endParaRPr lang="en-US"/>
           </a:p>
@@ -6033,11 +6033,7 @@
             </a:r>
             <a:r>
               <a:rPr lang="en-US" sz="2000" dirty="0" smtClean="0"/>
-              <a:t> </a:t>
-            </a:r>
-            <a:r>
-              <a:rPr lang="en-US" sz="2000" dirty="0" smtClean="0"/>
-              <a:t>Exponent TAG59</a:t>
+              <a:t> Exponent TAG59</a:t>
             </a:r>
           </a:p>
         </p:txBody>
@@ -6275,11 +6271,7 @@
             </a:r>
             <a:r>
               <a:rPr lang="en-US" sz="2000" dirty="0" smtClean="0"/>
-              <a:t> </a:t>
-            </a:r>
-            <a:r>
-              <a:rPr lang="en-US" sz="2000" dirty="0" smtClean="0"/>
-              <a:t>Exponent TAG93</a:t>
+              <a:t> Exponent TAG93</a:t>
             </a:r>
           </a:p>
         </p:txBody>
@@ -6517,11 +6509,7 @@
             </a:r>
             <a:r>
               <a:rPr lang="en-US" sz="2000" dirty="0" smtClean="0"/>
-              <a:t> </a:t>
-            </a:r>
-            <a:r>
-              <a:rPr lang="en-US" sz="2000" dirty="0" smtClean="0"/>
-              <a:t>Exponent TAGC2</a:t>
+              <a:t> Exponent TAGC2</a:t>
             </a:r>
           </a:p>
         </p:txBody>
@@ -6759,11 +6747,7 @@
             </a:r>
             <a:r>
               <a:rPr lang="en-US" sz="2000" dirty="0" smtClean="0"/>
-              <a:t> </a:t>
-            </a:r>
-            <a:r>
-              <a:rPr lang="en-US" sz="2000" dirty="0" smtClean="0"/>
-              <a:t>Exponent TAGC0</a:t>
+              <a:t> Exponent TAGC0</a:t>
             </a:r>
           </a:p>
         </p:txBody>
@@ -11081,62 +11065,6 @@
           </a:p>
         </p:txBody>
       </p:sp>
-      <p:pic>
-        <p:nvPicPr>
-          <p:cNvPr id="1026" name="Picture 2"/>
-          <p:cNvPicPr>
-            <a:picLocks noGrp="1" noChangeAspect="1" noChangeArrowheads="1"/>
-          </p:cNvPicPr>
-          <p:nvPr>
-            <p:ph idx="1"/>
-          </p:nvPr>
-        </p:nvPicPr>
-        <p:blipFill>
-          <a:blip r:embed="rId2">
-            <a:extLst>
-              <a:ext uri="{28A0092B-C50C-407E-A947-70E740481C1C}">
-                <a14:useLocalDpi xmlns:a14="http://schemas.microsoft.com/office/drawing/2010/main" val="0"/>
-              </a:ext>
-            </a:extLst>
-          </a:blip>
-          <a:srcRect/>
-          <a:stretch>
-            <a:fillRect/>
-          </a:stretch>
-        </p:blipFill>
-        <p:spPr bwMode="auto">
-          <a:xfrm>
-            <a:off x="2290129" y="1600200"/>
-            <a:ext cx="4563742" cy="4525963"/>
-          </a:xfrm>
-          <a:prstGeom prst="rect">
-            <a:avLst/>
-          </a:prstGeom>
-          <a:noFill/>
-          <a:ln>
-            <a:noFill/>
-          </a:ln>
-          <a:extLst>
-            <a:ext uri="{909E8E84-426E-40DD-AFC4-6F175D3DCCD1}">
-              <a14:hiddenFill xmlns:a14="http://schemas.microsoft.com/office/drawing/2010/main">
-                <a:solidFill>
-                  <a:schemeClr val="accent1"/>
-                </a:solidFill>
-              </a14:hiddenFill>
-            </a:ext>
-            <a:ext uri="{91240B29-F687-4F45-9708-019B960494DF}">
-              <a14:hiddenLine xmlns:a14="http://schemas.microsoft.com/office/drawing/2010/main" w="9525">
-                <a:solidFill>
-                  <a:schemeClr val="tx1"/>
-                </a:solidFill>
-                <a:miter lim="800000"/>
-                <a:headEnd/>
-                <a:tailEnd/>
-              </a14:hiddenLine>
-            </a:ext>
-          </a:extLst>
-        </p:spPr>
-      </p:pic>
       <p:sp>
         <p:nvSpPr>
           <p:cNvPr id="5" name="Title 1"/>
@@ -11202,6 +11130,119 @@
             <a:r>
               <a:rPr lang="en-US" sz="2000" dirty="0" err="1" smtClean="0"/>
               <a:t>thống</a:t>
+            </a:r>
+            <a:endParaRPr lang="en-US" sz="2000" dirty="0"/>
+          </a:p>
+        </p:txBody>
+      </p:sp>
+      <p:pic>
+        <p:nvPicPr>
+          <p:cNvPr id="4" name="Picture 2" descr="F:\thuc_tap\BLE_matlab\report\Capture.PNG"/>
+          <p:cNvPicPr>
+            <a:picLocks noChangeAspect="1" noChangeArrowheads="1"/>
+          </p:cNvPicPr>
+          <p:nvPr/>
+        </p:nvPicPr>
+        <p:blipFill>
+          <a:blip r:embed="rId2">
+            <a:extLst>
+              <a:ext uri="{28A0092B-C50C-407E-A947-70E740481C1C}">
+                <a14:useLocalDpi xmlns:a14="http://schemas.microsoft.com/office/drawing/2010/main" val="0"/>
+              </a:ext>
+            </a:extLst>
+          </a:blip>
+          <a:srcRect/>
+          <a:stretch>
+            <a:fillRect/>
+          </a:stretch>
+        </p:blipFill>
+        <p:spPr bwMode="auto">
+          <a:xfrm>
+            <a:off x="1575054" y="1295400"/>
+            <a:ext cx="6146292" cy="4724400"/>
+          </a:xfrm>
+          <a:prstGeom prst="rect">
+            <a:avLst/>
+          </a:prstGeom>
+          <a:noFill/>
+          <a:extLst>
+            <a:ext uri="{909E8E84-426E-40DD-AFC4-6F175D3DCCD1}">
+              <a14:hiddenFill xmlns:a14="http://schemas.microsoft.com/office/drawing/2010/main">
+                <a:solidFill>
+                  <a:srgbClr val="FFFFFF"/>
+                </a:solidFill>
+              </a14:hiddenFill>
+            </a:ext>
+          </a:extLst>
+        </p:spPr>
+      </p:pic>
+      <p:sp>
+        <p:nvSpPr>
+          <p:cNvPr id="7" name="Title 1"/>
+          <p:cNvSpPr txBox="1">
+            <a:spLocks/>
+          </p:cNvSpPr>
+          <p:nvPr/>
+        </p:nvSpPr>
+        <p:spPr>
+          <a:xfrm>
+            <a:off x="6172200" y="2667000"/>
+            <a:ext cx="2743200" cy="1143000"/>
+          </a:xfrm>
+          <a:prstGeom prst="rect">
+            <a:avLst/>
+          </a:prstGeom>
+        </p:spPr>
+        <p:txBody>
+          <a:bodyPr vert="horz" lIns="91440" tIns="45720" rIns="91440" bIns="45720" rtlCol="0" anchor="ctr">
+            <a:normAutofit fontScale="92500" lnSpcReduction="10000"/>
+          </a:bodyPr>
+          <a:lstStyle>
+            <a:lvl1pPr algn="ctr" defTabSz="914400" rtl="0" eaLnBrk="1" latinLnBrk="0" hangingPunct="1">
+              <a:spcBef>
+                <a:spcPct val="0"/>
+              </a:spcBef>
+              <a:buNone/>
+              <a:defRPr sz="4400" kern="1200">
+                <a:solidFill>
+                  <a:schemeClr val="tx1"/>
+                </a:solidFill>
+                <a:latin typeface="+mj-lt"/>
+                <a:ea typeface="+mj-ea"/>
+                <a:cs typeface="+mj-cs"/>
+              </a:defRPr>
+            </a:lvl1pPr>
+          </a:lstStyle>
+          <a:p>
+            <a:pPr algn="l"/>
+            <a:r>
+              <a:rPr lang="en-US" sz="2000" dirty="0" smtClean="0"/>
+              <a:t>B: Beacon</a:t>
+            </a:r>
+          </a:p>
+          <a:p>
+            <a:pPr algn="l"/>
+            <a:r>
+              <a:rPr lang="en-US" sz="2000" dirty="0" smtClean="0"/>
+              <a:t>M: Gateway</a:t>
+            </a:r>
+          </a:p>
+          <a:p>
+            <a:pPr algn="l"/>
+            <a:r>
+              <a:rPr lang="en-US" sz="2000" dirty="0" smtClean="0"/>
+              <a:t>N: Tag</a:t>
+            </a:r>
+          </a:p>
+          <a:p>
+            <a:pPr algn="l"/>
+            <a:r>
+              <a:rPr lang="en-US" sz="2000" dirty="0" smtClean="0"/>
+              <a:t>P: </a:t>
+            </a:r>
+            <a:r>
+              <a:rPr lang="en-US" sz="2000" dirty="0" err="1" smtClean="0"/>
+              <a:t>Pathloss</a:t>
             </a:r>
             <a:endParaRPr lang="en-US" sz="2000" dirty="0"/>
           </a:p>
@@ -12073,7 +12114,12 @@
             <p:ph type="title"/>
           </p:nvPr>
         </p:nvSpPr>
-        <p:spPr/>
+        <p:spPr>
+          <a:xfrm>
+            <a:off x="381000" y="609600"/>
+            <a:ext cx="8229600" cy="1143000"/>
+          </a:xfrm>
+        </p:spPr>
         <p:txBody>
           <a:bodyPr/>
           <a:lstStyle/>
@@ -12086,8 +12132,8 @@
           </a:p>
         </p:txBody>
       </p:sp>
-      <mc:AlternateContent xmlns:mc="http://schemas.openxmlformats.org/markup-compatibility/2006" xmlns:a14="http://schemas.microsoft.com/office/drawing/2010/main">
-        <mc:Choice Requires="a14">
+      <mc:AlternateContent xmlns:mc="http://schemas.openxmlformats.org/markup-compatibility/2006">
+        <mc:Choice xmlns:a14="http://schemas.microsoft.com/office/drawing/2010/main" Requires="a14">
           <p:sp>
             <p:nvSpPr>
               <p:cNvPr id="3" name="Content Placeholder 2"/>
@@ -12098,10 +12144,15 @@
                 <p:ph idx="1"/>
               </p:nvPr>
             </p:nvSpPr>
-            <p:spPr/>
+            <p:spPr>
+              <a:xfrm>
+                <a:off x="152400" y="1905000"/>
+                <a:ext cx="8991600" cy="4343400"/>
+              </a:xfrm>
+            </p:spPr>
             <p:txBody>
               <a:bodyPr>
-                <a:normAutofit lnSpcReduction="10000"/>
+                <a:normAutofit fontScale="85000" lnSpcReduction="20000"/>
               </a:bodyPr>
               <a:lstStyle/>
               <a:p>
@@ -12110,7 +12161,7 @@
                   <a:buChar char="-"/>
                 </a:pPr>
                 <a:r>
-                  <a:rPr lang="en-US" dirty="0" err="1" smtClean="0"/>
+                  <a:rPr lang="en-US" dirty="0" smtClean="0"/>
                   <a:t>Thiết</a:t>
                 </a:r>
                 <a:r>
@@ -12123,7 +12174,11 @@
                 </a:r>
                 <a:r>
                   <a:rPr lang="en-US" dirty="0" smtClean="0"/>
-                  <a:t>: Gateway</a:t>
+                  <a:t>: </a:t>
+                </a:r>
+                <a:r>
+                  <a:rPr lang="en-US" dirty="0" smtClean="0"/>
+                  <a:t>Gateway</a:t>
                 </a:r>
               </a:p>
               <a:p>
@@ -12188,13 +12243,236 @@
                 </a:r>
                 <a:r>
                   <a:rPr lang="en-US" dirty="0" smtClean="0"/>
-                  <a:t> mean.</a:t>
+                  <a:t> mean</a:t>
+                </a:r>
+                <a:r>
+                  <a:rPr lang="en-US" dirty="0" smtClean="0"/>
+                  <a:t>.</a:t>
                 </a:r>
               </a:p>
               <a:p>
-                <a:pPr algn="just">
-                  <a:buFontTx/>
-                  <a:buChar char="-"/>
+                <a:pPr marL="0" indent="0" algn="just">
+                  <a:buNone/>
+                </a:pPr>
+                <a14:m>
+                  <m:oMathPara xmlns:m="http://schemas.openxmlformats.org/officeDocument/2006/math">
+                    <m:oMathParaPr>
+                      <m:jc m:val="centerGroup"/>
+                    </m:oMathParaPr>
+                    <m:oMath xmlns:m="http://schemas.openxmlformats.org/officeDocument/2006/math">
+                      <m:sSub>
+                        <m:sSubPr>
+                          <m:ctrlPr>
+                            <a:rPr lang="en-US" i="1">
+                              <a:latin typeface="Cambria Math"/>
+                            </a:rPr>
+                          </m:ctrlPr>
+                        </m:sSubPr>
+                        <m:e>
+                          <m:r>
+                            <a:rPr lang="en-US" i="1">
+                              <a:latin typeface="Cambria Math"/>
+                            </a:rPr>
+                            <m:t>𝑅𝑔</m:t>
+                          </m:r>
+                          <m:sSub>
+                            <m:sSubPr>
+                              <m:ctrlPr>
+                                <a:rPr lang="en-US" i="1">
+                                  <a:latin typeface="Cambria Math"/>
+                                </a:rPr>
+                              </m:ctrlPr>
+                            </m:sSubPr>
+                            <m:e>
+                              <m:r>
+                                <a:rPr lang="en-US" i="1">
+                                  <a:latin typeface="Cambria Math"/>
+                                </a:rPr>
+                                <m:t>𝑤</m:t>
+                              </m:r>
+                            </m:e>
+                            <m:sub>
+                              <m:r>
+                                <a:rPr lang="en-US" i="1">
+                                  <a:latin typeface="Cambria Math"/>
+                                </a:rPr>
+                                <m:t>𝑚𝑒𝑎𝑛</m:t>
+                              </m:r>
+                            </m:sub>
+                          </m:sSub>
+                        </m:e>
+                        <m:sub>
+                          <m:r>
+                            <a:rPr lang="en-US" i="1">
+                              <a:latin typeface="Cambria Math"/>
+                            </a:rPr>
+                            <m:t>𝑖</m:t>
+                          </m:r>
+                        </m:sub>
+                      </m:sSub>
+                      <m:r>
+                        <a:rPr lang="en-US" b="0" i="1" smtClean="0">
+                          <a:latin typeface="Cambria Math"/>
+                        </a:rPr>
+                        <m:t>=</m:t>
+                      </m:r>
+                      <m:f>
+                        <m:fPr>
+                          <m:ctrlPr>
+                            <a:rPr lang="en-US" i="1" smtClean="0">
+                              <a:latin typeface="Cambria Math"/>
+                            </a:rPr>
+                          </m:ctrlPr>
+                        </m:fPr>
+                        <m:num>
+                          <m:sSub>
+                            <m:sSubPr>
+                              <m:ctrlPr>
+                                <a:rPr lang="en-US" i="1">
+                                  <a:latin typeface="Cambria Math"/>
+                                </a:rPr>
+                              </m:ctrlPr>
+                            </m:sSubPr>
+                            <m:e>
+                              <m:r>
+                                <a:rPr lang="en-US" i="1">
+                                  <a:latin typeface="Cambria Math"/>
+                                </a:rPr>
+                                <m:t>𝑅𝑔𝑤</m:t>
+                              </m:r>
+                            </m:e>
+                            <m:sub>
+                              <m:r>
+                                <a:rPr lang="en-US" b="0" i="1" smtClean="0">
+                                  <a:latin typeface="Cambria Math"/>
+                                </a:rPr>
+                                <m:t>1</m:t>
+                              </m:r>
+                            </m:sub>
+                          </m:sSub>
+                          <m:r>
+                            <a:rPr lang="en-US" b="0" i="1" smtClean="0">
+                              <a:latin typeface="Cambria Math"/>
+                            </a:rPr>
+                            <m:t>+</m:t>
+                          </m:r>
+                          <m:sSub>
+                            <m:sSubPr>
+                              <m:ctrlPr>
+                                <a:rPr lang="en-US" i="1">
+                                  <a:latin typeface="Cambria Math"/>
+                                </a:rPr>
+                              </m:ctrlPr>
+                            </m:sSubPr>
+                            <m:e>
+                              <m:r>
+                                <a:rPr lang="en-US" i="1">
+                                  <a:latin typeface="Cambria Math"/>
+                                </a:rPr>
+                                <m:t>𝑅𝑔𝑤</m:t>
+                              </m:r>
+                            </m:e>
+                            <m:sub>
+                              <m:r>
+                                <a:rPr lang="en-US" b="0" i="1" smtClean="0">
+                                  <a:latin typeface="Cambria Math"/>
+                                </a:rPr>
+                                <m:t>2</m:t>
+                              </m:r>
+                            </m:sub>
+                          </m:sSub>
+                          <m:r>
+                            <a:rPr lang="en-US" b="0" i="1" smtClean="0">
+                              <a:latin typeface="Cambria Math"/>
+                            </a:rPr>
+                            <m:t>+…+</m:t>
+                          </m:r>
+                          <m:sSub>
+                            <m:sSubPr>
+                              <m:ctrlPr>
+                                <a:rPr lang="en-US" i="1">
+                                  <a:latin typeface="Cambria Math"/>
+                                </a:rPr>
+                              </m:ctrlPr>
+                            </m:sSubPr>
+                            <m:e>
+                              <m:r>
+                                <a:rPr lang="en-US" i="1">
+                                  <a:latin typeface="Cambria Math"/>
+                                </a:rPr>
+                                <m:t>𝑅𝑔𝑤</m:t>
+                              </m:r>
+                            </m:e>
+                            <m:sub>
+                              <m:r>
+                                <a:rPr lang="en-US" b="0" i="1" smtClean="0">
+                                  <a:latin typeface="Cambria Math"/>
+                                </a:rPr>
+                                <m:t>𝑖</m:t>
+                              </m:r>
+                              <m:r>
+                                <a:rPr lang="en-US" b="0" i="1" smtClean="0">
+                                  <a:latin typeface="Cambria Math"/>
+                                </a:rPr>
+                                <m:t>−1</m:t>
+                              </m:r>
+                            </m:sub>
+                          </m:sSub>
+                          <m:r>
+                            <a:rPr lang="en-US" b="0" i="1" smtClean="0">
+                              <a:latin typeface="Cambria Math"/>
+                            </a:rPr>
+                            <m:t>+</m:t>
+                          </m:r>
+                          <m:sSub>
+                            <m:sSubPr>
+                              <m:ctrlPr>
+                                <a:rPr lang="en-US" i="1">
+                                  <a:latin typeface="Cambria Math"/>
+                                </a:rPr>
+                              </m:ctrlPr>
+                            </m:sSubPr>
+                            <m:e>
+                              <m:r>
+                                <a:rPr lang="en-US" i="1">
+                                  <a:latin typeface="Cambria Math"/>
+                                </a:rPr>
+                                <m:t>𝑅𝑔𝑤</m:t>
+                              </m:r>
+                            </m:e>
+                            <m:sub>
+                              <m:r>
+                                <a:rPr lang="en-US" b="0" i="1" smtClean="0">
+                                  <a:latin typeface="Cambria Math"/>
+                                </a:rPr>
+                                <m:t>𝑖</m:t>
+                              </m:r>
+                              <m:r>
+                                <a:rPr lang="en-US" b="0" i="1" smtClean="0">
+                                  <a:latin typeface="Cambria Math"/>
+                                </a:rPr>
+                                <m:t>+1</m:t>
+                              </m:r>
+                            </m:sub>
+                          </m:sSub>
+                        </m:num>
+                        <m:den>
+                          <m:r>
+                            <a:rPr lang="en-US" b="0" i="1" smtClean="0">
+                              <a:latin typeface="Cambria Math"/>
+                            </a:rPr>
+                            <m:t>𝑖</m:t>
+                          </m:r>
+                        </m:den>
+                      </m:f>
+                    </m:oMath>
+                  </m:oMathPara>
+                </a14:m>
+                <a:endParaRPr lang="en-US" dirty="0" smtClean="0"/>
+              </a:p>
+              <a:p>
+                <a:pPr marL="0" indent="0" algn="just">
+                  <a:buNone/>
                 </a:pPr>
                 <a:endParaRPr lang="en-US" dirty="0" smtClean="0"/>
               </a:p>
@@ -12205,7 +12483,19 @@
                 </a:pPr>
                 <a:r>
                   <a:rPr lang="en-US" dirty="0" smtClean="0"/>
-                  <a:t>RSSI Tag </a:t>
+                  <a:t>RSSI </a:t>
+                </a:r>
+                <a:r>
+                  <a:rPr lang="en-US" dirty="0" smtClean="0"/>
+                  <a:t>Tag, </a:t>
+                </a:r>
+                <a:r>
+                  <a:rPr lang="en-US" dirty="0" err="1" smtClean="0"/>
+                  <a:t>Pathloss</a:t>
+                </a:r>
+                <a:r>
+                  <a:rPr lang="en-US" dirty="0" smtClean="0"/>
+                  <a:t> </a:t>
                 </a:r>
                 <a:r>
                   <a:rPr lang="en-US" dirty="0" err="1" smtClean="0"/>
@@ -12439,8 +12729,20 @@
                   <a:t>-   </a:t>
                 </a:r>
                 <a:r>
+                  <a:rPr lang="en-US" dirty="0" smtClean="0"/>
+                  <a:t>Sau </a:t>
+                </a:r>
+                <a:r>
                   <a:rPr lang="en-US" dirty="0" err="1" smtClean="0"/>
-                  <a:t>Áp</a:t>
+                  <a:t>đó</a:t>
+                </a:r>
+                <a:r>
+                  <a:rPr lang="en-US" dirty="0" smtClean="0"/>
+                  <a:t>, </a:t>
+                </a:r>
+                <a:r>
+                  <a:rPr lang="en-US" dirty="0" err="1" smtClean="0"/>
+                  <a:t>áp</a:t>
                 </a:r>
                 <a:r>
                   <a:rPr lang="en-US" dirty="0" smtClean="0"/>
@@ -12472,7 +12774,7 @@
             </p:txBody>
           </p:sp>
         </mc:Choice>
-        <mc:Fallback xmlns="">
+        <mc:Fallback>
           <p:sp>
             <p:nvSpPr>
               <p:cNvPr id="3" name="Content Placeholder 2"/>
@@ -12484,10 +12786,14 @@
               </p:nvPr>
             </p:nvSpPr>
             <p:spPr>
+              <a:xfrm>
+                <a:off x="152400" y="1905000"/>
+                <a:ext cx="8991600" cy="4343400"/>
+              </a:xfrm>
               <a:blipFill rotWithShape="1">
                 <a:blip r:embed="rId2"/>
                 <a:stretch>
-                  <a:fillRect l="-1926" t="-3100"/>
+                  <a:fillRect l="-1288" t="-3090"/>
                 </a:stretch>
               </a:blipFill>
             </p:spPr>

--- a/report/Timeline.Report.pptx
+++ b/report/Timeline.Report.pptx
@@ -325,7 +325,7 @@
             <a:fld id="{1D8BD707-D9CF-40AE-B4C6-C98DA3205C09}" type="datetimeFigureOut">
               <a:rPr lang="en-US" smtClean="0"/>
               <a:pPr/>
-              <a:t>5/13/2020</a:t>
+              <a:t>5/14/2020</a:t>
             </a:fld>
             <a:endParaRPr lang="en-US"/>
           </a:p>
@@ -492,7 +492,7 @@
             <a:fld id="{1D8BD707-D9CF-40AE-B4C6-C98DA3205C09}" type="datetimeFigureOut">
               <a:rPr lang="en-US" smtClean="0"/>
               <a:pPr/>
-              <a:t>5/13/2020</a:t>
+              <a:t>5/14/2020</a:t>
             </a:fld>
             <a:endParaRPr lang="en-US"/>
           </a:p>
@@ -669,7 +669,7 @@
             <a:fld id="{1D8BD707-D9CF-40AE-B4C6-C98DA3205C09}" type="datetimeFigureOut">
               <a:rPr lang="en-US" smtClean="0"/>
               <a:pPr/>
-              <a:t>5/13/2020</a:t>
+              <a:t>5/14/2020</a:t>
             </a:fld>
             <a:endParaRPr lang="en-US"/>
           </a:p>
@@ -836,7 +836,7 @@
             <a:fld id="{1D8BD707-D9CF-40AE-B4C6-C98DA3205C09}" type="datetimeFigureOut">
               <a:rPr lang="en-US" smtClean="0"/>
               <a:pPr/>
-              <a:t>5/13/2020</a:t>
+              <a:t>5/14/2020</a:t>
             </a:fld>
             <a:endParaRPr lang="en-US"/>
           </a:p>
@@ -1079,7 +1079,7 @@
             <a:fld id="{1D8BD707-D9CF-40AE-B4C6-C98DA3205C09}" type="datetimeFigureOut">
               <a:rPr lang="en-US" smtClean="0"/>
               <a:pPr/>
-              <a:t>5/13/2020</a:t>
+              <a:t>5/14/2020</a:t>
             </a:fld>
             <a:endParaRPr lang="en-US"/>
           </a:p>
@@ -1364,7 +1364,7 @@
             <a:fld id="{1D8BD707-D9CF-40AE-B4C6-C98DA3205C09}" type="datetimeFigureOut">
               <a:rPr lang="en-US" smtClean="0"/>
               <a:pPr/>
-              <a:t>5/13/2020</a:t>
+              <a:t>5/14/2020</a:t>
             </a:fld>
             <a:endParaRPr lang="en-US"/>
           </a:p>
@@ -1783,7 +1783,7 @@
             <a:fld id="{1D8BD707-D9CF-40AE-B4C6-C98DA3205C09}" type="datetimeFigureOut">
               <a:rPr lang="en-US" smtClean="0"/>
               <a:pPr/>
-              <a:t>5/13/2020</a:t>
+              <a:t>5/14/2020</a:t>
             </a:fld>
             <a:endParaRPr lang="en-US"/>
           </a:p>
@@ -1898,7 +1898,7 @@
             <a:fld id="{1D8BD707-D9CF-40AE-B4C6-C98DA3205C09}" type="datetimeFigureOut">
               <a:rPr lang="en-US" smtClean="0"/>
               <a:pPr/>
-              <a:t>5/13/2020</a:t>
+              <a:t>5/14/2020</a:t>
             </a:fld>
             <a:endParaRPr lang="en-US"/>
           </a:p>
@@ -1990,7 +1990,7 @@
             <a:fld id="{1D8BD707-D9CF-40AE-B4C6-C98DA3205C09}" type="datetimeFigureOut">
               <a:rPr lang="en-US" smtClean="0"/>
               <a:pPr/>
-              <a:t>5/13/2020</a:t>
+              <a:t>5/14/2020</a:t>
             </a:fld>
             <a:endParaRPr lang="en-US"/>
           </a:p>
@@ -2264,7 +2264,7 @@
             <a:fld id="{1D8BD707-D9CF-40AE-B4C6-C98DA3205C09}" type="datetimeFigureOut">
               <a:rPr lang="en-US" smtClean="0"/>
               <a:pPr/>
-              <a:t>5/13/2020</a:t>
+              <a:t>5/14/2020</a:t>
             </a:fld>
             <a:endParaRPr lang="en-US"/>
           </a:p>
@@ -2514,7 +2514,7 @@
             <a:fld id="{1D8BD707-D9CF-40AE-B4C6-C98DA3205C09}" type="datetimeFigureOut">
               <a:rPr lang="en-US" smtClean="0"/>
               <a:pPr/>
-              <a:t>5/13/2020</a:t>
+              <a:t>5/14/2020</a:t>
             </a:fld>
             <a:endParaRPr lang="en-US"/>
           </a:p>
@@ -2724,7 +2724,7 @@
             <a:fld id="{1D8BD707-D9CF-40AE-B4C6-C98DA3205C09}" type="datetimeFigureOut">
               <a:rPr lang="en-US" smtClean="0"/>
               <a:pPr/>
-              <a:t>5/13/2020</a:t>
+              <a:t>5/14/2020</a:t>
             </a:fld>
             <a:endParaRPr lang="en-US"/>
           </a:p>
@@ -3123,8 +3123,8 @@
           </a:p>
         </p:txBody>
       </p:sp>
-      <mc:AlternateContent xmlns:mc="http://schemas.openxmlformats.org/markup-compatibility/2006">
-        <mc:Choice xmlns:a14="http://schemas.microsoft.com/office/drawing/2010/main" Requires="a14">
+      <mc:AlternateContent xmlns:mc="http://schemas.openxmlformats.org/markup-compatibility/2006" xmlns:a14="http://schemas.microsoft.com/office/drawing/2010/main">
+        <mc:Choice Requires="a14">
           <p:sp>
             <p:nvSpPr>
               <p:cNvPr id="5" name="Title 1"/>
@@ -3193,13 +3193,8 @@
                 </a:r>
                 <a:r>
                   <a:rPr lang="en-US" sz="3000" dirty="0" smtClean="0"/>
-                  <a:t>: </a:t>
-                </a:r>
-                <a:r>
-                  <a:rPr lang="en-US" sz="3000" dirty="0" smtClean="0"/>
-                  <a:t>Bluetooth</a:t>
-                </a:r>
-                <a:endParaRPr lang="en-US" sz="3000" dirty="0" smtClean="0"/>
+                  <a:t>: Bluetooth</a:t>
+                </a:r>
               </a:p>
               <a:p>
                 <a:pPr marL="457200" indent="-457200" algn="just">
@@ -3236,13 +3231,8 @@
                 </a:r>
                 <a:r>
                   <a:rPr lang="en-US" sz="3000" dirty="0" smtClean="0"/>
-                  <a:t>: Receive Signal Strength Indicator (RSSI</a:t>
-                </a:r>
-                <a:r>
-                  <a:rPr lang="en-US" sz="3000" dirty="0" smtClean="0"/>
-                  <a:t>)</a:t>
-                </a:r>
-                <a:endParaRPr lang="en-US" sz="3000" dirty="0" smtClean="0"/>
+                  <a:t>: Receive Signal Strength Indicator (RSSI)</a:t>
+                </a:r>
               </a:p>
               <a:p>
                 <a:pPr marL="457200" indent="-457200" algn="just">
@@ -3738,7 +3728,7 @@
             </p:txBody>
           </p:sp>
         </mc:Choice>
-        <mc:Fallback>
+        <mc:Fallback xmlns="">
           <p:sp>
             <p:nvSpPr>
               <p:cNvPr id="5" name="Title 1"/>
@@ -6599,8 +6589,8 @@
           </a:p>
         </p:txBody>
       </p:sp>
-      <mc:AlternateContent xmlns:mc="http://schemas.openxmlformats.org/markup-compatibility/2006">
-        <mc:Choice xmlns:a14="http://schemas.microsoft.com/office/drawing/2010/main" Requires="a14">
+      <mc:AlternateContent xmlns:mc="http://schemas.openxmlformats.org/markup-compatibility/2006" xmlns:a14="http://schemas.microsoft.com/office/drawing/2010/main">
+        <mc:Choice Requires="a14">
           <p:sp>
             <p:nvSpPr>
               <p:cNvPr id="3" name="Content Placeholder 2"/>
@@ -7232,7 +7222,7 @@
             </p:txBody>
           </p:sp>
         </mc:Choice>
-        <mc:Fallback>
+        <mc:Fallback xmlns="">
           <p:sp>
             <p:nvSpPr>
               <p:cNvPr id="3" name="Content Placeholder 2"/>
@@ -7322,8 +7312,8 @@
           </a:p>
         </p:txBody>
       </p:sp>
-      <mc:AlternateContent xmlns:mc="http://schemas.openxmlformats.org/markup-compatibility/2006">
-        <mc:Choice xmlns:a14="http://schemas.microsoft.com/office/drawing/2010/main" Requires="a14">
+      <mc:AlternateContent xmlns:mc="http://schemas.openxmlformats.org/markup-compatibility/2006" xmlns:a14="http://schemas.microsoft.com/office/drawing/2010/main">
+        <mc:Choice Requires="a14">
           <p:sp>
             <p:nvSpPr>
               <p:cNvPr id="3" name="Content Placeholder 2"/>
@@ -7883,7 +7873,7 @@
             </p:txBody>
           </p:sp>
         </mc:Choice>
-        <mc:Fallback>
+        <mc:Fallback xmlns="">
           <p:sp>
             <p:nvSpPr>
               <p:cNvPr id="3" name="Content Placeholder 2"/>
@@ -8033,11 +8023,7 @@
             </a:r>
             <a:r>
               <a:rPr lang="en-US" dirty="0" smtClean="0"/>
-              <a:t>, Gateway</a:t>
-            </a:r>
-            <a:r>
-              <a:rPr lang="en-US" dirty="0" smtClean="0"/>
-              <a:t>)</a:t>
+              <a:t>, Gateway)</a:t>
             </a:r>
           </a:p>
           <a:p>
@@ -11008,8 +10994,8 @@
           </a:p>
         </p:txBody>
       </p:sp>
-      <mc:AlternateContent xmlns:mc="http://schemas.openxmlformats.org/markup-compatibility/2006">
-        <mc:Choice xmlns:a14="http://schemas.microsoft.com/office/drawing/2010/main" Requires="a14">
+      <mc:AlternateContent xmlns:mc="http://schemas.openxmlformats.org/markup-compatibility/2006" xmlns:a14="http://schemas.microsoft.com/office/drawing/2010/main">
+        <mc:Choice Requires="a14">
           <p:sp>
             <p:nvSpPr>
               <p:cNvPr id="3" name="Content Placeholder 2"/>
@@ -11111,14 +11097,18 @@
                           <m:begChr m:val="{"/>
                           <m:endChr m:val=""/>
                           <m:ctrlPr>
-                            <a:rPr lang="en-US" i="1"/>
+                            <a:rPr lang="en-US" i="1">
+                              <a:latin typeface="Cambria Math"/>
+                            </a:rPr>
                           </m:ctrlPr>
                         </m:dPr>
                         <m:e>
                           <m:eqArr>
                             <m:eqArrPr>
                               <m:ctrlPr>
-                                <a:rPr lang="en-US" i="1"/>
+                                <a:rPr lang="en-US" i="1">
+                                  <a:latin typeface="Cambria Math"/>
+                                </a:rPr>
                               </m:ctrlPr>
                             </m:eqArrPr>
                             <m:e>
@@ -11133,7 +11123,9 @@
                                     </m:mc>
                                   </m:mcs>
                                   <m:ctrlPr>
-                                    <a:rPr lang="en-US" i="1"/>
+                                    <a:rPr lang="en-US" i="1">
+                                      <a:latin typeface="Cambria Math"/>
+                                    </a:rPr>
                                   </m:ctrlPr>
                                 </m:mPr>
                                 <m:mr>
@@ -11141,40 +11133,54 @@
                                     <m:sSup>
                                       <m:sSupPr>
                                         <m:ctrlPr>
-                                          <a:rPr lang="en-US" i="1"/>
+                                          <a:rPr lang="en-US" i="1">
+                                            <a:latin typeface="Cambria Math"/>
+                                          </a:rPr>
                                         </m:ctrlPr>
                                       </m:sSupPr>
                                       <m:e>
                                         <m:d>
                                           <m:dPr>
                                             <m:ctrlPr>
-                                              <a:rPr lang="en-US" i="1"/>
+                                              <a:rPr lang="en-US" i="1">
+                                                <a:latin typeface="Cambria Math"/>
+                                              </a:rPr>
                                             </m:ctrlPr>
                                           </m:dPr>
                                           <m:e>
                                             <m:r>
-                                              <a:rPr lang="en-US" i="1"/>
+                                              <a:rPr lang="en-US" i="1">
+                                                <a:latin typeface="Cambria Math"/>
+                                              </a:rPr>
                                               <m:t>𝑥</m:t>
                                             </m:r>
                                             <m:r>
-                                              <a:rPr lang="en-US" i="1"/>
+                                              <a:rPr lang="en-US" i="1">
+                                                <a:latin typeface="Cambria Math"/>
+                                              </a:rPr>
                                               <m:t>−</m:t>
                                             </m:r>
                                             <m:sSub>
                                               <m:sSubPr>
                                                 <m:ctrlPr>
-                                                  <a:rPr lang="en-US" i="1"/>
+                                                  <a:rPr lang="en-US" i="1">
+                                                    <a:latin typeface="Cambria Math"/>
+                                                  </a:rPr>
                                                 </m:ctrlPr>
                                               </m:sSubPr>
                                               <m:e>
                                                 <m:r>
-                                                  <a:rPr lang="en-US" i="1"/>
+                                                  <a:rPr lang="en-US" i="1">
+                                                    <a:latin typeface="Cambria Math"/>
+                                                  </a:rPr>
                                                   <m:t>𝑥</m:t>
                                                 </m:r>
                                               </m:e>
                                               <m:sub>
                                                 <m:r>
-                                                  <a:rPr lang="en-US" i="1"/>
+                                                  <a:rPr lang="en-US" i="1">
+                                                    <a:latin typeface="Cambria Math"/>
+                                                  </a:rPr>
                                                   <m:t>1</m:t>
                                                 </m:r>
                                               </m:sub>
@@ -11184,52 +11190,70 @@
                                       </m:e>
                                       <m:sup>
                                         <m:r>
-                                          <a:rPr lang="en-US" i="1"/>
+                                          <a:rPr lang="en-US" i="1">
+                                            <a:latin typeface="Cambria Math"/>
+                                          </a:rPr>
                                           <m:t>2</m:t>
                                         </m:r>
                                       </m:sup>
                                     </m:sSup>
                                     <m:r>
-                                      <a:rPr lang="en-US" i="1"/>
+                                      <a:rPr lang="en-US" i="1">
+                                        <a:latin typeface="Cambria Math"/>
+                                      </a:rPr>
                                       <m:t>+</m:t>
                                     </m:r>
                                     <m:sSup>
                                       <m:sSupPr>
                                         <m:ctrlPr>
-                                          <a:rPr lang="en-US" i="1"/>
+                                          <a:rPr lang="en-US" i="1">
+                                            <a:latin typeface="Cambria Math"/>
+                                          </a:rPr>
                                         </m:ctrlPr>
                                       </m:sSupPr>
                                       <m:e>
                                         <m:d>
                                           <m:dPr>
                                             <m:ctrlPr>
-                                              <a:rPr lang="en-US" i="1"/>
+                                              <a:rPr lang="en-US" i="1">
+                                                <a:latin typeface="Cambria Math"/>
+                                              </a:rPr>
                                             </m:ctrlPr>
                                           </m:dPr>
                                           <m:e>
                                             <m:r>
-                                              <a:rPr lang="en-US" i="1"/>
+                                              <a:rPr lang="en-US" i="1">
+                                                <a:latin typeface="Cambria Math"/>
+                                              </a:rPr>
                                               <m:t>𝑦</m:t>
                                             </m:r>
                                             <m:r>
-                                              <a:rPr lang="en-US" i="1"/>
+                                              <a:rPr lang="en-US" i="1">
+                                                <a:latin typeface="Cambria Math"/>
+                                              </a:rPr>
                                               <m:t>−</m:t>
                                             </m:r>
                                             <m:sSub>
                                               <m:sSubPr>
                                                 <m:ctrlPr>
-                                                  <a:rPr lang="en-US" i="1"/>
+                                                  <a:rPr lang="en-US" i="1">
+                                                    <a:latin typeface="Cambria Math"/>
+                                                  </a:rPr>
                                                 </m:ctrlPr>
                                               </m:sSubPr>
                                               <m:e>
                                                 <m:r>
-                                                  <a:rPr lang="en-US" i="1"/>
+                                                  <a:rPr lang="en-US" i="1">
+                                                    <a:latin typeface="Cambria Math"/>
+                                                  </a:rPr>
                                                   <m:t>𝑦</m:t>
                                                 </m:r>
                                               </m:e>
                                               <m:sub>
                                                 <m:r>
-                                                  <a:rPr lang="en-US" i="1"/>
+                                                  <a:rPr lang="en-US" i="1">
+                                                    <a:latin typeface="Cambria Math"/>
+                                                  </a:rPr>
                                                   <m:t>1</m:t>
                                                 </m:r>
                                               </m:sub>
@@ -11239,36 +11263,48 @@
                                       </m:e>
                                       <m:sup>
                                         <m:r>
-                                          <a:rPr lang="en-US" i="1"/>
+                                          <a:rPr lang="en-US" i="1">
+                                            <a:latin typeface="Cambria Math"/>
+                                          </a:rPr>
                                           <m:t>2</m:t>
                                         </m:r>
                                       </m:sup>
                                     </m:sSup>
                                     <m:r>
-                                      <a:rPr lang="en-US" i="1"/>
+                                      <a:rPr lang="en-US" i="1">
+                                        <a:latin typeface="Cambria Math"/>
+                                      </a:rPr>
                                       <m:t>=</m:t>
                                     </m:r>
                                     <m:sSubSup>
                                       <m:sSubSupPr>
                                         <m:ctrlPr>
-                                          <a:rPr lang="en-US" i="1"/>
+                                          <a:rPr lang="en-US" i="1">
+                                            <a:latin typeface="Cambria Math"/>
+                                          </a:rPr>
                                         </m:ctrlPr>
                                       </m:sSubSupPr>
                                       <m:e>
                                         <m:r>
-                                          <a:rPr lang="en-US" i="1"/>
+                                          <a:rPr lang="en-US" i="1">
+                                            <a:latin typeface="Cambria Math"/>
+                                          </a:rPr>
                                           <m:t>𝑑</m:t>
                                         </m:r>
                                       </m:e>
                                       <m:sub>
                                         <m:r>
-                                          <a:rPr lang="en-US" i="1"/>
+                                          <a:rPr lang="en-US" i="1">
+                                            <a:latin typeface="Cambria Math"/>
+                                          </a:rPr>
                                           <m:t>1</m:t>
                                         </m:r>
                                       </m:sub>
                                       <m:sup>
                                         <m:r>
-                                          <a:rPr lang="en-US" i="1"/>
+                                          <a:rPr lang="en-US" i="1">
+                                            <a:latin typeface="Cambria Math"/>
+                                          </a:rPr>
                                           <m:t>2</m:t>
                                         </m:r>
                                       </m:sup>
@@ -11280,40 +11316,54 @@
                                     <m:sSup>
                                       <m:sSupPr>
                                         <m:ctrlPr>
-                                          <a:rPr lang="en-US" i="1"/>
+                                          <a:rPr lang="en-US" i="1">
+                                            <a:latin typeface="Cambria Math"/>
+                                          </a:rPr>
                                         </m:ctrlPr>
                                       </m:sSupPr>
                                       <m:e>
                                         <m:d>
                                           <m:dPr>
                                             <m:ctrlPr>
-                                              <a:rPr lang="en-US" i="1"/>
+                                              <a:rPr lang="en-US" i="1">
+                                                <a:latin typeface="Cambria Math"/>
+                                              </a:rPr>
                                             </m:ctrlPr>
                                           </m:dPr>
                                           <m:e>
                                             <m:r>
-                                              <a:rPr lang="en-US" i="1"/>
+                                              <a:rPr lang="en-US" i="1">
+                                                <a:latin typeface="Cambria Math"/>
+                                              </a:rPr>
                                               <m:t>𝑥</m:t>
                                             </m:r>
                                             <m:r>
-                                              <a:rPr lang="en-US" i="1"/>
+                                              <a:rPr lang="en-US" i="1">
+                                                <a:latin typeface="Cambria Math"/>
+                                              </a:rPr>
                                               <m:t>−</m:t>
                                             </m:r>
                                             <m:sSub>
                                               <m:sSubPr>
                                                 <m:ctrlPr>
-                                                  <a:rPr lang="en-US" i="1"/>
+                                                  <a:rPr lang="en-US" i="1">
+                                                    <a:latin typeface="Cambria Math"/>
+                                                  </a:rPr>
                                                 </m:ctrlPr>
                                               </m:sSubPr>
                                               <m:e>
                                                 <m:r>
-                                                  <a:rPr lang="en-US" i="1"/>
+                                                  <a:rPr lang="en-US" i="1">
+                                                    <a:latin typeface="Cambria Math"/>
+                                                  </a:rPr>
                                                   <m:t>𝑥</m:t>
                                                 </m:r>
                                               </m:e>
                                               <m:sub>
                                                 <m:r>
-                                                  <a:rPr lang="en-US" i="1"/>
+                                                  <a:rPr lang="en-US" i="1">
+                                                    <a:latin typeface="Cambria Math"/>
+                                                  </a:rPr>
                                                   <m:t>2</m:t>
                                                 </m:r>
                                               </m:sub>
@@ -11323,52 +11373,70 @@
                                       </m:e>
                                       <m:sup>
                                         <m:r>
-                                          <a:rPr lang="en-US" i="1"/>
+                                          <a:rPr lang="en-US" i="1">
+                                            <a:latin typeface="Cambria Math"/>
+                                          </a:rPr>
                                           <m:t>2</m:t>
                                         </m:r>
                                       </m:sup>
                                     </m:sSup>
                                     <m:r>
-                                      <a:rPr lang="en-US" i="1"/>
+                                      <a:rPr lang="en-US" i="1">
+                                        <a:latin typeface="Cambria Math"/>
+                                      </a:rPr>
                                       <m:t>+</m:t>
                                     </m:r>
                                     <m:sSup>
                                       <m:sSupPr>
                                         <m:ctrlPr>
-                                          <a:rPr lang="en-US" i="1"/>
+                                          <a:rPr lang="en-US" i="1">
+                                            <a:latin typeface="Cambria Math"/>
+                                          </a:rPr>
                                         </m:ctrlPr>
                                       </m:sSupPr>
                                       <m:e>
                                         <m:d>
                                           <m:dPr>
                                             <m:ctrlPr>
-                                              <a:rPr lang="en-US" i="1"/>
+                                              <a:rPr lang="en-US" i="1">
+                                                <a:latin typeface="Cambria Math"/>
+                                              </a:rPr>
                                             </m:ctrlPr>
                                           </m:dPr>
                                           <m:e>
                                             <m:r>
-                                              <a:rPr lang="en-US" i="1"/>
+                                              <a:rPr lang="en-US" i="1">
+                                                <a:latin typeface="Cambria Math"/>
+                                              </a:rPr>
                                               <m:t>𝑦</m:t>
                                             </m:r>
                                             <m:r>
-                                              <a:rPr lang="en-US" i="1"/>
+                                              <a:rPr lang="en-US" i="1">
+                                                <a:latin typeface="Cambria Math"/>
+                                              </a:rPr>
                                               <m:t>−</m:t>
                                             </m:r>
                                             <m:sSub>
                                               <m:sSubPr>
                                                 <m:ctrlPr>
-                                                  <a:rPr lang="en-US" i="1"/>
+                                                  <a:rPr lang="en-US" i="1">
+                                                    <a:latin typeface="Cambria Math"/>
+                                                  </a:rPr>
                                                 </m:ctrlPr>
                                               </m:sSubPr>
                                               <m:e>
                                                 <m:r>
-                                                  <a:rPr lang="en-US" i="1"/>
+                                                  <a:rPr lang="en-US" i="1">
+                                                    <a:latin typeface="Cambria Math"/>
+                                                  </a:rPr>
                                                   <m:t>𝑦</m:t>
                                                 </m:r>
                                               </m:e>
                                               <m:sub>
                                                 <m:r>
-                                                  <a:rPr lang="en-US" i="1"/>
+                                                  <a:rPr lang="en-US" i="1">
+                                                    <a:latin typeface="Cambria Math"/>
+                                                  </a:rPr>
                                                   <m:t>2</m:t>
                                                 </m:r>
                                               </m:sub>
@@ -11378,36 +11446,48 @@
                                       </m:e>
                                       <m:sup>
                                         <m:r>
-                                          <a:rPr lang="en-US" i="1"/>
+                                          <a:rPr lang="en-US" i="1">
+                                            <a:latin typeface="Cambria Math"/>
+                                          </a:rPr>
                                           <m:t>2</m:t>
                                         </m:r>
                                       </m:sup>
                                     </m:sSup>
                                     <m:r>
-                                      <a:rPr lang="en-US" i="1"/>
+                                      <a:rPr lang="en-US" i="1">
+                                        <a:latin typeface="Cambria Math"/>
+                                      </a:rPr>
                                       <m:t>=</m:t>
                                     </m:r>
                                     <m:sSubSup>
                                       <m:sSubSupPr>
                                         <m:ctrlPr>
-                                          <a:rPr lang="en-US" i="1"/>
+                                          <a:rPr lang="en-US" i="1">
+                                            <a:latin typeface="Cambria Math"/>
+                                          </a:rPr>
                                         </m:ctrlPr>
                                       </m:sSubSupPr>
                                       <m:e>
                                         <m:r>
-                                          <a:rPr lang="en-US" i="1"/>
+                                          <a:rPr lang="en-US" i="1">
+                                            <a:latin typeface="Cambria Math"/>
+                                          </a:rPr>
                                           <m:t>𝑑</m:t>
                                         </m:r>
                                       </m:e>
                                       <m:sub>
                                         <m:r>
-                                          <a:rPr lang="en-US" i="1"/>
+                                          <a:rPr lang="en-US" i="1">
+                                            <a:latin typeface="Cambria Math"/>
+                                          </a:rPr>
                                           <m:t>2</m:t>
                                         </m:r>
                                       </m:sub>
                                       <m:sup>
                                         <m:r>
-                                          <a:rPr lang="en-US" i="1"/>
+                                          <a:rPr lang="en-US" i="1">
+                                            <a:latin typeface="Cambria Math"/>
+                                          </a:rPr>
                                           <m:t>2</m:t>
                                         </m:r>
                                       </m:sup>
@@ -11428,13 +11508,17 @@
                                     </m:mc>
                                   </m:mcs>
                                   <m:ctrlPr>
-                                    <a:rPr lang="en-US" i="1"/>
+                                    <a:rPr lang="en-US" i="1">
+                                      <a:latin typeface="Cambria Math"/>
+                                    </a:rPr>
                                   </m:ctrlPr>
                                 </m:mPr>
                                 <m:mr>
                                   <m:e>
                                     <m:r>
-                                      <a:rPr lang="en-US" i="1"/>
+                                      <a:rPr lang="en-US" i="1">
+                                        <a:latin typeface="Cambria Math"/>
+                                      </a:rPr>
                                       <m:t>⋮</m:t>
                                     </m:r>
                                   </m:e>
@@ -11444,40 +11528,54 @@
                                     <m:sSup>
                                       <m:sSupPr>
                                         <m:ctrlPr>
-                                          <a:rPr lang="en-US" i="1"/>
+                                          <a:rPr lang="en-US" i="1">
+                                            <a:latin typeface="Cambria Math"/>
+                                          </a:rPr>
                                         </m:ctrlPr>
                                       </m:sSupPr>
                                       <m:e>
                                         <m:d>
                                           <m:dPr>
                                             <m:ctrlPr>
-                                              <a:rPr lang="en-US" i="1"/>
+                                              <a:rPr lang="en-US" i="1">
+                                                <a:latin typeface="Cambria Math"/>
+                                              </a:rPr>
                                             </m:ctrlPr>
                                           </m:dPr>
                                           <m:e>
                                             <m:r>
-                                              <a:rPr lang="en-US" i="1"/>
+                                              <a:rPr lang="en-US" i="1">
+                                                <a:latin typeface="Cambria Math"/>
+                                              </a:rPr>
                                               <m:t>𝑥</m:t>
                                             </m:r>
                                             <m:r>
-                                              <a:rPr lang="en-US" i="1"/>
+                                              <a:rPr lang="en-US" i="1">
+                                                <a:latin typeface="Cambria Math"/>
+                                              </a:rPr>
                                               <m:t>−</m:t>
                                             </m:r>
                                             <m:sSub>
                                               <m:sSubPr>
                                                 <m:ctrlPr>
-                                                  <a:rPr lang="en-US" i="1"/>
+                                                  <a:rPr lang="en-US" i="1">
+                                                    <a:latin typeface="Cambria Math"/>
+                                                  </a:rPr>
                                                 </m:ctrlPr>
                                               </m:sSubPr>
                                               <m:e>
                                                 <m:r>
-                                                  <a:rPr lang="en-US" i="1"/>
+                                                  <a:rPr lang="en-US" i="1">
+                                                    <a:latin typeface="Cambria Math"/>
+                                                  </a:rPr>
                                                   <m:t>𝑥</m:t>
                                                 </m:r>
                                               </m:e>
                                               <m:sub>
                                                 <m:r>
-                                                  <a:rPr lang="en-US" i="1"/>
+                                                  <a:rPr lang="en-US" i="1">
+                                                    <a:latin typeface="Cambria Math"/>
+                                                  </a:rPr>
                                                   <m:t>𝑛</m:t>
                                                 </m:r>
                                               </m:sub>
@@ -11487,52 +11585,70 @@
                                       </m:e>
                                       <m:sup>
                                         <m:r>
-                                          <a:rPr lang="en-US" i="1"/>
+                                          <a:rPr lang="en-US" i="1">
+                                            <a:latin typeface="Cambria Math"/>
+                                          </a:rPr>
                                           <m:t>2</m:t>
                                         </m:r>
                                       </m:sup>
                                     </m:sSup>
                                     <m:r>
-                                      <a:rPr lang="en-US" i="1"/>
+                                      <a:rPr lang="en-US" i="1">
+                                        <a:latin typeface="Cambria Math"/>
+                                      </a:rPr>
                                       <m:t>+</m:t>
                                     </m:r>
                                     <m:sSup>
                                       <m:sSupPr>
                                         <m:ctrlPr>
-                                          <a:rPr lang="en-US" i="1"/>
+                                          <a:rPr lang="en-US" i="1">
+                                            <a:latin typeface="Cambria Math"/>
+                                          </a:rPr>
                                         </m:ctrlPr>
                                       </m:sSupPr>
                                       <m:e>
                                         <m:d>
                                           <m:dPr>
                                             <m:ctrlPr>
-                                              <a:rPr lang="en-US" i="1"/>
+                                              <a:rPr lang="en-US" i="1">
+                                                <a:latin typeface="Cambria Math"/>
+                                              </a:rPr>
                                             </m:ctrlPr>
                                           </m:dPr>
                                           <m:e>
                                             <m:r>
-                                              <a:rPr lang="en-US" i="1"/>
+                                              <a:rPr lang="en-US" i="1">
+                                                <a:latin typeface="Cambria Math"/>
+                                              </a:rPr>
                                               <m:t>𝑦</m:t>
                                             </m:r>
                                             <m:r>
-                                              <a:rPr lang="en-US" i="1"/>
+                                              <a:rPr lang="en-US" i="1">
+                                                <a:latin typeface="Cambria Math"/>
+                                              </a:rPr>
                                               <m:t>−</m:t>
                                             </m:r>
                                             <m:sSub>
                                               <m:sSubPr>
                                                 <m:ctrlPr>
-                                                  <a:rPr lang="en-US" i="1"/>
+                                                  <a:rPr lang="en-US" i="1">
+                                                    <a:latin typeface="Cambria Math"/>
+                                                  </a:rPr>
                                                 </m:ctrlPr>
                                               </m:sSubPr>
                                               <m:e>
                                                 <m:r>
-                                                  <a:rPr lang="en-US" i="1"/>
+                                                  <a:rPr lang="en-US" i="1">
+                                                    <a:latin typeface="Cambria Math"/>
+                                                  </a:rPr>
                                                   <m:t>𝑦</m:t>
                                                 </m:r>
                                               </m:e>
                                               <m:sub>
                                                 <m:r>
-                                                  <a:rPr lang="en-US" i="1"/>
+                                                  <a:rPr lang="en-US" i="1">
+                                                    <a:latin typeface="Cambria Math"/>
+                                                  </a:rPr>
                                                   <m:t>𝑛</m:t>
                                                 </m:r>
                                               </m:sub>
@@ -11542,36 +11658,48 @@
                                       </m:e>
                                       <m:sup>
                                         <m:r>
-                                          <a:rPr lang="en-US" i="1"/>
+                                          <a:rPr lang="en-US" i="1">
+                                            <a:latin typeface="Cambria Math"/>
+                                          </a:rPr>
                                           <m:t>2</m:t>
                                         </m:r>
                                       </m:sup>
                                     </m:sSup>
                                     <m:r>
-                                      <a:rPr lang="en-US" i="1"/>
+                                      <a:rPr lang="en-US" i="1">
+                                        <a:latin typeface="Cambria Math"/>
+                                      </a:rPr>
                                       <m:t>=</m:t>
                                     </m:r>
                                     <m:sSubSup>
                                       <m:sSubSupPr>
                                         <m:ctrlPr>
-                                          <a:rPr lang="en-US" i="1"/>
+                                          <a:rPr lang="en-US" i="1">
+                                            <a:latin typeface="Cambria Math"/>
+                                          </a:rPr>
                                         </m:ctrlPr>
                                       </m:sSubSupPr>
                                       <m:e>
                                         <m:r>
-                                          <a:rPr lang="en-US" i="1"/>
+                                          <a:rPr lang="en-US" i="1">
+                                            <a:latin typeface="Cambria Math"/>
+                                          </a:rPr>
                                           <m:t>𝑑</m:t>
                                         </m:r>
                                       </m:e>
                                       <m:sub>
                                         <m:r>
-                                          <a:rPr lang="en-US" i="1"/>
+                                          <a:rPr lang="en-US" i="1">
+                                            <a:latin typeface="Cambria Math"/>
+                                          </a:rPr>
                                           <m:t>𝑛</m:t>
                                         </m:r>
                                       </m:sub>
                                       <m:sup>
                                         <m:r>
-                                          <a:rPr lang="en-US" i="1"/>
+                                          <a:rPr lang="en-US" i="1">
+                                            <a:latin typeface="Cambria Math"/>
+                                          </a:rPr>
                                           <m:t>2</m:t>
                                         </m:r>
                                       </m:sup>
@@ -11922,7 +12050,7 @@
             </p:txBody>
           </p:sp>
         </mc:Choice>
-        <mc:Fallback>
+        <mc:Fallback xmlns="">
           <p:sp>
             <p:nvSpPr>
               <p:cNvPr id="3" name="Content Placeholder 2"/>
@@ -12009,8 +12137,8 @@
           </a:p>
         </p:txBody>
       </p:sp>
-      <mc:AlternateContent xmlns:mc="http://schemas.openxmlformats.org/markup-compatibility/2006">
-        <mc:Choice xmlns:a14="http://schemas.microsoft.com/office/drawing/2010/main" Requires="a14">
+      <mc:AlternateContent xmlns:mc="http://schemas.openxmlformats.org/markup-compatibility/2006" xmlns:a14="http://schemas.microsoft.com/office/drawing/2010/main">
+        <mc:Choice Requires="a14">
           <p:sp>
             <p:nvSpPr>
               <p:cNvPr id="3" name="Content Placeholder 2"/>
@@ -12542,7 +12670,7 @@
             </p:txBody>
           </p:sp>
         </mc:Choice>
-        <mc:Fallback>
+        <mc:Fallback xmlns="">
           <p:sp>
             <p:nvSpPr>
               <p:cNvPr id="3" name="Content Placeholder 2"/>
@@ -12633,8 +12761,8 @@
           </a:p>
         </p:txBody>
       </p:sp>
-      <mc:AlternateContent xmlns:mc="http://schemas.openxmlformats.org/markup-compatibility/2006">
-        <mc:Choice xmlns:a14="http://schemas.microsoft.com/office/drawing/2010/main" Requires="a14">
+      <mc:AlternateContent xmlns:mc="http://schemas.openxmlformats.org/markup-compatibility/2006" xmlns:a14="http://schemas.microsoft.com/office/drawing/2010/main">
+        <mc:Choice Requires="a14">
           <p:sp>
             <p:nvSpPr>
               <p:cNvPr id="3" name="Content Placeholder 2"/>
@@ -13175,18 +13303,24 @@
                       <m:sSub>
                         <m:sSubPr>
                           <m:ctrlPr>
-                            <a:rPr lang="en-US" i="1"/>
+                            <a:rPr lang="en-US" i="1">
+                              <a:latin typeface="Cambria Math"/>
+                            </a:rPr>
                           </m:ctrlPr>
                         </m:sSubPr>
                         <m:e>
                           <m:r>
-                            <a:rPr lang="en-US" i="1"/>
+                            <a:rPr lang="en-US" i="1">
+                              <a:latin typeface="Cambria Math"/>
+                            </a:rPr>
                             <m:t>𝑉</m:t>
                           </m:r>
                         </m:e>
                         <m:sub>
                           <m:r>
-                            <a:rPr lang="en-US" i="1"/>
+                            <a:rPr lang="en-US" i="1">
+                              <a:latin typeface="Cambria Math"/>
+                            </a:rPr>
                             <m:t>𝑖</m:t>
                           </m:r>
                         </m:sub>
@@ -13194,43 +13328,59 @@
                       <m:d>
                         <m:dPr>
                           <m:ctrlPr>
-                            <a:rPr lang="en-US" i="1"/>
+                            <a:rPr lang="en-US" i="1">
+                              <a:latin typeface="Cambria Math"/>
+                            </a:rPr>
                           </m:ctrlPr>
                         </m:dPr>
                         <m:e>
                           <m:r>
-                            <a:rPr lang="en-US" i="1"/>
+                            <a:rPr lang="en-US" i="1">
+                              <a:latin typeface="Cambria Math"/>
+                            </a:rPr>
                             <m:t>𝑡</m:t>
                           </m:r>
                           <m:r>
-                            <a:rPr lang="en-US" i="1"/>
+                            <a:rPr lang="en-US" i="1">
+                              <a:latin typeface="Cambria Math"/>
+                            </a:rPr>
                             <m:t>+1</m:t>
                           </m:r>
                         </m:e>
                       </m:d>
                       <m:r>
-                        <a:rPr lang="en-US" i="1"/>
+                        <a:rPr lang="en-US" i="1">
+                          <a:latin typeface="Cambria Math"/>
+                        </a:rPr>
                         <m:t>=</m:t>
                       </m:r>
                       <m:r>
-                        <a:rPr lang="en-US" i="1"/>
+                        <a:rPr lang="en-US" i="1">
+                          <a:latin typeface="Cambria Math"/>
+                        </a:rPr>
                         <m:t>𝜔</m:t>
                       </m:r>
                       <m:sSub>
                         <m:sSubPr>
                           <m:ctrlPr>
-                            <a:rPr lang="en-US" i="1"/>
+                            <a:rPr lang="en-US" i="1">
+                              <a:latin typeface="Cambria Math"/>
+                            </a:rPr>
                           </m:ctrlPr>
                         </m:sSubPr>
                         <m:e>
                           <m:r>
-                            <a:rPr lang="en-US" i="1"/>
+                            <a:rPr lang="en-US" i="1">
+                              <a:latin typeface="Cambria Math"/>
+                            </a:rPr>
                             <m:t>𝑉</m:t>
                           </m:r>
                         </m:e>
                         <m:sub>
                           <m:r>
-                            <a:rPr lang="en-US" i="1"/>
+                            <a:rPr lang="en-US" i="1">
+                              <a:latin typeface="Cambria Math"/>
+                            </a:rPr>
                             <m:t>𝑖</m:t>
                           </m:r>
                         </m:sub>
@@ -13238,12 +13388,16 @@
                       <m:d>
                         <m:dPr>
                           <m:ctrlPr>
-                            <a:rPr lang="en-US" i="1"/>
+                            <a:rPr lang="en-US" i="1">
+                              <a:latin typeface="Cambria Math"/>
+                            </a:rPr>
                           </m:ctrlPr>
                         </m:dPr>
                         <m:e>
                           <m:r>
-                            <a:rPr lang="en-US" i="1"/>
+                            <a:rPr lang="en-US" i="1">
+                              <a:latin typeface="Cambria Math"/>
+                            </a:rPr>
                             <m:t>𝑡</m:t>
                           </m:r>
                         </m:e>
@@ -13264,7 +13418,9 @@
                     </m:oMathParaPr>
                     <m:oMath xmlns:m="http://schemas.openxmlformats.org/officeDocument/2006/math">
                       <m:r>
-                        <a:rPr lang="en-US" i="1"/>
+                        <a:rPr lang="en-US" i="1">
+                          <a:latin typeface="Cambria Math"/>
+                        </a:rPr>
                         <m:t>+</m:t>
                       </m:r>
                       <m:r>
@@ -13276,18 +13432,24 @@
                       <m:sSub>
                         <m:sSubPr>
                           <m:ctrlPr>
-                            <a:rPr lang="en-US" i="1"/>
+                            <a:rPr lang="en-US" i="1">
+                              <a:latin typeface="Cambria Math"/>
+                            </a:rPr>
                           </m:ctrlPr>
                         </m:sSubPr>
                         <m:e>
                           <m:r>
-                            <a:rPr lang="en-US" i="1"/>
+                            <a:rPr lang="en-US" i="1">
+                              <a:latin typeface="Cambria Math"/>
+                            </a:rPr>
                             <m:t>𝑐</m:t>
                           </m:r>
                         </m:e>
                         <m:sub>
                           <m:r>
-                            <a:rPr lang="en-US" i="1"/>
+                            <a:rPr lang="en-US" i="1">
+                              <a:latin typeface="Cambria Math"/>
+                            </a:rPr>
                             <m:t>1</m:t>
                           </m:r>
                         </m:sub>
@@ -13295,18 +13457,24 @@
                       <m:sSub>
                         <m:sSubPr>
                           <m:ctrlPr>
-                            <a:rPr lang="en-US" i="1"/>
+                            <a:rPr lang="en-US" i="1">
+                              <a:latin typeface="Cambria Math"/>
+                            </a:rPr>
                           </m:ctrlPr>
                         </m:sSubPr>
                         <m:e>
                           <m:r>
-                            <a:rPr lang="en-US" i="1"/>
+                            <a:rPr lang="en-US" i="1">
+                              <a:latin typeface="Cambria Math"/>
+                            </a:rPr>
                             <m:t>𝑟</m:t>
                           </m:r>
                         </m:e>
                         <m:sub>
                           <m:r>
-                            <a:rPr lang="en-US" i="1"/>
+                            <a:rPr lang="en-US" i="1">
+                              <a:latin typeface="Cambria Math"/>
+                            </a:rPr>
                             <m:t>1</m:t>
                           </m:r>
                         </m:sub>
@@ -13316,25 +13484,33 @@
                           <m:begChr m:val="["/>
                           <m:endChr m:val="]"/>
                           <m:ctrlPr>
-                            <a:rPr lang="en-US" i="1"/>
+                            <a:rPr lang="en-US" i="1">
+                              <a:latin typeface="Cambria Math"/>
+                            </a:rPr>
                           </m:ctrlPr>
                         </m:dPr>
                         <m:e>
                           <m:sSub>
                             <m:sSubPr>
                               <m:ctrlPr>
-                                <a:rPr lang="en-US" i="1"/>
+                                <a:rPr lang="en-US" i="1">
+                                  <a:latin typeface="Cambria Math"/>
+                                </a:rPr>
                               </m:ctrlPr>
                             </m:sSubPr>
                             <m:e>
                               <m:r>
-                                <a:rPr lang="en-US" i="1"/>
+                                <a:rPr lang="en-US" i="1">
+                                  <a:latin typeface="Cambria Math"/>
+                                </a:rPr>
                                 <m:t>𝑝𝑏𝑒𝑠𝑡</m:t>
                               </m:r>
                             </m:e>
                             <m:sub>
                               <m:r>
-                                <a:rPr lang="en-US" i="1"/>
+                                <a:rPr lang="en-US" i="1">
+                                  <a:latin typeface="Cambria Math"/>
+                                </a:rPr>
                                 <m:t>𝑖</m:t>
                               </m:r>
                             </m:sub>
@@ -13342,35 +13518,47 @@
                           <m:d>
                             <m:dPr>
                               <m:ctrlPr>
-                                <a:rPr lang="en-US" i="1"/>
+                                <a:rPr lang="en-US" i="1">
+                                  <a:latin typeface="Cambria Math"/>
+                                </a:rPr>
                               </m:ctrlPr>
                             </m:dPr>
                             <m:e>
                               <m:r>
-                                <a:rPr lang="en-US" i="1"/>
+                                <a:rPr lang="en-US" i="1">
+                                  <a:latin typeface="Cambria Math"/>
+                                </a:rPr>
                                 <m:t>𝑡</m:t>
                               </m:r>
                             </m:e>
                           </m:d>
                           <m:r>
-                            <a:rPr lang="en-US" i="1"/>
+                            <a:rPr lang="en-US" i="1">
+                              <a:latin typeface="Cambria Math"/>
+                            </a:rPr>
                             <m:t>−</m:t>
                           </m:r>
                           <m:sSub>
                             <m:sSubPr>
                               <m:ctrlPr>
-                                <a:rPr lang="en-US" i="1"/>
+                                <a:rPr lang="en-US" i="1">
+                                  <a:latin typeface="Cambria Math"/>
+                                </a:rPr>
                               </m:ctrlPr>
                             </m:sSubPr>
                             <m:e>
                               <m:r>
-                                <a:rPr lang="en-US" i="1"/>
+                                <a:rPr lang="en-US" i="1">
+                                  <a:latin typeface="Cambria Math"/>
+                                </a:rPr>
                                 <m:t>𝑧</m:t>
                               </m:r>
                             </m:e>
                             <m:sub>
                               <m:r>
-                                <a:rPr lang="en-US" i="1"/>
+                                <a:rPr lang="en-US" i="1">
+                                  <a:latin typeface="Cambria Math"/>
+                                </a:rPr>
                                 <m:t>𝑖</m:t>
                               </m:r>
                             </m:sub>
@@ -13378,12 +13566,16 @@
                           <m:d>
                             <m:dPr>
                               <m:ctrlPr>
-                                <a:rPr lang="en-US" i="1"/>
+                                <a:rPr lang="en-US" i="1">
+                                  <a:latin typeface="Cambria Math"/>
+                                </a:rPr>
                               </m:ctrlPr>
                             </m:dPr>
                             <m:e>
                               <m:r>
-                                <a:rPr lang="en-US" i="1"/>
+                                <a:rPr lang="en-US" i="1">
+                                  <a:latin typeface="Cambria Math"/>
+                                </a:rPr>
                                 <m:t>𝑡</m:t>
                               </m:r>
                             </m:e>
@@ -13391,24 +13583,32 @@
                         </m:e>
                       </m:d>
                       <m:r>
-                        <a:rPr lang="en-US" i="1"/>
+                        <a:rPr lang="en-US" i="1">
+                          <a:latin typeface="Cambria Math"/>
+                        </a:rPr>
                         <m:t>+</m:t>
                       </m:r>
                       <m:sSub>
                         <m:sSubPr>
                           <m:ctrlPr>
-                            <a:rPr lang="en-US" i="1"/>
+                            <a:rPr lang="en-US" i="1">
+                              <a:latin typeface="Cambria Math"/>
+                            </a:rPr>
                           </m:ctrlPr>
                         </m:sSubPr>
                         <m:e>
                           <m:r>
-                            <a:rPr lang="en-US" i="1"/>
+                            <a:rPr lang="en-US" i="1">
+                              <a:latin typeface="Cambria Math"/>
+                            </a:rPr>
                             <m:t>𝑐</m:t>
                           </m:r>
                         </m:e>
                         <m:sub>
                           <m:r>
-                            <a:rPr lang="en-US" i="1"/>
+                            <a:rPr lang="en-US" i="1">
+                              <a:latin typeface="Cambria Math"/>
+                            </a:rPr>
                             <m:t>2</m:t>
                           </m:r>
                         </m:sub>
@@ -13416,18 +13616,24 @@
                       <m:sSub>
                         <m:sSubPr>
                           <m:ctrlPr>
-                            <a:rPr lang="en-US" i="1"/>
+                            <a:rPr lang="en-US" i="1">
+                              <a:latin typeface="Cambria Math"/>
+                            </a:rPr>
                           </m:ctrlPr>
                         </m:sSubPr>
                         <m:e>
                           <m:r>
-                            <a:rPr lang="en-US" i="1"/>
+                            <a:rPr lang="en-US" i="1">
+                              <a:latin typeface="Cambria Math"/>
+                            </a:rPr>
                             <m:t>𝑟</m:t>
                           </m:r>
                         </m:e>
                         <m:sub>
                           <m:r>
-                            <a:rPr lang="en-US" i="1"/>
+                            <a:rPr lang="en-US" i="1">
+                              <a:latin typeface="Cambria Math"/>
+                            </a:rPr>
                             <m:t>2</m:t>
                           </m:r>
                         </m:sub>
@@ -13437,44 +13643,60 @@
                           <m:begChr m:val="["/>
                           <m:endChr m:val="]"/>
                           <m:ctrlPr>
-                            <a:rPr lang="en-US" i="1"/>
+                            <a:rPr lang="en-US" i="1">
+                              <a:latin typeface="Cambria Math"/>
+                            </a:rPr>
                           </m:ctrlPr>
                         </m:dPr>
                         <m:e>
                           <m:r>
-                            <a:rPr lang="en-US" i="1"/>
+                            <a:rPr lang="en-US" i="1">
+                              <a:latin typeface="Cambria Math"/>
+                            </a:rPr>
                             <m:t>𝑔𝑏𝑒𝑠𝑡</m:t>
                           </m:r>
                           <m:d>
                             <m:dPr>
                               <m:ctrlPr>
-                                <a:rPr lang="en-US" i="1"/>
+                                <a:rPr lang="en-US" i="1">
+                                  <a:latin typeface="Cambria Math"/>
+                                </a:rPr>
                               </m:ctrlPr>
                             </m:dPr>
                             <m:e>
                               <m:r>
-                                <a:rPr lang="en-US" i="1"/>
+                                <a:rPr lang="en-US" i="1">
+                                  <a:latin typeface="Cambria Math"/>
+                                </a:rPr>
                                 <m:t>𝑡</m:t>
                               </m:r>
                             </m:e>
                           </m:d>
                           <m:r>
-                            <a:rPr lang="en-US" i="1"/>
+                            <a:rPr lang="en-US" i="1">
+                              <a:latin typeface="Cambria Math"/>
+                            </a:rPr>
                             <m:t>−</m:t>
                           </m:r>
                           <m:r>
-                            <a:rPr lang="en-US" i="1"/>
+                            <a:rPr lang="en-US" i="1">
+                              <a:latin typeface="Cambria Math"/>
+                            </a:rPr>
                             <m:t>𝑧</m:t>
                           </m:r>
                           <m:d>
                             <m:dPr>
                               <m:ctrlPr>
-                                <a:rPr lang="en-US" i="1"/>
+                                <a:rPr lang="en-US" i="1">
+                                  <a:latin typeface="Cambria Math"/>
+                                </a:rPr>
                               </m:ctrlPr>
                             </m:dPr>
                             <m:e>
                               <m:r>
-                                <a:rPr lang="en-US" i="1"/>
+                                <a:rPr lang="en-US" i="1">
+                                  <a:latin typeface="Cambria Math"/>
+                                </a:rPr>
                                 <m:t>𝑡</m:t>
                               </m:r>
                             </m:e>
@@ -13507,85 +13729,115 @@
                     </m:oMathParaPr>
                     <m:oMath xmlns:m="http://schemas.openxmlformats.org/officeDocument/2006/math">
                       <m:r>
-                        <a:rPr lang="en-US" i="1"/>
+                        <a:rPr lang="en-US" i="1">
+                          <a:latin typeface="Cambria Math"/>
+                        </a:rPr>
                         <m:t>𝜔</m:t>
                       </m:r>
                       <m:r>
-                        <a:rPr lang="en-US" i="1"/>
+                        <a:rPr lang="en-US" i="1">
+                          <a:latin typeface="Cambria Math"/>
+                        </a:rPr>
                         <m:t>=</m:t>
                       </m:r>
                       <m:sSub>
                         <m:sSubPr>
                           <m:ctrlPr>
-                            <a:rPr lang="en-US" i="1"/>
+                            <a:rPr lang="en-US" i="1">
+                              <a:latin typeface="Cambria Math"/>
+                            </a:rPr>
                           </m:ctrlPr>
                         </m:sSubPr>
                         <m:e>
                           <m:r>
-                            <a:rPr lang="en-US" i="1"/>
+                            <a:rPr lang="en-US" i="1">
+                              <a:latin typeface="Cambria Math"/>
+                            </a:rPr>
                             <m:t>𝜔</m:t>
                           </m:r>
                         </m:e>
                         <m:sub>
                           <m:r>
-                            <a:rPr lang="en-US" i="1"/>
+                            <a:rPr lang="en-US" i="1">
+                              <a:latin typeface="Cambria Math"/>
+                            </a:rPr>
                             <m:t>𝑚𝑎𝑥</m:t>
                           </m:r>
                         </m:sub>
                       </m:sSub>
                       <m:r>
-                        <a:rPr lang="en-US" i="1"/>
+                        <a:rPr lang="en-US" i="1">
+                          <a:latin typeface="Cambria Math"/>
+                        </a:rPr>
                         <m:t>−</m:t>
                       </m:r>
                       <m:r>
-                        <a:rPr lang="en-US" i="1"/>
+                        <a:rPr lang="en-US" i="1">
+                          <a:latin typeface="Cambria Math"/>
+                        </a:rPr>
                         <m:t>𝑡</m:t>
                       </m:r>
                       <m:f>
                         <m:fPr>
                           <m:ctrlPr>
-                            <a:rPr lang="en-US" i="1"/>
+                            <a:rPr lang="en-US" i="1">
+                              <a:latin typeface="Cambria Math"/>
+                            </a:rPr>
                           </m:ctrlPr>
                         </m:fPr>
                         <m:num>
                           <m:sSub>
                             <m:sSubPr>
                               <m:ctrlPr>
-                                <a:rPr lang="en-US" i="1"/>
+                                <a:rPr lang="en-US" i="1">
+                                  <a:latin typeface="Cambria Math"/>
+                                </a:rPr>
                               </m:ctrlPr>
                             </m:sSubPr>
                             <m:e>
                               <m:r>
-                                <a:rPr lang="en-US" i="1"/>
+                                <a:rPr lang="en-US" i="1">
+                                  <a:latin typeface="Cambria Math"/>
+                                </a:rPr>
                                 <m:t>𝜔</m:t>
                               </m:r>
                             </m:e>
                             <m:sub>
                               <m:r>
-                                <a:rPr lang="en-US" i="1"/>
+                                <a:rPr lang="en-US" i="1">
+                                  <a:latin typeface="Cambria Math"/>
+                                </a:rPr>
                                 <m:t>𝑚𝑎𝑥</m:t>
                               </m:r>
                             </m:sub>
                           </m:sSub>
                           <m:r>
-                            <a:rPr lang="en-US" i="1"/>
+                            <a:rPr lang="en-US" i="1">
+                              <a:latin typeface="Cambria Math"/>
+                            </a:rPr>
                             <m:t>−</m:t>
                           </m:r>
                           <m:sSub>
                             <m:sSubPr>
                               <m:ctrlPr>
-                                <a:rPr lang="en-US" i="1"/>
+                                <a:rPr lang="en-US" i="1">
+                                  <a:latin typeface="Cambria Math"/>
+                                </a:rPr>
                               </m:ctrlPr>
                             </m:sSubPr>
                             <m:e>
                               <m:r>
-                                <a:rPr lang="en-US" i="1"/>
+                                <a:rPr lang="en-US" i="1">
+                                  <a:latin typeface="Cambria Math"/>
+                                </a:rPr>
                                 <m:t>𝜔</m:t>
                               </m:r>
                             </m:e>
                             <m:sub>
                               <m:r>
-                                <a:rPr lang="en-US" i="1"/>
+                                <a:rPr lang="en-US" i="1">
+                                  <a:latin typeface="Cambria Math"/>
+                                </a:rPr>
                                 <m:t>𝑚𝑖𝑛</m:t>
                               </m:r>
                             </m:sub>
@@ -13593,7 +13845,9 @@
                         </m:num>
                         <m:den>
                           <m:r>
-                            <a:rPr lang="en-US" i="1"/>
+                            <a:rPr lang="en-US" i="1">
+                              <a:latin typeface="Cambria Math"/>
+                            </a:rPr>
                             <m:t>𝑇</m:t>
                           </m:r>
                         </m:den>
@@ -13606,7 +13860,7 @@
             </p:txBody>
           </p:sp>
         </mc:Choice>
-        <mc:Fallback>
+        <mc:Fallback xmlns="">
           <p:sp>
             <p:nvSpPr>
               <p:cNvPr id="3" name="Content Placeholder 2"/>
@@ -13692,8 +13946,8 @@
           </a:p>
         </p:txBody>
       </p:sp>
-      <mc:AlternateContent xmlns:mc="http://schemas.openxmlformats.org/markup-compatibility/2006">
-        <mc:Choice xmlns:a14="http://schemas.microsoft.com/office/drawing/2010/main" Requires="a14">
+      <mc:AlternateContent xmlns:mc="http://schemas.openxmlformats.org/markup-compatibility/2006" xmlns:a14="http://schemas.microsoft.com/office/drawing/2010/main">
+        <mc:Choice Requires="a14">
           <p:sp>
             <p:nvSpPr>
               <p:cNvPr id="3" name="Content Placeholder 2"/>
@@ -13841,13 +14095,7 @@
                         <a:rPr lang="en-US" sz="3000" i="1">
                           <a:latin typeface="Cambria Math"/>
                         </a:rPr>
-                        <m:t>+</m:t>
-                      </m:r>
-                      <m:r>
-                        <a:rPr lang="en-US" sz="3000" i="1">
-                          <a:latin typeface="Cambria Math"/>
-                        </a:rPr>
-                        <m:t> </m:t>
+                        <m:t>+ </m:t>
                       </m:r>
                       <m:sSub>
                         <m:sSubPr>
@@ -14134,32 +14382,44 @@
                     <m:sSub>
                       <m:sSubPr>
                         <m:ctrlPr>
-                          <a:rPr lang="en-US" i="1"/>
+                          <a:rPr lang="en-US" i="1">
+                            <a:latin typeface="Cambria Math"/>
+                          </a:rPr>
                         </m:ctrlPr>
                       </m:sSubPr>
                       <m:e>
                         <m:r>
-                          <a:rPr lang="en-US" i="1"/>
+                          <a:rPr lang="en-US" i="1">
+                            <a:latin typeface="Cambria Math"/>
+                          </a:rPr>
                           <m:t>𝑉</m:t>
                         </m:r>
                       </m:e>
                       <m:sub>
                         <m:r>
-                          <a:rPr lang="en-US" i="1"/>
+                          <a:rPr lang="en-US" i="1">
+                            <a:latin typeface="Cambria Math"/>
+                          </a:rPr>
                           <m:t>𝑖</m:t>
                         </m:r>
                       </m:sub>
                     </m:sSub>
                     <m:r>
-                      <a:rPr lang="en-US" i="1"/>
+                      <a:rPr lang="en-US" i="1">
+                        <a:latin typeface="Cambria Math"/>
+                      </a:rPr>
                       <m:t>(</m:t>
                     </m:r>
                     <m:r>
-                      <a:rPr lang="en-US" i="1"/>
+                      <a:rPr lang="en-US" i="1">
+                        <a:latin typeface="Cambria Math"/>
+                      </a:rPr>
                       <m:t>𝑡</m:t>
                     </m:r>
                     <m:r>
-                      <a:rPr lang="en-US" i="1"/>
+                      <a:rPr lang="en-US" i="1">
+                        <a:latin typeface="Cambria Math"/>
+                      </a:rPr>
                       <m:t>)</m:t>
                     </m:r>
                   </m:oMath>
@@ -14227,7 +14487,9 @@
                 <a14:m>
                   <m:oMath xmlns:m="http://schemas.openxmlformats.org/officeDocument/2006/math">
                     <m:r>
-                      <a:rPr lang="en-US" i="1"/>
+                      <a:rPr lang="en-US" i="1">
+                        <a:latin typeface="Cambria Math"/>
+                      </a:rPr>
                       <m:t>𝑖</m:t>
                     </m:r>
                   </m:oMath>
@@ -14244,32 +14506,44 @@
                     <m:sSub>
                       <m:sSubPr>
                         <m:ctrlPr>
-                          <a:rPr lang="en-US" i="1"/>
+                          <a:rPr lang="en-US" i="1">
+                            <a:latin typeface="Cambria Math"/>
+                          </a:rPr>
                         </m:ctrlPr>
                       </m:sSubPr>
                       <m:e>
                         <m:r>
-                          <a:rPr lang="en-US" i="1"/>
+                          <a:rPr lang="en-US" i="1">
+                            <a:latin typeface="Cambria Math"/>
+                          </a:rPr>
                           <m:t>𝑍</m:t>
                         </m:r>
                       </m:e>
                       <m:sub>
                         <m:r>
-                          <a:rPr lang="en-US" i="1"/>
+                          <a:rPr lang="en-US" i="1">
+                            <a:latin typeface="Cambria Math"/>
+                          </a:rPr>
                           <m:t>𝑖</m:t>
                         </m:r>
                       </m:sub>
                     </m:sSub>
                     <m:r>
-                      <a:rPr lang="en-US" i="1"/>
+                      <a:rPr lang="en-US" i="1">
+                        <a:latin typeface="Cambria Math"/>
+                      </a:rPr>
                       <m:t>(</m:t>
                     </m:r>
                     <m:r>
-                      <a:rPr lang="en-US" i="1"/>
+                      <a:rPr lang="en-US" i="1">
+                        <a:latin typeface="Cambria Math"/>
+                      </a:rPr>
                       <m:t>𝑡</m:t>
                     </m:r>
                     <m:r>
-                      <a:rPr lang="en-US" i="1"/>
+                      <a:rPr lang="en-US" i="1">
+                        <a:latin typeface="Cambria Math"/>
+                      </a:rPr>
                       <m:t>)</m:t>
                     </m:r>
                   </m:oMath>
@@ -14337,7 +14611,9 @@
                 <a14:m>
                   <m:oMath xmlns:m="http://schemas.openxmlformats.org/officeDocument/2006/math">
                     <m:r>
-                      <a:rPr lang="en-US" i="1"/>
+                      <a:rPr lang="en-US" i="1">
+                        <a:latin typeface="Cambria Math"/>
+                      </a:rPr>
                       <m:t>𝑖</m:t>
                     </m:r>
                   </m:oMath>
@@ -14352,7 +14628,9 @@
                 <a14:m>
                   <m:oMath xmlns:m="http://schemas.openxmlformats.org/officeDocument/2006/math">
                     <m:r>
-                      <a:rPr lang="en-US" i="1"/>
+                      <a:rPr lang="en-US" i="1">
+                        <a:latin typeface="Cambria Math"/>
+                      </a:rPr>
                       <m:t>𝜔</m:t>
                     </m:r>
                   </m:oMath>
@@ -14409,41 +14687,55 @@
                     <m:sSub>
                       <m:sSubPr>
                         <m:ctrlPr>
-                          <a:rPr lang="en-US" i="1"/>
+                          <a:rPr lang="en-US" i="1">
+                            <a:latin typeface="Cambria Math"/>
+                          </a:rPr>
                         </m:ctrlPr>
                       </m:sSubPr>
                       <m:e>
                         <m:r>
-                          <a:rPr lang="en-US" i="1"/>
+                          <a:rPr lang="en-US" i="1">
+                            <a:latin typeface="Cambria Math"/>
+                          </a:rPr>
                           <m:t>𝑐</m:t>
                         </m:r>
                       </m:e>
                       <m:sub>
                         <m:r>
-                          <a:rPr lang="en-US" i="1"/>
+                          <a:rPr lang="en-US" i="1">
+                            <a:latin typeface="Cambria Math"/>
+                          </a:rPr>
                           <m:t>1</m:t>
                         </m:r>
                       </m:sub>
                     </m:sSub>
                     <m:r>
-                      <a:rPr lang="en-US" i="1"/>
+                      <a:rPr lang="en-US" i="1">
+                        <a:latin typeface="Cambria Math"/>
+                      </a:rPr>
                       <m:t>,</m:t>
                     </m:r>
                     <m:sSub>
                       <m:sSubPr>
                         <m:ctrlPr>
-                          <a:rPr lang="en-US" i="1"/>
+                          <a:rPr lang="en-US" i="1">
+                            <a:latin typeface="Cambria Math"/>
+                          </a:rPr>
                         </m:ctrlPr>
                       </m:sSubPr>
                       <m:e>
                         <m:r>
-                          <a:rPr lang="en-US" i="1"/>
+                          <a:rPr lang="en-US" i="1">
+                            <a:latin typeface="Cambria Math"/>
+                          </a:rPr>
                           <m:t>𝑐</m:t>
                         </m:r>
                       </m:e>
                       <m:sub>
                         <m:r>
-                          <a:rPr lang="en-US" i="1"/>
+                          <a:rPr lang="en-US" i="1">
+                            <a:latin typeface="Cambria Math"/>
+                          </a:rPr>
                           <m:t>2</m:t>
                         </m:r>
                       </m:sub>
@@ -14502,41 +14794,55 @@
                     <m:sSub>
                       <m:sSubPr>
                         <m:ctrlPr>
-                          <a:rPr lang="en-US" i="1"/>
+                          <a:rPr lang="en-US" i="1">
+                            <a:latin typeface="Cambria Math"/>
+                          </a:rPr>
                         </m:ctrlPr>
                       </m:sSubPr>
                       <m:e>
                         <m:r>
-                          <a:rPr lang="en-US" i="1"/>
+                          <a:rPr lang="en-US" i="1">
+                            <a:latin typeface="Cambria Math"/>
+                          </a:rPr>
                           <m:t>𝑟</m:t>
                         </m:r>
                       </m:e>
                       <m:sub>
                         <m:r>
-                          <a:rPr lang="en-US" i="1"/>
+                          <a:rPr lang="en-US" i="1">
+                            <a:latin typeface="Cambria Math"/>
+                          </a:rPr>
                           <m:t>1</m:t>
                         </m:r>
                       </m:sub>
                     </m:sSub>
                     <m:r>
-                      <a:rPr lang="en-US" i="1"/>
+                      <a:rPr lang="en-US" i="1">
+                        <a:latin typeface="Cambria Math"/>
+                      </a:rPr>
                       <m:t>,</m:t>
                     </m:r>
                     <m:sSub>
                       <m:sSubPr>
                         <m:ctrlPr>
-                          <a:rPr lang="en-US" i="1"/>
+                          <a:rPr lang="en-US" i="1">
+                            <a:latin typeface="Cambria Math"/>
+                          </a:rPr>
                         </m:ctrlPr>
                       </m:sSubPr>
                       <m:e>
                         <m:r>
-                          <a:rPr lang="en-US" i="1"/>
+                          <a:rPr lang="en-US" i="1">
+                            <a:latin typeface="Cambria Math"/>
+                          </a:rPr>
                           <m:t>𝑟</m:t>
                         </m:r>
                       </m:e>
                       <m:sub>
                         <m:r>
-                          <a:rPr lang="en-US" i="1"/>
+                          <a:rPr lang="en-US" i="1">
+                            <a:latin typeface="Cambria Math"/>
+                          </a:rPr>
                           <m:t>2</m:t>
                         </m:r>
                       </m:sub>
@@ -14613,7 +14919,9 @@
                 <a14:m>
                   <m:oMath xmlns:m="http://schemas.openxmlformats.org/officeDocument/2006/math">
                     <m:r>
-                      <a:rPr lang="en-US" i="1"/>
+                      <a:rPr lang="en-US" i="1">
+                        <a:latin typeface="Cambria Math"/>
+                      </a:rPr>
                       <m:t>𝑡</m:t>
                     </m:r>
                   </m:oMath>
@@ -14697,7 +15005,9 @@
                 <a14:m>
                   <m:oMath xmlns:m="http://schemas.openxmlformats.org/officeDocument/2006/math">
                     <m:r>
-                      <a:rPr lang="en-US" i="1"/>
+                      <a:rPr lang="en-US" i="1">
+                        <a:latin typeface="Cambria Math"/>
+                      </a:rPr>
                       <m:t>𝑇</m:t>
                     </m:r>
                   </m:oMath>
@@ -14747,7 +15057,7 @@
             </p:txBody>
           </p:sp>
         </mc:Choice>
-        <mc:Fallback>
+        <mc:Fallback xmlns="">
           <p:sp>
             <p:nvSpPr>
               <p:cNvPr id="3" name="Content Placeholder 2"/>
